--- a/Docs/中惠农通平台设计.pptx
+++ b/Docs/中惠农通平台设计.pptx
@@ -2,13 +2,13 @@
 <file path=ppt/presentation.xml><?xml version="1.0" encoding="utf-8"?>
 <p:presentation xmlns:a="http://schemas.openxmlformats.org/drawingml/2006/main" xmlns:r="http://schemas.openxmlformats.org/officeDocument/2006/relationships" xmlns:p="http://schemas.openxmlformats.org/presentationml/2006/main" saveSubsetFonts="1">
   <p:sldMasterIdLst>
-    <p:sldMasterId id="2147484251" r:id="rId4"/>
+    <p:sldMasterId id="2147484275" r:id="rId4"/>
   </p:sldMasterIdLst>
   <p:notesMasterIdLst>
-    <p:notesMasterId r:id="rId14"/>
+    <p:notesMasterId r:id="rId16"/>
   </p:notesMasterIdLst>
   <p:handoutMasterIdLst>
-    <p:handoutMasterId r:id="rId15"/>
+    <p:handoutMasterId r:id="rId17"/>
   </p:handoutMasterIdLst>
   <p:sldIdLst>
     <p:sldId id="283" r:id="rId5"/>
@@ -17,9 +17,11 @@
     <p:sldId id="291" r:id="rId8"/>
     <p:sldId id="292" r:id="rId9"/>
     <p:sldId id="294" r:id="rId10"/>
-    <p:sldId id="279" r:id="rId11"/>
-    <p:sldId id="293" r:id="rId12"/>
-    <p:sldId id="295" r:id="rId13"/>
+    <p:sldId id="296" r:id="rId11"/>
+    <p:sldId id="297" r:id="rId12"/>
+    <p:sldId id="279" r:id="rId13"/>
+    <p:sldId id="293" r:id="rId14"/>
+    <p:sldId id="295" r:id="rId15"/>
   </p:sldIdLst>
   <p:sldSz cx="12192000" cy="6858000"/>
   <p:notesSz cx="6858000" cy="9144000"/>
@@ -1867,7 +1869,7 @@
               <a:latin typeface="微软雅黑" panose="020B0503020204020204" pitchFamily="34" charset="-122"/>
               <a:ea typeface="微软雅黑" panose="020B0503020204020204" pitchFamily="34" charset="-122"/>
             </a:rPr>
-            <a:t>湖北节点</a:t>
+            <a:t>区域节点</a:t>
           </a:r>
           <a:endParaRPr lang="en-US" dirty="0">
             <a:latin typeface="微软雅黑" panose="020B0503020204020204" pitchFamily="34" charset="-122"/>
@@ -1913,7 +1915,7 @@
               <a:latin typeface="微软雅黑" panose="020B0503020204020204" pitchFamily="34" charset="-122"/>
               <a:ea typeface="微软雅黑" panose="020B0503020204020204" pitchFamily="34" charset="-122"/>
             </a:rPr>
-            <a:t>江西节点</a:t>
+            <a:t>区域节点</a:t>
           </a:r>
           <a:endParaRPr lang="en-US" dirty="0">
             <a:latin typeface="微软雅黑" panose="020B0503020204020204" pitchFamily="34" charset="-122"/>
@@ -2002,7 +2004,7 @@
               <a:latin typeface="微软雅黑" panose="020B0503020204020204" pitchFamily="34" charset="-122"/>
               <a:ea typeface="微软雅黑" panose="020B0503020204020204" pitchFamily="34" charset="-122"/>
             </a:rPr>
-            <a:t>广东节点</a:t>
+            <a:t>区域节点</a:t>
           </a:r>
           <a:endParaRPr lang="en-US" dirty="0">
             <a:latin typeface="微软雅黑" panose="020B0503020204020204" pitchFamily="34" charset="-122"/>
@@ -2302,7 +2304,7 @@
 <dgm:dataModel xmlns:dgm="http://schemas.openxmlformats.org/drawingml/2006/diagram" xmlns:a="http://schemas.openxmlformats.org/drawingml/2006/main">
   <dgm:ptLst>
     <dgm:pt modelId="{43AD9D62-62B7-4DD8-BA6A-AAE5DE504B93}" type="doc">
-      <dgm:prSet loTypeId="urn:microsoft.com/office/officeart/2005/8/layout/vList3" loCatId="picture" qsTypeId="urn:microsoft.com/office/officeart/2005/8/quickstyle/simple1" qsCatId="simple" csTypeId="urn:microsoft.com/office/officeart/2005/8/colors/colorful1" csCatId="colorful" phldr="1"/>
+      <dgm:prSet loTypeId="urn:microsoft.com/office/officeart/2005/8/layout/hierarchy4" loCatId="hierarchy" qsTypeId="urn:microsoft.com/office/officeart/2005/8/quickstyle/simple1" qsCatId="simple" csTypeId="urn:microsoft.com/office/officeart/2005/8/colors/colorful1" csCatId="colorful" phldr="1"/>
       <dgm:spPr/>
     </dgm:pt>
     <dgm:pt modelId="{EE83F8D3-3446-47C5-89FD-D98E6D61E450}">
@@ -2317,17 +2319,7 @@
               <a:latin typeface="微软雅黑" panose="020B0503020204020204" pitchFamily="34" charset="-122"/>
               <a:ea typeface="微软雅黑" panose="020B0503020204020204" pitchFamily="34" charset="-122"/>
             </a:rPr>
-            <a:t>金中关 </a:t>
-          </a:r>
-          <a:r>
-            <a:rPr lang="zh-CN" altLang="en-US" sz="2800" dirty="0">
-              <a:solidFill>
-                <a:schemeClr val="bg1"/>
-              </a:solidFill>
-              <a:latin typeface="微软雅黑" panose="020B0503020204020204" pitchFamily="34" charset="-122"/>
-              <a:ea typeface="微软雅黑" panose="020B0503020204020204" pitchFamily="34" charset="-122"/>
-            </a:rPr>
-            <a:t>品链框架</a:t>
+            <a:t>应用系统</a:t>
           </a:r>
           <a:endParaRPr lang="en-US" sz="2800" dirty="0">
             <a:solidFill>
@@ -2423,7 +2415,7 @@
         </a:p>
       </dgm:t>
     </dgm:pt>
-    <dgm:pt modelId="{AC0249C3-F06E-4EBD-81DB-929B399E06E3}">
+    <dgm:pt modelId="{B7686D3A-6524-4985-96FE-EA0B44B862A8}">
       <dgm:prSet phldrT="[Text]" custT="1"/>
       <dgm:spPr/>
       <dgm:t>
@@ -2451,161 +2443,205 @@
         </a:p>
       </dgm:t>
     </dgm:pt>
-    <dgm:pt modelId="{B671043F-D81E-40C9-8AC3-BE7784373026}" type="parTrans" cxnId="{DF024A45-1C5E-4056-B087-5D3DC0B2579D}">
+    <dgm:pt modelId="{2747E4A0-20F2-490C-91BD-8038B61C7400}" type="parTrans" cxnId="{E3DD9DFF-A190-4337-B86E-F9FEEFB36619}">
       <dgm:prSet/>
       <dgm:spPr/>
       <dgm:t>
         <a:bodyPr/>
         <a:lstStyle/>
         <a:p>
-          <a:endParaRPr lang="en-US" sz="1100">
+          <a:endParaRPr lang="en-US"/>
+        </a:p>
+      </dgm:t>
+    </dgm:pt>
+    <dgm:pt modelId="{5DFF7584-EFB6-4071-88BE-3D3F12458A19}" type="sibTrans" cxnId="{E3DD9DFF-A190-4337-B86E-F9FEEFB36619}">
+      <dgm:prSet/>
+      <dgm:spPr/>
+      <dgm:t>
+        <a:bodyPr/>
+        <a:lstStyle/>
+        <a:p>
+          <a:endParaRPr lang="en-US"/>
+        </a:p>
+      </dgm:t>
+    </dgm:pt>
+    <dgm:pt modelId="{D2C3D5F1-71A5-4B76-88D9-6A262B687CB6}">
+      <dgm:prSet phldrT="[Text]" custT="1"/>
+      <dgm:spPr/>
+      <dgm:t>
+        <a:bodyPr/>
+        <a:lstStyle/>
+        <a:p>
+          <a:r>
+            <a:rPr lang="zh-CN" altLang="en-US" sz="2800">
+              <a:latin typeface="微软雅黑" panose="020B0503020204020204" pitchFamily="34" charset="-122"/>
+              <a:ea typeface="微软雅黑" panose="020B0503020204020204" pitchFamily="34" charset="-122"/>
+            </a:rPr>
+            <a:t>金</a:t>
+          </a:r>
+          <a:r>
+            <a:rPr lang="zh-CN" altLang="en-US" sz="2800" dirty="0">
+              <a:latin typeface="微软雅黑" panose="020B0503020204020204" pitchFamily="34" charset="-122"/>
+              <a:ea typeface="微软雅黑" panose="020B0503020204020204" pitchFamily="34" charset="-122"/>
+            </a:rPr>
+            <a:t>中关 </a:t>
+          </a:r>
+          <a:r>
+            <a:rPr lang="zh-CN" altLang="en-US" sz="2800" dirty="0">
+              <a:solidFill>
+                <a:schemeClr val="bg1"/>
+              </a:solidFill>
+              <a:latin typeface="微软雅黑" panose="020B0503020204020204" pitchFamily="34" charset="-122"/>
+              <a:ea typeface="微软雅黑" panose="020B0503020204020204" pitchFamily="34" charset="-122"/>
+            </a:rPr>
+            <a:t>品链框架</a:t>
+          </a:r>
+          <a:endParaRPr lang="en-US" sz="2800" dirty="0">
+            <a:solidFill>
+              <a:schemeClr val="bg1"/>
+            </a:solidFill>
             <a:latin typeface="微软雅黑" panose="020B0503020204020204" pitchFamily="34" charset="-122"/>
             <a:ea typeface="微软雅黑" panose="020B0503020204020204" pitchFamily="34" charset="-122"/>
           </a:endParaRPr>
         </a:p>
       </dgm:t>
     </dgm:pt>
-    <dgm:pt modelId="{23511E82-7D43-4C09-BE06-455CCB02A03D}" type="sibTrans" cxnId="{DF024A45-1C5E-4056-B087-5D3DC0B2579D}">
+    <dgm:pt modelId="{1185D05A-BD01-42B6-BA0A-231A138FA9A3}" type="parTrans" cxnId="{BC56912B-A1E8-4533-9B2E-EF485C829E07}">
       <dgm:prSet/>
       <dgm:spPr/>
       <dgm:t>
         <a:bodyPr/>
         <a:lstStyle/>
         <a:p>
-          <a:endParaRPr lang="en-US" sz="1100">
-            <a:latin typeface="微软雅黑" panose="020B0503020204020204" pitchFamily="34" charset="-122"/>
-            <a:ea typeface="微软雅黑" panose="020B0503020204020204" pitchFamily="34" charset="-122"/>
-          </a:endParaRPr>
+          <a:endParaRPr lang="en-US"/>
         </a:p>
       </dgm:t>
     </dgm:pt>
-    <dgm:pt modelId="{5C816993-7B97-42EF-9F8B-8EAD996A3064}" type="pres">
-      <dgm:prSet presAssocID="{43AD9D62-62B7-4DD8-BA6A-AAE5DE504B93}" presName="linearFlow" presStyleCnt="0">
+    <dgm:pt modelId="{5C1B96B9-A510-46EC-8FF1-7066845FD945}" type="sibTrans" cxnId="{BC56912B-A1E8-4533-9B2E-EF485C829E07}">
+      <dgm:prSet/>
+      <dgm:spPr/>
+      <dgm:t>
+        <a:bodyPr/>
+        <a:lstStyle/>
+        <a:p>
+          <a:endParaRPr lang="en-US"/>
+        </a:p>
+      </dgm:t>
+    </dgm:pt>
+    <dgm:pt modelId="{8D750160-300C-4A33-B62B-6075B13BA78C}" type="pres">
+      <dgm:prSet presAssocID="{43AD9D62-62B7-4DD8-BA6A-AAE5DE504B93}" presName="Name0" presStyleCnt="0">
         <dgm:presLayoutVars>
+          <dgm:chPref val="1"/>
           <dgm:dir/>
-          <dgm:resizeHandles val="exact"/>
+          <dgm:animOne val="branch"/>
+          <dgm:animLvl val="lvl"/>
+          <dgm:resizeHandles/>
         </dgm:presLayoutVars>
       </dgm:prSet>
       <dgm:spPr/>
     </dgm:pt>
-    <dgm:pt modelId="{EDDE0719-8730-488E-B0DA-287A7999739C}" type="pres">
-      <dgm:prSet presAssocID="{EE83F8D3-3446-47C5-89FD-D98E6D61E450}" presName="composite" presStyleCnt="0"/>
+    <dgm:pt modelId="{EB08755C-4ABC-43BC-B940-A9AA4F75F2EA}" type="pres">
+      <dgm:prSet presAssocID="{EE83F8D3-3446-47C5-89FD-D98E6D61E450}" presName="vertOne" presStyleCnt="0"/>
       <dgm:spPr/>
     </dgm:pt>
-    <dgm:pt modelId="{C3B4686F-4007-4C73-B686-0CFCFE248E4B}" type="pres">
-      <dgm:prSet presAssocID="{EE83F8D3-3446-47C5-89FD-D98E6D61E450}" presName="imgShp" presStyleLbl="fgImgPlace1" presStyleIdx="0" presStyleCnt="3"/>
-      <dgm:spPr>
-        <a:blipFill>
-          <a:blip xmlns:r="http://schemas.openxmlformats.org/officeDocument/2006/relationships" r:embed="rId1" cstate="print">
-            <a:extLst>
-              <a:ext uri="{28A0092B-C50C-407E-A947-70E740481C1C}">
-                <a14:useLocalDpi xmlns:a14="http://schemas.microsoft.com/office/drawing/2010/main" val="0"/>
-              </a:ext>
-            </a:extLst>
-          </a:blip>
-          <a:srcRect/>
-          <a:stretch>
-            <a:fillRect/>
-          </a:stretch>
-        </a:blipFill>
-      </dgm:spPr>
-    </dgm:pt>
-    <dgm:pt modelId="{B24AA9BE-2BC5-46DA-930C-1B7A325ABC87}" type="pres">
-      <dgm:prSet presAssocID="{EE83F8D3-3446-47C5-89FD-D98E6D61E450}" presName="txShp" presStyleLbl="node1" presStyleIdx="0" presStyleCnt="3">
+    <dgm:pt modelId="{484CCCD5-547E-4617-AA09-5CCA66EC685D}" type="pres">
+      <dgm:prSet presAssocID="{EE83F8D3-3446-47C5-89FD-D98E6D61E450}" presName="txOne" presStyleLbl="node0" presStyleIdx="0" presStyleCnt="1">
         <dgm:presLayoutVars>
-          <dgm:bulletEnabled val="1"/>
+          <dgm:chPref val="3"/>
         </dgm:presLayoutVars>
       </dgm:prSet>
       <dgm:spPr/>
     </dgm:pt>
-    <dgm:pt modelId="{65F60FCF-7E73-4E54-A177-A43CFE8BDEE2}" type="pres">
-      <dgm:prSet presAssocID="{BC571305-4BAD-4403-9FF7-C2E9551EF6AD}" presName="spacing" presStyleCnt="0"/>
+    <dgm:pt modelId="{6D5E3C92-2319-4CB0-A1AC-2A08CD25C0B1}" type="pres">
+      <dgm:prSet presAssocID="{EE83F8D3-3446-47C5-89FD-D98E6D61E450}" presName="parTransOne" presStyleCnt="0"/>
       <dgm:spPr/>
     </dgm:pt>
-    <dgm:pt modelId="{F8C810B2-FE37-462B-BF3D-298CC4B58946}" type="pres">
-      <dgm:prSet presAssocID="{F13298EE-0D69-4E6E-BBA1-C2EB7114D1A9}" presName="composite" presStyleCnt="0"/>
+    <dgm:pt modelId="{BCBB9FBC-0751-4C2D-93B4-F0E6BE21128D}" type="pres">
+      <dgm:prSet presAssocID="{EE83F8D3-3446-47C5-89FD-D98E6D61E450}" presName="horzOne" presStyleCnt="0"/>
       <dgm:spPr/>
     </dgm:pt>
-    <dgm:pt modelId="{80CE5344-7507-46DA-8ADC-E63EA5C2FE14}" type="pres">
-      <dgm:prSet presAssocID="{F13298EE-0D69-4E6E-BBA1-C2EB7114D1A9}" presName="imgShp" presStyleLbl="fgImgPlace1" presStyleIdx="1" presStyleCnt="3"/>
-      <dgm:spPr>
-        <a:blipFill>
-          <a:blip xmlns:r="http://schemas.openxmlformats.org/officeDocument/2006/relationships" r:embed="rId2">
-            <a:extLst>
-              <a:ext uri="{28A0092B-C50C-407E-A947-70E740481C1C}">
-                <a14:useLocalDpi xmlns:a14="http://schemas.microsoft.com/office/drawing/2010/main" val="0"/>
-              </a:ext>
-            </a:extLst>
-          </a:blip>
-          <a:srcRect/>
-          <a:stretch>
-            <a:fillRect l="-1000" r="-1000"/>
-          </a:stretch>
-        </a:blipFill>
-      </dgm:spPr>
+    <dgm:pt modelId="{1EC48255-7022-44C2-B4C8-8FA64F11C64F}" type="pres">
+      <dgm:prSet presAssocID="{D2C3D5F1-71A5-4B76-88D9-6A262B687CB6}" presName="vertTwo" presStyleCnt="0"/>
+      <dgm:spPr/>
     </dgm:pt>
-    <dgm:pt modelId="{687702F2-F678-4ED8-8F50-FABD02EF7D04}" type="pres">
-      <dgm:prSet presAssocID="{F13298EE-0D69-4E6E-BBA1-C2EB7114D1A9}" presName="txShp" presStyleLbl="node1" presStyleIdx="1" presStyleCnt="3">
+    <dgm:pt modelId="{6B9FF4F6-C052-4600-A7AD-E190E3B4509D}" type="pres">
+      <dgm:prSet presAssocID="{D2C3D5F1-71A5-4B76-88D9-6A262B687CB6}" presName="txTwo" presStyleLbl="node2" presStyleIdx="0" presStyleCnt="1">
         <dgm:presLayoutVars>
-          <dgm:bulletEnabled val="1"/>
+          <dgm:chPref val="3"/>
         </dgm:presLayoutVars>
       </dgm:prSet>
       <dgm:spPr/>
     </dgm:pt>
-    <dgm:pt modelId="{D1D6F7F3-B877-405D-B7EF-434F71E51903}" type="pres">
-      <dgm:prSet presAssocID="{5CB353F0-3E9A-40EF-BDC8-E9C7616B29B7}" presName="spacing" presStyleCnt="0"/>
+    <dgm:pt modelId="{5C8DF10B-7F9D-4EAC-A76F-6275D7DC37E9}" type="pres">
+      <dgm:prSet presAssocID="{D2C3D5F1-71A5-4B76-88D9-6A262B687CB6}" presName="parTransTwo" presStyleCnt="0"/>
       <dgm:spPr/>
     </dgm:pt>
-    <dgm:pt modelId="{D7A09109-5583-4A38-8FA3-383B1ABE2CB3}" type="pres">
-      <dgm:prSet presAssocID="{AC0249C3-F06E-4EBD-81DB-929B399E06E3}" presName="composite" presStyleCnt="0"/>
+    <dgm:pt modelId="{5758F1BF-1A6C-494B-BB8D-D785E809EC87}" type="pres">
+      <dgm:prSet presAssocID="{D2C3D5F1-71A5-4B76-88D9-6A262B687CB6}" presName="horzTwo" presStyleCnt="0"/>
       <dgm:spPr/>
     </dgm:pt>
-    <dgm:pt modelId="{F889314C-366A-4AAE-87E8-A9CB6FD5A9F5}" type="pres">
-      <dgm:prSet presAssocID="{AC0249C3-F06E-4EBD-81DB-929B399E06E3}" presName="imgShp" presStyleLbl="fgImgPlace1" presStyleIdx="2" presStyleCnt="3"/>
-      <dgm:spPr>
-        <a:blipFill>
-          <a:blip xmlns:r="http://schemas.openxmlformats.org/officeDocument/2006/relationships" r:embed="rId3">
-            <a:extLst>
-              <a:ext uri="{28A0092B-C50C-407E-A947-70E740481C1C}">
-                <a14:useLocalDpi xmlns:a14="http://schemas.microsoft.com/office/drawing/2010/main" val="0"/>
-              </a:ext>
-            </a:extLst>
-          </a:blip>
-          <a:srcRect/>
-          <a:stretch>
-            <a:fillRect l="-1000" r="-1000"/>
-          </a:stretch>
-        </a:blipFill>
-      </dgm:spPr>
+    <dgm:pt modelId="{0E8B9C24-1802-4DA6-8D82-750649E691F1}" type="pres">
+      <dgm:prSet presAssocID="{F13298EE-0D69-4E6E-BBA1-C2EB7114D1A9}" presName="vertThree" presStyleCnt="0"/>
+      <dgm:spPr/>
     </dgm:pt>
-    <dgm:pt modelId="{275E055D-DBCE-4AD8-BED7-B171589E4AB4}" type="pres">
-      <dgm:prSet presAssocID="{AC0249C3-F06E-4EBD-81DB-929B399E06E3}" presName="txShp" presStyleLbl="node1" presStyleIdx="2" presStyleCnt="3">
+    <dgm:pt modelId="{0E1E0347-5ACD-4494-97B4-8BBF9D4AAFD8}" type="pres">
+      <dgm:prSet presAssocID="{F13298EE-0D69-4E6E-BBA1-C2EB7114D1A9}" presName="txThree" presStyleLbl="node3" presStyleIdx="0" presStyleCnt="2">
         <dgm:presLayoutVars>
-          <dgm:bulletEnabled val="1"/>
+          <dgm:chPref val="3"/>
         </dgm:presLayoutVars>
       </dgm:prSet>
       <dgm:spPr/>
     </dgm:pt>
+    <dgm:pt modelId="{282CE8C7-69A8-458D-B956-30A2B48121B1}" type="pres">
+      <dgm:prSet presAssocID="{F13298EE-0D69-4E6E-BBA1-C2EB7114D1A9}" presName="horzThree" presStyleCnt="0"/>
+      <dgm:spPr/>
+    </dgm:pt>
+    <dgm:pt modelId="{6B5F20FA-40B9-4CFA-9C4E-74E709179D73}" type="pres">
+      <dgm:prSet presAssocID="{5CB353F0-3E9A-40EF-BDC8-E9C7616B29B7}" presName="sibSpaceThree" presStyleCnt="0"/>
+      <dgm:spPr/>
+    </dgm:pt>
+    <dgm:pt modelId="{DAB03E61-CF11-4785-B106-37AFE3EFE588}" type="pres">
+      <dgm:prSet presAssocID="{B7686D3A-6524-4985-96FE-EA0B44B862A8}" presName="vertThree" presStyleCnt="0"/>
+      <dgm:spPr/>
+    </dgm:pt>
+    <dgm:pt modelId="{E84A0D74-CFAE-4CFB-84A6-6E17F84F2DE0}" type="pres">
+      <dgm:prSet presAssocID="{B7686D3A-6524-4985-96FE-EA0B44B862A8}" presName="txThree" presStyleLbl="node3" presStyleIdx="1" presStyleCnt="2">
+        <dgm:presLayoutVars>
+          <dgm:chPref val="3"/>
+        </dgm:presLayoutVars>
+      </dgm:prSet>
+      <dgm:spPr/>
+    </dgm:pt>
+    <dgm:pt modelId="{7DDAC94A-6FF8-49E8-B06E-343C7D38F974}" type="pres">
+      <dgm:prSet presAssocID="{B7686D3A-6524-4985-96FE-EA0B44B862A8}" presName="horzThree" presStyleCnt="0"/>
+      <dgm:spPr/>
+    </dgm:pt>
   </dgm:ptLst>
   <dgm:cxnLst>
-    <dgm:cxn modelId="{35730A23-D931-4F9C-BF64-A56AF6B44956}" type="presOf" srcId="{AC0249C3-F06E-4EBD-81DB-929B399E06E3}" destId="{275E055D-DBCE-4AD8-BED7-B171589E4AB4}" srcOrd="0" destOrd="0" presId="urn:microsoft.com/office/officeart/2005/8/layout/vList3"/>
-    <dgm:cxn modelId="{BF78A82A-F54B-454E-A421-7AE466C77B39}" type="presOf" srcId="{EE83F8D3-3446-47C5-89FD-D98E6D61E450}" destId="{B24AA9BE-2BC5-46DA-930C-1B7A325ABC87}" srcOrd="0" destOrd="0" presId="urn:microsoft.com/office/officeart/2005/8/layout/vList3"/>
-    <dgm:cxn modelId="{DF024A45-1C5E-4056-B087-5D3DC0B2579D}" srcId="{43AD9D62-62B7-4DD8-BA6A-AAE5DE504B93}" destId="{AC0249C3-F06E-4EBD-81DB-929B399E06E3}" srcOrd="2" destOrd="0" parTransId="{B671043F-D81E-40C9-8AC3-BE7784373026}" sibTransId="{23511E82-7D43-4C09-BE06-455CCB02A03D}"/>
-    <dgm:cxn modelId="{6F2A9884-2CA8-4B27-AA8B-BB8E401298A7}" type="presOf" srcId="{43AD9D62-62B7-4DD8-BA6A-AAE5DE504B93}" destId="{5C816993-7B97-42EF-9F8B-8EAD996A3064}" srcOrd="0" destOrd="0" presId="urn:microsoft.com/office/officeart/2005/8/layout/vList3"/>
-    <dgm:cxn modelId="{465F1DA5-478B-4672-BE18-BA0B99D69ACB}" type="presOf" srcId="{F13298EE-0D69-4E6E-BBA1-C2EB7114D1A9}" destId="{687702F2-F678-4ED8-8F50-FABD02EF7D04}" srcOrd="0" destOrd="0" presId="urn:microsoft.com/office/officeart/2005/8/layout/vList3"/>
-    <dgm:cxn modelId="{FD4B3EB7-0E16-44DF-8CF8-02CE0A057D15}" srcId="{43AD9D62-62B7-4DD8-BA6A-AAE5DE504B93}" destId="{F13298EE-0D69-4E6E-BBA1-C2EB7114D1A9}" srcOrd="1" destOrd="0" parTransId="{C875DF60-CDF1-4D0A-9FE9-E43CCBC0422A}" sibTransId="{5CB353F0-3E9A-40EF-BDC8-E9C7616B29B7}"/>
+    <dgm:cxn modelId="{BC56912B-A1E8-4533-9B2E-EF485C829E07}" srcId="{EE83F8D3-3446-47C5-89FD-D98E6D61E450}" destId="{D2C3D5F1-71A5-4B76-88D9-6A262B687CB6}" srcOrd="0" destOrd="0" parTransId="{1185D05A-BD01-42B6-BA0A-231A138FA9A3}" sibTransId="{5C1B96B9-A510-46EC-8FF1-7066845FD945}"/>
+    <dgm:cxn modelId="{C7EF3488-D302-4316-A25F-3ACA9D6AA760}" type="presOf" srcId="{F13298EE-0D69-4E6E-BBA1-C2EB7114D1A9}" destId="{0E1E0347-5ACD-4494-97B4-8BBF9D4AAFD8}" srcOrd="0" destOrd="0" presId="urn:microsoft.com/office/officeart/2005/8/layout/hierarchy4"/>
+    <dgm:cxn modelId="{25D7DE91-46E3-45E7-8100-B8ECEAB7A106}" type="presOf" srcId="{D2C3D5F1-71A5-4B76-88D9-6A262B687CB6}" destId="{6B9FF4F6-C052-4600-A7AD-E190E3B4509D}" srcOrd="0" destOrd="0" presId="urn:microsoft.com/office/officeart/2005/8/layout/hierarchy4"/>
+    <dgm:cxn modelId="{FD4B3EB7-0E16-44DF-8CF8-02CE0A057D15}" srcId="{D2C3D5F1-71A5-4B76-88D9-6A262B687CB6}" destId="{F13298EE-0D69-4E6E-BBA1-C2EB7114D1A9}" srcOrd="0" destOrd="0" parTransId="{C875DF60-CDF1-4D0A-9FE9-E43CCBC0422A}" sibTransId="{5CB353F0-3E9A-40EF-BDC8-E9C7616B29B7}"/>
+    <dgm:cxn modelId="{7C02B7D0-9F45-4DB9-9617-8CB7FF0BF712}" type="presOf" srcId="{43AD9D62-62B7-4DD8-BA6A-AAE5DE504B93}" destId="{8D750160-300C-4A33-B62B-6075B13BA78C}" srcOrd="0" destOrd="0" presId="urn:microsoft.com/office/officeart/2005/8/layout/hierarchy4"/>
+    <dgm:cxn modelId="{5A161AD7-7668-4449-BE05-290DF4A26A4B}" type="presOf" srcId="{B7686D3A-6524-4985-96FE-EA0B44B862A8}" destId="{E84A0D74-CFAE-4CFB-84A6-6E17F84F2DE0}" srcOrd="0" destOrd="0" presId="urn:microsoft.com/office/officeart/2005/8/layout/hierarchy4"/>
     <dgm:cxn modelId="{1A624EF4-77F0-4412-96A2-527E7D1EDB4F}" srcId="{43AD9D62-62B7-4DD8-BA6A-AAE5DE504B93}" destId="{EE83F8D3-3446-47C5-89FD-D98E6D61E450}" srcOrd="0" destOrd="0" parTransId="{D58A4D79-B099-4D7C-BF2D-9742B0446486}" sibTransId="{BC571305-4BAD-4403-9FF7-C2E9551EF6AD}"/>
-    <dgm:cxn modelId="{33263743-DE8E-4F4B-B9CA-4DC6780D8028}" type="presParOf" srcId="{5C816993-7B97-42EF-9F8B-8EAD996A3064}" destId="{EDDE0719-8730-488E-B0DA-287A7999739C}" srcOrd="0" destOrd="0" presId="urn:microsoft.com/office/officeart/2005/8/layout/vList3"/>
-    <dgm:cxn modelId="{D60A14B0-2807-498E-944D-194EE24671AA}" type="presParOf" srcId="{EDDE0719-8730-488E-B0DA-287A7999739C}" destId="{C3B4686F-4007-4C73-B686-0CFCFE248E4B}" srcOrd="0" destOrd="0" presId="urn:microsoft.com/office/officeart/2005/8/layout/vList3"/>
-    <dgm:cxn modelId="{ABC3F975-A86B-432E-B490-FFA2A93020C4}" type="presParOf" srcId="{EDDE0719-8730-488E-B0DA-287A7999739C}" destId="{B24AA9BE-2BC5-46DA-930C-1B7A325ABC87}" srcOrd="1" destOrd="0" presId="urn:microsoft.com/office/officeart/2005/8/layout/vList3"/>
-    <dgm:cxn modelId="{4C026BEE-8D5D-4EEF-95BE-EF283EBD6DC8}" type="presParOf" srcId="{5C816993-7B97-42EF-9F8B-8EAD996A3064}" destId="{65F60FCF-7E73-4E54-A177-A43CFE8BDEE2}" srcOrd="1" destOrd="0" presId="urn:microsoft.com/office/officeart/2005/8/layout/vList3"/>
-    <dgm:cxn modelId="{212B4CDE-64BE-4A24-9408-58A6D4992941}" type="presParOf" srcId="{5C816993-7B97-42EF-9F8B-8EAD996A3064}" destId="{F8C810B2-FE37-462B-BF3D-298CC4B58946}" srcOrd="2" destOrd="0" presId="urn:microsoft.com/office/officeart/2005/8/layout/vList3"/>
-    <dgm:cxn modelId="{264EC8A7-656C-425E-A42C-840B8C72F4CC}" type="presParOf" srcId="{F8C810B2-FE37-462B-BF3D-298CC4B58946}" destId="{80CE5344-7507-46DA-8ADC-E63EA5C2FE14}" srcOrd="0" destOrd="0" presId="urn:microsoft.com/office/officeart/2005/8/layout/vList3"/>
-    <dgm:cxn modelId="{0A41C7C3-A017-4A1F-83BB-ACD3059F0EE7}" type="presParOf" srcId="{F8C810B2-FE37-462B-BF3D-298CC4B58946}" destId="{687702F2-F678-4ED8-8F50-FABD02EF7D04}" srcOrd="1" destOrd="0" presId="urn:microsoft.com/office/officeart/2005/8/layout/vList3"/>
-    <dgm:cxn modelId="{33219A4D-87AD-481F-87BC-073729586467}" type="presParOf" srcId="{5C816993-7B97-42EF-9F8B-8EAD996A3064}" destId="{D1D6F7F3-B877-405D-B7EF-434F71E51903}" srcOrd="3" destOrd="0" presId="urn:microsoft.com/office/officeart/2005/8/layout/vList3"/>
-    <dgm:cxn modelId="{344D9F93-EA23-4139-BF29-D4959F1ED097}" type="presParOf" srcId="{5C816993-7B97-42EF-9F8B-8EAD996A3064}" destId="{D7A09109-5583-4A38-8FA3-383B1ABE2CB3}" srcOrd="4" destOrd="0" presId="urn:microsoft.com/office/officeart/2005/8/layout/vList3"/>
-    <dgm:cxn modelId="{BD266B9B-9331-4FE5-879B-797C5149EA2F}" type="presParOf" srcId="{D7A09109-5583-4A38-8FA3-383B1ABE2CB3}" destId="{F889314C-366A-4AAE-87E8-A9CB6FD5A9F5}" srcOrd="0" destOrd="0" presId="urn:microsoft.com/office/officeart/2005/8/layout/vList3"/>
-    <dgm:cxn modelId="{79C2278E-37C5-4379-9CF1-88206FD782C9}" type="presParOf" srcId="{D7A09109-5583-4A38-8FA3-383B1ABE2CB3}" destId="{275E055D-DBCE-4AD8-BED7-B171589E4AB4}" srcOrd="1" destOrd="0" presId="urn:microsoft.com/office/officeart/2005/8/layout/vList3"/>
+    <dgm:cxn modelId="{A65A7CF8-2630-4D55-A4A5-71818CE71CF7}" type="presOf" srcId="{EE83F8D3-3446-47C5-89FD-D98E6D61E450}" destId="{484CCCD5-547E-4617-AA09-5CCA66EC685D}" srcOrd="0" destOrd="0" presId="urn:microsoft.com/office/officeart/2005/8/layout/hierarchy4"/>
+    <dgm:cxn modelId="{E3DD9DFF-A190-4337-B86E-F9FEEFB36619}" srcId="{D2C3D5F1-71A5-4B76-88D9-6A262B687CB6}" destId="{B7686D3A-6524-4985-96FE-EA0B44B862A8}" srcOrd="1" destOrd="0" parTransId="{2747E4A0-20F2-490C-91BD-8038B61C7400}" sibTransId="{5DFF7584-EFB6-4071-88BE-3D3F12458A19}"/>
+    <dgm:cxn modelId="{C78E0D21-6995-4873-B4C2-C649D5D96C2D}" type="presParOf" srcId="{8D750160-300C-4A33-B62B-6075B13BA78C}" destId="{EB08755C-4ABC-43BC-B940-A9AA4F75F2EA}" srcOrd="0" destOrd="0" presId="urn:microsoft.com/office/officeart/2005/8/layout/hierarchy4"/>
+    <dgm:cxn modelId="{0D92069B-179C-40B4-A95C-FFCED9928416}" type="presParOf" srcId="{EB08755C-4ABC-43BC-B940-A9AA4F75F2EA}" destId="{484CCCD5-547E-4617-AA09-5CCA66EC685D}" srcOrd="0" destOrd="0" presId="urn:microsoft.com/office/officeart/2005/8/layout/hierarchy4"/>
+    <dgm:cxn modelId="{331BE647-1A01-42E2-B884-6DC75459168D}" type="presParOf" srcId="{EB08755C-4ABC-43BC-B940-A9AA4F75F2EA}" destId="{6D5E3C92-2319-4CB0-A1AC-2A08CD25C0B1}" srcOrd="1" destOrd="0" presId="urn:microsoft.com/office/officeart/2005/8/layout/hierarchy4"/>
+    <dgm:cxn modelId="{F66DAFBB-7A3A-4063-A07C-711F028B93EA}" type="presParOf" srcId="{EB08755C-4ABC-43BC-B940-A9AA4F75F2EA}" destId="{BCBB9FBC-0751-4C2D-93B4-F0E6BE21128D}" srcOrd="2" destOrd="0" presId="urn:microsoft.com/office/officeart/2005/8/layout/hierarchy4"/>
+    <dgm:cxn modelId="{347A7895-2112-4D84-BDA4-96B1F279BBCD}" type="presParOf" srcId="{BCBB9FBC-0751-4C2D-93B4-F0E6BE21128D}" destId="{1EC48255-7022-44C2-B4C8-8FA64F11C64F}" srcOrd="0" destOrd="0" presId="urn:microsoft.com/office/officeart/2005/8/layout/hierarchy4"/>
+    <dgm:cxn modelId="{80F6D48F-C24F-4052-875C-A73C5A7BE4B9}" type="presParOf" srcId="{1EC48255-7022-44C2-B4C8-8FA64F11C64F}" destId="{6B9FF4F6-C052-4600-A7AD-E190E3B4509D}" srcOrd="0" destOrd="0" presId="urn:microsoft.com/office/officeart/2005/8/layout/hierarchy4"/>
+    <dgm:cxn modelId="{D7396BFC-9DBD-4415-9D9E-A9D9A4B3B09F}" type="presParOf" srcId="{1EC48255-7022-44C2-B4C8-8FA64F11C64F}" destId="{5C8DF10B-7F9D-4EAC-A76F-6275D7DC37E9}" srcOrd="1" destOrd="0" presId="urn:microsoft.com/office/officeart/2005/8/layout/hierarchy4"/>
+    <dgm:cxn modelId="{7850C76F-64B4-4DC5-9A83-6ED8BCF9A2D0}" type="presParOf" srcId="{1EC48255-7022-44C2-B4C8-8FA64F11C64F}" destId="{5758F1BF-1A6C-494B-BB8D-D785E809EC87}" srcOrd="2" destOrd="0" presId="urn:microsoft.com/office/officeart/2005/8/layout/hierarchy4"/>
+    <dgm:cxn modelId="{8D051E9F-C0F5-4233-AD22-8F5D906E58B9}" type="presParOf" srcId="{5758F1BF-1A6C-494B-BB8D-D785E809EC87}" destId="{0E8B9C24-1802-4DA6-8D82-750649E691F1}" srcOrd="0" destOrd="0" presId="urn:microsoft.com/office/officeart/2005/8/layout/hierarchy4"/>
+    <dgm:cxn modelId="{43B17F4B-93E2-4D21-9B27-3A9C13F4EE39}" type="presParOf" srcId="{0E8B9C24-1802-4DA6-8D82-750649E691F1}" destId="{0E1E0347-5ACD-4494-97B4-8BBF9D4AAFD8}" srcOrd="0" destOrd="0" presId="urn:microsoft.com/office/officeart/2005/8/layout/hierarchy4"/>
+    <dgm:cxn modelId="{24E0D217-E422-4E5A-A7A1-D016B370B701}" type="presParOf" srcId="{0E8B9C24-1802-4DA6-8D82-750649E691F1}" destId="{282CE8C7-69A8-458D-B956-30A2B48121B1}" srcOrd="1" destOrd="0" presId="urn:microsoft.com/office/officeart/2005/8/layout/hierarchy4"/>
+    <dgm:cxn modelId="{1DEC793D-0D62-46A0-8A46-BED170939AA4}" type="presParOf" srcId="{5758F1BF-1A6C-494B-BB8D-D785E809EC87}" destId="{6B5F20FA-40B9-4CFA-9C4E-74E709179D73}" srcOrd="1" destOrd="0" presId="urn:microsoft.com/office/officeart/2005/8/layout/hierarchy4"/>
+    <dgm:cxn modelId="{0A0DEC44-D86E-49DC-A0DC-23694ECF57CF}" type="presParOf" srcId="{5758F1BF-1A6C-494B-BB8D-D785E809EC87}" destId="{DAB03E61-CF11-4785-B106-37AFE3EFE588}" srcOrd="2" destOrd="0" presId="urn:microsoft.com/office/officeart/2005/8/layout/hierarchy4"/>
+    <dgm:cxn modelId="{CCD396CC-9F37-4434-B57A-519007C8F3F2}" type="presParOf" srcId="{DAB03E61-CF11-4785-B106-37AFE3EFE588}" destId="{E84A0D74-CFAE-4CFB-84A6-6E17F84F2DE0}" srcOrd="0" destOrd="0" presId="urn:microsoft.com/office/officeart/2005/8/layout/hierarchy4"/>
+    <dgm:cxn modelId="{6508395E-ADED-4AF2-BCB9-6D9C27EA0363}" type="presParOf" srcId="{DAB03E61-CF11-4785-B106-37AFE3EFE588}" destId="{7DDAC94A-6FF8-49E8-B06E-343C7D38F974}" srcOrd="1" destOrd="0" presId="urn:microsoft.com/office/officeart/2005/8/layout/hierarchy4"/>
   </dgm:cxnLst>
   <dgm:bg/>
   <dgm:whole/>
@@ -2632,8 +2668,8 @@
       </dsp:nvSpPr>
       <dsp:spPr>
         <a:xfrm rot="5400000">
-          <a:off x="3850458" y="107409"/>
-          <a:ext cx="1611044" cy="1401608"/>
+          <a:off x="2191528" y="327852"/>
+          <a:ext cx="1439333" cy="1252220"/>
         </a:xfrm>
         <a:prstGeom prst="hexagon">
           <a:avLst>
@@ -2649,7 +2685,7 @@
             <a:alphaOff val="0"/>
           </a:schemeClr>
         </a:solidFill>
-        <a:ln w="13970" cap="flat" cmpd="sng" algn="ctr">
+        <a:ln w="12700" cap="flat" cmpd="sng" algn="ctr">
           <a:solidFill>
             <a:schemeClr val="lt1">
               <a:hueOff val="0"/>
@@ -2659,6 +2695,7 @@
             </a:schemeClr>
           </a:solidFill>
           <a:prstDash val="solid"/>
+          <a:miter lim="800000"/>
         </a:ln>
         <a:effectLst/>
       </dsp:spPr>
@@ -2677,12 +2714,12 @@
         </a:fontRef>
       </dsp:style>
       <dsp:txBody>
-        <a:bodyPr spcFirstLastPara="0" vert="horz" wrap="square" lIns="87630" tIns="87630" rIns="87630" bIns="87630" numCol="1" spcCol="1270" anchor="ctr" anchorCtr="0">
+        <a:bodyPr spcFirstLastPara="0" vert="horz" wrap="square" lIns="76200" tIns="76200" rIns="76200" bIns="76200" numCol="1" spcCol="1270" anchor="ctr" anchorCtr="0">
           <a:noAutofit/>
         </a:bodyPr>
         <a:lstStyle/>
         <a:p>
-          <a:pPr marL="0" lvl="0" indent="0" algn="ctr" defTabSz="1022350">
+          <a:pPr marL="0" lvl="0" indent="0" algn="ctr" defTabSz="889000">
             <a:lnSpc>
               <a:spcPct val="90000"/>
             </a:lnSpc>
@@ -2695,21 +2732,21 @@
             <a:buNone/>
           </a:pPr>
           <a:r>
-            <a:rPr lang="zh-CN" altLang="en-US" sz="2300" kern="1200" dirty="0">
+            <a:rPr lang="zh-CN" altLang="en-US" sz="2000" kern="1200" dirty="0">
               <a:latin typeface="微软雅黑" panose="020B0503020204020204" pitchFamily="34" charset="-122"/>
               <a:ea typeface="微软雅黑" panose="020B0503020204020204" pitchFamily="34" charset="-122"/>
             </a:rPr>
-            <a:t>湖北节点</a:t>
+            <a:t>区域节点</a:t>
           </a:r>
-          <a:endParaRPr lang="en-US" sz="2300" kern="1200" dirty="0">
+          <a:endParaRPr lang="en-US" sz="2000" kern="1200" dirty="0">
             <a:latin typeface="微软雅黑" panose="020B0503020204020204" pitchFamily="34" charset="-122"/>
             <a:ea typeface="微软雅黑" panose="020B0503020204020204" pitchFamily="34" charset="-122"/>
           </a:endParaRPr>
         </a:p>
       </dsp:txBody>
       <dsp:txXfrm rot="-5400000">
-        <a:off x="4173593" y="253745"/>
-        <a:ext cx="964774" cy="1108936"/>
+        <a:off x="2480222" y="458592"/>
+        <a:ext cx="861944" cy="990741"/>
       </dsp:txXfrm>
     </dsp:sp>
     <dsp:sp modelId="{38A0EF5B-B5D8-402B-B372-92A26839A6A7}">
@@ -2719,8 +2756,8 @@
       </dsp:nvSpPr>
       <dsp:spPr>
         <a:xfrm>
-          <a:off x="5399317" y="324900"/>
-          <a:ext cx="1797925" cy="966626"/>
+          <a:off x="3575304" y="522162"/>
+          <a:ext cx="1606296" cy="863600"/>
         </a:xfrm>
         <a:prstGeom prst="rect">
           <a:avLst/>
@@ -2744,12 +2781,12 @@
         <a:fontRef idx="minor"/>
       </dsp:style>
       <dsp:txBody>
-        <a:bodyPr spcFirstLastPara="0" vert="horz" wrap="square" lIns="87630" tIns="87630" rIns="87630" bIns="87630" numCol="1" spcCol="1270" anchor="ctr" anchorCtr="0">
+        <a:bodyPr spcFirstLastPara="0" vert="horz" wrap="square" lIns="76200" tIns="76200" rIns="76200" bIns="76200" numCol="1" spcCol="1270" anchor="ctr" anchorCtr="0">
           <a:noAutofit/>
         </a:bodyPr>
         <a:lstStyle/>
         <a:p>
-          <a:pPr marL="0" lvl="0" indent="0" algn="l" defTabSz="1022350">
+          <a:pPr marL="0" lvl="0" indent="0" algn="l" defTabSz="889000">
             <a:lnSpc>
               <a:spcPct val="90000"/>
             </a:lnSpc>
@@ -2762,21 +2799,21 @@
             <a:buNone/>
           </a:pPr>
           <a:r>
-            <a:rPr lang="zh-CN" altLang="en-US" sz="2300" kern="1200" dirty="0">
+            <a:rPr lang="zh-CN" altLang="en-US" sz="2000" kern="1200" dirty="0">
               <a:latin typeface="微软雅黑" panose="020B0503020204020204" pitchFamily="34" charset="-122"/>
               <a:ea typeface="微软雅黑" panose="020B0503020204020204" pitchFamily="34" charset="-122"/>
             </a:rPr>
             <a:t>单独或联盟</a:t>
           </a:r>
-          <a:endParaRPr lang="en-US" sz="2300" kern="1200" dirty="0">
+          <a:endParaRPr lang="en-US" sz="2000" kern="1200" dirty="0">
             <a:latin typeface="微软雅黑" panose="020B0503020204020204" pitchFamily="34" charset="-122"/>
             <a:ea typeface="微软雅黑" panose="020B0503020204020204" pitchFamily="34" charset="-122"/>
           </a:endParaRPr>
         </a:p>
       </dsp:txBody>
       <dsp:txXfrm>
-        <a:off x="5399317" y="324900"/>
-        <a:ext cx="1797925" cy="966626"/>
+        <a:off x="3575304" y="522162"/>
+        <a:ext cx="1606296" cy="863600"/>
       </dsp:txXfrm>
     </dsp:sp>
     <dsp:sp modelId="{ACEF239E-8952-4E55-9011-8FAAE2BA51D2}">
@@ -2786,8 +2823,8 @@
       </dsp:nvSpPr>
       <dsp:spPr>
         <a:xfrm rot="5400000">
-          <a:off x="2336721" y="107409"/>
-          <a:ext cx="1611044" cy="1401608"/>
+          <a:off x="839131" y="327852"/>
+          <a:ext cx="1439333" cy="1252220"/>
         </a:xfrm>
         <a:prstGeom prst="hexagon">
           <a:avLst>
@@ -2797,13 +2834,13 @@
         </a:prstGeom>
         <a:solidFill>
           <a:schemeClr val="accent4">
-            <a:hueOff val="3623554"/>
-            <a:satOff val="-1606"/>
-            <a:lumOff val="-3216"/>
+            <a:hueOff val="-2239550"/>
+            <a:satOff val="1052"/>
+            <a:lumOff val="392"/>
             <a:alphaOff val="0"/>
           </a:schemeClr>
         </a:solidFill>
-        <a:ln w="13970" cap="flat" cmpd="sng" algn="ctr">
+        <a:ln w="12700" cap="flat" cmpd="sng" algn="ctr">
           <a:solidFill>
             <a:schemeClr val="lt1">
               <a:hueOff val="0"/>
@@ -2813,6 +2850,7 @@
             </a:schemeClr>
           </a:solidFill>
           <a:prstDash val="solid"/>
+          <a:miter lim="800000"/>
         </a:ln>
         <a:effectLst/>
       </dsp:spPr>
@@ -2855,8 +2893,8 @@
         </a:p>
       </dsp:txBody>
       <dsp:txXfrm rot="-5400000">
-        <a:off x="2659856" y="253745"/>
-        <a:ext cx="964774" cy="1108936"/>
+        <a:off x="1127825" y="458592"/>
+        <a:ext cx="861944" cy="990741"/>
       </dsp:txXfrm>
     </dsp:sp>
     <dsp:sp modelId="{8B02DDDB-4118-4D0D-AC43-2A5B436F2280}">
@@ -2866,8 +2904,8 @@
       </dsp:nvSpPr>
       <dsp:spPr>
         <a:xfrm rot="5400000">
-          <a:off x="3090690" y="1474864"/>
-          <a:ext cx="1611044" cy="1401608"/>
+          <a:off x="1512739" y="1549558"/>
+          <a:ext cx="1439333" cy="1252220"/>
         </a:xfrm>
         <a:prstGeom prst="hexagon">
           <a:avLst>
@@ -2877,13 +2915,13 @@
         </a:prstGeom>
         <a:solidFill>
           <a:schemeClr val="accent4">
-            <a:hueOff val="7247108"/>
-            <a:satOff val="-3212"/>
-            <a:lumOff val="-6431"/>
+            <a:hueOff val="-4479100"/>
+            <a:satOff val="2104"/>
+            <a:lumOff val="784"/>
             <a:alphaOff val="0"/>
           </a:schemeClr>
         </a:solidFill>
-        <a:ln w="13970" cap="flat" cmpd="sng" algn="ctr">
+        <a:ln w="12700" cap="flat" cmpd="sng" algn="ctr">
           <a:solidFill>
             <a:schemeClr val="lt1">
               <a:hueOff val="0"/>
@@ -2893,6 +2931,7 @@
             </a:schemeClr>
           </a:solidFill>
           <a:prstDash val="solid"/>
+          <a:miter lim="800000"/>
         </a:ln>
         <a:effectLst/>
       </dsp:spPr>
@@ -2911,12 +2950,12 @@
         </a:fontRef>
       </dsp:style>
       <dsp:txBody>
-        <a:bodyPr spcFirstLastPara="0" vert="horz" wrap="square" lIns="87630" tIns="87630" rIns="87630" bIns="87630" numCol="1" spcCol="1270" anchor="ctr" anchorCtr="0">
+        <a:bodyPr spcFirstLastPara="0" vert="horz" wrap="square" lIns="76200" tIns="76200" rIns="76200" bIns="76200" numCol="1" spcCol="1270" anchor="ctr" anchorCtr="0">
           <a:noAutofit/>
         </a:bodyPr>
         <a:lstStyle/>
         <a:p>
-          <a:pPr marL="0" lvl="0" indent="0" algn="ctr" defTabSz="1022350">
+          <a:pPr marL="0" lvl="0" indent="0" algn="ctr" defTabSz="889000">
             <a:lnSpc>
               <a:spcPct val="90000"/>
             </a:lnSpc>
@@ -2929,21 +2968,21 @@
             <a:buNone/>
           </a:pPr>
           <a:r>
-            <a:rPr lang="zh-CN" altLang="en-US" sz="2300" kern="1200" dirty="0">
+            <a:rPr lang="zh-CN" altLang="en-US" sz="2000" kern="1200" dirty="0">
               <a:latin typeface="微软雅黑" panose="020B0503020204020204" pitchFamily="34" charset="-122"/>
               <a:ea typeface="微软雅黑" panose="020B0503020204020204" pitchFamily="34" charset="-122"/>
             </a:rPr>
-            <a:t>江西节点</a:t>
+            <a:t>区域节点</a:t>
           </a:r>
-          <a:endParaRPr lang="en-US" sz="2300" kern="1200" dirty="0">
+          <a:endParaRPr lang="en-US" sz="2000" kern="1200" dirty="0">
             <a:latin typeface="微软雅黑" panose="020B0503020204020204" pitchFamily="34" charset="-122"/>
             <a:ea typeface="微软雅黑" panose="020B0503020204020204" pitchFamily="34" charset="-122"/>
           </a:endParaRPr>
         </a:p>
       </dsp:txBody>
       <dsp:txXfrm rot="-5400000">
-        <a:off x="3413825" y="1621200"/>
-        <a:ext cx="964774" cy="1108936"/>
+        <a:off x="1801433" y="1680298"/>
+        <a:ext cx="861944" cy="990741"/>
       </dsp:txXfrm>
     </dsp:sp>
     <dsp:sp modelId="{C8743A01-7CDD-4912-B4F0-E873D376F2A1}">
@@ -2953,8 +2992,8 @@
       </dsp:nvSpPr>
       <dsp:spPr>
         <a:xfrm>
-          <a:off x="1397482" y="1692355"/>
-          <a:ext cx="1739928" cy="966626"/>
+          <a:off x="0" y="1743868"/>
+          <a:ext cx="1554480" cy="863600"/>
         </a:xfrm>
         <a:prstGeom prst="rect">
           <a:avLst/>
@@ -2978,12 +3017,12 @@
         <a:fontRef idx="minor"/>
       </dsp:style>
       <dsp:txBody>
-        <a:bodyPr spcFirstLastPara="0" vert="horz" wrap="square" lIns="87630" tIns="87630" rIns="87630" bIns="87630" numCol="1" spcCol="1270" anchor="ctr" anchorCtr="0">
+        <a:bodyPr spcFirstLastPara="0" vert="horz" wrap="square" lIns="76200" tIns="76200" rIns="76200" bIns="76200" numCol="1" spcCol="1270" anchor="ctr" anchorCtr="0">
           <a:noAutofit/>
         </a:bodyPr>
         <a:lstStyle/>
         <a:p>
-          <a:pPr marL="0" lvl="0" indent="0" algn="r" defTabSz="1022350">
+          <a:pPr marL="0" lvl="0" indent="0" algn="r" defTabSz="889000">
             <a:lnSpc>
               <a:spcPct val="90000"/>
             </a:lnSpc>
@@ -2996,21 +3035,21 @@
             <a:buNone/>
           </a:pPr>
           <a:r>
-            <a:rPr lang="zh-CN" altLang="en-US" sz="2300" kern="1200" dirty="0">
+            <a:rPr lang="zh-CN" altLang="en-US" sz="2000" kern="1200" dirty="0">
               <a:latin typeface="微软雅黑" panose="020B0503020204020204" pitchFamily="34" charset="-122"/>
               <a:ea typeface="微软雅黑" panose="020B0503020204020204" pitchFamily="34" charset="-122"/>
             </a:rPr>
             <a:t>单独或联盟</a:t>
           </a:r>
-          <a:endParaRPr lang="en-US" sz="2300" kern="1200" dirty="0">
+          <a:endParaRPr lang="en-US" sz="2000" kern="1200" dirty="0">
             <a:latin typeface="微软雅黑" panose="020B0503020204020204" pitchFamily="34" charset="-122"/>
             <a:ea typeface="微软雅黑" panose="020B0503020204020204" pitchFamily="34" charset="-122"/>
           </a:endParaRPr>
         </a:p>
       </dsp:txBody>
       <dsp:txXfrm>
-        <a:off x="1397482" y="1692355"/>
-        <a:ext cx="1739928" cy="966626"/>
+        <a:off x="0" y="1743868"/>
+        <a:ext cx="1554480" cy="863600"/>
       </dsp:txXfrm>
     </dsp:sp>
     <dsp:sp modelId="{AB75BB7F-FE82-463F-88C9-CA27FABB82D2}">
@@ -3020,8 +3059,8 @@
       </dsp:nvSpPr>
       <dsp:spPr>
         <a:xfrm rot="5400000">
-          <a:off x="4604427" y="1474864"/>
-          <a:ext cx="1611044" cy="1401608"/>
+          <a:off x="2865136" y="1549558"/>
+          <a:ext cx="1439333" cy="1252220"/>
         </a:xfrm>
         <a:prstGeom prst="hexagon">
           <a:avLst>
@@ -3031,13 +3070,13 @@
         </a:prstGeom>
         <a:solidFill>
           <a:schemeClr val="accent4">
-            <a:hueOff val="10870662"/>
-            <a:satOff val="-4819"/>
-            <a:lumOff val="-9647"/>
+            <a:hueOff val="-6718650"/>
+            <a:satOff val="3156"/>
+            <a:lumOff val="1175"/>
             <a:alphaOff val="0"/>
           </a:schemeClr>
         </a:solidFill>
-        <a:ln w="13970" cap="flat" cmpd="sng" algn="ctr">
+        <a:ln w="12700" cap="flat" cmpd="sng" algn="ctr">
           <a:solidFill>
             <a:schemeClr val="lt1">
               <a:hueOff val="0"/>
@@ -3047,6 +3086,7 @@
             </a:schemeClr>
           </a:solidFill>
           <a:prstDash val="solid"/>
+          <a:miter lim="800000"/>
         </a:ln>
         <a:effectLst/>
       </dsp:spPr>
@@ -3089,8 +3129,8 @@
         </a:p>
       </dsp:txBody>
       <dsp:txXfrm rot="-5400000">
-        <a:off x="4927562" y="1621200"/>
-        <a:ext cx="964774" cy="1108936"/>
+        <a:off x="3153830" y="1680298"/>
+        <a:ext cx="861944" cy="990741"/>
       </dsp:txXfrm>
     </dsp:sp>
     <dsp:sp modelId="{D48DFACA-6525-4AD6-8B74-4EC9DFFAA3E3}">
@@ -3100,8 +3140,8 @@
       </dsp:nvSpPr>
       <dsp:spPr>
         <a:xfrm rot="5400000">
-          <a:off x="3850458" y="2842319"/>
-          <a:ext cx="1611044" cy="1401608"/>
+          <a:off x="2191528" y="2771265"/>
+          <a:ext cx="1439333" cy="1252220"/>
         </a:xfrm>
         <a:prstGeom prst="hexagon">
           <a:avLst>
@@ -3111,13 +3151,13 @@
         </a:prstGeom>
         <a:solidFill>
           <a:schemeClr val="accent4">
-            <a:hueOff val="14494216"/>
-            <a:satOff val="-6425"/>
-            <a:lumOff val="-12862"/>
+            <a:hueOff val="-8958200"/>
+            <a:satOff val="4208"/>
+            <a:lumOff val="1567"/>
             <a:alphaOff val="0"/>
           </a:schemeClr>
         </a:solidFill>
-        <a:ln w="13970" cap="flat" cmpd="sng" algn="ctr">
+        <a:ln w="12700" cap="flat" cmpd="sng" algn="ctr">
           <a:solidFill>
             <a:schemeClr val="lt1">
               <a:hueOff val="0"/>
@@ -3127,6 +3167,7 @@
             </a:schemeClr>
           </a:solidFill>
           <a:prstDash val="solid"/>
+          <a:miter lim="800000"/>
         </a:ln>
         <a:effectLst/>
       </dsp:spPr>
@@ -3145,12 +3186,12 @@
         </a:fontRef>
       </dsp:style>
       <dsp:txBody>
-        <a:bodyPr spcFirstLastPara="0" vert="horz" wrap="square" lIns="87630" tIns="87630" rIns="87630" bIns="87630" numCol="1" spcCol="1270" anchor="ctr" anchorCtr="0">
+        <a:bodyPr spcFirstLastPara="0" vert="horz" wrap="square" lIns="76200" tIns="76200" rIns="76200" bIns="76200" numCol="1" spcCol="1270" anchor="ctr" anchorCtr="0">
           <a:noAutofit/>
         </a:bodyPr>
         <a:lstStyle/>
         <a:p>
-          <a:pPr marL="0" lvl="0" indent="0" algn="ctr" defTabSz="1022350">
+          <a:pPr marL="0" lvl="0" indent="0" algn="ctr" defTabSz="889000">
             <a:lnSpc>
               <a:spcPct val="90000"/>
             </a:lnSpc>
@@ -3163,21 +3204,21 @@
             <a:buNone/>
           </a:pPr>
           <a:r>
-            <a:rPr lang="zh-CN" altLang="en-US" sz="2300" kern="1200" dirty="0">
+            <a:rPr lang="zh-CN" altLang="en-US" sz="2000" kern="1200" dirty="0">
               <a:latin typeface="微软雅黑" panose="020B0503020204020204" pitchFamily="34" charset="-122"/>
               <a:ea typeface="微软雅黑" panose="020B0503020204020204" pitchFamily="34" charset="-122"/>
             </a:rPr>
-            <a:t>广东节点</a:t>
+            <a:t>区域节点</a:t>
           </a:r>
-          <a:endParaRPr lang="en-US" sz="2300" kern="1200" dirty="0">
+          <a:endParaRPr lang="en-US" sz="2000" kern="1200" dirty="0">
             <a:latin typeface="微软雅黑" panose="020B0503020204020204" pitchFamily="34" charset="-122"/>
             <a:ea typeface="微软雅黑" panose="020B0503020204020204" pitchFamily="34" charset="-122"/>
           </a:endParaRPr>
         </a:p>
       </dsp:txBody>
       <dsp:txXfrm rot="-5400000">
-        <a:off x="4173593" y="2988655"/>
-        <a:ext cx="964774" cy="1108936"/>
+        <a:off x="2480222" y="2902005"/>
+        <a:ext cx="861944" cy="990741"/>
       </dsp:txXfrm>
     </dsp:sp>
     <dsp:sp modelId="{29AAEF0D-84A1-470E-A542-FF2E8B68C8C1}">
@@ -3187,8 +3228,8 @@
       </dsp:nvSpPr>
       <dsp:spPr>
         <a:xfrm>
-          <a:off x="5399317" y="3059810"/>
-          <a:ext cx="1797925" cy="966626"/>
+          <a:off x="3575304" y="2965575"/>
+          <a:ext cx="1606296" cy="863600"/>
         </a:xfrm>
         <a:prstGeom prst="rect">
           <a:avLst/>
@@ -3212,12 +3253,12 @@
         <a:fontRef idx="minor"/>
       </dsp:style>
       <dsp:txBody>
-        <a:bodyPr spcFirstLastPara="0" vert="horz" wrap="square" lIns="87630" tIns="87630" rIns="87630" bIns="87630" numCol="1" spcCol="1270" anchor="ctr" anchorCtr="0">
+        <a:bodyPr spcFirstLastPara="0" vert="horz" wrap="square" lIns="76200" tIns="76200" rIns="76200" bIns="76200" numCol="1" spcCol="1270" anchor="ctr" anchorCtr="0">
           <a:noAutofit/>
         </a:bodyPr>
         <a:lstStyle/>
         <a:p>
-          <a:pPr marL="0" lvl="0" indent="0" algn="l" defTabSz="1022350">
+          <a:pPr marL="0" lvl="0" indent="0" algn="l" defTabSz="889000">
             <a:lnSpc>
               <a:spcPct val="90000"/>
             </a:lnSpc>
@@ -3230,21 +3271,21 @@
             <a:buNone/>
           </a:pPr>
           <a:r>
-            <a:rPr lang="zh-CN" altLang="en-US" sz="2300" kern="1200" dirty="0">
+            <a:rPr lang="zh-CN" altLang="en-US" sz="2000" kern="1200" dirty="0">
               <a:latin typeface="微软雅黑" panose="020B0503020204020204" pitchFamily="34" charset="-122"/>
               <a:ea typeface="微软雅黑" panose="020B0503020204020204" pitchFamily="34" charset="-122"/>
             </a:rPr>
             <a:t>单独或联盟</a:t>
           </a:r>
-          <a:endParaRPr lang="en-US" sz="2300" kern="1200" dirty="0">
+          <a:endParaRPr lang="en-US" sz="2000" kern="1200" dirty="0">
             <a:latin typeface="微软雅黑" panose="020B0503020204020204" pitchFamily="34" charset="-122"/>
             <a:ea typeface="微软雅黑" panose="020B0503020204020204" pitchFamily="34" charset="-122"/>
           </a:endParaRPr>
         </a:p>
       </dsp:txBody>
       <dsp:txXfrm>
-        <a:off x="5399317" y="3059810"/>
-        <a:ext cx="1797925" cy="966626"/>
+        <a:off x="3575304" y="2965575"/>
+        <a:ext cx="1606296" cy="863600"/>
       </dsp:txXfrm>
     </dsp:sp>
     <dsp:sp modelId="{74494C4F-9503-48DB-AAA0-8A7EA917BA5F}">
@@ -3254,8 +3295,8 @@
       </dsp:nvSpPr>
       <dsp:spPr>
         <a:xfrm rot="5400000">
-          <a:off x="2336721" y="2842319"/>
-          <a:ext cx="1611044" cy="1401608"/>
+          <a:off x="839131" y="2771265"/>
+          <a:ext cx="1439333" cy="1252220"/>
         </a:xfrm>
         <a:prstGeom prst="hexagon">
           <a:avLst>
@@ -3265,13 +3306,13 @@
         </a:prstGeom>
         <a:solidFill>
           <a:schemeClr val="accent4">
-            <a:hueOff val="18117770"/>
-            <a:satOff val="-8031"/>
-            <a:lumOff val="-16078"/>
+            <a:hueOff val="-11197749"/>
+            <a:satOff val="5260"/>
+            <a:lumOff val="1959"/>
             <a:alphaOff val="0"/>
           </a:schemeClr>
         </a:solidFill>
-        <a:ln w="13970" cap="flat" cmpd="sng" algn="ctr">
+        <a:ln w="12700" cap="flat" cmpd="sng" algn="ctr">
           <a:solidFill>
             <a:schemeClr val="lt1">
               <a:hueOff val="0"/>
@@ -3281,6 +3322,7 @@
             </a:schemeClr>
           </a:solidFill>
           <a:prstDash val="solid"/>
+          <a:miter lim="800000"/>
         </a:ln>
         <a:effectLst/>
       </dsp:spPr>
@@ -3323,8 +3365,8 @@
         </a:p>
       </dsp:txBody>
       <dsp:txXfrm rot="-5400000">
-        <a:off x="2659856" y="2988655"/>
-        <a:ext cx="964774" cy="1108936"/>
+        <a:off x="1127825" y="2902005"/>
+        <a:ext cx="861944" cy="990741"/>
       </dsp:txXfrm>
     </dsp:sp>
   </dsp:spTree>
@@ -3339,28 +3381,30 @@
       <dsp:cNvGrpSpPr/>
     </dsp:nvGrpSpPr>
     <dsp:grpSpPr/>
-    <dsp:sp modelId="{B24AA9BE-2BC5-46DA-930C-1B7A325ABC87}">
+    <dsp:sp modelId="{484CCCD5-547E-4617-AA09-5CCA66EC685D}">
       <dsp:nvSpPr>
         <dsp:cNvPr id="0" name=""/>
         <dsp:cNvSpPr/>
       </dsp:nvSpPr>
       <dsp:spPr>
-        <a:xfrm rot="10800000">
-          <a:off x="1741879" y="1178"/>
-          <a:ext cx="5715492" cy="1209052"/>
+        <a:xfrm>
+          <a:off x="4918" y="600"/>
+          <a:ext cx="10505762" cy="1330047"/>
         </a:xfrm>
-        <a:prstGeom prst="homePlate">
-          <a:avLst/>
+        <a:prstGeom prst="roundRect">
+          <a:avLst>
+            <a:gd name="adj" fmla="val 10000"/>
+          </a:avLst>
         </a:prstGeom>
         <a:solidFill>
-          <a:schemeClr val="accent2">
+          <a:schemeClr val="accent1">
             <a:hueOff val="0"/>
             <a:satOff val="0"/>
             <a:lumOff val="0"/>
             <a:alphaOff val="0"/>
           </a:schemeClr>
         </a:solidFill>
-        <a:ln w="13970" cap="flat" cmpd="sng" algn="ctr">
+        <a:ln w="12700" cap="flat" cmpd="sng" algn="ctr">
           <a:solidFill>
             <a:schemeClr val="lt1">
               <a:hueOff val="0"/>
@@ -3370,6 +3414,7 @@
             </a:schemeClr>
           </a:solidFill>
           <a:prstDash val="solid"/>
+          <a:miter lim="800000"/>
         </a:ln>
         <a:effectLst/>
       </dsp:spPr>
@@ -3388,7 +3433,7 @@
         </a:fontRef>
       </dsp:style>
       <dsp:txBody>
-        <a:bodyPr spcFirstLastPara="0" vert="horz" wrap="square" lIns="533159" tIns="106680" rIns="199136" bIns="106680" numCol="1" spcCol="1270" anchor="ctr" anchorCtr="0">
+        <a:bodyPr spcFirstLastPara="0" vert="horz" wrap="square" lIns="106680" tIns="106680" rIns="106680" bIns="106680" numCol="1" spcCol="1270" anchor="ctr" anchorCtr="0">
           <a:noAutofit/>
         </a:bodyPr>
         <a:lstStyle/>
@@ -3410,7 +3455,104 @@
               <a:latin typeface="微软雅黑" panose="020B0503020204020204" pitchFamily="34" charset="-122"/>
               <a:ea typeface="微软雅黑" panose="020B0503020204020204" pitchFamily="34" charset="-122"/>
             </a:rPr>
-            <a:t>金中关 </a:t>
+            <a:t>应用系统</a:t>
+          </a:r>
+          <a:endParaRPr lang="en-US" sz="2800" kern="1200" dirty="0">
+            <a:solidFill>
+              <a:schemeClr val="bg1"/>
+            </a:solidFill>
+            <a:latin typeface="微软雅黑" panose="020B0503020204020204" pitchFamily="34" charset="-122"/>
+            <a:ea typeface="微软雅黑" panose="020B0503020204020204" pitchFamily="34" charset="-122"/>
+          </a:endParaRPr>
+        </a:p>
+      </dsp:txBody>
+      <dsp:txXfrm>
+        <a:off x="43874" y="39556"/>
+        <a:ext cx="10427850" cy="1252135"/>
+      </dsp:txXfrm>
+    </dsp:sp>
+    <dsp:sp modelId="{6B9FF4F6-C052-4600-A7AD-E190E3B4509D}">
+      <dsp:nvSpPr>
+        <dsp:cNvPr id="0" name=""/>
+        <dsp:cNvSpPr/>
+      </dsp:nvSpPr>
+      <dsp:spPr>
+        <a:xfrm>
+          <a:off x="4918" y="1510645"/>
+          <a:ext cx="10505762" cy="1330047"/>
+        </a:xfrm>
+        <a:prstGeom prst="roundRect">
+          <a:avLst>
+            <a:gd name="adj" fmla="val 10000"/>
+          </a:avLst>
+        </a:prstGeom>
+        <a:solidFill>
+          <a:schemeClr val="accent2">
+            <a:hueOff val="0"/>
+            <a:satOff val="0"/>
+            <a:lumOff val="0"/>
+            <a:alphaOff val="0"/>
+          </a:schemeClr>
+        </a:solidFill>
+        <a:ln w="12700" cap="flat" cmpd="sng" algn="ctr">
+          <a:solidFill>
+            <a:schemeClr val="lt1">
+              <a:hueOff val="0"/>
+              <a:satOff val="0"/>
+              <a:lumOff val="0"/>
+              <a:alphaOff val="0"/>
+            </a:schemeClr>
+          </a:solidFill>
+          <a:prstDash val="solid"/>
+          <a:miter lim="800000"/>
+        </a:ln>
+        <a:effectLst/>
+      </dsp:spPr>
+      <dsp:style>
+        <a:lnRef idx="2">
+          <a:scrgbClr r="0" g="0" b="0"/>
+        </a:lnRef>
+        <a:fillRef idx="1">
+          <a:scrgbClr r="0" g="0" b="0"/>
+        </a:fillRef>
+        <a:effectRef idx="0">
+          <a:scrgbClr r="0" g="0" b="0"/>
+        </a:effectRef>
+        <a:fontRef idx="minor">
+          <a:schemeClr val="lt1"/>
+        </a:fontRef>
+      </dsp:style>
+      <dsp:txBody>
+        <a:bodyPr spcFirstLastPara="0" vert="horz" wrap="square" lIns="106680" tIns="106680" rIns="106680" bIns="106680" numCol="1" spcCol="1270" anchor="ctr" anchorCtr="0">
+          <a:noAutofit/>
+        </a:bodyPr>
+        <a:lstStyle/>
+        <a:p>
+          <a:pPr marL="0" lvl="0" indent="0" algn="ctr" defTabSz="1244600">
+            <a:lnSpc>
+              <a:spcPct val="90000"/>
+            </a:lnSpc>
+            <a:spcBef>
+              <a:spcPct val="0"/>
+            </a:spcBef>
+            <a:spcAft>
+              <a:spcPct val="35000"/>
+            </a:spcAft>
+            <a:buNone/>
+          </a:pPr>
+          <a:r>
+            <a:rPr lang="zh-CN" altLang="en-US" sz="2800" kern="1200">
+              <a:latin typeface="微软雅黑" panose="020B0503020204020204" pitchFamily="34" charset="-122"/>
+              <a:ea typeface="微软雅黑" panose="020B0503020204020204" pitchFamily="34" charset="-122"/>
+            </a:rPr>
+            <a:t>金</a:t>
+          </a:r>
+          <a:r>
+            <a:rPr lang="zh-CN" altLang="en-US" sz="2800" kern="1200" dirty="0">
+              <a:latin typeface="微软雅黑" panose="020B0503020204020204" pitchFamily="34" charset="-122"/>
+              <a:ea typeface="微软雅黑" panose="020B0503020204020204" pitchFamily="34" charset="-122"/>
+            </a:rPr>
+            <a:t>中关 </a:t>
           </a:r>
           <a:r>
             <a:rPr lang="zh-CN" altLang="en-US" sz="2800" kern="1200" dirty="0">
@@ -3431,38 +3573,35 @@
           </a:endParaRPr>
         </a:p>
       </dsp:txBody>
-      <dsp:txXfrm rot="10800000">
-        <a:off x="2044142" y="1178"/>
-        <a:ext cx="5413229" cy="1209052"/>
+      <dsp:txXfrm>
+        <a:off x="43874" y="1549601"/>
+        <a:ext cx="10427850" cy="1252135"/>
       </dsp:txXfrm>
     </dsp:sp>
-    <dsp:sp modelId="{C3B4686F-4007-4C73-B686-0CFCFE248E4B}">
+    <dsp:sp modelId="{0E1E0347-5ACD-4494-97B4-8BBF9D4AAFD8}">
       <dsp:nvSpPr>
         <dsp:cNvPr id="0" name=""/>
         <dsp:cNvSpPr/>
       </dsp:nvSpPr>
       <dsp:spPr>
         <a:xfrm>
-          <a:off x="1137353" y="1178"/>
-          <a:ext cx="1209052" cy="1209052"/>
+          <a:off x="4918" y="3020690"/>
+          <a:ext cx="5144839" cy="1330047"/>
         </a:xfrm>
-        <a:prstGeom prst="ellipse">
-          <a:avLst/>
+        <a:prstGeom prst="roundRect">
+          <a:avLst>
+            <a:gd name="adj" fmla="val 10000"/>
+          </a:avLst>
         </a:prstGeom>
-        <a:blipFill>
-          <a:blip xmlns:r="http://schemas.openxmlformats.org/officeDocument/2006/relationships" r:embed="rId1" cstate="print">
-            <a:extLst>
-              <a:ext uri="{28A0092B-C50C-407E-A947-70E740481C1C}">
-                <a14:useLocalDpi xmlns:a14="http://schemas.microsoft.com/office/drawing/2010/main" val="0"/>
-              </a:ext>
-            </a:extLst>
-          </a:blip>
-          <a:srcRect/>
-          <a:stretch>
-            <a:fillRect/>
-          </a:stretch>
-        </a:blipFill>
-        <a:ln w="13970" cap="flat" cmpd="sng" algn="ctr">
+        <a:solidFill>
+          <a:schemeClr val="accent3">
+            <a:hueOff val="0"/>
+            <a:satOff val="0"/>
+            <a:lumOff val="0"/>
+            <a:alphaOff val="0"/>
+          </a:schemeClr>
+        </a:solidFill>
+        <a:ln w="12700" cap="flat" cmpd="sng" algn="ctr">
           <a:solidFill>
             <a:schemeClr val="lt1">
               <a:hueOff val="0"/>
@@ -3472,53 +3611,7 @@
             </a:schemeClr>
           </a:solidFill>
           <a:prstDash val="solid"/>
-        </a:ln>
-        <a:effectLst/>
-      </dsp:spPr>
-      <dsp:style>
-        <a:lnRef idx="2">
-          <a:scrgbClr r="0" g="0" b="0"/>
-        </a:lnRef>
-        <a:fillRef idx="1">
-          <a:scrgbClr r="0" g="0" b="0"/>
-        </a:fillRef>
-        <a:effectRef idx="0">
-          <a:scrgbClr r="0" g="0" b="0"/>
-        </a:effectRef>
-        <a:fontRef idx="minor"/>
-      </dsp:style>
-    </dsp:sp>
-    <dsp:sp modelId="{687702F2-F678-4ED8-8F50-FABD02EF7D04}">
-      <dsp:nvSpPr>
-        <dsp:cNvPr id="0" name=""/>
-        <dsp:cNvSpPr/>
-      </dsp:nvSpPr>
-      <dsp:spPr>
-        <a:xfrm rot="10800000">
-          <a:off x="1741879" y="1571142"/>
-          <a:ext cx="5715492" cy="1209052"/>
-        </a:xfrm>
-        <a:prstGeom prst="homePlate">
-          <a:avLst/>
-        </a:prstGeom>
-        <a:solidFill>
-          <a:schemeClr val="accent3">
-            <a:hueOff val="0"/>
-            <a:satOff val="0"/>
-            <a:lumOff val="0"/>
-            <a:alphaOff val="0"/>
-          </a:schemeClr>
-        </a:solidFill>
-        <a:ln w="13970" cap="flat" cmpd="sng" algn="ctr">
-          <a:solidFill>
-            <a:schemeClr val="lt1">
-              <a:hueOff val="0"/>
-              <a:satOff val="0"/>
-              <a:lumOff val="0"/>
-              <a:alphaOff val="0"/>
-            </a:schemeClr>
-          </a:solidFill>
-          <a:prstDash val="solid"/>
+          <a:miter lim="800000"/>
         </a:ln>
         <a:effectLst/>
       </dsp:spPr>
@@ -3537,7 +3630,7 @@
         </a:fontRef>
       </dsp:style>
       <dsp:txBody>
-        <a:bodyPr spcFirstLastPara="0" vert="horz" wrap="square" lIns="533159" tIns="106680" rIns="199136" bIns="106680" numCol="1" spcCol="1270" anchor="ctr" anchorCtr="0">
+        <a:bodyPr spcFirstLastPara="0" vert="horz" wrap="square" lIns="106680" tIns="106680" rIns="106680" bIns="106680" numCol="1" spcCol="1270" anchor="ctr" anchorCtr="0">
           <a:noAutofit/>
         </a:bodyPr>
         <a:lstStyle/>
@@ -3574,38 +3667,35 @@
           </a:endParaRPr>
         </a:p>
       </dsp:txBody>
-      <dsp:txXfrm rot="10800000">
-        <a:off x="2044142" y="1571142"/>
-        <a:ext cx="5413229" cy="1209052"/>
+      <dsp:txXfrm>
+        <a:off x="43874" y="3059646"/>
+        <a:ext cx="5066927" cy="1252135"/>
       </dsp:txXfrm>
     </dsp:sp>
-    <dsp:sp modelId="{80CE5344-7507-46DA-8ADC-E63EA5C2FE14}">
+    <dsp:sp modelId="{E84A0D74-CFAE-4CFB-84A6-6E17F84F2DE0}">
       <dsp:nvSpPr>
         <dsp:cNvPr id="0" name=""/>
         <dsp:cNvSpPr/>
       </dsp:nvSpPr>
       <dsp:spPr>
         <a:xfrm>
-          <a:off x="1137353" y="1571142"/>
-          <a:ext cx="1209052" cy="1209052"/>
+          <a:off x="5365841" y="3020690"/>
+          <a:ext cx="5144839" cy="1330047"/>
         </a:xfrm>
-        <a:prstGeom prst="ellipse">
-          <a:avLst/>
+        <a:prstGeom prst="roundRect">
+          <a:avLst>
+            <a:gd name="adj" fmla="val 10000"/>
+          </a:avLst>
         </a:prstGeom>
-        <a:blipFill>
-          <a:blip xmlns:r="http://schemas.openxmlformats.org/officeDocument/2006/relationships" r:embed="rId2">
-            <a:extLst>
-              <a:ext uri="{28A0092B-C50C-407E-A947-70E740481C1C}">
-                <a14:useLocalDpi xmlns:a14="http://schemas.microsoft.com/office/drawing/2010/main" val="0"/>
-              </a:ext>
-            </a:extLst>
-          </a:blip>
-          <a:srcRect/>
-          <a:stretch>
-            <a:fillRect l="-1000" r="-1000"/>
-          </a:stretch>
-        </a:blipFill>
-        <a:ln w="13970" cap="flat" cmpd="sng" algn="ctr">
+        <a:solidFill>
+          <a:schemeClr val="accent3">
+            <a:hueOff val="0"/>
+            <a:satOff val="0"/>
+            <a:lumOff val="0"/>
+            <a:alphaOff val="0"/>
+          </a:schemeClr>
+        </a:solidFill>
+        <a:ln w="12700" cap="flat" cmpd="sng" algn="ctr">
           <a:solidFill>
             <a:schemeClr val="lt1">
               <a:hueOff val="0"/>
@@ -3615,53 +3705,7 @@
             </a:schemeClr>
           </a:solidFill>
           <a:prstDash val="solid"/>
-        </a:ln>
-        <a:effectLst/>
-      </dsp:spPr>
-      <dsp:style>
-        <a:lnRef idx="2">
-          <a:scrgbClr r="0" g="0" b="0"/>
-        </a:lnRef>
-        <a:fillRef idx="1">
-          <a:scrgbClr r="0" g="0" b="0"/>
-        </a:fillRef>
-        <a:effectRef idx="0">
-          <a:scrgbClr r="0" g="0" b="0"/>
-        </a:effectRef>
-        <a:fontRef idx="minor"/>
-      </dsp:style>
-    </dsp:sp>
-    <dsp:sp modelId="{275E055D-DBCE-4AD8-BED7-B171589E4AB4}">
-      <dsp:nvSpPr>
-        <dsp:cNvPr id="0" name=""/>
-        <dsp:cNvSpPr/>
-      </dsp:nvSpPr>
-      <dsp:spPr>
-        <a:xfrm rot="10800000">
-          <a:off x="1741879" y="3141106"/>
-          <a:ext cx="5715492" cy="1209052"/>
-        </a:xfrm>
-        <a:prstGeom prst="homePlate">
-          <a:avLst/>
-        </a:prstGeom>
-        <a:solidFill>
-          <a:schemeClr val="accent4">
-            <a:hueOff val="0"/>
-            <a:satOff val="0"/>
-            <a:lumOff val="0"/>
-            <a:alphaOff val="0"/>
-          </a:schemeClr>
-        </a:solidFill>
-        <a:ln w="13970" cap="flat" cmpd="sng" algn="ctr">
-          <a:solidFill>
-            <a:schemeClr val="lt1">
-              <a:hueOff val="0"/>
-              <a:satOff val="0"/>
-              <a:lumOff val="0"/>
-              <a:alphaOff val="0"/>
-            </a:schemeClr>
-          </a:solidFill>
-          <a:prstDash val="solid"/>
+          <a:miter lim="800000"/>
         </a:ln>
         <a:effectLst/>
       </dsp:spPr>
@@ -3680,7 +3724,7 @@
         </a:fontRef>
       </dsp:style>
       <dsp:txBody>
-        <a:bodyPr spcFirstLastPara="0" vert="horz" wrap="square" lIns="533159" tIns="106680" rIns="199136" bIns="106680" numCol="1" spcCol="1270" anchor="ctr" anchorCtr="0">
+        <a:bodyPr spcFirstLastPara="0" vert="horz" wrap="square" lIns="106680" tIns="106680" rIns="106680" bIns="106680" numCol="1" spcCol="1270" anchor="ctr" anchorCtr="0">
           <a:noAutofit/>
         </a:bodyPr>
         <a:lstStyle/>
@@ -3717,62 +3761,10 @@
           </a:endParaRPr>
         </a:p>
       </dsp:txBody>
-      <dsp:txXfrm rot="10800000">
-        <a:off x="2044142" y="3141106"/>
-        <a:ext cx="5413229" cy="1209052"/>
+      <dsp:txXfrm>
+        <a:off x="5404797" y="3059646"/>
+        <a:ext cx="5066927" cy="1252135"/>
       </dsp:txXfrm>
-    </dsp:sp>
-    <dsp:sp modelId="{F889314C-366A-4AAE-87E8-A9CB6FD5A9F5}">
-      <dsp:nvSpPr>
-        <dsp:cNvPr id="0" name=""/>
-        <dsp:cNvSpPr/>
-      </dsp:nvSpPr>
-      <dsp:spPr>
-        <a:xfrm>
-          <a:off x="1137353" y="3141106"/>
-          <a:ext cx="1209052" cy="1209052"/>
-        </a:xfrm>
-        <a:prstGeom prst="ellipse">
-          <a:avLst/>
-        </a:prstGeom>
-        <a:blipFill>
-          <a:blip xmlns:r="http://schemas.openxmlformats.org/officeDocument/2006/relationships" r:embed="rId3">
-            <a:extLst>
-              <a:ext uri="{28A0092B-C50C-407E-A947-70E740481C1C}">
-                <a14:useLocalDpi xmlns:a14="http://schemas.microsoft.com/office/drawing/2010/main" val="0"/>
-              </a:ext>
-            </a:extLst>
-          </a:blip>
-          <a:srcRect/>
-          <a:stretch>
-            <a:fillRect l="-1000" r="-1000"/>
-          </a:stretch>
-        </a:blipFill>
-        <a:ln w="13970" cap="flat" cmpd="sng" algn="ctr">
-          <a:solidFill>
-            <a:schemeClr val="lt1">
-              <a:hueOff val="0"/>
-              <a:satOff val="0"/>
-              <a:lumOff val="0"/>
-              <a:alphaOff val="0"/>
-            </a:schemeClr>
-          </a:solidFill>
-          <a:prstDash val="solid"/>
-        </a:ln>
-        <a:effectLst/>
-      </dsp:spPr>
-      <dsp:style>
-        <a:lnRef idx="2">
-          <a:scrgbClr r="0" g="0" b="0"/>
-        </a:lnRef>
-        <a:fillRef idx="1">
-          <a:scrgbClr r="0" g="0" b="0"/>
-        </a:fillRef>
-        <a:effectRef idx="0">
-          <a:scrgbClr r="0" g="0" b="0"/>
-        </a:effectRef>
-        <a:fontRef idx="minor"/>
-      </dsp:style>
     </dsp:sp>
   </dsp:spTree>
 </dsp:drawing>
@@ -4134,18 +4126,45 @@
 </file>
 
 <file path=ppt/diagrams/layout2.xml><?xml version="1.0" encoding="utf-8"?>
-<dgm:layoutDef xmlns:dgm="http://schemas.openxmlformats.org/drawingml/2006/diagram" xmlns:a="http://schemas.openxmlformats.org/drawingml/2006/main" uniqueId="urn:microsoft.com/office/officeart/2005/8/layout/vList3">
+<dgm:layoutDef xmlns:dgm="http://schemas.openxmlformats.org/drawingml/2006/diagram" xmlns:a="http://schemas.openxmlformats.org/drawingml/2006/main" uniqueId="urn:microsoft.com/office/officeart/2005/8/layout/hierarchy4">
   <dgm:title val=""/>
   <dgm:desc val=""/>
   <dgm:catLst>
-    <dgm:cat type="list" pri="14000"/>
-    <dgm:cat type="convert" pri="3000"/>
-    <dgm:cat type="picture" pri="27000"/>
-    <dgm:cat type="pictureconvert" pri="27000"/>
+    <dgm:cat type="hierarchy" pri="4000"/>
+    <dgm:cat type="list" pri="24000"/>
+    <dgm:cat type="relationship" pri="10000"/>
   </dgm:catLst>
-  <dgm:sampData useDef="1">
+  <dgm:sampData>
     <dgm:dataModel>
-      <dgm:ptLst/>
+      <dgm:ptLst>
+        <dgm:pt modelId="0" type="doc"/>
+        <dgm:pt modelId="1">
+          <dgm:prSet phldr="1"/>
+        </dgm:pt>
+        <dgm:pt modelId="2">
+          <dgm:prSet phldr="1"/>
+        </dgm:pt>
+        <dgm:pt modelId="21">
+          <dgm:prSet phldr="1"/>
+        </dgm:pt>
+        <dgm:pt modelId="22">
+          <dgm:prSet phldr="1"/>
+        </dgm:pt>
+        <dgm:pt modelId="3">
+          <dgm:prSet phldr="1"/>
+        </dgm:pt>
+        <dgm:pt modelId="31">
+          <dgm:prSet phldr="1"/>
+        </dgm:pt>
+      </dgm:ptLst>
+      <dgm:cxnLst>
+        <dgm:cxn modelId="4" srcId="0" destId="1" srcOrd="0" destOrd="0"/>
+        <dgm:cxn modelId="5" srcId="1" destId="2" srcOrd="0" destOrd="0"/>
+        <dgm:cxn modelId="6" srcId="1" destId="3" srcOrd="1" destOrd="0"/>
+        <dgm:cxn modelId="23" srcId="2" destId="21" srcOrd="0" destOrd="0"/>
+        <dgm:cxn modelId="24" srcId="2" destId="22" srcOrd="1" destOrd="0"/>
+        <dgm:cxn modelId="33" srcId="3" destId="31" srcOrd="0" destOrd="0"/>
+      </dgm:cxnLst>
       <dgm:bg/>
       <dgm:whole/>
     </dgm:dataModel>
@@ -4155,11 +4174,13 @@
       <dgm:ptLst>
         <dgm:pt modelId="0" type="doc"/>
         <dgm:pt modelId="1"/>
-        <dgm:pt modelId="2"/>
+        <dgm:pt modelId="11"/>
+        <dgm:pt modelId="12"/>
       </dgm:ptLst>
       <dgm:cxnLst>
-        <dgm:cxn modelId="3" srcId="0" destId="1" srcOrd="0" destOrd="0"/>
-        <dgm:cxn modelId="4" srcId="0" destId="2" srcOrd="1" destOrd="0"/>
+        <dgm:cxn modelId="2" srcId="0" destId="1" srcOrd="0" destOrd="0"/>
+        <dgm:cxn modelId="13" srcId="1" destId="11" srcOrd="0" destOrd="0"/>
+        <dgm:cxn modelId="14" srcId="1" destId="12" srcOrd="1" destOrd="0"/>
       </dgm:cxnLst>
       <dgm:bg/>
       <dgm:whole/>
@@ -4171,126 +4192,456 @@
         <dgm:pt modelId="0" type="doc"/>
         <dgm:pt modelId="1"/>
         <dgm:pt modelId="2"/>
+        <dgm:pt modelId="21"/>
+        <dgm:pt modelId="211"/>
         <dgm:pt modelId="3"/>
-        <dgm:pt modelId="4"/>
+        <dgm:pt modelId="31"/>
+        <dgm:pt modelId="311"/>
       </dgm:ptLst>
       <dgm:cxnLst>
-        <dgm:cxn modelId="5" srcId="0" destId="1" srcOrd="0" destOrd="0"/>
-        <dgm:cxn modelId="6" srcId="0" destId="2" srcOrd="1" destOrd="0"/>
-        <dgm:cxn modelId="7" srcId="0" destId="3" srcOrd="2" destOrd="0"/>
-        <dgm:cxn modelId="8" srcId="0" destId="4" srcOrd="3" destOrd="0"/>
+        <dgm:cxn modelId="4" srcId="0" destId="1" srcOrd="0" destOrd="0"/>
+        <dgm:cxn modelId="5" srcId="1" destId="2" srcOrd="0" destOrd="0"/>
+        <dgm:cxn modelId="6" srcId="1" destId="3" srcOrd="1" destOrd="0"/>
+        <dgm:cxn modelId="23" srcId="2" destId="21" srcOrd="0" destOrd="0"/>
+        <dgm:cxn modelId="24" srcId="21" destId="211" srcOrd="0" destOrd="0"/>
+        <dgm:cxn modelId="33" srcId="3" destId="31" srcOrd="0" destOrd="0"/>
+        <dgm:cxn modelId="34" srcId="31" destId="311" srcOrd="0" destOrd="0"/>
       </dgm:cxnLst>
       <dgm:bg/>
       <dgm:whole/>
     </dgm:dataModel>
   </dgm:clrData>
-  <dgm:layoutNode name="linearFlow">
+  <dgm:layoutNode name="Name0">
     <dgm:varLst>
+      <dgm:chPref val="1"/>
       <dgm:dir/>
-      <dgm:resizeHandles val="exact"/>
+      <dgm:animOne val="branch"/>
+      <dgm:animLvl val="lvl"/>
+      <dgm:resizeHandles/>
     </dgm:varLst>
-    <dgm:alg type="lin">
-      <dgm:param type="linDir" val="fromT"/>
-      <dgm:param type="vertAlign" val="mid"/>
-      <dgm:param type="horzAlign" val="ctr"/>
-    </dgm:alg>
+    <dgm:choose name="Name1">
+      <dgm:if name="Name2" func="var" arg="dir" op="equ" val="norm">
+        <dgm:alg type="lin">
+          <dgm:param type="linDir" val="fromL"/>
+          <dgm:param type="nodeVertAlign" val="t"/>
+        </dgm:alg>
+      </dgm:if>
+      <dgm:else name="Name3">
+        <dgm:alg type="lin">
+          <dgm:param type="linDir" val="fromR"/>
+          <dgm:param type="nodeVertAlign" val="t"/>
+        </dgm:alg>
+      </dgm:else>
+    </dgm:choose>
     <dgm:shape xmlns:r="http://schemas.openxmlformats.org/officeDocument/2006/relationships" r:blip="">
       <dgm:adjLst/>
     </dgm:shape>
     <dgm:presOf/>
     <dgm:constrLst>
-      <dgm:constr type="w" for="ch" forName="composite" refType="w"/>
-      <dgm:constr type="h" for="ch" forName="composite" refType="h"/>
-      <dgm:constr type="h" for="ch" forName="spacing" refType="h" refFor="ch" refForName="composite" fact="0.25"/>
-      <dgm:constr type="h" for="ch" forName="spacing" refType="w" op="lte" fact="0.1"/>
-      <dgm:constr type="primFontSz" for="des" ptType="node" op="equ" val="65"/>
+      <dgm:constr type="w" for="ch" forName="vertOne" refType="w"/>
+      <dgm:constr type="w" for="des" forName="horzOne" refType="w"/>
+      <dgm:constr type="w" for="des" forName="txOne" refType="w"/>
+      <dgm:constr type="w" for="des" forName="vertTwo" refType="w"/>
+      <dgm:constr type="w" for="des" forName="horzTwo" refType="w"/>
+      <dgm:constr type="w" for="des" forName="txTwo" refType="w"/>
+      <dgm:constr type="w" for="des" forName="vertThree" refType="w"/>
+      <dgm:constr type="w" for="des" forName="horzThree" refType="w"/>
+      <dgm:constr type="w" for="des" forName="txThree" refType="w"/>
+      <dgm:constr type="w" for="des" forName="vertFour" refType="w"/>
+      <dgm:constr type="w" for="des" forName="horzFour" refType="w"/>
+      <dgm:constr type="w" for="des" forName="txFour" refType="w"/>
+      <dgm:constr type="h" for="des" ptType="node" op="equ"/>
+      <dgm:constr type="h" for="des" forName="txOne" refType="h"/>
+      <dgm:constr type="userH" for="des" ptType="node" refType="h" refFor="des" refForName="txOne"/>
+      <dgm:constr type="primFontSz" for="des" forName="txOne" val="65"/>
+      <dgm:constr type="primFontSz" for="des" forName="txTwo" val="65"/>
+      <dgm:constr type="primFontSz" for="des" forName="txTwo" refType="primFontSz" refFor="des" refForName="txOne" op="lte"/>
+      <dgm:constr type="primFontSz" for="des" forName="txThree" val="65"/>
+      <dgm:constr type="primFontSz" for="des" forName="txThree" refType="primFontSz" refFor="des" refForName="txOne" op="lte"/>
+      <dgm:constr type="primFontSz" for="des" forName="txThree" refType="primFontSz" refFor="des" refForName="txTwo" op="lte"/>
+      <dgm:constr type="primFontSz" for="des" forName="txFour" val="65"/>
+      <dgm:constr type="primFontSz" for="des" forName="txFour" refType="primFontSz" refFor="des" refForName="txOne" op="lte"/>
+      <dgm:constr type="primFontSz" for="des" forName="txFour" refType="primFontSz" refFor="des" refForName="txTwo" op="lte"/>
+      <dgm:constr type="primFontSz" for="des" forName="txFour" refType="primFontSz" refFor="des" refForName="txThree" op="lte"/>
+      <dgm:constr type="w" for="des" forName="sibSpaceOne" refType="w" fact="0.168"/>
+      <dgm:constr type="w" for="des" forName="sibSpaceTwo" refType="w" refFor="des" refForName="sibSpaceOne" op="equ" fact="0.5"/>
+      <dgm:constr type="w" for="des" forName="sibSpaceThree" refType="w" refFor="des" refForName="sibSpaceTwo" op="equ" fact="0.5"/>
+      <dgm:constr type="w" for="des" forName="sibSpaceFour" refType="w" refFor="des" refForName="sibSpaceThree" op="equ" fact="0.5"/>
+      <dgm:constr type="h" for="des" forName="parTransOne" refType="w" fact="0.056"/>
+      <dgm:constr type="h" for="des" forName="parTransTwo" refType="h" refFor="des" refForName="parTransOne" op="equ"/>
+      <dgm:constr type="h" for="des" forName="parTransThree" refType="h" refFor="des" refForName="parTransTwo" op="equ"/>
+      <dgm:constr type="h" for="des" forName="parTransFour" refType="h" refFor="des" refForName="parTransThree" op="equ"/>
     </dgm:constrLst>
     <dgm:ruleLst/>
-    <dgm:forEach name="Name0" axis="ch" ptType="node">
-      <dgm:layoutNode name="composite">
-        <dgm:alg type="composite"/>
+    <dgm:forEach name="Name4" axis="ch" ptType="node">
+      <dgm:layoutNode name="vertOne">
+        <dgm:alg type="lin">
+          <dgm:param type="linDir" val="fromT"/>
+        </dgm:alg>
         <dgm:shape xmlns:r="http://schemas.openxmlformats.org/officeDocument/2006/relationships" r:blip="">
           <dgm:adjLst/>
         </dgm:shape>
         <dgm:presOf/>
-        <dgm:choose name="Name1">
-          <dgm:if name="Name2" func="var" arg="dir" op="equ" val="norm">
-            <dgm:constrLst>
-              <dgm:constr type="w" for="ch" forName="imgShp" refType="w" fact="0.335"/>
-              <dgm:constr type="h" for="ch" forName="imgShp" refType="w" refFor="ch" refForName="imgShp" op="equ"/>
-              <dgm:constr type="h" for="ch" forName="imgShp" refType="h" op="lte"/>
-              <dgm:constr type="ctrY" for="ch" forName="imgShp" refType="h" fact="0.5"/>
-              <dgm:constr type="l" for="ch" forName="imgShp"/>
-              <dgm:constr type="w" for="ch" forName="txShp" refType="w" op="equ" fact="0.665"/>
-              <dgm:constr type="h" for="ch" forName="txShp" refType="h" refFor="ch" refForName="imgShp" op="equ"/>
-              <dgm:constr type="ctrY" for="ch" forName="txShp" refType="h" fact="0.5"/>
-              <dgm:constr type="l" for="ch" forName="txShp" refType="w" refFor="ch" refForName="imgShp" fact="0.5"/>
-              <dgm:constr type="lMarg" for="ch" forName="txShp" refType="w" refFor="ch" refForName="imgShp" fact="1.25"/>
-            </dgm:constrLst>
-          </dgm:if>
-          <dgm:else name="Name3">
-            <dgm:constrLst>
-              <dgm:constr type="w" for="ch" forName="imgShp" refType="w" fact="0.335"/>
-              <dgm:constr type="h" for="ch" forName="imgShp" refType="w" refFor="ch" refForName="imgShp" op="equ"/>
-              <dgm:constr type="h" for="ch" forName="imgShp" refType="h" op="lte"/>
-              <dgm:constr type="ctrY" for="ch" forName="imgShp" refType="h" fact="0.5"/>
-              <dgm:constr type="r" for="ch" forName="imgShp" refType="w"/>
-              <dgm:constr type="w" for="ch" forName="txShp" refType="w" op="equ" fact="0.665"/>
-              <dgm:constr type="h" for="ch" forName="txShp" refType="h" refFor="ch" refForName="imgShp" op="equ"/>
-              <dgm:constr type="ctrY" for="ch" forName="txShp" refType="h" fact="0.5"/>
-              <dgm:constr type="r" for="ch" forName="txShp" refType="ctrX" refFor="ch" refForName="imgShp"/>
-              <dgm:constr type="rMarg" for="ch" forName="txShp" refType="w" refFor="ch" refForName="imgShp" fact="1.25"/>
-            </dgm:constrLst>
-          </dgm:else>
-        </dgm:choose>
+        <dgm:constrLst>
+          <dgm:constr type="w" for="ch" forName="txOne" refType="w" refFor="ch" refForName="horzOne" op="gte"/>
+        </dgm:constrLst>
         <dgm:ruleLst/>
-        <dgm:layoutNode name="imgShp" styleLbl="fgImgPlace1">
-          <dgm:alg type="sp"/>
-          <dgm:shape xmlns:r="http://schemas.openxmlformats.org/officeDocument/2006/relationships" type="ellipse" r:blip="" blipPhldr="1">
-            <dgm:adjLst/>
-          </dgm:shape>
-          <dgm:presOf/>
-          <dgm:constrLst/>
-          <dgm:ruleLst/>
-        </dgm:layoutNode>
-        <dgm:layoutNode name="txShp">
+        <dgm:layoutNode name="txOne" styleLbl="node0">
           <dgm:varLst>
-            <dgm:bulletEnabled val="1"/>
+            <dgm:chPref val="3"/>
           </dgm:varLst>
           <dgm:alg type="tx"/>
-          <dgm:choose name="Name4">
-            <dgm:if name="Name5" func="var" arg="dir" op="equ" val="norm">
-              <dgm:shape xmlns:r="http://schemas.openxmlformats.org/officeDocument/2006/relationships" rot="180" type="homePlate" r:blip="" zOrderOff="-1">
-                <dgm:adjLst/>
-              </dgm:shape>
-            </dgm:if>
-            <dgm:else name="Name6">
-              <dgm:shape xmlns:r="http://schemas.openxmlformats.org/officeDocument/2006/relationships" type="homePlate" r:blip="" zOrderOff="-1">
-                <dgm:adjLst/>
-              </dgm:shape>
-            </dgm:else>
-          </dgm:choose>
-          <dgm:presOf axis="desOrSelf" ptType="node"/>
+          <dgm:shape xmlns:r="http://schemas.openxmlformats.org/officeDocument/2006/relationships" type="roundRect" r:blip="">
+            <dgm:adjLst>
+              <dgm:adj idx="1" val="0.1"/>
+            </dgm:adjLst>
+          </dgm:shape>
+          <dgm:presOf axis="self"/>
           <dgm:constrLst>
             <dgm:constr type="tMarg" refType="primFontSz" fact="0.3"/>
             <dgm:constr type="bMarg" refType="primFontSz" fact="0.3"/>
+            <dgm:constr type="lMarg" refType="primFontSz" fact="0.3"/>
+            <dgm:constr type="rMarg" refType="primFontSz" fact="0.3"/>
           </dgm:constrLst>
           <dgm:ruleLst>
             <dgm:rule type="primFontSz" val="5" fact="NaN" max="NaN"/>
           </dgm:ruleLst>
         </dgm:layoutNode>
-      </dgm:layoutNode>
-      <dgm:forEach name="Name7" axis="followSib" ptType="sibTrans" cnt="1">
-        <dgm:layoutNode name="spacing">
-          <dgm:alg type="sp"/>
+        <dgm:choose name="Name5">
+          <dgm:if name="Name6" axis="des" ptType="node" func="cnt" op="gt" val="0">
+            <dgm:layoutNode name="parTransOne">
+              <dgm:alg type="sp"/>
+              <dgm:shape xmlns:r="http://schemas.openxmlformats.org/officeDocument/2006/relationships" r:blip="">
+                <dgm:adjLst/>
+              </dgm:shape>
+              <dgm:presOf/>
+              <dgm:constrLst/>
+              <dgm:ruleLst/>
+            </dgm:layoutNode>
+          </dgm:if>
+          <dgm:else name="Name7"/>
+        </dgm:choose>
+        <dgm:layoutNode name="horzOne">
+          <dgm:choose name="Name8">
+            <dgm:if name="Name9" func="var" arg="dir" op="equ" val="norm">
+              <dgm:alg type="lin">
+                <dgm:param type="linDir" val="fromL"/>
+                <dgm:param type="nodeVertAlign" val="t"/>
+              </dgm:alg>
+            </dgm:if>
+            <dgm:else name="Name10">
+              <dgm:alg type="lin">
+                <dgm:param type="linDir" val="fromR"/>
+                <dgm:param type="nodeVertAlign" val="t"/>
+              </dgm:alg>
+            </dgm:else>
+          </dgm:choose>
           <dgm:shape xmlns:r="http://schemas.openxmlformats.org/officeDocument/2006/relationships" r:blip="">
             <dgm:adjLst/>
           </dgm:shape>
-          <dgm:presOf axis="self"/>
+          <dgm:presOf/>
           <dgm:constrLst/>
-          <dgm:ruleLst/>
+          <dgm:ruleLst>
+            <dgm:rule type="w" val="INF" fact="NaN" max="NaN"/>
+          </dgm:ruleLst>
+          <dgm:forEach name="Name11" axis="ch" ptType="node">
+            <dgm:layoutNode name="vertTwo">
+              <dgm:alg type="lin">
+                <dgm:param type="linDir" val="fromT"/>
+              </dgm:alg>
+              <dgm:shape xmlns:r="http://schemas.openxmlformats.org/officeDocument/2006/relationships" r:blip="">
+                <dgm:adjLst/>
+              </dgm:shape>
+              <dgm:presOf/>
+              <dgm:constrLst>
+                <dgm:constr type="w" for="ch" forName="txTwo" refType="w" refFor="ch" refForName="horzTwo" op="gte"/>
+              </dgm:constrLst>
+              <dgm:ruleLst/>
+              <dgm:layoutNode name="txTwo">
+                <dgm:varLst>
+                  <dgm:chPref val="3"/>
+                </dgm:varLst>
+                <dgm:alg type="tx"/>
+                <dgm:shape xmlns:r="http://schemas.openxmlformats.org/officeDocument/2006/relationships" type="roundRect" r:blip="">
+                  <dgm:adjLst>
+                    <dgm:adj idx="1" val="0.1"/>
+                  </dgm:adjLst>
+                </dgm:shape>
+                <dgm:presOf axis="self"/>
+                <dgm:constrLst>
+                  <dgm:constr type="userH"/>
+                  <dgm:constr type="h" refType="userH"/>
+                  <dgm:constr type="tMarg" refType="primFontSz" fact="0.3"/>
+                  <dgm:constr type="bMarg" refType="primFontSz" fact="0.3"/>
+                  <dgm:constr type="lMarg" refType="primFontSz" fact="0.3"/>
+                  <dgm:constr type="rMarg" refType="primFontSz" fact="0.3"/>
+                </dgm:constrLst>
+                <dgm:ruleLst>
+                  <dgm:rule type="primFontSz" val="5" fact="NaN" max="NaN"/>
+                </dgm:ruleLst>
+              </dgm:layoutNode>
+              <dgm:choose name="Name12">
+                <dgm:if name="Name13" axis="des" ptType="node" func="cnt" op="gt" val="0">
+                  <dgm:layoutNode name="parTransTwo">
+                    <dgm:alg type="sp"/>
+                    <dgm:shape xmlns:r="http://schemas.openxmlformats.org/officeDocument/2006/relationships" r:blip="">
+                      <dgm:adjLst/>
+                    </dgm:shape>
+                    <dgm:presOf/>
+                    <dgm:constrLst/>
+                    <dgm:ruleLst/>
+                  </dgm:layoutNode>
+                </dgm:if>
+                <dgm:else name="Name14"/>
+              </dgm:choose>
+              <dgm:layoutNode name="horzTwo">
+                <dgm:choose name="Name15">
+                  <dgm:if name="Name16" func="var" arg="dir" op="equ" val="norm">
+                    <dgm:alg type="lin">
+                      <dgm:param type="linDir" val="fromL"/>
+                      <dgm:param type="nodeVertAlign" val="t"/>
+                    </dgm:alg>
+                  </dgm:if>
+                  <dgm:else name="Name17">
+                    <dgm:alg type="lin">
+                      <dgm:param type="linDir" val="fromR"/>
+                      <dgm:param type="nodeVertAlign" val="t"/>
+                    </dgm:alg>
+                  </dgm:else>
+                </dgm:choose>
+                <dgm:shape xmlns:r="http://schemas.openxmlformats.org/officeDocument/2006/relationships" r:blip="">
+                  <dgm:adjLst/>
+                </dgm:shape>
+                <dgm:presOf/>
+                <dgm:constrLst/>
+                <dgm:ruleLst>
+                  <dgm:rule type="w" val="INF" fact="NaN" max="NaN"/>
+                </dgm:ruleLst>
+                <dgm:forEach name="Name18" axis="ch" ptType="node">
+                  <dgm:layoutNode name="vertThree">
+                    <dgm:alg type="lin">
+                      <dgm:param type="linDir" val="fromT"/>
+                    </dgm:alg>
+                    <dgm:shape xmlns:r="http://schemas.openxmlformats.org/officeDocument/2006/relationships" r:blip="">
+                      <dgm:adjLst/>
+                    </dgm:shape>
+                    <dgm:presOf/>
+                    <dgm:constrLst>
+                      <dgm:constr type="w" for="ch" forName="txThree" refType="w" refFor="ch" refForName="horzThree" op="gte"/>
+                    </dgm:constrLst>
+                    <dgm:ruleLst/>
+                    <dgm:layoutNode name="txThree">
+                      <dgm:varLst>
+                        <dgm:chPref val="3"/>
+                      </dgm:varLst>
+                      <dgm:alg type="tx"/>
+                      <dgm:shape xmlns:r="http://schemas.openxmlformats.org/officeDocument/2006/relationships" type="roundRect" r:blip="">
+                        <dgm:adjLst>
+                          <dgm:adj idx="1" val="0.1"/>
+                        </dgm:adjLst>
+                      </dgm:shape>
+                      <dgm:presOf axis="self"/>
+                      <dgm:constrLst>
+                        <dgm:constr type="userH"/>
+                        <dgm:constr type="h" refType="userH"/>
+                        <dgm:constr type="tMarg" refType="primFontSz" fact="0.3"/>
+                        <dgm:constr type="bMarg" refType="primFontSz" fact="0.3"/>
+                        <dgm:constr type="lMarg" refType="primFontSz" fact="0.3"/>
+                        <dgm:constr type="rMarg" refType="primFontSz" fact="0.3"/>
+                      </dgm:constrLst>
+                      <dgm:ruleLst>
+                        <dgm:rule type="primFontSz" val="5" fact="NaN" max="NaN"/>
+                      </dgm:ruleLst>
+                    </dgm:layoutNode>
+                    <dgm:choose name="Name19">
+                      <dgm:if name="Name20" axis="des" ptType="node" func="cnt" op="gt" val="0">
+                        <dgm:layoutNode name="parTransThree">
+                          <dgm:alg type="sp"/>
+                          <dgm:shape xmlns:r="http://schemas.openxmlformats.org/officeDocument/2006/relationships" r:blip="">
+                            <dgm:adjLst/>
+                          </dgm:shape>
+                          <dgm:presOf/>
+                          <dgm:constrLst/>
+                          <dgm:ruleLst/>
+                        </dgm:layoutNode>
+                      </dgm:if>
+                      <dgm:else name="Name21"/>
+                    </dgm:choose>
+                    <dgm:layoutNode name="horzThree">
+                      <dgm:choose name="Name22">
+                        <dgm:if name="Name23" func="var" arg="dir" op="equ" val="norm">
+                          <dgm:alg type="lin">
+                            <dgm:param type="linDir" val="fromL"/>
+                            <dgm:param type="nodeVertAlign" val="t"/>
+                          </dgm:alg>
+                        </dgm:if>
+                        <dgm:else name="Name24">
+                          <dgm:alg type="lin">
+                            <dgm:param type="linDir" val="fromR"/>
+                            <dgm:param type="nodeVertAlign" val="t"/>
+                          </dgm:alg>
+                        </dgm:else>
+                      </dgm:choose>
+                      <dgm:shape xmlns:r="http://schemas.openxmlformats.org/officeDocument/2006/relationships" r:blip="">
+                        <dgm:adjLst/>
+                      </dgm:shape>
+                      <dgm:presOf/>
+                      <dgm:constrLst/>
+                      <dgm:ruleLst>
+                        <dgm:rule type="w" val="INF" fact="NaN" max="NaN"/>
+                      </dgm:ruleLst>
+                      <dgm:forEach name="repeat" axis="ch" ptType="node">
+                        <dgm:layoutNode name="vertFour">
+                          <dgm:varLst>
+                            <dgm:chPref val="3"/>
+                          </dgm:varLst>
+                          <dgm:alg type="lin">
+                            <dgm:param type="linDir" val="fromT"/>
+                          </dgm:alg>
+                          <dgm:shape xmlns:r="http://schemas.openxmlformats.org/officeDocument/2006/relationships" r:blip="">
+                            <dgm:adjLst/>
+                          </dgm:shape>
+                          <dgm:presOf/>
+                          <dgm:constrLst>
+                            <dgm:constr type="w" for="ch" forName="txFour" refType="w" refFor="ch" refForName="horzFour" op="gte"/>
+                          </dgm:constrLst>
+                          <dgm:ruleLst/>
+                          <dgm:layoutNode name="txFour">
+                            <dgm:varLst>
+                              <dgm:chPref val="3"/>
+                            </dgm:varLst>
+                            <dgm:alg type="tx"/>
+                            <dgm:shape xmlns:r="http://schemas.openxmlformats.org/officeDocument/2006/relationships" type="roundRect" r:blip="">
+                              <dgm:adjLst>
+                                <dgm:adj idx="1" val="0.1"/>
+                              </dgm:adjLst>
+                            </dgm:shape>
+                            <dgm:presOf axis="self"/>
+                            <dgm:constrLst>
+                              <dgm:constr type="userH"/>
+                              <dgm:constr type="h" refType="userH"/>
+                              <dgm:constr type="tMarg" refType="primFontSz" fact="0.3"/>
+                              <dgm:constr type="bMarg" refType="primFontSz" fact="0.3"/>
+                              <dgm:constr type="lMarg" refType="primFontSz" fact="0.3"/>
+                              <dgm:constr type="rMarg" refType="primFontSz" fact="0.3"/>
+                            </dgm:constrLst>
+                            <dgm:ruleLst>
+                              <dgm:rule type="primFontSz" val="5" fact="NaN" max="NaN"/>
+                            </dgm:ruleLst>
+                          </dgm:layoutNode>
+                          <dgm:choose name="Name25">
+                            <dgm:if name="Name26" axis="des" ptType="node" func="cnt" op="gt" val="0">
+                              <dgm:layoutNode name="parTransFour">
+                                <dgm:alg type="sp"/>
+                                <dgm:shape xmlns:r="http://schemas.openxmlformats.org/officeDocument/2006/relationships" r:blip="">
+                                  <dgm:adjLst/>
+                                </dgm:shape>
+                                <dgm:presOf/>
+                                <dgm:constrLst/>
+                                <dgm:ruleLst/>
+                              </dgm:layoutNode>
+                            </dgm:if>
+                            <dgm:else name="Name27"/>
+                          </dgm:choose>
+                          <dgm:layoutNode name="horzFour">
+                            <dgm:choose name="Name28">
+                              <dgm:if name="Name29" func="var" arg="dir" op="equ" val="norm">
+                                <dgm:alg type="lin">
+                                  <dgm:param type="linDir" val="fromL"/>
+                                  <dgm:param type="nodeVertAlign" val="t"/>
+                                </dgm:alg>
+                              </dgm:if>
+                              <dgm:else name="Name30">
+                                <dgm:alg type="lin">
+                                  <dgm:param type="linDir" val="fromR"/>
+                                  <dgm:param type="nodeVertAlign" val="t"/>
+                                </dgm:alg>
+                              </dgm:else>
+                            </dgm:choose>
+                            <dgm:shape xmlns:r="http://schemas.openxmlformats.org/officeDocument/2006/relationships" r:blip="">
+                              <dgm:adjLst/>
+                            </dgm:shape>
+                            <dgm:presOf/>
+                            <dgm:constrLst/>
+                            <dgm:ruleLst>
+                              <dgm:rule type="w" val="INF" fact="NaN" max="NaN"/>
+                            </dgm:ruleLst>
+                            <dgm:forEach name="Name31" ref="repeat"/>
+                          </dgm:layoutNode>
+                        </dgm:layoutNode>
+                        <dgm:choose name="Name32">
+                          <dgm:if name="Name33" axis="self" ptType="node" func="revPos" op="gte" val="2">
+                            <dgm:forEach name="Name34" axis="followSib" ptType="sibTrans" cnt="1">
+                              <dgm:layoutNode name="sibSpaceFour">
+                                <dgm:alg type="sp"/>
+                                <dgm:shape xmlns:r="http://schemas.openxmlformats.org/officeDocument/2006/relationships" r:blip="">
+                                  <dgm:adjLst/>
+                                </dgm:shape>
+                                <dgm:presOf/>
+                                <dgm:constrLst/>
+                                <dgm:ruleLst/>
+                              </dgm:layoutNode>
+                            </dgm:forEach>
+                          </dgm:if>
+                          <dgm:else name="Name35"/>
+                        </dgm:choose>
+                      </dgm:forEach>
+                    </dgm:layoutNode>
+                  </dgm:layoutNode>
+                  <dgm:choose name="Name36">
+                    <dgm:if name="Name37" axis="self" ptType="node" func="revPos" op="gte" val="2">
+                      <dgm:forEach name="Name38" axis="followSib" ptType="sibTrans" cnt="1">
+                        <dgm:layoutNode name="sibSpaceThree">
+                          <dgm:alg type="sp"/>
+                          <dgm:shape xmlns:r="http://schemas.openxmlformats.org/officeDocument/2006/relationships" r:blip="">
+                            <dgm:adjLst/>
+                          </dgm:shape>
+                          <dgm:presOf/>
+                          <dgm:constrLst/>
+                          <dgm:ruleLst/>
+                        </dgm:layoutNode>
+                      </dgm:forEach>
+                    </dgm:if>
+                    <dgm:else name="Name39"/>
+                  </dgm:choose>
+                </dgm:forEach>
+              </dgm:layoutNode>
+            </dgm:layoutNode>
+            <dgm:choose name="Name40">
+              <dgm:if name="Name41" axis="self" ptType="node" func="revPos" op="gte" val="2">
+                <dgm:forEach name="Name42" axis="followSib" ptType="sibTrans" cnt="1">
+                  <dgm:layoutNode name="sibSpaceTwo">
+                    <dgm:alg type="sp"/>
+                    <dgm:shape xmlns:r="http://schemas.openxmlformats.org/officeDocument/2006/relationships" r:blip="">
+                      <dgm:adjLst/>
+                    </dgm:shape>
+                    <dgm:presOf/>
+                    <dgm:constrLst/>
+                    <dgm:ruleLst/>
+                  </dgm:layoutNode>
+                </dgm:forEach>
+              </dgm:if>
+              <dgm:else name="Name43"/>
+            </dgm:choose>
+          </dgm:forEach>
         </dgm:layoutNode>
-      </dgm:forEach>
+      </dgm:layoutNode>
+      <dgm:choose name="Name44">
+        <dgm:if name="Name45" axis="self" ptType="node" func="revPos" op="gte" val="2">
+          <dgm:forEach name="Name46" axis="followSib" ptType="sibTrans" cnt="1">
+            <dgm:layoutNode name="sibSpaceOne">
+              <dgm:alg type="sp"/>
+              <dgm:shape xmlns:r="http://schemas.openxmlformats.org/officeDocument/2006/relationships" r:blip="">
+                <dgm:adjLst/>
+              </dgm:shape>
+              <dgm:presOf/>
+              <dgm:constrLst/>
+              <dgm:ruleLst/>
+            </dgm:layoutNode>
+          </dgm:forEach>
+        </dgm:if>
+        <dgm:else name="Name47"/>
+      </dgm:choose>
     </dgm:forEach>
   </dgm:layoutNode>
 </dgm:layoutDef>
@@ -6446,7 +6797,7 @@
           <a:p>
             <a:fld id="{23CEAAF3-9831-450B-8D59-2C09DB96C8FC}" type="datetimeFigureOut">
               <a:rPr lang="en-US"/>
-              <a:t>8/14/2021</a:t>
+              <a:t>10/12/2021</a:t>
             </a:fld>
             <a:endParaRPr/>
           </a:p>
@@ -6611,7 +6962,7 @@
           <a:p>
             <a:fld id="{2D50CD79-FC16-4410-AB61-17F26E6D3BC8}" type="datetimeFigureOut">
               <a:rPr lang="en-US"/>
-              <a:t>8/14/2021</a:t>
+              <a:t>10/12/2021</a:t>
             </a:fld>
             <a:endParaRPr/>
           </a:p>
@@ -6874,18 +7225,8 @@
 </file>
 
 <file path=ppt/slideLayouts/slideLayout1.xml><?xml version="1.0" encoding="utf-8"?>
-<p:sldLayout xmlns:a="http://schemas.openxmlformats.org/drawingml/2006/main" xmlns:r="http://schemas.openxmlformats.org/officeDocument/2006/relationships" xmlns:p="http://schemas.openxmlformats.org/presentationml/2006/main" showMasterSp="0" type="title" preserve="1">
+<p:sldLayout xmlns:a="http://schemas.openxmlformats.org/drawingml/2006/main" xmlns:r="http://schemas.openxmlformats.org/officeDocument/2006/relationships" xmlns:p="http://schemas.openxmlformats.org/presentationml/2006/main" type="title" preserve="1">
   <p:cSld name="Title Slide">
-    <p:bg>
-      <p:bgPr>
-        <a:solidFill>
-          <a:schemeClr val="bg2">
-            <a:lumMod val="75000"/>
-          </a:schemeClr>
-        </a:solidFill>
-        <a:effectLst/>
-      </p:bgPr>
-    </p:bg>
     <p:spTree>
       <p:nvGrpSpPr>
         <p:cNvPr id="1" name=""/>
@@ -6912,24 +7253,15 @@
         </p:nvSpPr>
         <p:spPr>
           <a:xfrm>
-            <a:off x="1261872" y="758952"/>
-            <a:ext cx="9418320" cy="4041648"/>
+            <a:off x="1524000" y="1122363"/>
+            <a:ext cx="9144000" cy="2387600"/>
           </a:xfrm>
         </p:spPr>
         <p:txBody>
-          <a:bodyPr anchor="b">
-            <a:normAutofit/>
-          </a:bodyPr>
+          <a:bodyPr anchor="b"/>
           <a:lstStyle>
-            <a:lvl1pPr algn="l">
-              <a:lnSpc>
-                <a:spcPct val="85000"/>
-              </a:lnSpc>
-              <a:defRPr sz="7200" baseline="0">
-                <a:solidFill>
-                  <a:schemeClr val="tx1"/>
-                </a:solidFill>
-              </a:defRPr>
+            <a:lvl1pPr algn="ctr">
+              <a:defRPr sz="6000"/>
             </a:lvl1pPr>
           </a:lstStyle>
           <a:p>
@@ -6953,56 +7285,48 @@
         </p:nvSpPr>
         <p:spPr>
           <a:xfrm>
-            <a:off x="1261872" y="4800600"/>
-            <a:ext cx="9418320" cy="1691640"/>
+            <a:off x="1524000" y="3602038"/>
+            <a:ext cx="9144000" cy="1655762"/>
           </a:xfrm>
         </p:spPr>
         <p:txBody>
-          <a:bodyPr>
-            <a:normAutofit/>
-          </a:bodyPr>
+          <a:bodyPr/>
           <a:lstStyle>
-            <a:lvl1pPr marL="0" indent="0" algn="l">
+            <a:lvl1pPr marL="0" indent="0" algn="ctr">
               <a:buNone/>
-              <a:defRPr sz="2200" baseline="0">
-                <a:solidFill>
-                  <a:schemeClr val="tx1">
-                    <a:lumMod val="75000"/>
-                  </a:schemeClr>
-                </a:solidFill>
-              </a:defRPr>
+              <a:defRPr sz="2400"/>
             </a:lvl1pPr>
             <a:lvl2pPr marL="457200" indent="0" algn="ctr">
               <a:buNone/>
-              <a:defRPr sz="2200"/>
+              <a:defRPr sz="2000"/>
             </a:lvl2pPr>
             <a:lvl3pPr marL="914400" indent="0" algn="ctr">
               <a:buNone/>
-              <a:defRPr sz="2200"/>
+              <a:defRPr sz="1800"/>
             </a:lvl3pPr>
             <a:lvl4pPr marL="1371600" indent="0" algn="ctr">
               <a:buNone/>
-              <a:defRPr sz="2000"/>
+              <a:defRPr sz="1600"/>
             </a:lvl4pPr>
             <a:lvl5pPr marL="1828800" indent="0" algn="ctr">
               <a:buNone/>
-              <a:defRPr sz="2000"/>
+              <a:defRPr sz="1600"/>
             </a:lvl5pPr>
             <a:lvl6pPr marL="2286000" indent="0" algn="ctr">
               <a:buNone/>
-              <a:defRPr sz="2000"/>
+              <a:defRPr sz="1600"/>
             </a:lvl6pPr>
             <a:lvl7pPr marL="2743200" indent="0" algn="ctr">
               <a:buNone/>
-              <a:defRPr sz="2000"/>
+              <a:defRPr sz="1600"/>
             </a:lvl7pPr>
             <a:lvl8pPr marL="3200400" indent="0" algn="ctr">
               <a:buNone/>
-              <a:defRPr sz="2000"/>
+              <a:defRPr sz="1600"/>
             </a:lvl8pPr>
             <a:lvl9pPr marL="3657600" indent="0" algn="ctr">
               <a:buNone/>
-              <a:defRPr sz="2000"/>
+              <a:defRPr sz="1600"/>
             </a:lvl9pPr>
           </a:lstStyle>
           <a:p>
@@ -7027,22 +7351,12 @@
         <p:spPr/>
         <p:txBody>
           <a:bodyPr/>
-          <a:lstStyle>
-            <a:lvl1pPr>
-              <a:defRPr>
-                <a:solidFill>
-                  <a:schemeClr val="tx1">
-                    <a:lumMod val="50000"/>
-                  </a:schemeClr>
-                </a:solidFill>
-              </a:defRPr>
-            </a:lvl1pPr>
-          </a:lstStyle>
+          <a:lstStyle/>
           <a:p>
             <a:fld id="{402B9795-92DC-40DC-A1CA-9A4B349D7824}" type="datetimeFigureOut">
               <a:rPr lang="en-US" smtClean="0"/>
               <a:pPr/>
-              <a:t>8/14/2021</a:t>
+              <a:t>10/12/2021</a:t>
             </a:fld>
             <a:endParaRPr lang="en-US" dirty="0"/>
           </a:p>
@@ -7061,17 +7375,7 @@
         <p:spPr/>
         <p:txBody>
           <a:bodyPr/>
-          <a:lstStyle>
-            <a:lvl1pPr>
-              <a:defRPr>
-                <a:solidFill>
-                  <a:schemeClr val="tx1">
-                    <a:lumMod val="65000"/>
-                  </a:schemeClr>
-                </a:solidFill>
-              </a:defRPr>
-            </a:lvl1pPr>
-          </a:lstStyle>
+          <a:lstStyle/>
           <a:p>
             <a:endParaRPr lang="en-US"/>
           </a:p>
@@ -7090,17 +7394,7 @@
         <p:spPr/>
         <p:txBody>
           <a:bodyPr/>
-          <a:lstStyle>
-            <a:lvl1pPr>
-              <a:defRPr>
-                <a:solidFill>
-                  <a:schemeClr val="tx1">
-                    <a:lumMod val="65000"/>
-                  </a:schemeClr>
-                </a:solidFill>
-              </a:defRPr>
-            </a:lvl1pPr>
-          </a:lstStyle>
+          <a:lstStyle/>
           <a:p>
             <a:fld id="{0FF54DE5-C571-48E8-A5BC-B369434E2F44}" type="slidenum">
               <a:rPr lang="en-US" smtClean="0"/>
@@ -7111,53 +7405,15 @@
           </a:p>
         </p:txBody>
       </p:sp>
-      <p:sp>
-        <p:nvSpPr>
-          <p:cNvPr id="7" name="Rectangle 6"/>
-          <p:cNvSpPr/>
-          <p:nvPr/>
-        </p:nvSpPr>
-        <p:spPr>
-          <a:xfrm>
-            <a:off x="0" y="0"/>
-            <a:ext cx="457200" cy="6858000"/>
-          </a:xfrm>
-          <a:prstGeom prst="rect">
-            <a:avLst/>
-          </a:prstGeom>
-          <a:solidFill>
-            <a:schemeClr val="accent1"/>
-          </a:solidFill>
-          <a:ln>
-            <a:noFill/>
-          </a:ln>
-        </p:spPr>
-        <p:style>
-          <a:lnRef idx="2">
-            <a:schemeClr val="accent1">
-              <a:shade val="50000"/>
-            </a:schemeClr>
-          </a:lnRef>
-          <a:fillRef idx="1">
-            <a:schemeClr val="accent1"/>
-          </a:fillRef>
-          <a:effectRef idx="0">
-            <a:schemeClr val="accent1"/>
-          </a:effectRef>
-          <a:fontRef idx="minor">
-            <a:schemeClr val="lt1"/>
-          </a:fontRef>
-        </p:style>
-      </p:sp>
     </p:spTree>
     <p:extLst>
       <p:ext uri="{BB962C8B-B14F-4D97-AF65-F5344CB8AC3E}">
-        <p14:creationId xmlns:p14="http://schemas.microsoft.com/office/powerpoint/2010/main" val="1071129763"/>
+        <p14:creationId xmlns:p14="http://schemas.microsoft.com/office/powerpoint/2010/main" val="2407665053"/>
       </p:ext>
     </p:extLst>
   </p:cSld>
   <p:clrMapOvr>
-    <a:overrideClrMapping bg1="dk1" tx1="lt1" bg2="dk2" tx2="lt2" accent1="accent1" accent2="accent2" accent3="accent3" accent4="accent4" accent5="accent5" accent6="accent6" hlink="hlink" folHlink="folHlink"/>
+    <a:masterClrMapping/>
   </p:clrMapOvr>
   <mc:AlternateContent xmlns:mc="http://schemas.openxmlformats.org/markup-compatibility/2006" xmlns:p14="http://schemas.microsoft.com/office/powerpoint/2010/main">
     <mc:Choice Requires="p14">
@@ -7284,7 +7540,7 @@
             <a:fld id="{402B9795-92DC-40DC-A1CA-9A4B349D7824}" type="datetimeFigureOut">
               <a:rPr lang="en-US" smtClean="0"/>
               <a:pPr/>
-              <a:t>8/14/2021</a:t>
+              <a:t>10/12/2021</a:t>
             </a:fld>
             <a:endParaRPr lang="en-US"/>
           </a:p>
@@ -7336,7 +7592,7 @@
     </p:spTree>
     <p:extLst>
       <p:ext uri="{BB962C8B-B14F-4D97-AF65-F5344CB8AC3E}">
-        <p14:creationId xmlns:p14="http://schemas.microsoft.com/office/powerpoint/2010/main" val="2198991234"/>
+        <p14:creationId xmlns:p14="http://schemas.microsoft.com/office/powerpoint/2010/main" val="3499375328"/>
       </p:ext>
     </p:extLst>
   </p:cSld>
@@ -7375,8 +7631,8 @@
         </p:nvSpPr>
         <p:spPr>
           <a:xfrm>
-            <a:off x="8648700" y="381000"/>
-            <a:ext cx="2476500" cy="5897562"/>
+            <a:off x="8724900" y="365125"/>
+            <a:ext cx="2628900" cy="5811838"/>
           </a:xfrm>
         </p:spPr>
         <p:txBody>
@@ -7403,8 +7659,8 @@
         </p:nvSpPr>
         <p:spPr>
           <a:xfrm>
-            <a:off x="762000" y="381000"/>
-            <a:ext cx="7734300" cy="5897562"/>
+            <a:off x="838200" y="365125"/>
+            <a:ext cx="7734300" cy="5811838"/>
           </a:xfrm>
         </p:spPr>
         <p:txBody>
@@ -7466,7 +7722,7 @@
             <a:fld id="{402B9795-92DC-40DC-A1CA-9A4B349D7824}" type="datetimeFigureOut">
               <a:rPr lang="en-US" smtClean="0"/>
               <a:pPr/>
-              <a:t>8/14/2021</a:t>
+              <a:t>10/12/2021</a:t>
             </a:fld>
             <a:endParaRPr lang="en-US"/>
           </a:p>
@@ -7518,7 +7774,7 @@
     </p:spTree>
     <p:extLst>
       <p:ext uri="{BB962C8B-B14F-4D97-AF65-F5344CB8AC3E}">
-        <p14:creationId xmlns:p14="http://schemas.microsoft.com/office/powerpoint/2010/main" val="1224242442"/>
+        <p14:creationId xmlns:p14="http://schemas.microsoft.com/office/powerpoint/2010/main" val="3250250186"/>
       </p:ext>
     </p:extLst>
   </p:cSld>
@@ -7638,7 +7894,7 @@
             <a:fld id="{402B9795-92DC-40DC-A1CA-9A4B349D7824}" type="datetimeFigureOut">
               <a:rPr lang="en-US" smtClean="0"/>
               <a:pPr/>
-              <a:t>8/14/2021</a:t>
+              <a:t>10/12/2021</a:t>
             </a:fld>
             <a:endParaRPr lang="en-US"/>
           </a:p>
@@ -7690,7 +7946,7 @@
     </p:spTree>
     <p:extLst>
       <p:ext uri="{BB962C8B-B14F-4D97-AF65-F5344CB8AC3E}">
-        <p14:creationId xmlns:p14="http://schemas.microsoft.com/office/powerpoint/2010/main" val="1932491199"/>
+        <p14:creationId xmlns:p14="http://schemas.microsoft.com/office/powerpoint/2010/main" val="2831371932"/>
       </p:ext>
     </p:extLst>
   </p:cSld>
@@ -7729,20 +7985,15 @@
         </p:nvSpPr>
         <p:spPr>
           <a:xfrm>
-            <a:off x="1261872" y="758952"/>
-            <a:ext cx="9418320" cy="4041648"/>
+            <a:off x="831850" y="1709738"/>
+            <a:ext cx="10515600" cy="2852737"/>
           </a:xfrm>
         </p:spPr>
         <p:txBody>
-          <a:bodyPr anchor="b">
-            <a:normAutofit/>
-          </a:bodyPr>
+          <a:bodyPr anchor="b"/>
           <a:lstStyle>
             <a:lvl1pPr>
-              <a:lnSpc>
-                <a:spcPct val="85000"/>
-              </a:lnSpc>
-              <a:defRPr sz="7200" b="0"/>
+              <a:defRPr sz="6000"/>
             </a:lvl1pPr>
           </a:lstStyle>
           <a:p>
@@ -7766,29 +8017,26 @@
         </p:nvSpPr>
         <p:spPr>
           <a:xfrm>
-            <a:off x="1261872" y="4800600"/>
-            <a:ext cx="9418320" cy="1691640"/>
+            <a:off x="831850" y="4589463"/>
+            <a:ext cx="10515600" cy="1500187"/>
           </a:xfrm>
         </p:spPr>
         <p:txBody>
-          <a:bodyPr anchor="t">
-            <a:normAutofit/>
-          </a:bodyPr>
+          <a:bodyPr/>
           <a:lstStyle>
             <a:lvl1pPr marL="0" indent="0">
               <a:buNone/>
-              <a:defRPr sz="2200">
+              <a:defRPr sz="2400">
                 <a:solidFill>
                   <a:schemeClr val="tx1">
-                    <a:lumMod val="65000"/>
-                    <a:lumOff val="35000"/>
+                    <a:tint val="75000"/>
                   </a:schemeClr>
                 </a:solidFill>
               </a:defRPr>
             </a:lvl1pPr>
             <a:lvl2pPr marL="457200" indent="0">
               <a:buNone/>
-              <a:defRPr sz="1800">
+              <a:defRPr sz="2000">
                 <a:solidFill>
                   <a:schemeClr val="tx1">
                     <a:tint val="75000"/>
@@ -7798,7 +8046,7 @@
             </a:lvl2pPr>
             <a:lvl3pPr marL="914400" indent="0">
               <a:buNone/>
-              <a:defRPr sz="1600">
+              <a:defRPr sz="1800">
                 <a:solidFill>
                   <a:schemeClr val="tx1">
                     <a:tint val="75000"/>
@@ -7808,7 +8056,7 @@
             </a:lvl3pPr>
             <a:lvl4pPr marL="1371600" indent="0">
               <a:buNone/>
-              <a:defRPr sz="1400">
+              <a:defRPr sz="1600">
                 <a:solidFill>
                   <a:schemeClr val="tx1">
                     <a:tint val="75000"/>
@@ -7818,7 +8066,7 @@
             </a:lvl4pPr>
             <a:lvl5pPr marL="1828800" indent="0">
               <a:buNone/>
-              <a:defRPr sz="1400">
+              <a:defRPr sz="1600">
                 <a:solidFill>
                   <a:schemeClr val="tx1">
                     <a:tint val="75000"/>
@@ -7828,7 +8076,7 @@
             </a:lvl5pPr>
             <a:lvl6pPr marL="2286000" indent="0">
               <a:buNone/>
-              <a:defRPr sz="1400">
+              <a:defRPr sz="1600">
                 <a:solidFill>
                   <a:schemeClr val="tx1">
                     <a:tint val="75000"/>
@@ -7838,7 +8086,7 @@
             </a:lvl6pPr>
             <a:lvl7pPr marL="2743200" indent="0">
               <a:buNone/>
-              <a:defRPr sz="1400">
+              <a:defRPr sz="1600">
                 <a:solidFill>
                   <a:schemeClr val="tx1">
                     <a:tint val="75000"/>
@@ -7848,7 +8096,7 @@
             </a:lvl7pPr>
             <a:lvl8pPr marL="3200400" indent="0">
               <a:buNone/>
-              <a:defRPr sz="1400">
+              <a:defRPr sz="1600">
                 <a:solidFill>
                   <a:schemeClr val="tx1">
                     <a:tint val="75000"/>
@@ -7858,7 +8106,7 @@
             </a:lvl8pPr>
             <a:lvl9pPr marL="3657600" indent="0">
               <a:buNone/>
-              <a:defRPr sz="1400">
+              <a:defRPr sz="1600">
                 <a:solidFill>
                   <a:schemeClr val="tx1">
                     <a:tint val="75000"/>
@@ -7893,7 +8141,7 @@
           <a:p>
             <a:fld id="{402B9795-92DC-40DC-A1CA-9A4B349D7824}" type="datetimeFigureOut">
               <a:rPr lang="en-US" smtClean="0"/>
-              <a:t>8/14/2021</a:t>
+              <a:t>10/12/2021</a:t>
             </a:fld>
             <a:endParaRPr lang="en-US"/>
           </a:p>
@@ -7941,48 +8189,10 @@
           </a:p>
         </p:txBody>
       </p:sp>
-      <p:sp>
-        <p:nvSpPr>
-          <p:cNvPr id="7" name="Rectangle 6"/>
-          <p:cNvSpPr/>
-          <p:nvPr/>
-        </p:nvSpPr>
-        <p:spPr>
-          <a:xfrm>
-            <a:off x="0" y="0"/>
-            <a:ext cx="457200" cy="6858000"/>
-          </a:xfrm>
-          <a:prstGeom prst="rect">
-            <a:avLst/>
-          </a:prstGeom>
-          <a:solidFill>
-            <a:schemeClr val="accent1"/>
-          </a:solidFill>
-          <a:ln>
-            <a:noFill/>
-          </a:ln>
-        </p:spPr>
-        <p:style>
-          <a:lnRef idx="2">
-            <a:schemeClr val="accent1">
-              <a:shade val="50000"/>
-            </a:schemeClr>
-          </a:lnRef>
-          <a:fillRef idx="1">
-            <a:schemeClr val="accent1"/>
-          </a:fillRef>
-          <a:effectRef idx="0">
-            <a:schemeClr val="accent1"/>
-          </a:effectRef>
-          <a:fontRef idx="minor">
-            <a:schemeClr val="lt1"/>
-          </a:fontRef>
-        </p:style>
-      </p:sp>
     </p:spTree>
     <p:extLst>
       <p:ext uri="{BB962C8B-B14F-4D97-AF65-F5344CB8AC3E}">
-        <p14:creationId xmlns:p14="http://schemas.microsoft.com/office/powerpoint/2010/main" val="733395985"/>
+        <p14:creationId xmlns:p14="http://schemas.microsoft.com/office/powerpoint/2010/main" val="1800143008"/>
       </p:ext>
     </p:extLst>
   </p:cSld>
@@ -8056,41 +8266,13 @@
         </p:nvSpPr>
         <p:spPr>
           <a:xfrm>
-            <a:off x="1261872" y="1828800"/>
-            <a:ext cx="4480560" cy="4351337"/>
+            <a:off x="838200" y="1825625"/>
+            <a:ext cx="5181600" cy="4351338"/>
           </a:xfrm>
         </p:spPr>
         <p:txBody>
           <a:bodyPr/>
-          <a:lstStyle>
-            <a:lvl1pPr>
-              <a:defRPr sz="1800"/>
-            </a:lvl1pPr>
-            <a:lvl2pPr>
-              <a:defRPr sz="1600"/>
-            </a:lvl2pPr>
-            <a:lvl3pPr>
-              <a:defRPr sz="1400"/>
-            </a:lvl3pPr>
-            <a:lvl4pPr>
-              <a:defRPr sz="1400"/>
-            </a:lvl4pPr>
-            <a:lvl5pPr>
-              <a:defRPr sz="1400"/>
-            </a:lvl5pPr>
-            <a:lvl6pPr>
-              <a:defRPr sz="1400"/>
-            </a:lvl6pPr>
-            <a:lvl7pPr>
-              <a:defRPr sz="1400"/>
-            </a:lvl7pPr>
-            <a:lvl8pPr>
-              <a:defRPr sz="1400"/>
-            </a:lvl8pPr>
-            <a:lvl9pPr>
-              <a:defRPr sz="1400"/>
-            </a:lvl9pPr>
-          </a:lstStyle>
+          <a:lstStyle/>
           <a:p>
             <a:pPr lvl="0"/>
             <a:r>
@@ -8141,41 +8323,13 @@
         </p:nvSpPr>
         <p:spPr>
           <a:xfrm>
-            <a:off x="6126480" y="1828800"/>
-            <a:ext cx="4480560" cy="4351337"/>
+            <a:off x="6172200" y="1825625"/>
+            <a:ext cx="5181600" cy="4351338"/>
           </a:xfrm>
         </p:spPr>
         <p:txBody>
           <a:bodyPr/>
-          <a:lstStyle>
-            <a:lvl1pPr>
-              <a:defRPr sz="1800"/>
-            </a:lvl1pPr>
-            <a:lvl2pPr>
-              <a:defRPr sz="1600"/>
-            </a:lvl2pPr>
-            <a:lvl3pPr>
-              <a:defRPr sz="1400"/>
-            </a:lvl3pPr>
-            <a:lvl4pPr>
-              <a:defRPr sz="1400"/>
-            </a:lvl4pPr>
-            <a:lvl5pPr>
-              <a:defRPr sz="1400"/>
-            </a:lvl5pPr>
-            <a:lvl6pPr>
-              <a:defRPr sz="1400"/>
-            </a:lvl6pPr>
-            <a:lvl7pPr>
-              <a:defRPr sz="1400"/>
-            </a:lvl7pPr>
-            <a:lvl8pPr>
-              <a:defRPr sz="1400"/>
-            </a:lvl8pPr>
-            <a:lvl9pPr>
-              <a:defRPr sz="1400"/>
-            </a:lvl9pPr>
-          </a:lstStyle>
+          <a:lstStyle/>
           <a:p>
             <a:pPr lvl="0"/>
             <a:r>
@@ -8232,7 +8386,7 @@
             <a:fld id="{402B9795-92DC-40DC-A1CA-9A4B349D7824}" type="datetimeFigureOut">
               <a:rPr lang="en-US" smtClean="0"/>
               <a:pPr/>
-              <a:t>8/14/2021</a:t>
+              <a:t>10/12/2021</a:t>
             </a:fld>
             <a:endParaRPr lang="en-US"/>
           </a:p>
@@ -8284,7 +8438,7 @@
     </p:spTree>
     <p:extLst>
       <p:ext uri="{BB962C8B-B14F-4D97-AF65-F5344CB8AC3E}">
-        <p14:creationId xmlns:p14="http://schemas.microsoft.com/office/powerpoint/2010/main" val="930396225"/>
+        <p14:creationId xmlns:p14="http://schemas.microsoft.com/office/powerpoint/2010/main" val="3778759991"/>
       </p:ext>
     </p:extLst>
   </p:cSld>
@@ -8313,7 +8467,7 @@
       </p:grpSpPr>
       <p:sp>
         <p:nvSpPr>
-          <p:cNvPr id="10" name="Title 9"/>
+          <p:cNvPr id="2" name="Title 1"/>
           <p:cNvSpPr>
             <a:spLocks noGrp="1"/>
           </p:cNvSpPr>
@@ -8321,7 +8475,12 @@
             <p:ph type="title"/>
           </p:nvPr>
         </p:nvSpPr>
-        <p:spPr/>
+        <p:spPr>
+          <a:xfrm>
+            <a:off x="839788" y="365125"/>
+            <a:ext cx="10515600" cy="1325563"/>
+          </a:xfrm>
+        </p:spPr>
         <p:txBody>
           <a:bodyPr/>
           <a:lstStyle/>
@@ -8346,25 +8505,16 @@
         </p:nvSpPr>
         <p:spPr>
           <a:xfrm>
-            <a:off x="1261872" y="1713655"/>
-            <a:ext cx="4480560" cy="731520"/>
+            <a:off x="839788" y="1681163"/>
+            <a:ext cx="5157787" cy="823912"/>
           </a:xfrm>
         </p:spPr>
         <p:txBody>
-          <a:bodyPr anchor="b">
-            <a:normAutofit/>
-          </a:bodyPr>
+          <a:bodyPr anchor="b"/>
           <a:lstStyle>
             <a:lvl1pPr marL="0" indent="0">
-              <a:spcBef>
-                <a:spcPts val="0"/>
-              </a:spcBef>
               <a:buNone/>
-              <a:defRPr sz="2000" b="0">
-                <a:solidFill>
-                  <a:schemeClr val="tx2"/>
-                </a:solidFill>
-              </a:defRPr>
+              <a:defRPr sz="2400" b="1"/>
             </a:lvl1pPr>
             <a:lvl2pPr marL="457200" indent="0">
               <a:buNone/>
@@ -8420,41 +8570,13 @@
         </p:nvSpPr>
         <p:spPr>
           <a:xfrm>
-            <a:off x="1261872" y="2507550"/>
-            <a:ext cx="4480560" cy="3664650"/>
+            <a:off x="839788" y="2505075"/>
+            <a:ext cx="5157787" cy="3684588"/>
           </a:xfrm>
         </p:spPr>
         <p:txBody>
           <a:bodyPr/>
-          <a:lstStyle>
-            <a:lvl1pPr>
-              <a:defRPr sz="1800"/>
-            </a:lvl1pPr>
-            <a:lvl2pPr>
-              <a:defRPr sz="1600"/>
-            </a:lvl2pPr>
-            <a:lvl3pPr>
-              <a:defRPr sz="1400"/>
-            </a:lvl3pPr>
-            <a:lvl4pPr>
-              <a:defRPr sz="1400"/>
-            </a:lvl4pPr>
-            <a:lvl5pPr>
-              <a:defRPr sz="1400"/>
-            </a:lvl5pPr>
-            <a:lvl6pPr>
-              <a:defRPr sz="1400"/>
-            </a:lvl6pPr>
-            <a:lvl7pPr>
-              <a:defRPr sz="1400"/>
-            </a:lvl7pPr>
-            <a:lvl8pPr>
-              <a:defRPr sz="1400"/>
-            </a:lvl8pPr>
-            <a:lvl9pPr>
-              <a:defRPr sz="1400"/>
-            </a:lvl9pPr>
-          </a:lstStyle>
+          <a:lstStyle/>
           <a:p>
             <a:pPr lvl="0"/>
             <a:r>
@@ -8505,31 +8627,16 @@
         </p:nvSpPr>
         <p:spPr>
           <a:xfrm>
-            <a:off x="6126480" y="1713655"/>
-            <a:ext cx="4480560" cy="731520"/>
+            <a:off x="6172200" y="1681163"/>
+            <a:ext cx="5183188" cy="823912"/>
           </a:xfrm>
         </p:spPr>
         <p:txBody>
-          <a:bodyPr anchor="b">
-            <a:normAutofit/>
-          </a:bodyPr>
+          <a:bodyPr anchor="b"/>
           <a:lstStyle>
             <a:lvl1pPr marL="0" indent="0">
-              <a:lnSpc>
-                <a:spcPct val="95000"/>
-              </a:lnSpc>
-              <a:spcBef>
-                <a:spcPts val="0"/>
-              </a:spcBef>
               <a:buNone/>
-              <a:defRPr lang="en-US" sz="2000" b="0" kern="1200" dirty="0">
-                <a:solidFill>
-                  <a:schemeClr val="tx2"/>
-                </a:solidFill>
-                <a:latin typeface="+mn-lt"/>
-                <a:ea typeface="+mn-ea"/>
-                <a:cs typeface="+mn-cs"/>
-              </a:defRPr>
+              <a:defRPr sz="2400" b="1"/>
             </a:lvl1pPr>
             <a:lvl2pPr marL="457200" indent="0">
               <a:buNone/>
@@ -8565,16 +8672,7 @@
             </a:lvl9pPr>
           </a:lstStyle>
           <a:p>
-            <a:pPr marL="0" lvl="0" indent="0" algn="l" defTabSz="914400" rtl="0" eaLnBrk="1" latinLnBrk="0" hangingPunct="1">
-              <a:lnSpc>
-                <a:spcPct val="90000"/>
-              </a:lnSpc>
-              <a:spcBef>
-                <a:spcPts val="2000"/>
-              </a:spcBef>
-              <a:buFontTx/>
-              <a:buNone/>
-            </a:pPr>
+            <a:pPr lvl="0"/>
             <a:r>
               <a:rPr lang="en-US"/>
               <a:t>Click to edit Master text styles</a:t>
@@ -8594,41 +8692,13 @@
         </p:nvSpPr>
         <p:spPr>
           <a:xfrm>
-            <a:off x="6126480" y="2507550"/>
-            <a:ext cx="4480560" cy="3664650"/>
+            <a:off x="6172200" y="2505075"/>
+            <a:ext cx="5183188" cy="3684588"/>
           </a:xfrm>
         </p:spPr>
         <p:txBody>
           <a:bodyPr/>
-          <a:lstStyle>
-            <a:lvl1pPr>
-              <a:defRPr sz="1800"/>
-            </a:lvl1pPr>
-            <a:lvl2pPr>
-              <a:defRPr sz="1600"/>
-            </a:lvl2pPr>
-            <a:lvl3pPr>
-              <a:defRPr sz="1400"/>
-            </a:lvl3pPr>
-            <a:lvl4pPr>
-              <a:defRPr sz="1400"/>
-            </a:lvl4pPr>
-            <a:lvl5pPr>
-              <a:defRPr sz="1400"/>
-            </a:lvl5pPr>
-            <a:lvl6pPr>
-              <a:defRPr sz="1400"/>
-            </a:lvl6pPr>
-            <a:lvl7pPr>
-              <a:defRPr sz="1400"/>
-            </a:lvl7pPr>
-            <a:lvl8pPr>
-              <a:defRPr sz="1400"/>
-            </a:lvl8pPr>
-            <a:lvl9pPr>
-              <a:defRPr sz="1400"/>
-            </a:lvl9pPr>
-          </a:lstStyle>
+          <a:lstStyle/>
           <a:p>
             <a:pPr lvl="0"/>
             <a:r>
@@ -8685,7 +8755,7 @@
             <a:fld id="{402B9795-92DC-40DC-A1CA-9A4B349D7824}" type="datetimeFigureOut">
               <a:rPr lang="en-US" smtClean="0"/>
               <a:pPr/>
-              <a:t>8/14/2021</a:t>
+              <a:t>10/12/2021</a:t>
             </a:fld>
             <a:endParaRPr lang="en-US"/>
           </a:p>
@@ -8737,7 +8807,7 @@
     </p:spTree>
     <p:extLst>
       <p:ext uri="{BB962C8B-B14F-4D97-AF65-F5344CB8AC3E}">
-        <p14:creationId xmlns:p14="http://schemas.microsoft.com/office/powerpoint/2010/main" val="4208579209"/>
+        <p14:creationId xmlns:p14="http://schemas.microsoft.com/office/powerpoint/2010/main" val="2140156618"/>
       </p:ext>
     </p:extLst>
   </p:cSld>
@@ -8766,7 +8836,7 @@
       </p:grpSpPr>
       <p:sp>
         <p:nvSpPr>
-          <p:cNvPr id="6" name="Title 5"/>
+          <p:cNvPr id="2" name="Title 1"/>
           <p:cNvSpPr>
             <a:spLocks noGrp="1"/>
           </p:cNvSpPr>
@@ -8804,7 +8874,7 @@
           <a:p>
             <a:fld id="{402B9795-92DC-40DC-A1CA-9A4B349D7824}" type="datetimeFigureOut">
               <a:rPr lang="en-US" smtClean="0"/>
-              <a:t>8/14/2021</a:t>
+              <a:t>10/12/2021</a:t>
             </a:fld>
             <a:endParaRPr lang="en-US"/>
           </a:p>
@@ -8855,7 +8925,7 @@
     </p:spTree>
     <p:extLst>
       <p:ext uri="{BB962C8B-B14F-4D97-AF65-F5344CB8AC3E}">
-        <p14:creationId xmlns:p14="http://schemas.microsoft.com/office/powerpoint/2010/main" val="1719847247"/>
+        <p14:creationId xmlns:p14="http://schemas.microsoft.com/office/powerpoint/2010/main" val="2995177389"/>
       </p:ext>
     </p:extLst>
   </p:cSld>
@@ -8911,7 +8981,7 @@
           <a:p>
             <a:fld id="{402B9795-92DC-40DC-A1CA-9A4B349D7824}" type="datetimeFigureOut">
               <a:rPr lang="en-US" smtClean="0"/>
-              <a:t>8/14/2021</a:t>
+              <a:t>10/12/2021</a:t>
             </a:fld>
             <a:endParaRPr lang="en-US"/>
           </a:p>
@@ -8962,7 +9032,7 @@
     </p:spTree>
     <p:extLst>
       <p:ext uri="{BB962C8B-B14F-4D97-AF65-F5344CB8AC3E}">
-        <p14:creationId xmlns:p14="http://schemas.microsoft.com/office/powerpoint/2010/main" val="1346616189"/>
+        <p14:creationId xmlns:p14="http://schemas.microsoft.com/office/powerpoint/2010/main" val="791532253"/>
       </p:ext>
     </p:extLst>
   </p:cSld>
@@ -9013,17 +9083,15 @@
         </p:nvSpPr>
         <p:spPr>
           <a:xfrm>
-            <a:off x="841248" y="457200"/>
-            <a:ext cx="3200400" cy="1600197"/>
+            <a:off x="839788" y="457200"/>
+            <a:ext cx="3932237" cy="1600200"/>
           </a:xfrm>
         </p:spPr>
         <p:txBody>
-          <a:bodyPr anchor="b">
-            <a:normAutofit/>
-          </a:bodyPr>
+          <a:bodyPr anchor="b"/>
           <a:lstStyle>
             <a:lvl1pPr>
-              <a:defRPr sz="3200" b="0" baseline="0"/>
+              <a:defRPr sz="3200"/>
             </a:lvl1pPr>
           </a:lstStyle>
           <a:p>
@@ -9047,39 +9115,39 @@
         </p:nvSpPr>
         <p:spPr>
           <a:xfrm>
-            <a:off x="4504267" y="685800"/>
-            <a:ext cx="6079066" cy="5486400"/>
+            <a:off x="5183188" y="987425"/>
+            <a:ext cx="6172200" cy="4873625"/>
           </a:xfrm>
         </p:spPr>
         <p:txBody>
           <a:bodyPr/>
           <a:lstStyle>
             <a:lvl1pPr>
-              <a:defRPr sz="2000"/>
+              <a:defRPr sz="3200"/>
             </a:lvl1pPr>
             <a:lvl2pPr>
-              <a:defRPr sz="1800"/>
+              <a:defRPr sz="2800"/>
             </a:lvl2pPr>
             <a:lvl3pPr>
-              <a:defRPr sz="1600"/>
+              <a:defRPr sz="2400"/>
             </a:lvl3pPr>
             <a:lvl4pPr>
-              <a:defRPr sz="1400"/>
+              <a:defRPr sz="2000"/>
             </a:lvl4pPr>
             <a:lvl5pPr>
-              <a:defRPr sz="1400"/>
+              <a:defRPr sz="2000"/>
             </a:lvl5pPr>
             <a:lvl6pPr>
-              <a:defRPr sz="1400"/>
+              <a:defRPr sz="2000"/>
             </a:lvl6pPr>
             <a:lvl7pPr>
-              <a:defRPr sz="1400"/>
+              <a:defRPr sz="2000"/>
             </a:lvl7pPr>
             <a:lvl8pPr>
-              <a:defRPr sz="1400"/>
+              <a:defRPr sz="2000"/>
             </a:lvl8pPr>
             <a:lvl9pPr>
-              <a:defRPr sz="1400"/>
+              <a:defRPr sz="2000"/>
             </a:lvl9pPr>
           </a:lstStyle>
           <a:p>
@@ -9132,56 +9200,48 @@
         </p:nvSpPr>
         <p:spPr>
           <a:xfrm>
-            <a:off x="841248" y="2099734"/>
-            <a:ext cx="3200400" cy="3810001"/>
+            <a:off x="839788" y="2057400"/>
+            <a:ext cx="3932237" cy="3811588"/>
           </a:xfrm>
         </p:spPr>
         <p:txBody>
-          <a:bodyPr>
-            <a:normAutofit/>
-          </a:bodyPr>
+          <a:bodyPr/>
           <a:lstStyle>
             <a:lvl1pPr marL="0" indent="0">
-              <a:lnSpc>
-                <a:spcPct val="114000"/>
-              </a:lnSpc>
-              <a:spcBef>
-                <a:spcPts val="800"/>
-              </a:spcBef>
               <a:buNone/>
-              <a:defRPr sz="1300"/>
+              <a:defRPr sz="1600"/>
             </a:lvl1pPr>
             <a:lvl2pPr marL="457200" indent="0">
               <a:buNone/>
-              <a:defRPr sz="1200"/>
+              <a:defRPr sz="1400"/>
             </a:lvl2pPr>
             <a:lvl3pPr marL="914400" indent="0">
               <a:buNone/>
-              <a:defRPr sz="1000"/>
+              <a:defRPr sz="1200"/>
             </a:lvl3pPr>
             <a:lvl4pPr marL="1371600" indent="0">
               <a:buNone/>
-              <a:defRPr sz="900"/>
+              <a:defRPr sz="1000"/>
             </a:lvl4pPr>
             <a:lvl5pPr marL="1828800" indent="0">
               <a:buNone/>
-              <a:defRPr sz="900"/>
+              <a:defRPr sz="1000"/>
             </a:lvl5pPr>
             <a:lvl6pPr marL="2286000" indent="0">
               <a:buNone/>
-              <a:defRPr sz="900"/>
+              <a:defRPr sz="1000"/>
             </a:lvl6pPr>
             <a:lvl7pPr marL="2743200" indent="0">
               <a:buNone/>
-              <a:defRPr sz="900"/>
+              <a:defRPr sz="1000"/>
             </a:lvl7pPr>
             <a:lvl8pPr marL="3200400" indent="0">
               <a:buNone/>
-              <a:defRPr sz="900"/>
+              <a:defRPr sz="1000"/>
             </a:lvl8pPr>
             <a:lvl9pPr marL="3657600" indent="0">
               <a:buNone/>
-              <a:defRPr sz="900"/>
+              <a:defRPr sz="1000"/>
             </a:lvl9pPr>
           </a:lstStyle>
           <a:p>
@@ -9211,7 +9271,7 @@
             <a:fld id="{402B9795-92DC-40DC-A1CA-9A4B349D7824}" type="datetimeFigureOut">
               <a:rPr lang="en-US" smtClean="0"/>
               <a:pPr/>
-              <a:t>8/14/2021</a:t>
+              <a:t>10/12/2021</a:t>
             </a:fld>
             <a:endParaRPr lang="en-US"/>
           </a:p>
@@ -9263,7 +9323,7 @@
     </p:spTree>
     <p:extLst>
       <p:ext uri="{BB962C8B-B14F-4D97-AF65-F5344CB8AC3E}">
-        <p14:creationId xmlns:p14="http://schemas.microsoft.com/office/powerpoint/2010/main" val="3727675182"/>
+        <p14:creationId xmlns:p14="http://schemas.microsoft.com/office/powerpoint/2010/main" val="1277539377"/>
       </p:ext>
     </p:extLst>
   </p:cSld>
@@ -9292,44 +9352,6 @@
       </p:grpSpPr>
       <p:sp>
         <p:nvSpPr>
-          <p:cNvPr id="8" name="Rectangle 7"/>
-          <p:cNvSpPr/>
-          <p:nvPr/>
-        </p:nvSpPr>
-        <p:spPr>
-          <a:xfrm>
-            <a:off x="0" y="5105400"/>
-            <a:ext cx="11292840" cy="1752600"/>
-          </a:xfrm>
-          <a:prstGeom prst="rect">
-            <a:avLst/>
-          </a:prstGeom>
-          <a:solidFill>
-            <a:srgbClr val="000000"/>
-          </a:solidFill>
-          <a:ln>
-            <a:noFill/>
-          </a:ln>
-        </p:spPr>
-        <p:style>
-          <a:lnRef idx="2">
-            <a:schemeClr val="accent1">
-              <a:shade val="50000"/>
-            </a:schemeClr>
-          </a:lnRef>
-          <a:fillRef idx="1">
-            <a:schemeClr val="accent1"/>
-          </a:fillRef>
-          <a:effectRef idx="0">
-            <a:schemeClr val="accent1"/>
-          </a:effectRef>
-          <a:fontRef idx="minor">
-            <a:schemeClr val="lt1"/>
-          </a:fontRef>
-        </p:style>
-      </p:sp>
-      <p:sp>
-        <p:nvSpPr>
           <p:cNvPr id="2" name="Title 1"/>
           <p:cNvSpPr>
             <a:spLocks noGrp="1"/>
@@ -9340,21 +9362,15 @@
         </p:nvSpPr>
         <p:spPr>
           <a:xfrm>
-            <a:off x="914400" y="5257800"/>
-            <a:ext cx="9982200" cy="914400"/>
+            <a:off x="839788" y="457200"/>
+            <a:ext cx="3932237" cy="1600200"/>
           </a:xfrm>
         </p:spPr>
         <p:txBody>
-          <a:bodyPr anchor="b">
-            <a:normAutofit/>
-          </a:bodyPr>
+          <a:bodyPr anchor="b"/>
           <a:lstStyle>
             <a:lvl1pPr>
-              <a:defRPr sz="2800" b="0">
-                <a:solidFill>
-                  <a:schemeClr val="bg1"/>
-                </a:solidFill>
-              </a:defRPr>
+              <a:defRPr sz="3200"/>
             </a:lvl1pPr>
           </a:lstStyle>
           <a:p>
@@ -9378,23 +9394,16 @@
         </p:nvSpPr>
         <p:spPr>
           <a:xfrm>
-            <a:off x="0" y="0"/>
-            <a:ext cx="11292840" cy="5128923"/>
+            <a:off x="5183188" y="987425"/>
+            <a:ext cx="6172200" cy="4873625"/>
           </a:xfrm>
-          <a:solidFill>
-            <a:schemeClr val="accent1"/>
-          </a:solidFill>
         </p:spPr>
         <p:txBody>
           <a:bodyPr anchor="t"/>
           <a:lstStyle>
             <a:lvl1pPr marL="0" indent="0">
               <a:buNone/>
-              <a:defRPr sz="3200">
-                <a:solidFill>
-                  <a:schemeClr val="bg1"/>
-                </a:solidFill>
-              </a:defRPr>
+              <a:defRPr sz="3200"/>
             </a:lvl1pPr>
             <a:lvl2pPr marL="457200" indent="0">
               <a:buNone/>
@@ -9450,62 +9459,48 @@
         </p:nvSpPr>
         <p:spPr>
           <a:xfrm>
-            <a:off x="914400" y="6108589"/>
-            <a:ext cx="9982200" cy="597011"/>
+            <a:off x="839788" y="2057400"/>
+            <a:ext cx="3932237" cy="3811588"/>
           </a:xfrm>
         </p:spPr>
         <p:txBody>
-          <a:bodyPr>
-            <a:normAutofit/>
-          </a:bodyPr>
+          <a:bodyPr/>
           <a:lstStyle>
             <a:lvl1pPr marL="0" indent="0">
-              <a:lnSpc>
-                <a:spcPct val="100000"/>
-              </a:lnSpc>
-              <a:spcBef>
-                <a:spcPts val="800"/>
-              </a:spcBef>
               <a:buNone/>
-              <a:defRPr sz="1300">
-                <a:solidFill>
-                  <a:schemeClr val="bg1">
-                    <a:lumMod val="85000"/>
-                  </a:schemeClr>
-                </a:solidFill>
-              </a:defRPr>
+              <a:defRPr sz="1600"/>
             </a:lvl1pPr>
             <a:lvl2pPr marL="457200" indent="0">
               <a:buNone/>
-              <a:defRPr sz="1200"/>
+              <a:defRPr sz="1400"/>
             </a:lvl2pPr>
             <a:lvl3pPr marL="914400" indent="0">
               <a:buNone/>
-              <a:defRPr sz="1000"/>
+              <a:defRPr sz="1200"/>
             </a:lvl3pPr>
             <a:lvl4pPr marL="1371600" indent="0">
               <a:buNone/>
-              <a:defRPr sz="900"/>
+              <a:defRPr sz="1000"/>
             </a:lvl4pPr>
             <a:lvl5pPr marL="1828800" indent="0">
               <a:buNone/>
-              <a:defRPr sz="900"/>
+              <a:defRPr sz="1000"/>
             </a:lvl5pPr>
             <a:lvl6pPr marL="2286000" indent="0">
               <a:buNone/>
-              <a:defRPr sz="900"/>
+              <a:defRPr sz="1000"/>
             </a:lvl6pPr>
             <a:lvl7pPr marL="2743200" indent="0">
               <a:buNone/>
-              <a:defRPr sz="900"/>
+              <a:defRPr sz="1000"/>
             </a:lvl7pPr>
             <a:lvl8pPr marL="3200400" indent="0">
               <a:buNone/>
-              <a:defRPr sz="900"/>
+              <a:defRPr sz="1000"/>
             </a:lvl8pPr>
             <a:lvl9pPr marL="3657600" indent="0">
               <a:buNone/>
-              <a:defRPr sz="900"/>
+              <a:defRPr sz="1000"/>
             </a:lvl9pPr>
           </a:lstStyle>
           <a:p>
@@ -9534,7 +9529,7 @@
           <a:p>
             <a:fld id="{402B9795-92DC-40DC-A1CA-9A4B349D7824}" type="datetimeFigureOut">
               <a:rPr lang="en-US" smtClean="0"/>
-              <a:t>8/14/2021</a:t>
+              <a:t>10/12/2021</a:t>
             </a:fld>
             <a:endParaRPr lang="en-US"/>
           </a:p>
@@ -9585,7 +9580,7 @@
     </p:spTree>
     <p:extLst>
       <p:ext uri="{BB962C8B-B14F-4D97-AF65-F5344CB8AC3E}">
-        <p14:creationId xmlns:p14="http://schemas.microsoft.com/office/powerpoint/2010/main" val="1758886569"/>
+        <p14:creationId xmlns:p14="http://schemas.microsoft.com/office/powerpoint/2010/main" val="833255172"/>
       </p:ext>
     </p:extLst>
   </p:cSld>
@@ -9631,46 +9626,6 @@
       </p:grpSpPr>
       <p:sp>
         <p:nvSpPr>
-          <p:cNvPr id="7" name="Rectangle 6"/>
-          <p:cNvSpPr/>
-          <p:nvPr/>
-        </p:nvSpPr>
-        <p:spPr>
-          <a:xfrm>
-            <a:off x="11292840" y="0"/>
-            <a:ext cx="914400" cy="6858000"/>
-          </a:xfrm>
-          <a:prstGeom prst="rect">
-            <a:avLst/>
-          </a:prstGeom>
-          <a:solidFill>
-            <a:schemeClr val="tx2">
-              <a:lumMod val="75000"/>
-            </a:schemeClr>
-          </a:solidFill>
-          <a:ln>
-            <a:noFill/>
-          </a:ln>
-        </p:spPr>
-        <p:style>
-          <a:lnRef idx="2">
-            <a:schemeClr val="accent1">
-              <a:shade val="50000"/>
-            </a:schemeClr>
-          </a:lnRef>
-          <a:fillRef idx="1">
-            <a:schemeClr val="accent1"/>
-          </a:fillRef>
-          <a:effectRef idx="0">
-            <a:schemeClr val="accent1"/>
-          </a:effectRef>
-          <a:fontRef idx="minor">
-            <a:schemeClr val="lt1"/>
-          </a:fontRef>
-        </p:style>
-      </p:sp>
-      <p:sp>
-        <p:nvSpPr>
           <p:cNvPr id="2" name="Title Placeholder 1"/>
           <p:cNvSpPr>
             <a:spLocks noGrp="1"/>
@@ -9681,15 +9636,15 @@
         </p:nvSpPr>
         <p:spPr>
           <a:xfrm>
-            <a:off x="1261872" y="365760"/>
-            <a:ext cx="9692640" cy="1325562"/>
+            <a:off x="838200" y="365125"/>
+            <a:ext cx="10515600" cy="1325563"/>
           </a:xfrm>
           <a:prstGeom prst="rect">
             <a:avLst/>
           </a:prstGeom>
         </p:spPr>
         <p:txBody>
-          <a:bodyPr vert="horz" lIns="91440" tIns="45720" rIns="91440" bIns="45720" rtlCol="0" anchor="b">
+          <a:bodyPr vert="horz" lIns="91440" tIns="45720" rIns="91440" bIns="45720" rtlCol="0" anchor="ctr">
             <a:normAutofit/>
           </a:bodyPr>
           <a:lstStyle/>
@@ -9714,8 +9669,8 @@
         </p:nvSpPr>
         <p:spPr>
           <a:xfrm>
-            <a:off x="1261872" y="1828800"/>
-            <a:ext cx="8595360" cy="4351337"/>
+            <a:off x="838200" y="1825625"/>
+            <a:ext cx="10515600" cy="4351338"/>
           </a:xfrm>
           <a:prstGeom prst="rect">
             <a:avLst/>
@@ -9775,9 +9730,9 @@
           </p:nvPr>
         </p:nvSpPr>
         <p:spPr>
-          <a:xfrm rot="16200000">
-            <a:off x="10797542" y="998537"/>
-            <a:ext cx="1904999" cy="365125"/>
+          <a:xfrm>
+            <a:off x="838200" y="6356350"/>
+            <a:ext cx="2743200" cy="365125"/>
           </a:xfrm>
           <a:prstGeom prst="rect">
             <a:avLst/>
@@ -9786,12 +9741,11 @@
         <p:txBody>
           <a:bodyPr vert="horz" lIns="91440" tIns="45720" rIns="91440" bIns="45720" rtlCol="0" anchor="ctr"/>
           <a:lstStyle>
-            <a:lvl1pPr algn="r">
-              <a:defRPr sz="1050" b="0">
+            <a:lvl1pPr algn="l">
+              <a:defRPr sz="1200">
                 <a:solidFill>
-                  <a:schemeClr val="tx2">
-                    <a:lumMod val="20000"/>
-                    <a:lumOff val="80000"/>
+                  <a:schemeClr val="tx1">
+                    <a:tint val="75000"/>
                   </a:schemeClr>
                 </a:solidFill>
               </a:defRPr>
@@ -9801,7 +9755,7 @@
             <a:fld id="{402B9795-92DC-40DC-A1CA-9A4B349D7824}" type="datetimeFigureOut">
               <a:rPr lang="en-US" smtClean="0"/>
               <a:pPr/>
-              <a:t>8/14/2021</a:t>
+              <a:t>10/12/2021</a:t>
             </a:fld>
             <a:endParaRPr lang="en-US"/>
           </a:p>
@@ -9818,9 +9772,9 @@
           </p:nvPr>
         </p:nvSpPr>
         <p:spPr>
-          <a:xfrm rot="16200000">
-            <a:off x="9959341" y="4046537"/>
-            <a:ext cx="3581400" cy="365125"/>
+          <a:xfrm>
+            <a:off x="4038600" y="6356350"/>
+            <a:ext cx="4114800" cy="365125"/>
           </a:xfrm>
           <a:prstGeom prst="rect">
             <a:avLst/>
@@ -9829,12 +9783,11 @@
         <p:txBody>
           <a:bodyPr vert="horz" lIns="91440" tIns="45720" rIns="91440" bIns="45720" rtlCol="0" anchor="ctr"/>
           <a:lstStyle>
-            <a:lvl1pPr algn="l">
-              <a:defRPr sz="1050">
+            <a:lvl1pPr algn="ctr">
+              <a:defRPr sz="1200">
                 <a:solidFill>
-                  <a:schemeClr val="tx2">
-                    <a:lumMod val="20000"/>
-                    <a:lumOff val="80000"/>
+                  <a:schemeClr val="tx1">
+                    <a:tint val="75000"/>
                   </a:schemeClr>
                 </a:solidFill>
               </a:defRPr>
@@ -9857,24 +9810,21 @@
         </p:nvSpPr>
         <p:spPr>
           <a:xfrm>
-            <a:off x="11292840" y="6172200"/>
-            <a:ext cx="914400" cy="593725"/>
+            <a:off x="8610600" y="6356350"/>
+            <a:ext cx="2743200" cy="365125"/>
           </a:xfrm>
           <a:prstGeom prst="rect">
             <a:avLst/>
           </a:prstGeom>
         </p:spPr>
         <p:txBody>
-          <a:bodyPr vert="horz" lIns="45720" tIns="45720" rIns="45720" bIns="45720" rtlCol="0" anchor="ctr">
-            <a:normAutofit/>
-          </a:bodyPr>
+          <a:bodyPr vert="horz" lIns="91440" tIns="45720" rIns="91440" bIns="45720" rtlCol="0" anchor="ctr"/>
           <a:lstStyle>
-            <a:lvl1pPr algn="ctr">
-              <a:defRPr sz="3600">
+            <a:lvl1pPr algn="r">
+              <a:defRPr sz="1200">
                 <a:solidFill>
-                  <a:schemeClr val="tx2">
-                    <a:lumMod val="60000"/>
-                    <a:lumOff val="40000"/>
+                  <a:schemeClr val="tx1">
+                    <a:tint val="75000"/>
                   </a:schemeClr>
                 </a:solidFill>
               </a:defRPr>
@@ -9893,23 +9843,23 @@
     </p:spTree>
     <p:extLst>
       <p:ext uri="{BB962C8B-B14F-4D97-AF65-F5344CB8AC3E}">
-        <p14:creationId xmlns:p14="http://schemas.microsoft.com/office/powerpoint/2010/main" val="2474462806"/>
+        <p14:creationId xmlns:p14="http://schemas.microsoft.com/office/powerpoint/2010/main" val="2785580225"/>
       </p:ext>
     </p:extLst>
   </p:cSld>
   <p:clrMap bg1="lt1" tx1="dk1" bg2="lt2" tx2="dk2" accent1="accent1" accent2="accent2" accent3="accent3" accent4="accent4" accent5="accent5" accent6="accent6" hlink="hlink" folHlink="folHlink"/>
   <p:sldLayoutIdLst>
-    <p:sldLayoutId id="2147484252" r:id="rId1"/>
-    <p:sldLayoutId id="2147484253" r:id="rId2"/>
-    <p:sldLayoutId id="2147484254" r:id="rId3"/>
-    <p:sldLayoutId id="2147484255" r:id="rId4"/>
-    <p:sldLayoutId id="2147484256" r:id="rId5"/>
-    <p:sldLayoutId id="2147484257" r:id="rId6"/>
-    <p:sldLayoutId id="2147484258" r:id="rId7"/>
-    <p:sldLayoutId id="2147484259" r:id="rId8"/>
-    <p:sldLayoutId id="2147484260" r:id="rId9"/>
-    <p:sldLayoutId id="2147484261" r:id="rId10"/>
-    <p:sldLayoutId id="2147484262" r:id="rId11"/>
+    <p:sldLayoutId id="2147484276" r:id="rId1"/>
+    <p:sldLayoutId id="2147484277" r:id="rId2"/>
+    <p:sldLayoutId id="2147484278" r:id="rId3"/>
+    <p:sldLayoutId id="2147484279" r:id="rId4"/>
+    <p:sldLayoutId id="2147484280" r:id="rId5"/>
+    <p:sldLayoutId id="2147484281" r:id="rId6"/>
+    <p:sldLayoutId id="2147484282" r:id="rId7"/>
+    <p:sldLayoutId id="2147484283" r:id="rId8"/>
+    <p:sldLayoutId id="2147484284" r:id="rId9"/>
+    <p:sldLayoutId id="2147484285" r:id="rId10"/>
+    <p:sldLayoutId id="2147484286" r:id="rId11"/>
   </p:sldLayoutIdLst>
   <mc:AlternateContent xmlns:mc="http://schemas.openxmlformats.org/markup-compatibility/2006" xmlns:p14="http://schemas.microsoft.com/office/powerpoint/2010/main">
     <mc:Choice Requires="p14">
@@ -9933,7 +9883,7 @@
           <a:spcPct val="0"/>
         </a:spcBef>
         <a:buNone/>
-        <a:defRPr sz="4400" kern="1200" spc="-50" baseline="0">
+        <a:defRPr sz="4400" kern="1200">
           <a:solidFill>
             <a:schemeClr val="tx1"/>
           </a:solidFill>
@@ -9944,23 +9894,16 @@
       </a:lvl1pPr>
     </p:titleStyle>
     <p:bodyStyle>
-      <a:lvl1pPr marL="182880" indent="-182880" algn="l" defTabSz="914400" rtl="0" eaLnBrk="1" latinLnBrk="0" hangingPunct="1">
+      <a:lvl1pPr marL="228600" indent="-228600" algn="l" defTabSz="914400" rtl="0" eaLnBrk="1" latinLnBrk="0" hangingPunct="1">
         <a:lnSpc>
-          <a:spcPct val="95000"/>
+          <a:spcPct val="90000"/>
         </a:lnSpc>
         <a:spcBef>
-          <a:spcPts val="1400"/>
+          <a:spcPts val="1000"/>
         </a:spcBef>
-        <a:spcAft>
-          <a:spcPts val="200"/>
-        </a:spcAft>
-        <a:buClr>
-          <a:schemeClr val="accent1"/>
-        </a:buClr>
-        <a:buSzPct val="80000"/>
-        <a:buFont typeface="Arial" pitchFamily="34" charset="0"/>
+        <a:buFont typeface="Arial" panose="020B0604020202020204" pitchFamily="34" charset="0"/>
         <a:buChar char="•"/>
-        <a:defRPr sz="1800" kern="1200" spc="10" baseline="0">
+        <a:defRPr sz="2800" kern="1200">
           <a:solidFill>
             <a:schemeClr val="tx1"/>
           </a:solidFill>
@@ -9969,216 +9912,144 @@
           <a:cs typeface="+mn-cs"/>
         </a:defRPr>
       </a:lvl1pPr>
-      <a:lvl2pPr marL="457200" indent="-182880" algn="l" defTabSz="914400" rtl="0" eaLnBrk="1" latinLnBrk="0" hangingPunct="1">
+      <a:lvl2pPr marL="685800" indent="-228600" algn="l" defTabSz="914400" rtl="0" eaLnBrk="1" latinLnBrk="0" hangingPunct="1">
         <a:lnSpc>
           <a:spcPct val="90000"/>
         </a:lnSpc>
         <a:spcBef>
-          <a:spcPts val="300"/>
+          <a:spcPts val="500"/>
         </a:spcBef>
-        <a:spcAft>
-          <a:spcPts val="300"/>
-        </a:spcAft>
-        <a:buClr>
-          <a:schemeClr val="accent1"/>
-        </a:buClr>
-        <a:buFont typeface="Wingdings 2" pitchFamily="18" charset="2"/>
-        <a:buChar char=""/>
-        <a:defRPr sz="1600" kern="1200">
+        <a:buFont typeface="Arial" panose="020B0604020202020204" pitchFamily="34" charset="0"/>
+        <a:buChar char="•"/>
+        <a:defRPr sz="2400" kern="1200">
           <a:solidFill>
-            <a:schemeClr val="tx1">
-              <a:lumMod val="85000"/>
-              <a:lumOff val="15000"/>
-            </a:schemeClr>
+            <a:schemeClr val="tx1"/>
           </a:solidFill>
           <a:latin typeface="+mn-lt"/>
           <a:ea typeface="+mn-ea"/>
           <a:cs typeface="+mn-cs"/>
         </a:defRPr>
       </a:lvl2pPr>
-      <a:lvl3pPr marL="731520" indent="-182880" algn="l" defTabSz="914400" rtl="0" eaLnBrk="1" latinLnBrk="0" hangingPunct="1">
+      <a:lvl3pPr marL="1143000" indent="-228600" algn="l" defTabSz="914400" rtl="0" eaLnBrk="1" latinLnBrk="0" hangingPunct="1">
         <a:lnSpc>
           <a:spcPct val="90000"/>
         </a:lnSpc>
         <a:spcBef>
-          <a:spcPts val="300"/>
+          <a:spcPts val="500"/>
         </a:spcBef>
-        <a:spcAft>
-          <a:spcPts val="300"/>
-        </a:spcAft>
-        <a:buClr>
-          <a:schemeClr val="accent1"/>
-        </a:buClr>
-        <a:buFont typeface="Wingdings 2" pitchFamily="18" charset="2"/>
-        <a:buChar char=""/>
-        <a:defRPr sz="1400" kern="1200">
+        <a:buFont typeface="Arial" panose="020B0604020202020204" pitchFamily="34" charset="0"/>
+        <a:buChar char="•"/>
+        <a:defRPr sz="2000" kern="1200">
           <a:solidFill>
-            <a:schemeClr val="tx1">
-              <a:lumMod val="85000"/>
-              <a:lumOff val="15000"/>
-            </a:schemeClr>
+            <a:schemeClr val="tx1"/>
           </a:solidFill>
           <a:latin typeface="+mn-lt"/>
           <a:ea typeface="+mn-ea"/>
           <a:cs typeface="+mn-cs"/>
         </a:defRPr>
       </a:lvl3pPr>
-      <a:lvl4pPr marL="1005840" indent="-182880" algn="l" defTabSz="914400" rtl="0" eaLnBrk="1" latinLnBrk="0" hangingPunct="1">
+      <a:lvl4pPr marL="1600200" indent="-228600" algn="l" defTabSz="914400" rtl="0" eaLnBrk="1" latinLnBrk="0" hangingPunct="1">
         <a:lnSpc>
           <a:spcPct val="90000"/>
         </a:lnSpc>
         <a:spcBef>
-          <a:spcPts val="300"/>
+          <a:spcPts val="500"/>
         </a:spcBef>
-        <a:spcAft>
-          <a:spcPts val="300"/>
-        </a:spcAft>
-        <a:buClr>
-          <a:schemeClr val="accent1"/>
-        </a:buClr>
-        <a:buFont typeface="Wingdings 2" pitchFamily="18" charset="2"/>
-        <a:buChar char=""/>
-        <a:defRPr sz="1400" kern="1200">
+        <a:buFont typeface="Arial" panose="020B0604020202020204" pitchFamily="34" charset="0"/>
+        <a:buChar char="•"/>
+        <a:defRPr sz="1800" kern="1200">
           <a:solidFill>
-            <a:schemeClr val="tx1">
-              <a:lumMod val="85000"/>
-              <a:lumOff val="15000"/>
-            </a:schemeClr>
+            <a:schemeClr val="tx1"/>
           </a:solidFill>
           <a:latin typeface="+mn-lt"/>
           <a:ea typeface="+mn-ea"/>
           <a:cs typeface="+mn-cs"/>
         </a:defRPr>
       </a:lvl4pPr>
-      <a:lvl5pPr marL="1280160" indent="-182880" algn="l" defTabSz="914400" rtl="0" eaLnBrk="1" latinLnBrk="0" hangingPunct="1">
+      <a:lvl5pPr marL="2057400" indent="-228600" algn="l" defTabSz="914400" rtl="0" eaLnBrk="1" latinLnBrk="0" hangingPunct="1">
         <a:lnSpc>
           <a:spcPct val="90000"/>
         </a:lnSpc>
         <a:spcBef>
-          <a:spcPts val="300"/>
+          <a:spcPts val="500"/>
         </a:spcBef>
-        <a:spcAft>
-          <a:spcPts val="300"/>
-        </a:spcAft>
-        <a:buClr>
-          <a:schemeClr val="accent1"/>
-        </a:buClr>
-        <a:buFont typeface="Wingdings 2" pitchFamily="18" charset="2"/>
-        <a:buChar char=""/>
-        <a:defRPr sz="1400" kern="1200">
+        <a:buFont typeface="Arial" panose="020B0604020202020204" pitchFamily="34" charset="0"/>
+        <a:buChar char="•"/>
+        <a:defRPr sz="1800" kern="1200">
           <a:solidFill>
-            <a:schemeClr val="tx1">
-              <a:lumMod val="85000"/>
-              <a:lumOff val="15000"/>
-            </a:schemeClr>
+            <a:schemeClr val="tx1"/>
           </a:solidFill>
           <a:latin typeface="+mn-lt"/>
           <a:ea typeface="+mn-ea"/>
           <a:cs typeface="+mn-cs"/>
         </a:defRPr>
       </a:lvl5pPr>
-      <a:lvl6pPr marL="1600000" indent="-228600" algn="l" defTabSz="914400" rtl="0" eaLnBrk="1" latinLnBrk="0" hangingPunct="1">
+      <a:lvl6pPr marL="2514600" indent="-228600" algn="l" defTabSz="914400" rtl="0" eaLnBrk="1" latinLnBrk="0" hangingPunct="1">
         <a:lnSpc>
           <a:spcPct val="90000"/>
         </a:lnSpc>
         <a:spcBef>
-          <a:spcPts val="300"/>
+          <a:spcPts val="500"/>
         </a:spcBef>
-        <a:spcAft>
-          <a:spcPts val="300"/>
-        </a:spcAft>
-        <a:buClr>
-          <a:schemeClr val="accent1"/>
-        </a:buClr>
-        <a:buFont typeface="Wingdings 2" pitchFamily="18" charset="2"/>
-        <a:buChar char=""/>
-        <a:defRPr sz="1400" kern="1200">
+        <a:buFont typeface="Arial" panose="020B0604020202020204" pitchFamily="34" charset="0"/>
+        <a:buChar char="•"/>
+        <a:defRPr sz="1800" kern="1200">
           <a:solidFill>
-            <a:schemeClr val="tx1">
-              <a:lumMod val="85000"/>
-              <a:lumOff val="15000"/>
-            </a:schemeClr>
+            <a:schemeClr val="tx1"/>
           </a:solidFill>
           <a:latin typeface="+mn-lt"/>
           <a:ea typeface="+mn-ea"/>
           <a:cs typeface="+mn-cs"/>
         </a:defRPr>
       </a:lvl6pPr>
-      <a:lvl7pPr marL="1900000" indent="-228600" algn="l" defTabSz="914400" rtl="0" eaLnBrk="1" latinLnBrk="0" hangingPunct="1">
+      <a:lvl7pPr marL="2971800" indent="-228600" algn="l" defTabSz="914400" rtl="0" eaLnBrk="1" latinLnBrk="0" hangingPunct="1">
         <a:lnSpc>
           <a:spcPct val="90000"/>
         </a:lnSpc>
         <a:spcBef>
-          <a:spcPts val="300"/>
+          <a:spcPts val="500"/>
         </a:spcBef>
-        <a:spcAft>
-          <a:spcPts val="300"/>
-        </a:spcAft>
-        <a:buClr>
-          <a:schemeClr val="accent1"/>
-        </a:buClr>
-        <a:buFont typeface="Wingdings 2" pitchFamily="18" charset="2"/>
-        <a:buChar char=""/>
-        <a:defRPr sz="1400" kern="1200">
+        <a:buFont typeface="Arial" panose="020B0604020202020204" pitchFamily="34" charset="0"/>
+        <a:buChar char="•"/>
+        <a:defRPr sz="1800" kern="1200">
           <a:solidFill>
-            <a:schemeClr val="tx1">
-              <a:lumMod val="85000"/>
-              <a:lumOff val="15000"/>
-            </a:schemeClr>
+            <a:schemeClr val="tx1"/>
           </a:solidFill>
           <a:latin typeface="+mn-lt"/>
           <a:ea typeface="+mn-ea"/>
           <a:cs typeface="+mn-cs"/>
         </a:defRPr>
       </a:lvl7pPr>
-      <a:lvl8pPr marL="2200000" indent="-228600" algn="l" defTabSz="914400" rtl="0" eaLnBrk="1" latinLnBrk="0" hangingPunct="1">
+      <a:lvl8pPr marL="3429000" indent="-228600" algn="l" defTabSz="914400" rtl="0" eaLnBrk="1" latinLnBrk="0" hangingPunct="1">
         <a:lnSpc>
           <a:spcPct val="90000"/>
         </a:lnSpc>
         <a:spcBef>
-          <a:spcPts val="300"/>
+          <a:spcPts val="500"/>
         </a:spcBef>
-        <a:spcAft>
-          <a:spcPts val="300"/>
-        </a:spcAft>
-        <a:buClr>
-          <a:schemeClr val="accent1"/>
-        </a:buClr>
-        <a:buFont typeface="Wingdings 2" pitchFamily="18" charset="2"/>
-        <a:buChar char=""/>
-        <a:defRPr sz="1400" kern="1200">
+        <a:buFont typeface="Arial" panose="020B0604020202020204" pitchFamily="34" charset="0"/>
+        <a:buChar char="•"/>
+        <a:defRPr sz="1800" kern="1200">
           <a:solidFill>
-            <a:schemeClr val="tx1">
-              <a:lumMod val="85000"/>
-              <a:lumOff val="15000"/>
-            </a:schemeClr>
+            <a:schemeClr val="tx1"/>
           </a:solidFill>
           <a:latin typeface="+mn-lt"/>
           <a:ea typeface="+mn-ea"/>
           <a:cs typeface="+mn-cs"/>
         </a:defRPr>
       </a:lvl8pPr>
-      <a:lvl9pPr marL="2500000" indent="-228600" algn="l" defTabSz="914400" rtl="0" eaLnBrk="1" latinLnBrk="0" hangingPunct="1">
+      <a:lvl9pPr marL="3886200" indent="-228600" algn="l" defTabSz="914400" rtl="0" eaLnBrk="1" latinLnBrk="0" hangingPunct="1">
         <a:lnSpc>
           <a:spcPct val="90000"/>
         </a:lnSpc>
         <a:spcBef>
-          <a:spcPts val="300"/>
+          <a:spcPts val="500"/>
         </a:spcBef>
-        <a:spcAft>
-          <a:spcPts val="300"/>
-        </a:spcAft>
-        <a:buClr>
-          <a:schemeClr val="accent1"/>
-        </a:buClr>
-        <a:buFont typeface="Wingdings 2" pitchFamily="18" charset="2"/>
-        <a:buChar char=""/>
-        <a:defRPr sz="1400" kern="1200">
+        <a:buFont typeface="Arial" panose="020B0604020202020204" pitchFamily="34" charset="0"/>
+        <a:buChar char="•"/>
+        <a:defRPr sz="1800" kern="1200">
           <a:solidFill>
-            <a:schemeClr val="tx1">
-              <a:lumMod val="85000"/>
-              <a:lumOff val="15000"/>
-            </a:schemeClr>
+            <a:schemeClr val="tx1"/>
           </a:solidFill>
           <a:latin typeface="+mn-lt"/>
           <a:ea typeface="+mn-ea"/>
@@ -10330,12 +10201,18 @@
           <a:p>
             <a:r>
               <a:rPr lang="zh-CN" altLang="en-US" dirty="0">
+                <a:solidFill>
+                  <a:srgbClr val="F49600"/>
+                </a:solidFill>
                 <a:latin typeface="微软雅黑" panose="020B0503020204020204" pitchFamily="34" charset="-122"/>
                 <a:ea typeface="微软雅黑" panose="020B0503020204020204" pitchFamily="34" charset="-122"/>
               </a:rPr>
               <a:t>平台设计</a:t>
             </a:r>
             <a:endParaRPr lang="en-US" dirty="0">
+              <a:solidFill>
+                <a:srgbClr val="F49600"/>
+              </a:solidFill>
               <a:latin typeface="微软雅黑" panose="020B0503020204020204" pitchFamily="34" charset="-122"/>
               <a:ea typeface="微软雅黑" panose="020B0503020204020204" pitchFamily="34" charset="-122"/>
             </a:endParaRPr>
@@ -10365,12 +10242,18 @@
           <a:p>
             <a:r>
               <a:rPr lang="zh-CN" altLang="en-US" dirty="0">
+                <a:solidFill>
+                  <a:srgbClr val="000000"/>
+                </a:solidFill>
                 <a:latin typeface="微软雅黑" panose="020B0503020204020204" pitchFamily="34" charset="-122"/>
                 <a:ea typeface="微软雅黑" panose="020B0503020204020204" pitchFamily="34" charset="-122"/>
               </a:rPr>
-              <a:t>基于品链框架</a:t>
+              <a:t>基于金中关品链框架</a:t>
             </a:r>
             <a:endParaRPr lang="en-US" dirty="0">
+              <a:solidFill>
+                <a:srgbClr val="000000"/>
+              </a:solidFill>
               <a:latin typeface="微软雅黑" panose="020B0503020204020204" pitchFamily="34" charset="-122"/>
               <a:ea typeface="微软雅黑" panose="020B0503020204020204" pitchFamily="34" charset="-122"/>
             </a:endParaRPr>
@@ -10399,7 +10282,7 @@
         </p:blipFill>
         <p:spPr>
           <a:xfrm>
-            <a:off x="6343452" y="1604520"/>
+            <a:off x="7842316" y="2117708"/>
             <a:ext cx="3648959" cy="3648959"/>
           </a:xfrm>
           <a:prstGeom prst="rect">
@@ -10411,6 +10294,300 @@
     <p:extLst>
       <p:ext uri="{BB962C8B-B14F-4D97-AF65-F5344CB8AC3E}">
         <p14:creationId xmlns:p14="http://schemas.microsoft.com/office/powerpoint/2010/main" val="3510616130"/>
+      </p:ext>
+    </p:extLst>
+  </p:cSld>
+  <p:clrMapOvr>
+    <a:masterClrMapping/>
+  </p:clrMapOvr>
+  <mc:AlternateContent xmlns:mc="http://schemas.openxmlformats.org/markup-compatibility/2006" xmlns:p14="http://schemas.microsoft.com/office/powerpoint/2010/main">
+    <mc:Choice Requires="p14">
+      <p:transition spd="med" p14:dur="700">
+        <p:fade/>
+      </p:transition>
+    </mc:Choice>
+    <mc:Fallback xmlns="">
+      <p:transition spd="med">
+        <p:fade/>
+      </p:transition>
+    </mc:Fallback>
+  </mc:AlternateContent>
+</p:sld>
+</file>
+
+<file path=ppt/slides/slide10.xml><?xml version="1.0" encoding="utf-8"?>
+<p:sld xmlns:a="http://schemas.openxmlformats.org/drawingml/2006/main" xmlns:r="http://schemas.openxmlformats.org/officeDocument/2006/relationships" xmlns:p="http://schemas.openxmlformats.org/presentationml/2006/main">
+  <p:cSld>
+    <p:spTree>
+      <p:nvGrpSpPr>
+        <p:cNvPr id="1" name=""/>
+        <p:cNvGrpSpPr/>
+        <p:nvPr/>
+      </p:nvGrpSpPr>
+      <p:grpSpPr>
+        <a:xfrm>
+          <a:off x="0" y="0"/>
+          <a:ext cx="0" cy="0"/>
+          <a:chOff x="0" y="0"/>
+          <a:chExt cx="0" cy="0"/>
+        </a:xfrm>
+      </p:grpSpPr>
+      <p:sp>
+        <p:nvSpPr>
+          <p:cNvPr id="2" name="Title 1">
+            <a:extLst>
+              <a:ext uri="{FF2B5EF4-FFF2-40B4-BE49-F238E27FC236}">
+                <a16:creationId xmlns:a16="http://schemas.microsoft.com/office/drawing/2014/main" id="{636BE4CC-F272-44D5-A23A-F52F9EA4F6D8}"/>
+              </a:ext>
+            </a:extLst>
+          </p:cNvPr>
+          <p:cNvSpPr>
+            <a:spLocks noGrp="1"/>
+          </p:cNvSpPr>
+          <p:nvPr>
+            <p:ph type="title"/>
+          </p:nvPr>
+        </p:nvSpPr>
+        <p:spPr/>
+        <p:txBody>
+          <a:bodyPr/>
+          <a:lstStyle/>
+          <a:p>
+            <a:r>
+              <a:rPr lang="zh-CN" altLang="en-US" dirty="0">
+                <a:latin typeface="微软雅黑" panose="020B0503020204020204" pitchFamily="34" charset="-122"/>
+                <a:ea typeface="微软雅黑" panose="020B0503020204020204" pitchFamily="34" charset="-122"/>
+              </a:rPr>
+              <a:t>产品溯源</a:t>
+            </a:r>
+            <a:endParaRPr lang="en-US" dirty="0">
+              <a:latin typeface="微软雅黑" panose="020B0503020204020204" pitchFamily="34" charset="-122"/>
+              <a:ea typeface="微软雅黑" panose="020B0503020204020204" pitchFamily="34" charset="-122"/>
+            </a:endParaRPr>
+          </a:p>
+        </p:txBody>
+      </p:sp>
+      <p:sp>
+        <p:nvSpPr>
+          <p:cNvPr id="3" name="Content Placeholder 2">
+            <a:extLst>
+              <a:ext uri="{FF2B5EF4-FFF2-40B4-BE49-F238E27FC236}">
+                <a16:creationId xmlns:a16="http://schemas.microsoft.com/office/drawing/2014/main" id="{73B2469D-334F-4202-A694-86DA87648D01}"/>
+              </a:ext>
+            </a:extLst>
+          </p:cNvPr>
+          <p:cNvSpPr>
+            <a:spLocks noGrp="1"/>
+          </p:cNvSpPr>
+          <p:nvPr>
+            <p:ph sz="half" idx="1"/>
+          </p:nvPr>
+        </p:nvSpPr>
+        <p:spPr/>
+        <p:txBody>
+          <a:bodyPr/>
+          <a:lstStyle/>
+          <a:p>
+            <a:endParaRPr lang="en-US" dirty="0"/>
+          </a:p>
+        </p:txBody>
+      </p:sp>
+      <p:sp>
+        <p:nvSpPr>
+          <p:cNvPr id="5" name="Content Placeholder 4">
+            <a:extLst>
+              <a:ext uri="{FF2B5EF4-FFF2-40B4-BE49-F238E27FC236}">
+                <a16:creationId xmlns:a16="http://schemas.microsoft.com/office/drawing/2014/main" id="{05E3C5A5-0E4F-4ADB-B9AA-856B07F8EF35}"/>
+              </a:ext>
+            </a:extLst>
+          </p:cNvPr>
+          <p:cNvSpPr>
+            <a:spLocks noGrp="1"/>
+          </p:cNvSpPr>
+          <p:nvPr>
+            <p:ph sz="half" idx="2"/>
+          </p:nvPr>
+        </p:nvSpPr>
+        <p:spPr/>
+        <p:txBody>
+          <a:bodyPr>
+            <a:normAutofit/>
+          </a:bodyPr>
+          <a:lstStyle/>
+          <a:p>
+            <a:endParaRPr lang="en-US" dirty="0">
+              <a:latin typeface="微软雅黑" panose="020B0503020204020204" pitchFamily="34" charset="-122"/>
+              <a:ea typeface="微软雅黑" panose="020B0503020204020204" pitchFamily="34" charset="-122"/>
+            </a:endParaRPr>
+          </a:p>
+        </p:txBody>
+      </p:sp>
+      <p:pic>
+        <p:nvPicPr>
+          <p:cNvPr id="6" name="Picture 5">
+            <a:extLst>
+              <a:ext uri="{FF2B5EF4-FFF2-40B4-BE49-F238E27FC236}">
+                <a16:creationId xmlns:a16="http://schemas.microsoft.com/office/drawing/2014/main" id="{36D5C435-5E0D-4760-AF25-CCE3C5A8C2FF}"/>
+              </a:ext>
+            </a:extLst>
+          </p:cNvPr>
+          <p:cNvPicPr>
+            <a:picLocks noChangeAspect="1"/>
+          </p:cNvPicPr>
+          <p:nvPr/>
+        </p:nvPicPr>
+        <p:blipFill>
+          <a:blip r:embed="rId2"/>
+          <a:stretch>
+            <a:fillRect/>
+          </a:stretch>
+        </p:blipFill>
+        <p:spPr>
+          <a:xfrm>
+            <a:off x="9961381" y="0"/>
+            <a:ext cx="1322502" cy="1322502"/>
+          </a:xfrm>
+          <a:prstGeom prst="rect">
+            <a:avLst/>
+          </a:prstGeom>
+        </p:spPr>
+      </p:pic>
+    </p:spTree>
+    <p:extLst>
+      <p:ext uri="{BB962C8B-B14F-4D97-AF65-F5344CB8AC3E}">
+        <p14:creationId xmlns:p14="http://schemas.microsoft.com/office/powerpoint/2010/main" val="2626159630"/>
+      </p:ext>
+    </p:extLst>
+  </p:cSld>
+  <p:clrMapOvr>
+    <a:masterClrMapping/>
+  </p:clrMapOvr>
+  <mc:AlternateContent xmlns:mc="http://schemas.openxmlformats.org/markup-compatibility/2006" xmlns:p14="http://schemas.microsoft.com/office/powerpoint/2010/main">
+    <mc:Choice Requires="p14">
+      <p:transition spd="med" p14:dur="700">
+        <p:fade/>
+      </p:transition>
+    </mc:Choice>
+    <mc:Fallback xmlns="">
+      <p:transition spd="med">
+        <p:fade/>
+      </p:transition>
+    </mc:Fallback>
+  </mc:AlternateContent>
+</p:sld>
+</file>
+
+<file path=ppt/slides/slide11.xml><?xml version="1.0" encoding="utf-8"?>
+<p:sld xmlns:a="http://schemas.openxmlformats.org/drawingml/2006/main" xmlns:r="http://schemas.openxmlformats.org/officeDocument/2006/relationships" xmlns:p="http://schemas.openxmlformats.org/presentationml/2006/main">
+  <p:cSld>
+    <p:spTree>
+      <p:nvGrpSpPr>
+        <p:cNvPr id="1" name=""/>
+        <p:cNvGrpSpPr/>
+        <p:nvPr/>
+      </p:nvGrpSpPr>
+      <p:grpSpPr>
+        <a:xfrm>
+          <a:off x="0" y="0"/>
+          <a:ext cx="0" cy="0"/>
+          <a:chOff x="0" y="0"/>
+          <a:chExt cx="0" cy="0"/>
+        </a:xfrm>
+      </p:grpSpPr>
+      <p:sp>
+        <p:nvSpPr>
+          <p:cNvPr id="2" name="Title 1">
+            <a:extLst>
+              <a:ext uri="{FF2B5EF4-FFF2-40B4-BE49-F238E27FC236}">
+                <a16:creationId xmlns:a16="http://schemas.microsoft.com/office/drawing/2014/main" id="{636BE4CC-F272-44D5-A23A-F52F9EA4F6D8}"/>
+              </a:ext>
+            </a:extLst>
+          </p:cNvPr>
+          <p:cNvSpPr>
+            <a:spLocks noGrp="1"/>
+          </p:cNvSpPr>
+          <p:nvPr>
+            <p:ph type="title"/>
+          </p:nvPr>
+        </p:nvSpPr>
+        <p:spPr/>
+        <p:txBody>
+          <a:bodyPr/>
+          <a:lstStyle/>
+          <a:p>
+            <a:r>
+              <a:rPr lang="zh-CN" altLang="en-US" dirty="0">
+                <a:latin typeface="微软雅黑" panose="020B0503020204020204" pitchFamily="34" charset="-122"/>
+                <a:ea typeface="微软雅黑" panose="020B0503020204020204" pitchFamily="34" charset="-122"/>
+              </a:rPr>
+              <a:t>主体信用积分</a:t>
+            </a:r>
+            <a:endParaRPr lang="en-US" dirty="0">
+              <a:latin typeface="微软雅黑" panose="020B0503020204020204" pitchFamily="34" charset="-122"/>
+              <a:ea typeface="微软雅黑" panose="020B0503020204020204" pitchFamily="34" charset="-122"/>
+            </a:endParaRPr>
+          </a:p>
+        </p:txBody>
+      </p:sp>
+      <p:sp>
+        <p:nvSpPr>
+          <p:cNvPr id="3" name="Content Placeholder 2">
+            <a:extLst>
+              <a:ext uri="{FF2B5EF4-FFF2-40B4-BE49-F238E27FC236}">
+                <a16:creationId xmlns:a16="http://schemas.microsoft.com/office/drawing/2014/main" id="{73B2469D-334F-4202-A694-86DA87648D01}"/>
+              </a:ext>
+            </a:extLst>
+          </p:cNvPr>
+          <p:cNvSpPr>
+            <a:spLocks noGrp="1"/>
+          </p:cNvSpPr>
+          <p:nvPr>
+            <p:ph sz="half" idx="1"/>
+          </p:nvPr>
+        </p:nvSpPr>
+        <p:spPr/>
+        <p:txBody>
+          <a:bodyPr/>
+          <a:lstStyle/>
+          <a:p>
+            <a:endParaRPr lang="en-US"/>
+          </a:p>
+        </p:txBody>
+      </p:sp>
+      <p:sp>
+        <p:nvSpPr>
+          <p:cNvPr id="5" name="Content Placeholder 4">
+            <a:extLst>
+              <a:ext uri="{FF2B5EF4-FFF2-40B4-BE49-F238E27FC236}">
+                <a16:creationId xmlns:a16="http://schemas.microsoft.com/office/drawing/2014/main" id="{05E3C5A5-0E4F-4ADB-B9AA-856B07F8EF35}"/>
+              </a:ext>
+            </a:extLst>
+          </p:cNvPr>
+          <p:cNvSpPr>
+            <a:spLocks noGrp="1"/>
+          </p:cNvSpPr>
+          <p:nvPr>
+            <p:ph sz="half" idx="2"/>
+          </p:nvPr>
+        </p:nvSpPr>
+        <p:spPr/>
+        <p:txBody>
+          <a:bodyPr>
+            <a:normAutofit/>
+          </a:bodyPr>
+          <a:lstStyle/>
+          <a:p>
+            <a:endParaRPr lang="en-US" dirty="0">
+              <a:latin typeface="微软雅黑" panose="020B0503020204020204" pitchFamily="34" charset="-122"/>
+              <a:ea typeface="微软雅黑" panose="020B0503020204020204" pitchFamily="34" charset="-122"/>
+            </a:endParaRPr>
+          </a:p>
+        </p:txBody>
+      </p:sp>
+    </p:spTree>
+    <p:extLst>
+      <p:ext uri="{BB962C8B-B14F-4D97-AF65-F5344CB8AC3E}">
+        <p14:creationId xmlns:p14="http://schemas.microsoft.com/office/powerpoint/2010/main" val="1481209123"/>
       </p:ext>
     </p:extLst>
   </p:cSld>
@@ -10472,12 +10649,18 @@
           <a:p>
             <a:r>
               <a:rPr lang="zh-CN" altLang="en-US" dirty="0">
+                <a:solidFill>
+                  <a:srgbClr val="F49600"/>
+                </a:solidFill>
                 <a:latin typeface="微软雅黑" panose="020B0503020204020204" pitchFamily="34" charset="-122"/>
                 <a:ea typeface="微软雅黑" panose="020B0503020204020204" pitchFamily="34" charset="-122"/>
               </a:rPr>
-              <a:t>整体架构（联盟链）</a:t>
+              <a:t>多中心化联盟链</a:t>
             </a:r>
             <a:endParaRPr lang="en-US" dirty="0">
+              <a:solidFill>
+                <a:srgbClr val="F49600"/>
+              </a:solidFill>
               <a:latin typeface="微软雅黑" panose="020B0503020204020204" pitchFamily="34" charset="-122"/>
               <a:ea typeface="微软雅黑" panose="020B0503020204020204" pitchFamily="34" charset="-122"/>
             </a:endParaRPr>
@@ -10497,17 +10680,17 @@
             <a:graphicFrameLocks noGrp="1"/>
           </p:cNvGraphicFramePr>
           <p:nvPr>
-            <p:ph idx="1"/>
+            <p:ph sz="half" idx="1"/>
             <p:extLst>
               <p:ext uri="{D42A27DB-BD31-4B8C-83A1-F6EECF244321}">
-                <p14:modId xmlns:p14="http://schemas.microsoft.com/office/powerpoint/2010/main" val="623736215"/>
+                <p14:modId xmlns:p14="http://schemas.microsoft.com/office/powerpoint/2010/main" val="188423788"/>
               </p:ext>
             </p:extLst>
           </p:nvPr>
         </p:nvGraphicFramePr>
         <p:xfrm>
-          <a:off x="1262063" y="1828800"/>
-          <a:ext cx="8594725" cy="4351338"/>
+          <a:off x="838200" y="1825625"/>
+          <a:ext cx="5181600" cy="4351338"/>
         </p:xfrm>
         <a:graphic>
           <a:graphicData uri="http://schemas.openxmlformats.org/drawingml/2006/diagram">
@@ -10515,36 +10698,67 @@
           </a:graphicData>
         </a:graphic>
       </p:graphicFrame>
-      <p:pic>
-        <p:nvPicPr>
-          <p:cNvPr id="4" name="Picture 3">
+      <p:sp>
+        <p:nvSpPr>
+          <p:cNvPr id="3" name="Content Placeholder 2">
             <a:extLst>
               <a:ext uri="{FF2B5EF4-FFF2-40B4-BE49-F238E27FC236}">
-                <a16:creationId xmlns:a16="http://schemas.microsoft.com/office/drawing/2014/main" id="{36363862-3405-45F4-AC61-D76535E466B1}"/>
+                <a16:creationId xmlns:a16="http://schemas.microsoft.com/office/drawing/2014/main" id="{E8E495BE-3308-4754-B876-7B27AB4D85AE}"/>
               </a:ext>
             </a:extLst>
           </p:cNvPr>
-          <p:cNvPicPr>
-            <a:picLocks noChangeAspect="1"/>
-          </p:cNvPicPr>
-          <p:nvPr/>
-        </p:nvPicPr>
-        <p:blipFill>
-          <a:blip r:embed="rId7"/>
-          <a:stretch>
-            <a:fillRect/>
-          </a:stretch>
-        </p:blipFill>
-        <p:spPr>
-          <a:xfrm>
-            <a:off x="9961381" y="0"/>
-            <a:ext cx="1322502" cy="1322502"/>
-          </a:xfrm>
-          <a:prstGeom prst="rect">
-            <a:avLst/>
-          </a:prstGeom>
-        </p:spPr>
-      </p:pic>
+          <p:cNvSpPr>
+            <a:spLocks noGrp="1"/>
+          </p:cNvSpPr>
+          <p:nvPr>
+            <p:ph sz="half" idx="2"/>
+          </p:nvPr>
+        </p:nvSpPr>
+        <p:spPr/>
+        <p:txBody>
+          <a:bodyPr/>
+          <a:lstStyle/>
+          <a:p>
+            <a:r>
+              <a:rPr lang="zh-CN" altLang="en-US" dirty="0">
+                <a:latin typeface="微软雅黑" panose="020B0503020204020204" pitchFamily="34" charset="-122"/>
+                <a:ea typeface="微软雅黑" panose="020B0503020204020204" pitchFamily="34" charset="-122"/>
+              </a:rPr>
+              <a:t>每个区域节点覆盖一定的地理区域，比如省份</a:t>
+            </a:r>
+            <a:endParaRPr lang="en-US" altLang="zh-CN" dirty="0">
+              <a:latin typeface="微软雅黑" panose="020B0503020204020204" pitchFamily="34" charset="-122"/>
+              <a:ea typeface="微软雅黑" panose="020B0503020204020204" pitchFamily="34" charset="-122"/>
+            </a:endParaRPr>
+          </a:p>
+          <a:p>
+            <a:r>
+              <a:rPr lang="zh-CN" altLang="en-US" dirty="0">
+                <a:latin typeface="微软雅黑" panose="020B0503020204020204" pitchFamily="34" charset="-122"/>
+                <a:ea typeface="微软雅黑" panose="020B0503020204020204" pitchFamily="34" charset="-122"/>
+              </a:rPr>
+              <a:t>节点可独立，也可按需相互联盟成链</a:t>
+            </a:r>
+            <a:endParaRPr lang="en-US" altLang="zh-CN" dirty="0">
+              <a:latin typeface="微软雅黑" panose="020B0503020204020204" pitchFamily="34" charset="-122"/>
+              <a:ea typeface="微软雅黑" panose="020B0503020204020204" pitchFamily="34" charset="-122"/>
+            </a:endParaRPr>
+          </a:p>
+          <a:p>
+            <a:r>
+              <a:rPr lang="zh-CN" altLang="en-US" dirty="0">
+                <a:latin typeface="微软雅黑" panose="020B0503020204020204" pitchFamily="34" charset="-122"/>
+                <a:ea typeface="微软雅黑" panose="020B0503020204020204" pitchFamily="34" charset="-122"/>
+              </a:rPr>
+              <a:t>通过共识算法信任协作，通过区块存储保证真实</a:t>
+            </a:r>
+            <a:endParaRPr lang="en-US" dirty="0">
+              <a:latin typeface="微软雅黑" panose="020B0503020204020204" pitchFamily="34" charset="-122"/>
+              <a:ea typeface="微软雅黑" panose="020B0503020204020204" pitchFamily="34" charset="-122"/>
+            </a:endParaRPr>
+          </a:p>
+        </p:txBody>
+      </p:sp>
     </p:spTree>
     <p:extLst>
       <p:ext uri="{BB962C8B-B14F-4D97-AF65-F5344CB8AC3E}">
@@ -10618,7 +10832,16 @@
           <a:lstStyle/>
           <a:p>
             <a:pPr algn="ctr"/>
-            <a:endParaRPr lang="en-US">
+            <a:endParaRPr lang="en-US" dirty="0">
+              <a:solidFill>
+                <a:schemeClr val="accent2">
+                  <a:lumMod val="20000"/>
+                  <a:lumOff val="80000"/>
+                </a:schemeClr>
+              </a:solidFill>
+              <a:highlight>
+                <a:srgbClr val="C0C0C0"/>
+              </a:highlight>
               <a:latin typeface="微软雅黑" panose="020B0503020204020204" pitchFamily="34" charset="-122"/>
               <a:ea typeface="微软雅黑" panose="020B0503020204020204" pitchFamily="34" charset="-122"/>
             </a:endParaRPr>
@@ -10639,7 +10862,7 @@
         </p:nvSpPr>
         <p:spPr>
           <a:xfrm>
-            <a:off x="3901817" y="5815862"/>
+            <a:off x="3886525" y="5532532"/>
             <a:ext cx="2012386" cy="958162"/>
           </a:xfrm>
           <a:prstGeom prst="ellipse">
@@ -10693,7 +10916,7 @@
         </p:nvSpPr>
         <p:spPr>
           <a:xfrm>
-            <a:off x="6443899" y="5325768"/>
+            <a:off x="6175307" y="4952400"/>
             <a:ext cx="2943004" cy="1269795"/>
           </a:xfrm>
           <a:prstGeom prst="ellipse">
@@ -10810,12 +11033,18 @@
           <a:p>
             <a:r>
               <a:rPr lang="zh-CN" altLang="en-US" dirty="0">
+                <a:solidFill>
+                  <a:srgbClr val="F49600"/>
+                </a:solidFill>
                 <a:latin typeface="微软雅黑" panose="020B0503020204020204" pitchFamily="34" charset="-122"/>
                 <a:ea typeface="微软雅黑" panose="020B0503020204020204" pitchFamily="34" charset="-122"/>
               </a:rPr>
-              <a:t>节点内部架构（江西省）</a:t>
+              <a:t>区域节点架构</a:t>
             </a:r>
             <a:endParaRPr lang="en-US" dirty="0">
+              <a:solidFill>
+                <a:srgbClr val="F49600"/>
+              </a:solidFill>
               <a:latin typeface="微软雅黑" panose="020B0503020204020204" pitchFamily="34" charset="-122"/>
               <a:ea typeface="微软雅黑" panose="020B0503020204020204" pitchFamily="34" charset="-122"/>
             </a:endParaRPr>
@@ -10874,14 +11103,14 @@
             <a:lnRef idx="1">
               <a:schemeClr val="accent5"/>
             </a:lnRef>
-            <a:fillRef idx="2">
+            <a:fillRef idx="3">
               <a:schemeClr val="accent5"/>
             </a:fillRef>
-            <a:effectRef idx="1">
+            <a:effectRef idx="2">
               <a:schemeClr val="accent5"/>
             </a:effectRef>
             <a:fontRef idx="minor">
-              <a:schemeClr val="dk1"/>
+              <a:schemeClr val="lt1"/>
             </a:fontRef>
           </p:style>
         </p:sp>
@@ -10910,14 +11139,14 @@
             <a:lnRef idx="1">
               <a:schemeClr val="accent5"/>
             </a:lnRef>
-            <a:fillRef idx="2">
+            <a:fillRef idx="3">
               <a:schemeClr val="accent5"/>
             </a:fillRef>
-            <a:effectRef idx="1">
+            <a:effectRef idx="2">
               <a:schemeClr val="accent5"/>
             </a:effectRef>
             <a:fontRef idx="minor">
-              <a:schemeClr val="dk1"/>
+              <a:schemeClr val="lt1"/>
             </a:fontRef>
           </p:style>
           <p:txBody>
@@ -10939,6 +11168,13 @@
                 <a:buNone/>
               </a:pPr>
               <a:r>
+                <a:rPr lang="zh-CN" altLang="en-US" dirty="0">
+                  <a:latin typeface="微软雅黑" panose="020B0503020204020204" pitchFamily="34" charset="-122"/>
+                  <a:ea typeface="微软雅黑" panose="020B0503020204020204" pitchFamily="34" charset="-122"/>
+                </a:rPr>
+                <a:t>智慧</a:t>
+              </a:r>
+              <a:r>
                 <a:rPr lang="zh-CN" altLang="en-US" sz="1800" kern="1200" dirty="0">
                   <a:latin typeface="微软雅黑" panose="020B0503020204020204" pitchFamily="34" charset="-122"/>
                   <a:ea typeface="微软雅黑" panose="020B0503020204020204" pitchFamily="34" charset="-122"/>
@@ -10956,7 +11192,7 @@
                   <a:latin typeface="微软雅黑" panose="020B0503020204020204" pitchFamily="34" charset="-122"/>
                   <a:ea typeface="微软雅黑" panose="020B0503020204020204" pitchFamily="34" charset="-122"/>
                 </a:rPr>
-                <a:t>节点云主机</a:t>
+                <a:t>云主机</a:t>
               </a:r>
               <a:endParaRPr lang="en-US" sz="1800" kern="1200" dirty="0">
                 <a:latin typeface="微软雅黑" panose="020B0503020204020204" pitchFamily="34" charset="-122"/>
@@ -11018,14 +11254,14 @@
             <a:lnRef idx="1">
               <a:schemeClr val="accent6"/>
             </a:lnRef>
-            <a:fillRef idx="2">
+            <a:fillRef idx="3">
               <a:schemeClr val="accent6"/>
             </a:fillRef>
-            <a:effectRef idx="1">
+            <a:effectRef idx="2">
               <a:schemeClr val="accent6"/>
             </a:effectRef>
             <a:fontRef idx="minor">
-              <a:schemeClr val="dk1"/>
+              <a:schemeClr val="lt1"/>
             </a:fontRef>
           </p:style>
         </p:sp>
@@ -11054,14 +11290,14 @@
             <a:lnRef idx="1">
               <a:schemeClr val="accent6"/>
             </a:lnRef>
-            <a:fillRef idx="2">
+            <a:fillRef idx="3">
               <a:schemeClr val="accent6"/>
             </a:fillRef>
-            <a:effectRef idx="1">
+            <a:effectRef idx="2">
               <a:schemeClr val="accent6"/>
             </a:effectRef>
             <a:fontRef idx="minor">
-              <a:schemeClr val="dk1"/>
+              <a:schemeClr val="lt1"/>
             </a:fontRef>
           </p:style>
           <p:txBody>
@@ -11087,46 +11323,27 @@
                   <a:latin typeface="微软雅黑" panose="020B0503020204020204" pitchFamily="34" charset="-122"/>
                   <a:ea typeface="微软雅黑" panose="020B0503020204020204" pitchFamily="34" charset="-122"/>
                 </a:rPr>
-                <a:t>市场云主机</a:t>
+                <a:t>智慧农贸</a:t>
               </a:r>
-              <a:endParaRPr lang="en-US" altLang="zh-CN" sz="1800" kern="1200" dirty="0">
-                <a:latin typeface="微软雅黑" panose="020B0503020204020204" pitchFamily="34" charset="-122"/>
-                <a:ea typeface="微软雅黑" panose="020B0503020204020204" pitchFamily="34" charset="-122"/>
-              </a:endParaRPr>
-            </a:p>
-            <a:p>
-              <a:pPr marL="0" lvl="0" indent="0" algn="ctr" defTabSz="800100">
-                <a:lnSpc>
-                  <a:spcPct val="90000"/>
-                </a:lnSpc>
-                <a:spcBef>
-                  <a:spcPct val="0"/>
-                </a:spcBef>
-                <a:spcAft>
-                  <a:spcPct val="35000"/>
-                </a:spcAft>
-                <a:buNone/>
-              </a:pPr>
-              <a:r>
-                <a:rPr lang="zh-CN" altLang="en-US" dirty="0">
+              <a:br>
+                <a:rPr lang="en-US" altLang="zh-CN" sz="1800" kern="1200" dirty="0">
                   <a:latin typeface="微软雅黑" panose="020B0503020204020204" pitchFamily="34" charset="-122"/>
                   <a:ea typeface="微软雅黑" panose="020B0503020204020204" pitchFamily="34" charset="-122"/>
                 </a:rPr>
-                <a:t>（</a:t>
-              </a:r>
+              </a:br>
               <a:r>
                 <a:rPr lang="zh-CN" altLang="en-US" sz="1800" kern="1200" dirty="0">
                   <a:latin typeface="微软雅黑" panose="020B0503020204020204" pitchFamily="34" charset="-122"/>
                   <a:ea typeface="微软雅黑" panose="020B0503020204020204" pitchFamily="34" charset="-122"/>
                 </a:rPr>
-                <a:t>南昌</a:t>
+                <a:t>云主机</a:t>
               </a:r>
               <a:r>
                 <a:rPr lang="zh-CN" altLang="en-US" dirty="0">
                   <a:latin typeface="微软雅黑" panose="020B0503020204020204" pitchFamily="34" charset="-122"/>
                   <a:ea typeface="微软雅黑" panose="020B0503020204020204" pitchFamily="34" charset="-122"/>
                 </a:rPr>
-                <a:t>）</a:t>
+                <a:t>（子区域）</a:t>
               </a:r>
               <a:endParaRPr lang="en-US" sz="1800" kern="1200" dirty="0">
                 <a:latin typeface="微软雅黑" panose="020B0503020204020204" pitchFamily="34" charset="-122"/>
@@ -11188,14 +11405,14 @@
             <a:lnRef idx="1">
               <a:schemeClr val="accent6"/>
             </a:lnRef>
-            <a:fillRef idx="2">
+            <a:fillRef idx="3">
               <a:schemeClr val="accent6"/>
             </a:fillRef>
-            <a:effectRef idx="1">
+            <a:effectRef idx="2">
               <a:schemeClr val="accent6"/>
             </a:effectRef>
             <a:fontRef idx="minor">
-              <a:schemeClr val="dk1"/>
+              <a:schemeClr val="lt1"/>
             </a:fontRef>
           </p:style>
         </p:sp>
@@ -11224,14 +11441,14 @@
             <a:lnRef idx="1">
               <a:schemeClr val="accent6"/>
             </a:lnRef>
-            <a:fillRef idx="2">
+            <a:fillRef idx="3">
               <a:schemeClr val="accent6"/>
             </a:fillRef>
-            <a:effectRef idx="1">
+            <a:effectRef idx="2">
               <a:schemeClr val="accent6"/>
             </a:effectRef>
             <a:fontRef idx="minor">
-              <a:schemeClr val="dk1"/>
+              <a:schemeClr val="lt1"/>
             </a:fontRef>
           </p:style>
           <p:txBody>
@@ -11257,7 +11474,7 @@
                   <a:latin typeface="微软雅黑" panose="020B0503020204020204" pitchFamily="34" charset="-122"/>
                   <a:ea typeface="微软雅黑" panose="020B0503020204020204" pitchFamily="34" charset="-122"/>
                 </a:rPr>
-                <a:t>市场云主机</a:t>
+                <a:t>智慧农贸</a:t>
               </a:r>
               <a:br>
                 <a:rPr lang="en-US" altLang="zh-CN" sz="1800" kern="1200" dirty="0">
@@ -11270,7 +11487,21 @@
                   <a:latin typeface="微软雅黑" panose="020B0503020204020204" pitchFamily="34" charset="-122"/>
                   <a:ea typeface="微软雅黑" panose="020B0503020204020204" pitchFamily="34" charset="-122"/>
                 </a:rPr>
-                <a:t>（九江）</a:t>
+                <a:t>云主机（</a:t>
+              </a:r>
+              <a:r>
+                <a:rPr lang="zh-CN" altLang="en-US" dirty="0">
+                  <a:latin typeface="微软雅黑" panose="020B0503020204020204" pitchFamily="34" charset="-122"/>
+                  <a:ea typeface="微软雅黑" panose="020B0503020204020204" pitchFamily="34" charset="-122"/>
+                </a:rPr>
+                <a:t>子区域</a:t>
+              </a:r>
+              <a:r>
+                <a:rPr lang="zh-CN" altLang="en-US" sz="1800" kern="1200" dirty="0">
+                  <a:latin typeface="微软雅黑" panose="020B0503020204020204" pitchFamily="34" charset="-122"/>
+                  <a:ea typeface="微软雅黑" panose="020B0503020204020204" pitchFamily="34" charset="-122"/>
+                </a:rPr>
+                <a:t>）</a:t>
               </a:r>
               <a:endParaRPr lang="en-US" sz="1800" kern="1200" dirty="0">
                 <a:latin typeface="微软雅黑" panose="020B0503020204020204" pitchFamily="34" charset="-122"/>
@@ -11311,7 +11542,7 @@
         </p:blipFill>
         <p:spPr>
           <a:xfrm>
-            <a:off x="4626782" y="5325768"/>
+            <a:off x="4611490" y="5042438"/>
             <a:ext cx="914400" cy="914400"/>
           </a:xfrm>
           <a:prstGeom prst="rect">
@@ -11333,7 +11564,7 @@
         </p:nvGrpSpPr>
         <p:grpSpPr>
           <a:xfrm>
-            <a:off x="6535972" y="5033470"/>
+            <a:off x="6267380" y="4660102"/>
             <a:ext cx="1090059" cy="927195"/>
             <a:chOff x="1003362" y="4950898"/>
             <a:chExt cx="1311783" cy="1109139"/>
@@ -11503,7 +11734,7 @@
         </p:nvCxnSpPr>
         <p:spPr>
           <a:xfrm flipH="1" flipV="1">
-            <a:off x="3860955" y="3921811"/>
+            <a:off x="3592363" y="3548443"/>
             <a:ext cx="2958580" cy="1266032"/>
           </a:xfrm>
           <a:prstGeom prst="straightConnector1">
@@ -12077,7 +12308,7 @@
         </p:nvSpPr>
         <p:spPr>
           <a:xfrm rot="21301418">
-            <a:off x="5988562" y="6223984"/>
+            <a:off x="5897722" y="5978475"/>
             <a:ext cx="555171" cy="371447"/>
           </a:xfrm>
           <a:prstGeom prst="leftArrow">
@@ -12145,36 +12376,6 @@
           </a:p>
         </p:txBody>
       </p:sp>
-      <p:pic>
-        <p:nvPicPr>
-          <p:cNvPr id="36" name="Picture 35">
-            <a:extLst>
-              <a:ext uri="{FF2B5EF4-FFF2-40B4-BE49-F238E27FC236}">
-                <a16:creationId xmlns:a16="http://schemas.microsoft.com/office/drawing/2014/main" id="{1F19D94A-4678-45BE-99B6-9F681692C7D7}"/>
-              </a:ext>
-            </a:extLst>
-          </p:cNvPr>
-          <p:cNvPicPr>
-            <a:picLocks noChangeAspect="1"/>
-          </p:cNvPicPr>
-          <p:nvPr/>
-        </p:nvPicPr>
-        <p:blipFill>
-          <a:blip r:embed="rId6"/>
-          <a:stretch>
-            <a:fillRect/>
-          </a:stretch>
-        </p:blipFill>
-        <p:spPr>
-          <a:xfrm>
-            <a:off x="9961381" y="0"/>
-            <a:ext cx="1322502" cy="1322502"/>
-          </a:xfrm>
-          <a:prstGeom prst="rect">
-            <a:avLst/>
-          </a:prstGeom>
-        </p:spPr>
-      </p:pic>
     </p:spTree>
     <p:extLst>
       <p:ext uri="{BB962C8B-B14F-4D97-AF65-F5344CB8AC3E}">
@@ -12219,56 +12420,6 @@
       </p:grpSpPr>
       <p:sp>
         <p:nvSpPr>
-          <p:cNvPr id="73" name="Thought Bubble: Cloud 72">
-            <a:extLst>
-              <a:ext uri="{FF2B5EF4-FFF2-40B4-BE49-F238E27FC236}">
-                <a16:creationId xmlns:a16="http://schemas.microsoft.com/office/drawing/2014/main" id="{AF529199-F8DC-48B1-BC55-16EE4169344C}"/>
-              </a:ext>
-            </a:extLst>
-          </p:cNvPr>
-          <p:cNvSpPr/>
-          <p:nvPr/>
-        </p:nvSpPr>
-        <p:spPr>
-          <a:xfrm>
-            <a:off x="783271" y="1952584"/>
-            <a:ext cx="4365149" cy="3758349"/>
-          </a:xfrm>
-          <a:prstGeom prst="cloudCallout">
-            <a:avLst>
-              <a:gd name="adj1" fmla="val -26685"/>
-              <a:gd name="adj2" fmla="val 10765"/>
-            </a:avLst>
-          </a:prstGeom>
-        </p:spPr>
-        <p:style>
-          <a:lnRef idx="1">
-            <a:schemeClr val="accent2"/>
-          </a:lnRef>
-          <a:fillRef idx="2">
-            <a:schemeClr val="accent2"/>
-          </a:fillRef>
-          <a:effectRef idx="1">
-            <a:schemeClr val="accent2"/>
-          </a:effectRef>
-          <a:fontRef idx="minor">
-            <a:schemeClr val="dk1"/>
-          </a:fontRef>
-        </p:style>
-        <p:txBody>
-          <a:bodyPr rtlCol="0" anchor="ctr"/>
-          <a:lstStyle/>
-          <a:p>
-            <a:pPr algn="ctr"/>
-            <a:endParaRPr lang="en-US">
-              <a:latin typeface="微软雅黑" panose="020B0503020204020204" pitchFamily="34" charset="-122"/>
-              <a:ea typeface="微软雅黑" panose="020B0503020204020204" pitchFamily="34" charset="-122"/>
-            </a:endParaRPr>
-          </a:p>
-        </p:txBody>
-      </p:sp>
-      <p:sp>
-        <p:nvSpPr>
           <p:cNvPr id="4" name="Title 3">
             <a:extLst>
               <a:ext uri="{FF2B5EF4-FFF2-40B4-BE49-F238E27FC236}">
@@ -12290,12 +12441,18 @@
           <a:p>
             <a:r>
               <a:rPr lang="zh-CN" altLang="en-US" dirty="0">
+                <a:solidFill>
+                  <a:srgbClr val="F49600"/>
+                </a:solidFill>
                 <a:latin typeface="微软雅黑" panose="020B0503020204020204" pitchFamily="34" charset="-122"/>
                 <a:ea typeface="微软雅黑" panose="020B0503020204020204" pitchFamily="34" charset="-122"/>
               </a:rPr>
-              <a:t>节点内部集群（多主机）</a:t>
+              <a:t>节点内部集群</a:t>
             </a:r>
             <a:endParaRPr lang="en-US" dirty="0">
+              <a:solidFill>
+                <a:srgbClr val="F49600"/>
+              </a:solidFill>
               <a:latin typeface="微软雅黑" panose="020B0503020204020204" pitchFamily="34" charset="-122"/>
               <a:ea typeface="微软雅黑" panose="020B0503020204020204" pitchFamily="34" charset="-122"/>
             </a:endParaRPr>
@@ -12315,7 +12472,7 @@
             <a:spLocks noGrp="1"/>
           </p:cNvSpPr>
           <p:nvPr>
-            <p:ph sz="half" idx="2"/>
+            <p:ph sz="half" idx="1"/>
           </p:nvPr>
         </p:nvSpPr>
         <p:spPr/>
@@ -12330,7 +12487,7 @@
                 <a:latin typeface="微软雅黑" panose="020B0503020204020204" pitchFamily="34" charset="-122"/>
                 <a:ea typeface="微软雅黑" panose="020B0503020204020204" pitchFamily="34" charset="-122"/>
               </a:rPr>
-              <a:t>数据既可共享，又可独立；各主机既可协作，又可分离</a:t>
+              <a:t>两个平台（智慧供应链和智慧农贸）既可协作，又可分离</a:t>
             </a:r>
             <a:endParaRPr lang="en-US" altLang="zh-CN" sz="2400" dirty="0">
               <a:latin typeface="微软雅黑" panose="020B0503020204020204" pitchFamily="34" charset="-122"/>
@@ -12371,20 +12528,7 @@
                 <a:latin typeface="微软雅黑" panose="020B0503020204020204" pitchFamily="34" charset="-122"/>
                 <a:ea typeface="微软雅黑" panose="020B0503020204020204" pitchFamily="34" charset="-122"/>
               </a:rPr>
-              <a:t>）</a:t>
-            </a:r>
-            <a:endParaRPr lang="en-US" altLang="zh-CN" sz="2400" dirty="0">
-              <a:latin typeface="微软雅黑" panose="020B0503020204020204" pitchFamily="34" charset="-122"/>
-              <a:ea typeface="微软雅黑" panose="020B0503020204020204" pitchFamily="34" charset="-122"/>
-            </a:endParaRPr>
-          </a:p>
-          <a:p>
-            <a:r>
-              <a:rPr lang="zh-CN" altLang="en-US" sz="2400" dirty="0">
-                <a:latin typeface="微软雅黑" panose="020B0503020204020204" pitchFamily="34" charset="-122"/>
-                <a:ea typeface="微软雅黑" panose="020B0503020204020204" pitchFamily="34" charset="-122"/>
-              </a:rPr>
-              <a:t>以记录的编号范围来确定产源，例如：用户编号</a:t>
+              <a:t>），以记录的编号范围来确定源，例如：用户编号</a:t>
             </a:r>
             <a:r>
               <a:rPr lang="en-US" altLang="zh-CN" sz="2400" dirty="0">
@@ -12420,586 +12564,38 @@
           </a:p>
           <a:p>
             <a:pPr lvl="1"/>
-            <a:endParaRPr lang="en-US" sz="2200" dirty="0">
+            <a:endParaRPr lang="en-US" dirty="0">
               <a:latin typeface="微软雅黑" panose="020B0503020204020204" pitchFamily="34" charset="-122"/>
               <a:ea typeface="微软雅黑" panose="020B0503020204020204" pitchFamily="34" charset="-122"/>
             </a:endParaRPr>
-          </a:p>
-        </p:txBody>
-      </p:sp>
-      <p:grpSp>
-        <p:nvGrpSpPr>
-          <p:cNvPr id="6" name="Group 5">
-            <a:extLst>
-              <a:ext uri="{FF2B5EF4-FFF2-40B4-BE49-F238E27FC236}">
-                <a16:creationId xmlns:a16="http://schemas.microsoft.com/office/drawing/2014/main" id="{89E5BE03-87B3-4158-A92A-F217544926E5}"/>
-              </a:ext>
-            </a:extLst>
-          </p:cNvPr>
-          <p:cNvGrpSpPr/>
-          <p:nvPr/>
-        </p:nvGrpSpPr>
-        <p:grpSpPr>
-          <a:xfrm>
-            <a:off x="1965841" y="2189070"/>
-            <a:ext cx="1854391" cy="927195"/>
-            <a:chOff x="3370166" y="510276"/>
-            <a:chExt cx="1854391" cy="927195"/>
-          </a:xfrm>
-          <a:effectLst>
-            <a:outerShdw blurRad="63500" sx="102000" sy="102000" algn="ctr" rotWithShape="0">
-              <a:prstClr val="black">
-                <a:alpha val="40000"/>
-              </a:prstClr>
-            </a:outerShdw>
-          </a:effectLst>
-        </p:grpSpPr>
-        <p:sp>
-          <p:nvSpPr>
-            <p:cNvPr id="8" name="Rectangle 7">
-              <a:extLst>
-                <a:ext uri="{FF2B5EF4-FFF2-40B4-BE49-F238E27FC236}">
-                  <a16:creationId xmlns:a16="http://schemas.microsoft.com/office/drawing/2014/main" id="{570852E1-73F8-421F-A64B-DFEB581356CC}"/>
-                </a:ext>
-              </a:extLst>
-            </p:cNvPr>
-            <p:cNvSpPr/>
-            <p:nvPr/>
-          </p:nvSpPr>
-          <p:spPr>
-            <a:xfrm>
-              <a:off x="3370166" y="510276"/>
-              <a:ext cx="1854391" cy="927195"/>
-            </a:xfrm>
-            <a:prstGeom prst="rect">
-              <a:avLst/>
-            </a:prstGeom>
-          </p:spPr>
-          <p:style>
-            <a:lnRef idx="1">
-              <a:schemeClr val="accent5"/>
-            </a:lnRef>
-            <a:fillRef idx="2">
-              <a:schemeClr val="accent5"/>
-            </a:fillRef>
-            <a:effectRef idx="1">
-              <a:schemeClr val="accent5"/>
-            </a:effectRef>
-            <a:fontRef idx="minor">
-              <a:schemeClr val="dk1"/>
-            </a:fontRef>
-          </p:style>
-        </p:sp>
-        <p:sp>
-          <p:nvSpPr>
-            <p:cNvPr id="9" name="TextBox 8">
-              <a:extLst>
-                <a:ext uri="{FF2B5EF4-FFF2-40B4-BE49-F238E27FC236}">
-                  <a16:creationId xmlns:a16="http://schemas.microsoft.com/office/drawing/2014/main" id="{AC96C7EC-4B3C-4CB4-B3A8-B0A80EF8CA5D}"/>
-                </a:ext>
-              </a:extLst>
-            </p:cNvPr>
-            <p:cNvSpPr txBox="1"/>
-            <p:nvPr/>
-          </p:nvSpPr>
-          <p:spPr>
-            <a:xfrm>
-              <a:off x="3370166" y="510276"/>
-              <a:ext cx="1854391" cy="927195"/>
-            </a:xfrm>
-            <a:prstGeom prst="rect">
-              <a:avLst/>
-            </a:prstGeom>
-          </p:spPr>
-          <p:style>
-            <a:lnRef idx="1">
-              <a:schemeClr val="accent5"/>
-            </a:lnRef>
-            <a:fillRef idx="2">
-              <a:schemeClr val="accent5"/>
-            </a:fillRef>
-            <a:effectRef idx="1">
-              <a:schemeClr val="accent5"/>
-            </a:effectRef>
-            <a:fontRef idx="minor">
-              <a:schemeClr val="dk1"/>
-            </a:fontRef>
-          </p:style>
-          <p:txBody>
-            <a:bodyPr spcFirstLastPara="0" vert="horz" wrap="square" lIns="11430" tIns="11430" rIns="11430" bIns="11430" numCol="1" spcCol="1270" anchor="ctr" anchorCtr="0">
-              <a:noAutofit/>
-            </a:bodyPr>
-            <a:lstStyle/>
-            <a:p>
-              <a:pPr marL="0" lvl="0" indent="0" algn="ctr" defTabSz="800100">
-                <a:lnSpc>
-                  <a:spcPct val="90000"/>
-                </a:lnSpc>
-                <a:spcBef>
-                  <a:spcPct val="0"/>
-                </a:spcBef>
-                <a:spcAft>
-                  <a:spcPct val="35000"/>
-                </a:spcAft>
-                <a:buNone/>
-              </a:pPr>
-              <a:endParaRPr lang="en-US" sz="1800" kern="1200" dirty="0">
-                <a:latin typeface="微软雅黑" panose="020B0503020204020204" pitchFamily="34" charset="-122"/>
-                <a:ea typeface="微软雅黑" panose="020B0503020204020204" pitchFamily="34" charset="-122"/>
-              </a:endParaRPr>
-            </a:p>
-          </p:txBody>
-        </p:sp>
-      </p:grpSp>
-      <p:grpSp>
-        <p:nvGrpSpPr>
-          <p:cNvPr id="10" name="Group 9">
-            <a:extLst>
-              <a:ext uri="{FF2B5EF4-FFF2-40B4-BE49-F238E27FC236}">
-                <a16:creationId xmlns:a16="http://schemas.microsoft.com/office/drawing/2014/main" id="{1328C682-8C1D-4DEE-971D-50068EE772DF}"/>
-              </a:ext>
-            </a:extLst>
-          </p:cNvPr>
-          <p:cNvGrpSpPr/>
-          <p:nvPr/>
-        </p:nvGrpSpPr>
-        <p:grpSpPr>
-          <a:xfrm>
-            <a:off x="1965842" y="3473351"/>
-            <a:ext cx="1854391" cy="927195"/>
-            <a:chOff x="4445" y="2370380"/>
-            <a:chExt cx="1854391" cy="927195"/>
-          </a:xfrm>
-          <a:effectLst>
-            <a:outerShdw blurRad="63500" sx="102000" sy="102000" algn="ctr" rotWithShape="0">
-              <a:prstClr val="black">
-                <a:alpha val="40000"/>
-              </a:prstClr>
-            </a:outerShdw>
-          </a:effectLst>
-        </p:grpSpPr>
-        <p:sp>
-          <p:nvSpPr>
-            <p:cNvPr id="11" name="Rectangle 10">
-              <a:extLst>
-                <a:ext uri="{FF2B5EF4-FFF2-40B4-BE49-F238E27FC236}">
-                  <a16:creationId xmlns:a16="http://schemas.microsoft.com/office/drawing/2014/main" id="{B13FDEF7-9889-47BA-86BE-BD7826A05079}"/>
-                </a:ext>
-              </a:extLst>
-            </p:cNvPr>
-            <p:cNvSpPr/>
-            <p:nvPr/>
-          </p:nvSpPr>
-          <p:spPr>
-            <a:xfrm>
-              <a:off x="4445" y="2370380"/>
-              <a:ext cx="1854391" cy="927195"/>
-            </a:xfrm>
-            <a:prstGeom prst="rect">
-              <a:avLst/>
-            </a:prstGeom>
-          </p:spPr>
-          <p:style>
-            <a:lnRef idx="1">
-              <a:schemeClr val="accent6"/>
-            </a:lnRef>
-            <a:fillRef idx="2">
-              <a:schemeClr val="accent6"/>
-            </a:fillRef>
-            <a:effectRef idx="1">
-              <a:schemeClr val="accent6"/>
-            </a:effectRef>
-            <a:fontRef idx="minor">
-              <a:schemeClr val="dk1"/>
-            </a:fontRef>
-          </p:style>
-        </p:sp>
-        <p:sp>
-          <p:nvSpPr>
-            <p:cNvPr id="12" name="TextBox 11">
-              <a:extLst>
-                <a:ext uri="{FF2B5EF4-FFF2-40B4-BE49-F238E27FC236}">
-                  <a16:creationId xmlns:a16="http://schemas.microsoft.com/office/drawing/2014/main" id="{2AD007DB-118C-42CC-A54B-F62E99E22E0B}"/>
-                </a:ext>
-              </a:extLst>
-            </p:cNvPr>
-            <p:cNvSpPr txBox="1"/>
-            <p:nvPr/>
-          </p:nvSpPr>
-          <p:spPr>
-            <a:xfrm>
-              <a:off x="4445" y="2370380"/>
-              <a:ext cx="1854391" cy="927195"/>
-            </a:xfrm>
-            <a:prstGeom prst="rect">
-              <a:avLst/>
-            </a:prstGeom>
-          </p:spPr>
-          <p:style>
-            <a:lnRef idx="1">
-              <a:schemeClr val="accent6"/>
-            </a:lnRef>
-            <a:fillRef idx="2">
-              <a:schemeClr val="accent6"/>
-            </a:fillRef>
-            <a:effectRef idx="1">
-              <a:schemeClr val="accent6"/>
-            </a:effectRef>
-            <a:fontRef idx="minor">
-              <a:schemeClr val="dk1"/>
-            </a:fontRef>
-          </p:style>
-          <p:txBody>
-            <a:bodyPr spcFirstLastPara="0" vert="horz" wrap="square" lIns="11430" tIns="11430" rIns="11430" bIns="11430" numCol="1" spcCol="1270" anchor="ctr" anchorCtr="0">
-              <a:noAutofit/>
-            </a:bodyPr>
-            <a:lstStyle/>
-            <a:p>
-              <a:pPr marL="0" lvl="0" indent="0" algn="ctr" defTabSz="800100">
-                <a:lnSpc>
-                  <a:spcPct val="90000"/>
-                </a:lnSpc>
-                <a:spcBef>
-                  <a:spcPct val="0"/>
-                </a:spcBef>
-                <a:spcAft>
-                  <a:spcPct val="35000"/>
-                </a:spcAft>
-                <a:buNone/>
-              </a:pPr>
-              <a:endParaRPr lang="en-US" sz="1800" kern="1200" dirty="0">
-                <a:latin typeface="微软雅黑" panose="020B0503020204020204" pitchFamily="34" charset="-122"/>
-                <a:ea typeface="微软雅黑" panose="020B0503020204020204" pitchFamily="34" charset="-122"/>
-              </a:endParaRPr>
-            </a:p>
-          </p:txBody>
-        </p:sp>
-      </p:grpSp>
-      <p:grpSp>
-        <p:nvGrpSpPr>
-          <p:cNvPr id="13" name="Group 12">
-            <a:extLst>
-              <a:ext uri="{FF2B5EF4-FFF2-40B4-BE49-F238E27FC236}">
-                <a16:creationId xmlns:a16="http://schemas.microsoft.com/office/drawing/2014/main" id="{A12B65DC-E456-47C9-B8A8-6AB78FB645CE}"/>
-              </a:ext>
-            </a:extLst>
-          </p:cNvPr>
-          <p:cNvGrpSpPr/>
-          <p:nvPr/>
-        </p:nvGrpSpPr>
-        <p:grpSpPr>
-          <a:xfrm>
-            <a:off x="1965841" y="4510637"/>
-            <a:ext cx="1854391" cy="927195"/>
-            <a:chOff x="4445" y="2370380"/>
-            <a:chExt cx="1854391" cy="927195"/>
-          </a:xfrm>
-          <a:effectLst>
-            <a:outerShdw blurRad="63500" sx="102000" sy="102000" algn="ctr" rotWithShape="0">
-              <a:prstClr val="black">
-                <a:alpha val="40000"/>
-              </a:prstClr>
-            </a:outerShdw>
-          </a:effectLst>
-        </p:grpSpPr>
-        <p:sp>
-          <p:nvSpPr>
-            <p:cNvPr id="14" name="Rectangle 13">
-              <a:extLst>
-                <a:ext uri="{FF2B5EF4-FFF2-40B4-BE49-F238E27FC236}">
-                  <a16:creationId xmlns:a16="http://schemas.microsoft.com/office/drawing/2014/main" id="{192D91D0-5F03-4467-B142-842517F85CB2}"/>
-                </a:ext>
-              </a:extLst>
-            </p:cNvPr>
-            <p:cNvSpPr/>
-            <p:nvPr/>
-          </p:nvSpPr>
-          <p:spPr>
-            <a:xfrm>
-              <a:off x="4445" y="2370380"/>
-              <a:ext cx="1854391" cy="927195"/>
-            </a:xfrm>
-            <a:prstGeom prst="rect">
-              <a:avLst/>
-            </a:prstGeom>
-          </p:spPr>
-          <p:style>
-            <a:lnRef idx="1">
-              <a:schemeClr val="accent6"/>
-            </a:lnRef>
-            <a:fillRef idx="2">
-              <a:schemeClr val="accent6"/>
-            </a:fillRef>
-            <a:effectRef idx="1">
-              <a:schemeClr val="accent6"/>
-            </a:effectRef>
-            <a:fontRef idx="minor">
-              <a:schemeClr val="dk1"/>
-            </a:fontRef>
-          </p:style>
-        </p:sp>
-        <p:sp>
-          <p:nvSpPr>
-            <p:cNvPr id="15" name="TextBox 14">
-              <a:extLst>
-                <a:ext uri="{FF2B5EF4-FFF2-40B4-BE49-F238E27FC236}">
-                  <a16:creationId xmlns:a16="http://schemas.microsoft.com/office/drawing/2014/main" id="{DCC9219D-C2DC-4488-B93E-08028CD93F00}"/>
-                </a:ext>
-              </a:extLst>
-            </p:cNvPr>
-            <p:cNvSpPr txBox="1"/>
-            <p:nvPr/>
-          </p:nvSpPr>
-          <p:spPr>
-            <a:xfrm>
-              <a:off x="4445" y="2370380"/>
-              <a:ext cx="1854391" cy="927195"/>
-            </a:xfrm>
-            <a:prstGeom prst="rect">
-              <a:avLst/>
-            </a:prstGeom>
-          </p:spPr>
-          <p:style>
-            <a:lnRef idx="1">
-              <a:schemeClr val="accent6"/>
-            </a:lnRef>
-            <a:fillRef idx="2">
-              <a:schemeClr val="accent6"/>
-            </a:fillRef>
-            <a:effectRef idx="1">
-              <a:schemeClr val="accent6"/>
-            </a:effectRef>
-            <a:fontRef idx="minor">
-              <a:schemeClr val="dk1"/>
-            </a:fontRef>
-          </p:style>
-          <p:txBody>
-            <a:bodyPr spcFirstLastPara="0" vert="horz" wrap="square" lIns="11430" tIns="11430" rIns="11430" bIns="11430" numCol="1" spcCol="1270" anchor="ctr" anchorCtr="0">
-              <a:noAutofit/>
-            </a:bodyPr>
-            <a:lstStyle/>
-            <a:p>
-              <a:pPr marL="0" lvl="0" indent="0" algn="ctr" defTabSz="800100">
-                <a:lnSpc>
-                  <a:spcPct val="90000"/>
-                </a:lnSpc>
-                <a:spcBef>
-                  <a:spcPct val="0"/>
-                </a:spcBef>
-                <a:spcAft>
-                  <a:spcPct val="35000"/>
-                </a:spcAft>
-                <a:buNone/>
-              </a:pPr>
-              <a:endParaRPr lang="en-US" sz="1800" kern="1200" dirty="0">
-                <a:latin typeface="微软雅黑" panose="020B0503020204020204" pitchFamily="34" charset="-122"/>
-                <a:ea typeface="微软雅黑" panose="020B0503020204020204" pitchFamily="34" charset="-122"/>
-              </a:endParaRPr>
-            </a:p>
-          </p:txBody>
-        </p:sp>
-      </p:grpSp>
-      <p:cxnSp>
-        <p:nvCxnSpPr>
-          <p:cNvPr id="75" name="Straight Connector 74">
-            <a:extLst>
-              <a:ext uri="{FF2B5EF4-FFF2-40B4-BE49-F238E27FC236}">
-                <a16:creationId xmlns:a16="http://schemas.microsoft.com/office/drawing/2014/main" id="{AFE23DF0-627D-44F9-BBF0-DA4D8B6B819E}"/>
-              </a:ext>
-            </a:extLst>
-          </p:cNvPr>
-          <p:cNvCxnSpPr>
-            <a:stCxn id="9" idx="2"/>
-            <a:endCxn id="12" idx="0"/>
-          </p:cNvCxnSpPr>
-          <p:nvPr/>
-        </p:nvCxnSpPr>
-        <p:spPr>
-          <a:xfrm>
-            <a:off x="2893037" y="3116265"/>
-            <a:ext cx="1" cy="357086"/>
-          </a:xfrm>
-          <a:prstGeom prst="line">
-            <a:avLst/>
-          </a:prstGeom>
-        </p:spPr>
-        <p:style>
-          <a:lnRef idx="3">
-            <a:schemeClr val="accent1"/>
-          </a:lnRef>
-          <a:fillRef idx="0">
-            <a:schemeClr val="accent1"/>
-          </a:fillRef>
-          <a:effectRef idx="2">
-            <a:schemeClr val="accent1"/>
-          </a:effectRef>
-          <a:fontRef idx="minor">
-            <a:schemeClr val="tx1"/>
-          </a:fontRef>
-        </p:style>
-      </p:cxnSp>
-      <p:sp>
-        <p:nvSpPr>
-          <p:cNvPr id="3" name="Cylinder 2">
-            <a:extLst>
-              <a:ext uri="{FF2B5EF4-FFF2-40B4-BE49-F238E27FC236}">
-                <a16:creationId xmlns:a16="http://schemas.microsoft.com/office/drawing/2014/main" id="{B4C65432-27F0-40FF-A160-B1102B4B2FFA}"/>
-              </a:ext>
-            </a:extLst>
-          </p:cNvPr>
-          <p:cNvSpPr/>
-          <p:nvPr/>
-        </p:nvSpPr>
-        <p:spPr>
-          <a:xfrm>
-            <a:off x="2553898" y="2548758"/>
-            <a:ext cx="678276" cy="645310"/>
-          </a:xfrm>
-          <a:prstGeom prst="can">
-            <a:avLst/>
-          </a:prstGeom>
-        </p:spPr>
-        <p:style>
-          <a:lnRef idx="1">
-            <a:schemeClr val="accent5"/>
-          </a:lnRef>
-          <a:fillRef idx="3">
-            <a:schemeClr val="accent5"/>
-          </a:fillRef>
-          <a:effectRef idx="2">
-            <a:schemeClr val="accent5"/>
-          </a:effectRef>
-          <a:fontRef idx="minor">
-            <a:schemeClr val="lt1"/>
-          </a:fontRef>
-        </p:style>
-        <p:txBody>
-          <a:bodyPr rtlCol="0" anchor="ctr"/>
-          <a:lstStyle/>
-          <a:p>
-            <a:pPr algn="ctr"/>
-            <a:endParaRPr lang="en-US"/>
           </a:p>
         </p:txBody>
       </p:sp>
       <p:sp>
         <p:nvSpPr>
-          <p:cNvPr id="38" name="Cylinder 37">
+          <p:cNvPr id="2" name="Content Placeholder 1">
             <a:extLst>
               <a:ext uri="{FF2B5EF4-FFF2-40B4-BE49-F238E27FC236}">
-                <a16:creationId xmlns:a16="http://schemas.microsoft.com/office/drawing/2014/main" id="{6E7069C2-BDA9-4A78-8E54-2502E0031B35}"/>
+                <a16:creationId xmlns:a16="http://schemas.microsoft.com/office/drawing/2014/main" id="{9883EECC-42B2-41B8-95AE-4ADC295598BA}"/>
               </a:ext>
             </a:extLst>
           </p:cNvPr>
-          <p:cNvSpPr/>
-          <p:nvPr/>
+          <p:cNvSpPr>
+            <a:spLocks noGrp="1"/>
+          </p:cNvSpPr>
+          <p:nvPr>
+            <p:ph sz="half" idx="2"/>
+          </p:nvPr>
         </p:nvSpPr>
-        <p:spPr>
-          <a:xfrm>
-            <a:off x="2550300" y="3800097"/>
-            <a:ext cx="678276" cy="645310"/>
-          </a:xfrm>
-          <a:prstGeom prst="can">
-            <a:avLst/>
-          </a:prstGeom>
-        </p:spPr>
-        <p:style>
-          <a:lnRef idx="1">
-            <a:schemeClr val="accent4"/>
-          </a:lnRef>
-          <a:fillRef idx="3">
-            <a:schemeClr val="accent4"/>
-          </a:fillRef>
-          <a:effectRef idx="2">
-            <a:schemeClr val="accent4"/>
-          </a:effectRef>
-          <a:fontRef idx="minor">
-            <a:schemeClr val="lt1"/>
-          </a:fontRef>
-        </p:style>
+        <p:spPr/>
         <p:txBody>
-          <a:bodyPr rtlCol="0" anchor="ctr"/>
+          <a:bodyPr/>
           <a:lstStyle/>
           <a:p>
-            <a:pPr algn="ctr"/>
             <a:endParaRPr lang="en-US"/>
           </a:p>
         </p:txBody>
       </p:sp>
-      <p:sp>
-        <p:nvSpPr>
-          <p:cNvPr id="39" name="Cylinder 38">
-            <a:extLst>
-              <a:ext uri="{FF2B5EF4-FFF2-40B4-BE49-F238E27FC236}">
-                <a16:creationId xmlns:a16="http://schemas.microsoft.com/office/drawing/2014/main" id="{CA02161D-DEB0-432D-AC77-4E4537087726}"/>
-              </a:ext>
-            </a:extLst>
-          </p:cNvPr>
-          <p:cNvSpPr/>
-          <p:nvPr/>
-        </p:nvSpPr>
-        <p:spPr>
-          <a:xfrm>
-            <a:off x="2550300" y="4864017"/>
-            <a:ext cx="678276" cy="645310"/>
-          </a:xfrm>
-          <a:prstGeom prst="can">
-            <a:avLst/>
-          </a:prstGeom>
-        </p:spPr>
-        <p:style>
-          <a:lnRef idx="1">
-            <a:schemeClr val="accent4"/>
-          </a:lnRef>
-          <a:fillRef idx="3">
-            <a:schemeClr val="accent4"/>
-          </a:fillRef>
-          <a:effectRef idx="2">
-            <a:schemeClr val="accent4"/>
-          </a:effectRef>
-          <a:fontRef idx="minor">
-            <a:schemeClr val="lt1"/>
-          </a:fontRef>
-        </p:style>
-        <p:txBody>
-          <a:bodyPr rtlCol="0" anchor="ctr"/>
-          <a:lstStyle/>
-          <a:p>
-            <a:pPr algn="ctr"/>
-            <a:endParaRPr lang="en-US"/>
-          </a:p>
-        </p:txBody>
-      </p:sp>
-      <p:pic>
-        <p:nvPicPr>
-          <p:cNvPr id="18" name="Picture 17">
-            <a:extLst>
-              <a:ext uri="{FF2B5EF4-FFF2-40B4-BE49-F238E27FC236}">
-                <a16:creationId xmlns:a16="http://schemas.microsoft.com/office/drawing/2014/main" id="{D60E3C6D-0E1F-4FCB-84F6-10C06CB6FF12}"/>
-              </a:ext>
-            </a:extLst>
-          </p:cNvPr>
-          <p:cNvPicPr>
-            <a:picLocks noChangeAspect="1"/>
-          </p:cNvPicPr>
-          <p:nvPr/>
-        </p:nvPicPr>
-        <p:blipFill>
-          <a:blip r:embed="rId2"/>
-          <a:stretch>
-            <a:fillRect/>
-          </a:stretch>
-        </p:blipFill>
-        <p:spPr>
-          <a:xfrm>
-            <a:off x="9961381" y="0"/>
-            <a:ext cx="1322502" cy="1322502"/>
-          </a:xfrm>
-          <a:prstGeom prst="rect">
-            <a:avLst/>
-          </a:prstGeom>
-        </p:spPr>
-      </p:pic>
     </p:spTree>
     <p:extLst>
       <p:ext uri="{BB962C8B-B14F-4D97-AF65-F5344CB8AC3E}">
@@ -13068,7 +12664,7 @@
                 <a:latin typeface="微软雅黑" panose="020B0503020204020204" pitchFamily="34" charset="-122"/>
                 <a:ea typeface="微软雅黑" panose="020B0503020204020204" pitchFamily="34" charset="-122"/>
               </a:rPr>
-              <a:t>使用的技术</a:t>
+              <a:t>技术采用</a:t>
             </a:r>
             <a:endParaRPr lang="en-US" dirty="0">
               <a:latin typeface="微软雅黑" panose="020B0503020204020204" pitchFamily="34" charset="-122"/>
@@ -13093,14 +12689,14 @@
             <p:ph idx="1"/>
             <p:extLst>
               <p:ext uri="{D42A27DB-BD31-4B8C-83A1-F6EECF244321}">
-                <p14:modId xmlns:p14="http://schemas.microsoft.com/office/powerpoint/2010/main" val="2865867343"/>
+                <p14:modId xmlns:p14="http://schemas.microsoft.com/office/powerpoint/2010/main" val="976962264"/>
               </p:ext>
             </p:extLst>
           </p:nvPr>
         </p:nvGraphicFramePr>
         <p:xfrm>
-          <a:off x="1262063" y="1828800"/>
-          <a:ext cx="8594725" cy="4351338"/>
+          <a:off x="838200" y="1825625"/>
+          <a:ext cx="10515600" cy="4351338"/>
         </p:xfrm>
         <a:graphic>
           <a:graphicData uri="http://schemas.openxmlformats.org/drawingml/2006/diagram">
@@ -13108,36 +12704,6 @@
           </a:graphicData>
         </a:graphic>
       </p:graphicFrame>
-      <p:pic>
-        <p:nvPicPr>
-          <p:cNvPr id="4" name="Picture 3">
-            <a:extLst>
-              <a:ext uri="{FF2B5EF4-FFF2-40B4-BE49-F238E27FC236}">
-                <a16:creationId xmlns:a16="http://schemas.microsoft.com/office/drawing/2014/main" id="{D65B63FB-CB22-41E2-93F3-6AD187D737AF}"/>
-              </a:ext>
-            </a:extLst>
-          </p:cNvPr>
-          <p:cNvPicPr>
-            <a:picLocks noChangeAspect="1"/>
-          </p:cNvPicPr>
-          <p:nvPr/>
-        </p:nvPicPr>
-        <p:blipFill>
-          <a:blip r:embed="rId7"/>
-          <a:stretch>
-            <a:fillRect/>
-          </a:stretch>
-        </p:blipFill>
-        <p:spPr>
-          <a:xfrm>
-            <a:off x="9961381" y="0"/>
-            <a:ext cx="1322502" cy="1322502"/>
-          </a:xfrm>
-          <a:prstGeom prst="rect">
-            <a:avLst/>
-          </a:prstGeom>
-        </p:spPr>
-      </p:pic>
     </p:spTree>
     <p:extLst>
       <p:ext uri="{BB962C8B-B14F-4D97-AF65-F5344CB8AC3E}">
@@ -13191,12 +12757,18 @@
           <a:p>
             <a:r>
               <a:rPr lang="zh-CN" altLang="en-US" dirty="0">
+                <a:solidFill>
+                  <a:srgbClr val="F49600"/>
+                </a:solidFill>
                 <a:latin typeface="微软雅黑" panose="020B0503020204020204" pitchFamily="34" charset="-122"/>
                 <a:ea typeface="微软雅黑" panose="020B0503020204020204" pitchFamily="34" charset="-122"/>
               </a:rPr>
-              <a:t>供应链组织结构</a:t>
+              <a:t>供应链协作主体</a:t>
             </a:r>
             <a:endParaRPr lang="en-US" dirty="0">
+              <a:solidFill>
+                <a:srgbClr val="F49600"/>
+              </a:solidFill>
               <a:latin typeface="微软雅黑" panose="020B0503020204020204" pitchFamily="34" charset="-122"/>
               <a:ea typeface="微软雅黑" panose="020B0503020204020204" pitchFamily="34" charset="-122"/>
             </a:endParaRPr>
@@ -13217,12 +12789,15 @@
         </p:nvSpPr>
         <p:spPr>
           <a:xfrm>
-            <a:off x="1847652" y="4090449"/>
+            <a:off x="2036191" y="4090449"/>
             <a:ext cx="886120" cy="886119"/>
           </a:xfrm>
           <a:prstGeom prst="ellipse">
             <a:avLst/>
           </a:prstGeom>
+          <a:solidFill>
+            <a:srgbClr val="FFC000"/>
+          </a:solidFill>
         </p:spPr>
         <p:style>
           <a:lnRef idx="0">
@@ -13271,12 +12846,15 @@
         </p:nvSpPr>
         <p:spPr>
           <a:xfrm>
-            <a:off x="1847652" y="5112472"/>
+            <a:off x="2036191" y="5112472"/>
             <a:ext cx="886120" cy="886119"/>
           </a:xfrm>
           <a:prstGeom prst="ellipse">
             <a:avLst/>
           </a:prstGeom>
+          <a:solidFill>
+            <a:srgbClr val="FFC000"/>
+          </a:solidFill>
         </p:spPr>
         <p:style>
           <a:lnRef idx="0">
@@ -13325,12 +12903,15 @@
         </p:nvSpPr>
         <p:spPr>
           <a:xfrm>
-            <a:off x="8561113" y="2092751"/>
+            <a:off x="8749652" y="2092751"/>
             <a:ext cx="886120" cy="886119"/>
           </a:xfrm>
           <a:prstGeom prst="ellipse">
             <a:avLst/>
           </a:prstGeom>
+          <a:solidFill>
+            <a:srgbClr val="A9DA74"/>
+          </a:solidFill>
         </p:spPr>
         <p:style>
           <a:lnRef idx="0">
@@ -13379,12 +12960,15 @@
         </p:nvSpPr>
         <p:spPr>
           <a:xfrm>
-            <a:off x="8561113" y="3084136"/>
+            <a:off x="8749652" y="3084136"/>
             <a:ext cx="886120" cy="886119"/>
           </a:xfrm>
           <a:prstGeom prst="ellipse">
             <a:avLst/>
           </a:prstGeom>
+          <a:solidFill>
+            <a:srgbClr val="A9DA74"/>
+          </a:solidFill>
         </p:spPr>
         <p:style>
           <a:lnRef idx="0">
@@ -13433,7 +13017,7 @@
         </p:nvGrpSpPr>
         <p:grpSpPr>
           <a:xfrm>
-            <a:off x="1847652" y="2092751"/>
+            <a:off x="2036191" y="2092751"/>
             <a:ext cx="1706253" cy="1877505"/>
             <a:chOff x="2064471" y="2092751"/>
             <a:chExt cx="1706253" cy="1877505"/>
@@ -13459,6 +13043,9 @@
             <a:prstGeom prst="ellipse">
               <a:avLst/>
             </a:prstGeom>
+            <a:solidFill>
+              <a:srgbClr val="F49600"/>
+            </a:solidFill>
           </p:spPr>
           <p:style>
             <a:lnRef idx="0">
@@ -13513,6 +13100,9 @@
             <a:prstGeom prst="ellipse">
               <a:avLst/>
             </a:prstGeom>
+            <a:solidFill>
+              <a:srgbClr val="F49600"/>
+            </a:solidFill>
           </p:spPr>
           <p:style>
             <a:lnRef idx="0">
@@ -13567,6 +13157,9 @@
             <a:prstGeom prst="ellipse">
               <a:avLst/>
             </a:prstGeom>
+            <a:solidFill>
+              <a:srgbClr val="F49600"/>
+            </a:solidFill>
           </p:spPr>
           <p:style>
             <a:lnRef idx="0">
@@ -13592,7 +13185,7 @@
                   <a:latin typeface="微软雅黑" panose="020B0503020204020204" pitchFamily="34" charset="-122"/>
                   <a:ea typeface="微软雅黑" panose="020B0503020204020204" pitchFamily="34" charset="-122"/>
                 </a:rPr>
-                <a:t>群主</a:t>
+                <a:t>商户社</a:t>
               </a:r>
               <a:endParaRPr lang="en-US" dirty="0">
                 <a:latin typeface="微软雅黑" panose="020B0503020204020204" pitchFamily="34" charset="-122"/>
@@ -13616,7 +13209,7 @@
         </p:nvGrpSpPr>
         <p:grpSpPr>
           <a:xfrm>
-            <a:off x="7723700" y="4090448"/>
+            <a:off x="7912239" y="4090448"/>
             <a:ext cx="1723533" cy="1908143"/>
             <a:chOff x="6253116" y="4090448"/>
             <a:chExt cx="1723533" cy="1908143"/>
@@ -13645,13 +13238,13 @@
           </p:spPr>
           <p:style>
             <a:lnRef idx="0">
-              <a:schemeClr val="accent3"/>
+              <a:schemeClr val="accent2"/>
             </a:lnRef>
             <a:fillRef idx="3">
-              <a:schemeClr val="accent3"/>
+              <a:schemeClr val="accent2"/>
             </a:fillRef>
             <a:effectRef idx="3">
-              <a:schemeClr val="accent3"/>
+              <a:schemeClr val="accent2"/>
             </a:effectRef>
             <a:fontRef idx="minor">
               <a:schemeClr val="lt1"/>
@@ -13699,13 +13292,13 @@
           </p:spPr>
           <p:style>
             <a:lnRef idx="0">
-              <a:schemeClr val="accent3"/>
+              <a:schemeClr val="accent2"/>
             </a:lnRef>
             <a:fillRef idx="3">
-              <a:schemeClr val="accent3"/>
+              <a:schemeClr val="accent2"/>
             </a:fillRef>
             <a:effectRef idx="3">
-              <a:schemeClr val="accent3"/>
+              <a:schemeClr val="accent2"/>
             </a:effectRef>
             <a:fontRef idx="minor">
               <a:schemeClr val="lt1"/>
@@ -13753,13 +13346,13 @@
           </p:spPr>
           <p:style>
             <a:lnRef idx="0">
-              <a:schemeClr val="accent3"/>
+              <a:schemeClr val="accent2"/>
             </a:lnRef>
             <a:fillRef idx="3">
-              <a:schemeClr val="accent3"/>
+              <a:schemeClr val="accent2"/>
             </a:fillRef>
             <a:effectRef idx="3">
-              <a:schemeClr val="accent3"/>
+              <a:schemeClr val="accent2"/>
             </a:effectRef>
             <a:fontRef idx="minor">
               <a:schemeClr val="lt1"/>
@@ -13775,7 +13368,7 @@
                   <a:latin typeface="微软雅黑" panose="020B0503020204020204" pitchFamily="34" charset="-122"/>
                   <a:ea typeface="微软雅黑" panose="020B0503020204020204" pitchFamily="34" charset="-122"/>
                 </a:rPr>
-                <a:t>群主</a:t>
+                <a:t>产源社</a:t>
               </a:r>
               <a:endParaRPr lang="en-US" dirty="0">
                 <a:latin typeface="微软雅黑" panose="020B0503020204020204" pitchFamily="34" charset="-122"/>
@@ -13785,215 +13378,194 @@
           </p:txBody>
         </p:sp>
       </p:grpSp>
-      <p:grpSp>
-        <p:nvGrpSpPr>
-          <p:cNvPr id="27" name="Group 26">
+      <p:sp>
+        <p:nvSpPr>
+          <p:cNvPr id="19" name="Oval 18">
             <a:extLst>
               <a:ext uri="{FF2B5EF4-FFF2-40B4-BE49-F238E27FC236}">
-                <a16:creationId xmlns:a16="http://schemas.microsoft.com/office/drawing/2014/main" id="{0EC2A2DA-7B00-4353-99AA-5948D8739D89}"/>
+                <a16:creationId xmlns:a16="http://schemas.microsoft.com/office/drawing/2014/main" id="{EB5BE8A3-79CB-4919-921B-5FFBE33CA379}"/>
               </a:ext>
             </a:extLst>
           </p:cNvPr>
-          <p:cNvGrpSpPr/>
+          <p:cNvSpPr/>
           <p:nvPr/>
-        </p:nvGrpSpPr>
-        <p:grpSpPr>
+        </p:nvSpPr>
+        <p:spPr>
           <a:xfrm>
-            <a:off x="4391318" y="2263153"/>
-            <a:ext cx="2573519" cy="3376195"/>
-            <a:chOff x="4391318" y="2263153"/>
-            <a:chExt cx="2573519" cy="3376195"/>
+            <a:off x="4487162" y="2752627"/>
+            <a:ext cx="2724345" cy="2516957"/>
           </a:xfrm>
-        </p:grpSpPr>
-        <p:sp>
-          <p:nvSpPr>
-            <p:cNvPr id="19" name="Rectangle: Diagonal Corners Snipped 18">
-              <a:extLst>
-                <a:ext uri="{FF2B5EF4-FFF2-40B4-BE49-F238E27FC236}">
-                  <a16:creationId xmlns:a16="http://schemas.microsoft.com/office/drawing/2014/main" id="{EB5BE8A3-79CB-4919-921B-5FFBE33CA379}"/>
-                </a:ext>
-              </a:extLst>
-            </p:cNvPr>
-            <p:cNvSpPr/>
-            <p:nvPr/>
-          </p:nvSpPr>
-          <p:spPr>
-            <a:xfrm>
-              <a:off x="4391318" y="2871052"/>
-              <a:ext cx="2573519" cy="2241420"/>
-            </a:xfrm>
-            <a:prstGeom prst="snip2DiagRect">
-              <a:avLst/>
-            </a:prstGeom>
-          </p:spPr>
-          <p:style>
-            <a:lnRef idx="1">
-              <a:schemeClr val="accent4"/>
-            </a:lnRef>
-            <a:fillRef idx="2">
-              <a:schemeClr val="accent4"/>
-            </a:fillRef>
-            <a:effectRef idx="1">
-              <a:schemeClr val="accent4"/>
-            </a:effectRef>
-            <a:fontRef idx="minor">
-              <a:schemeClr val="dk1"/>
-            </a:fontRef>
-          </p:style>
-          <p:txBody>
-            <a:bodyPr rtlCol="0" anchor="ctr"/>
-            <a:lstStyle/>
-            <a:p>
-              <a:pPr algn="ctr"/>
-              <a:r>
-                <a:rPr lang="zh-CN" altLang="en-US" dirty="0">
-                  <a:latin typeface="微软雅黑" panose="020B0503020204020204" pitchFamily="34" charset="-122"/>
-                  <a:ea typeface="微软雅黑" panose="020B0503020204020204" pitchFamily="34" charset="-122"/>
-                </a:rPr>
-                <a:t>平台业务及管理</a:t>
-              </a:r>
-              <a:endParaRPr lang="en-US" dirty="0">
+          <a:prstGeom prst="ellipse">
+            <a:avLst/>
+          </a:prstGeom>
+        </p:spPr>
+        <p:style>
+          <a:lnRef idx="1">
+            <a:schemeClr val="accent4"/>
+          </a:lnRef>
+          <a:fillRef idx="2">
+            <a:schemeClr val="accent4"/>
+          </a:fillRef>
+          <a:effectRef idx="1">
+            <a:schemeClr val="accent4"/>
+          </a:effectRef>
+          <a:fontRef idx="minor">
+            <a:schemeClr val="dk1"/>
+          </a:fontRef>
+        </p:style>
+        <p:txBody>
+          <a:bodyPr rtlCol="0" anchor="ctr"/>
+          <a:lstStyle/>
+          <a:p>
+            <a:pPr algn="ctr"/>
+            <a:r>
+              <a:rPr lang="zh-CN" altLang="en-US" dirty="0">
                 <a:latin typeface="微软雅黑" panose="020B0503020204020204" pitchFamily="34" charset="-122"/>
                 <a:ea typeface="微软雅黑" panose="020B0503020204020204" pitchFamily="34" charset="-122"/>
-              </a:endParaRPr>
-            </a:p>
-          </p:txBody>
-        </p:sp>
-        <p:sp>
-          <p:nvSpPr>
-            <p:cNvPr id="20" name="Oval 19">
-              <a:extLst>
-                <a:ext uri="{FF2B5EF4-FFF2-40B4-BE49-F238E27FC236}">
-                  <a16:creationId xmlns:a16="http://schemas.microsoft.com/office/drawing/2014/main" id="{D9183366-E7C5-4AF4-9676-0F7D85C10E2B}"/>
-                </a:ext>
-              </a:extLst>
-            </p:cNvPr>
-            <p:cNvSpPr/>
-            <p:nvPr/>
-          </p:nvSpPr>
-          <p:spPr>
-            <a:xfrm>
-              <a:off x="5018989" y="2263153"/>
-              <a:ext cx="1363744" cy="1325562"/>
-            </a:xfrm>
-            <a:prstGeom prst="ellipse">
-              <a:avLst/>
-            </a:prstGeom>
-          </p:spPr>
-          <p:style>
-            <a:lnRef idx="0">
-              <a:schemeClr val="accent1"/>
-            </a:lnRef>
-            <a:fillRef idx="3">
-              <a:schemeClr val="accent1"/>
-            </a:fillRef>
-            <a:effectRef idx="3">
-              <a:schemeClr val="accent1"/>
-            </a:effectRef>
-            <a:fontRef idx="minor">
-              <a:schemeClr val="lt1"/>
-            </a:fontRef>
-          </p:style>
-          <p:txBody>
-            <a:bodyPr rtlCol="0" anchor="ctr"/>
-            <a:lstStyle/>
-            <a:p>
-              <a:pPr algn="ctr"/>
-              <a:r>
-                <a:rPr lang="zh-CN" altLang="en-US" dirty="0">
-                  <a:latin typeface="微软雅黑" panose="020B0503020204020204" pitchFamily="34" charset="-122"/>
-                  <a:ea typeface="微软雅黑" panose="020B0503020204020204" pitchFamily="34" charset="-122"/>
-                </a:rPr>
-                <a:t>分拣</a:t>
-              </a:r>
-              <a:br>
-                <a:rPr lang="en-US" altLang="zh-CN" dirty="0">
-                  <a:latin typeface="微软雅黑" panose="020B0503020204020204" pitchFamily="34" charset="-122"/>
-                  <a:ea typeface="微软雅黑" panose="020B0503020204020204" pitchFamily="34" charset="-122"/>
-                </a:rPr>
-              </a:br>
-              <a:r>
-                <a:rPr lang="zh-CN" altLang="en-US" dirty="0">
-                  <a:latin typeface="微软雅黑" panose="020B0503020204020204" pitchFamily="34" charset="-122"/>
-                  <a:ea typeface="微软雅黑" panose="020B0503020204020204" pitchFamily="34" charset="-122"/>
-                </a:rPr>
-                <a:t>中心</a:t>
-              </a:r>
-              <a:endParaRPr lang="en-US" dirty="0">
+              </a:rPr>
+              <a:t>平台业务及管理</a:t>
+            </a:r>
+            <a:endParaRPr lang="en-US" dirty="0">
+              <a:latin typeface="微软雅黑" panose="020B0503020204020204" pitchFamily="34" charset="-122"/>
+              <a:ea typeface="微软雅黑" panose="020B0503020204020204" pitchFamily="34" charset="-122"/>
+            </a:endParaRPr>
+          </a:p>
+        </p:txBody>
+      </p:sp>
+      <p:sp>
+        <p:nvSpPr>
+          <p:cNvPr id="20" name="Oval 19">
+            <a:extLst>
+              <a:ext uri="{FF2B5EF4-FFF2-40B4-BE49-F238E27FC236}">
+                <a16:creationId xmlns:a16="http://schemas.microsoft.com/office/drawing/2014/main" id="{D9183366-E7C5-4AF4-9676-0F7D85C10E2B}"/>
+              </a:ext>
+            </a:extLst>
+          </p:cNvPr>
+          <p:cNvSpPr/>
+          <p:nvPr/>
+        </p:nvSpPr>
+        <p:spPr>
+          <a:xfrm>
+            <a:off x="5207528" y="2017812"/>
+            <a:ext cx="1363744" cy="1325562"/>
+          </a:xfrm>
+          <a:prstGeom prst="ellipse">
+            <a:avLst/>
+          </a:prstGeom>
+        </p:spPr>
+        <p:style>
+          <a:lnRef idx="0">
+            <a:schemeClr val="accent1"/>
+          </a:lnRef>
+          <a:fillRef idx="3">
+            <a:schemeClr val="accent1"/>
+          </a:fillRef>
+          <a:effectRef idx="3">
+            <a:schemeClr val="accent1"/>
+          </a:effectRef>
+          <a:fontRef idx="minor">
+            <a:schemeClr val="lt1"/>
+          </a:fontRef>
+        </p:style>
+        <p:txBody>
+          <a:bodyPr rtlCol="0" anchor="ctr"/>
+          <a:lstStyle/>
+          <a:p>
+            <a:pPr algn="ctr"/>
+            <a:r>
+              <a:rPr lang="zh-CN" altLang="en-US" dirty="0">
                 <a:latin typeface="微软雅黑" panose="020B0503020204020204" pitchFamily="34" charset="-122"/>
                 <a:ea typeface="微软雅黑" panose="020B0503020204020204" pitchFamily="34" charset="-122"/>
-              </a:endParaRPr>
-            </a:p>
-          </p:txBody>
-        </p:sp>
-        <p:sp>
-          <p:nvSpPr>
-            <p:cNvPr id="21" name="Oval 20">
-              <a:extLst>
-                <a:ext uri="{FF2B5EF4-FFF2-40B4-BE49-F238E27FC236}">
-                  <a16:creationId xmlns:a16="http://schemas.microsoft.com/office/drawing/2014/main" id="{92BF4C53-0931-46BA-BABA-64C408FF6AF6}"/>
-                </a:ext>
-              </a:extLst>
-            </p:cNvPr>
-            <p:cNvSpPr/>
-            <p:nvPr/>
-          </p:nvSpPr>
-          <p:spPr>
-            <a:xfrm>
-              <a:off x="5018989" y="4313786"/>
-              <a:ext cx="1363744" cy="1325562"/>
-            </a:xfrm>
-            <a:prstGeom prst="ellipse">
-              <a:avLst/>
-            </a:prstGeom>
-          </p:spPr>
-          <p:style>
-            <a:lnRef idx="0">
-              <a:schemeClr val="accent1"/>
-            </a:lnRef>
-            <a:fillRef idx="3">
-              <a:schemeClr val="accent1"/>
-            </a:fillRef>
-            <a:effectRef idx="3">
-              <a:schemeClr val="accent1"/>
-            </a:effectRef>
-            <a:fontRef idx="minor">
-              <a:schemeClr val="lt1"/>
-            </a:fontRef>
-          </p:style>
-          <p:txBody>
-            <a:bodyPr rtlCol="0" anchor="ctr"/>
-            <a:lstStyle/>
-            <a:p>
-              <a:pPr algn="ctr"/>
-              <a:r>
-                <a:rPr lang="zh-CN" altLang="en-US" dirty="0">
-                  <a:latin typeface="微软雅黑" panose="020B0503020204020204" pitchFamily="34" charset="-122"/>
-                  <a:ea typeface="微软雅黑" panose="020B0503020204020204" pitchFamily="34" charset="-122"/>
-                </a:rPr>
-                <a:t>分拣</a:t>
-              </a:r>
-              <a:br>
-                <a:rPr lang="en-US" altLang="zh-CN" dirty="0">
-                  <a:latin typeface="微软雅黑" panose="020B0503020204020204" pitchFamily="34" charset="-122"/>
-                  <a:ea typeface="微软雅黑" panose="020B0503020204020204" pitchFamily="34" charset="-122"/>
-                </a:rPr>
-              </a:br>
-              <a:r>
-                <a:rPr lang="zh-CN" altLang="en-US" dirty="0">
-                  <a:latin typeface="微软雅黑" panose="020B0503020204020204" pitchFamily="34" charset="-122"/>
-                  <a:ea typeface="微软雅黑" panose="020B0503020204020204" pitchFamily="34" charset="-122"/>
-                </a:rPr>
-                <a:t>中心</a:t>
-              </a:r>
-              <a:endParaRPr lang="en-US" dirty="0">
+              </a:rPr>
+              <a:t>分拣</a:t>
+            </a:r>
+            <a:br>
+              <a:rPr lang="en-US" altLang="zh-CN" dirty="0">
                 <a:latin typeface="微软雅黑" panose="020B0503020204020204" pitchFamily="34" charset="-122"/>
                 <a:ea typeface="微软雅黑" panose="020B0503020204020204" pitchFamily="34" charset="-122"/>
-              </a:endParaRPr>
-            </a:p>
-          </p:txBody>
-        </p:sp>
-      </p:grpSp>
+              </a:rPr>
+            </a:br>
+            <a:r>
+              <a:rPr lang="zh-CN" altLang="en-US" dirty="0">
+                <a:latin typeface="微软雅黑" panose="020B0503020204020204" pitchFamily="34" charset="-122"/>
+                <a:ea typeface="微软雅黑" panose="020B0503020204020204" pitchFamily="34" charset="-122"/>
+              </a:rPr>
+              <a:t>中心</a:t>
+            </a:r>
+            <a:endParaRPr lang="en-US" dirty="0">
+              <a:latin typeface="微软雅黑" panose="020B0503020204020204" pitchFamily="34" charset="-122"/>
+              <a:ea typeface="微软雅黑" panose="020B0503020204020204" pitchFamily="34" charset="-122"/>
+            </a:endParaRPr>
+          </a:p>
+        </p:txBody>
+      </p:sp>
+      <p:sp>
+        <p:nvSpPr>
+          <p:cNvPr id="21" name="Oval 20">
+            <a:extLst>
+              <a:ext uri="{FF2B5EF4-FFF2-40B4-BE49-F238E27FC236}">
+                <a16:creationId xmlns:a16="http://schemas.microsoft.com/office/drawing/2014/main" id="{92BF4C53-0931-46BA-BABA-64C408FF6AF6}"/>
+              </a:ext>
+            </a:extLst>
+          </p:cNvPr>
+          <p:cNvSpPr/>
+          <p:nvPr/>
+        </p:nvSpPr>
+        <p:spPr>
+          <a:xfrm>
+            <a:off x="5217937" y="4691097"/>
+            <a:ext cx="1363744" cy="1325562"/>
+          </a:xfrm>
+          <a:prstGeom prst="ellipse">
+            <a:avLst/>
+          </a:prstGeom>
+        </p:spPr>
+        <p:style>
+          <a:lnRef idx="0">
+            <a:schemeClr val="accent1"/>
+          </a:lnRef>
+          <a:fillRef idx="3">
+            <a:schemeClr val="accent1"/>
+          </a:fillRef>
+          <a:effectRef idx="3">
+            <a:schemeClr val="accent1"/>
+          </a:effectRef>
+          <a:fontRef idx="minor">
+            <a:schemeClr val="lt1"/>
+          </a:fontRef>
+        </p:style>
+        <p:txBody>
+          <a:bodyPr rtlCol="0" anchor="ctr"/>
+          <a:lstStyle/>
+          <a:p>
+            <a:pPr algn="ctr"/>
+            <a:r>
+              <a:rPr lang="zh-CN" altLang="en-US" dirty="0">
+                <a:latin typeface="微软雅黑" panose="020B0503020204020204" pitchFamily="34" charset="-122"/>
+                <a:ea typeface="微软雅黑" panose="020B0503020204020204" pitchFamily="34" charset="-122"/>
+              </a:rPr>
+              <a:t>分拣</a:t>
+            </a:r>
+            <a:br>
+              <a:rPr lang="en-US" altLang="zh-CN" dirty="0">
+                <a:latin typeface="微软雅黑" panose="020B0503020204020204" pitchFamily="34" charset="-122"/>
+                <a:ea typeface="微软雅黑" panose="020B0503020204020204" pitchFamily="34" charset="-122"/>
+              </a:rPr>
+            </a:br>
+            <a:r>
+              <a:rPr lang="zh-CN" altLang="en-US" dirty="0">
+                <a:latin typeface="微软雅黑" panose="020B0503020204020204" pitchFamily="34" charset="-122"/>
+                <a:ea typeface="微软雅黑" panose="020B0503020204020204" pitchFamily="34" charset="-122"/>
+              </a:rPr>
+              <a:t>中心</a:t>
+            </a:r>
+            <a:endParaRPr lang="en-US" dirty="0">
+              <a:latin typeface="微软雅黑" panose="020B0503020204020204" pitchFamily="34" charset="-122"/>
+              <a:ea typeface="微软雅黑" panose="020B0503020204020204" pitchFamily="34" charset="-122"/>
+            </a:endParaRPr>
+          </a:p>
+        </p:txBody>
+      </p:sp>
       <p:sp>
         <p:nvSpPr>
           <p:cNvPr id="24" name="Arrow: Left-Right 23">
@@ -14008,7 +13580,7 @@
         </p:nvSpPr>
         <p:spPr>
           <a:xfrm>
-            <a:off x="2996541" y="3634624"/>
+            <a:off x="3185080" y="3634624"/>
             <a:ext cx="1193279" cy="660661"/>
           </a:xfrm>
           <a:prstGeom prst="leftRightArrow">
@@ -14052,7 +13624,7 @@
         </p:nvSpPr>
         <p:spPr>
           <a:xfrm>
-            <a:off x="7127060" y="3625637"/>
+            <a:off x="7315599" y="3625637"/>
             <a:ext cx="1193279" cy="660661"/>
           </a:xfrm>
           <a:prstGeom prst="leftRightArrow">
@@ -14082,36 +13654,6 @@
           </a:p>
         </p:txBody>
       </p:sp>
-      <p:pic>
-        <p:nvPicPr>
-          <p:cNvPr id="26" name="Picture 25">
-            <a:extLst>
-              <a:ext uri="{FF2B5EF4-FFF2-40B4-BE49-F238E27FC236}">
-                <a16:creationId xmlns:a16="http://schemas.microsoft.com/office/drawing/2014/main" id="{AF9FBA24-7F31-4BE6-BC13-A1A5DCC45AE5}"/>
-              </a:ext>
-            </a:extLst>
-          </p:cNvPr>
-          <p:cNvPicPr>
-            <a:picLocks noChangeAspect="1"/>
-          </p:cNvPicPr>
-          <p:nvPr/>
-        </p:nvPicPr>
-        <p:blipFill>
-          <a:blip r:embed="rId2"/>
-          <a:stretch>
-            <a:fillRect/>
-          </a:stretch>
-        </p:blipFill>
-        <p:spPr>
-          <a:xfrm>
-            <a:off x="9961381" y="0"/>
-            <a:ext cx="1322502" cy="1322502"/>
-          </a:xfrm>
-          <a:prstGeom prst="rect">
-            <a:avLst/>
-          </a:prstGeom>
-        </p:spPr>
-      </p:pic>
     </p:spTree>
     <p:extLst>
       <p:ext uri="{BB962C8B-B14F-4D97-AF65-F5344CB8AC3E}">
@@ -14156,6 +13698,57 @@
       </p:grpSpPr>
       <p:sp>
         <p:nvSpPr>
+          <p:cNvPr id="47" name="Oval 46">
+            <a:extLst>
+              <a:ext uri="{FF2B5EF4-FFF2-40B4-BE49-F238E27FC236}">
+                <a16:creationId xmlns:a16="http://schemas.microsoft.com/office/drawing/2014/main" id="{C55B0B77-7F51-499D-9EB8-8EAD24AF355E}"/>
+              </a:ext>
+            </a:extLst>
+          </p:cNvPr>
+          <p:cNvSpPr/>
+          <p:nvPr/>
+        </p:nvSpPr>
+        <p:spPr>
+          <a:xfrm>
+            <a:off x="3698682" y="1371600"/>
+            <a:ext cx="4787396" cy="4672361"/>
+          </a:xfrm>
+          <a:prstGeom prst="ellipse">
+            <a:avLst/>
+          </a:prstGeom>
+          <a:solidFill>
+            <a:schemeClr val="accent1">
+              <a:alpha val="17000"/>
+            </a:schemeClr>
+          </a:solidFill>
+        </p:spPr>
+        <p:style>
+          <a:lnRef idx="2">
+            <a:schemeClr val="accent1">
+              <a:shade val="50000"/>
+            </a:schemeClr>
+          </a:lnRef>
+          <a:fillRef idx="1">
+            <a:schemeClr val="accent1"/>
+          </a:fillRef>
+          <a:effectRef idx="0">
+            <a:schemeClr val="accent1"/>
+          </a:effectRef>
+          <a:fontRef idx="minor">
+            <a:schemeClr val="lt1"/>
+          </a:fontRef>
+        </p:style>
+        <p:txBody>
+          <a:bodyPr rtlCol="0" anchor="ctr"/>
+          <a:lstStyle/>
+          <a:p>
+            <a:pPr algn="ctr"/>
+            <a:endParaRPr lang="en-US"/>
+          </a:p>
+        </p:txBody>
+      </p:sp>
+      <p:sp>
+        <p:nvSpPr>
           <p:cNvPr id="2" name="Title 1">
             <a:extLst>
               <a:ext uri="{FF2B5EF4-FFF2-40B4-BE49-F238E27FC236}">
@@ -14177,6 +13770,1642 @@
           <a:p>
             <a:r>
               <a:rPr lang="zh-CN" altLang="en-US" dirty="0">
+                <a:solidFill>
+                  <a:srgbClr val="F49600"/>
+                </a:solidFill>
+                <a:latin typeface="微软雅黑" panose="020B0503020204020204" pitchFamily="34" charset="-122"/>
+                <a:ea typeface="微软雅黑" panose="020B0503020204020204" pitchFamily="34" charset="-122"/>
+              </a:rPr>
+              <a:t>供应时序</a:t>
+            </a:r>
+            <a:endParaRPr lang="en-US" dirty="0">
+              <a:solidFill>
+                <a:srgbClr val="F49600"/>
+              </a:solidFill>
+              <a:latin typeface="微软雅黑" panose="020B0503020204020204" pitchFamily="34" charset="-122"/>
+              <a:ea typeface="微软雅黑" panose="020B0503020204020204" pitchFamily="34" charset="-122"/>
+            </a:endParaRPr>
+          </a:p>
+        </p:txBody>
+      </p:sp>
+      <p:sp>
+        <p:nvSpPr>
+          <p:cNvPr id="8" name="Oval 7">
+            <a:extLst>
+              <a:ext uri="{FF2B5EF4-FFF2-40B4-BE49-F238E27FC236}">
+                <a16:creationId xmlns:a16="http://schemas.microsoft.com/office/drawing/2014/main" id="{C99FCA41-0192-4DBF-AF66-28413FF84CA8}"/>
+              </a:ext>
+            </a:extLst>
+          </p:cNvPr>
+          <p:cNvSpPr/>
+          <p:nvPr/>
+        </p:nvSpPr>
+        <p:spPr>
+          <a:xfrm>
+            <a:off x="1586250" y="2739518"/>
+            <a:ext cx="886120" cy="886119"/>
+          </a:xfrm>
+          <a:prstGeom prst="ellipse">
+            <a:avLst/>
+          </a:prstGeom>
+        </p:spPr>
+        <p:style>
+          <a:lnRef idx="1">
+            <a:schemeClr val="accent6"/>
+          </a:lnRef>
+          <a:fillRef idx="2">
+            <a:schemeClr val="accent6"/>
+          </a:fillRef>
+          <a:effectRef idx="1">
+            <a:schemeClr val="accent6"/>
+          </a:effectRef>
+          <a:fontRef idx="minor">
+            <a:schemeClr val="dk1"/>
+          </a:fontRef>
+        </p:style>
+        <p:txBody>
+          <a:bodyPr rtlCol="0" anchor="ctr"/>
+          <a:lstStyle/>
+          <a:p>
+            <a:pPr algn="ctr"/>
+            <a:r>
+              <a:rPr lang="zh-CN" altLang="en-US" dirty="0">
+                <a:latin typeface="微软雅黑" panose="020B0503020204020204" pitchFamily="34" charset="-122"/>
+                <a:ea typeface="微软雅黑" panose="020B0503020204020204" pitchFamily="34" charset="-122"/>
+              </a:rPr>
+              <a:t>商户</a:t>
+            </a:r>
+            <a:endParaRPr lang="en-US" dirty="0">
+              <a:latin typeface="微软雅黑" panose="020B0503020204020204" pitchFamily="34" charset="-122"/>
+              <a:ea typeface="微软雅黑" panose="020B0503020204020204" pitchFamily="34" charset="-122"/>
+            </a:endParaRPr>
+          </a:p>
+        </p:txBody>
+      </p:sp>
+      <p:sp>
+        <p:nvSpPr>
+          <p:cNvPr id="9" name="Oval 8">
+            <a:extLst>
+              <a:ext uri="{FF2B5EF4-FFF2-40B4-BE49-F238E27FC236}">
+                <a16:creationId xmlns:a16="http://schemas.microsoft.com/office/drawing/2014/main" id="{2249BE3B-40B1-46B4-8393-38E7EF3BD5AE}"/>
+              </a:ext>
+            </a:extLst>
+          </p:cNvPr>
+          <p:cNvSpPr/>
+          <p:nvPr/>
+        </p:nvSpPr>
+        <p:spPr>
+          <a:xfrm>
+            <a:off x="1586250" y="3761541"/>
+            <a:ext cx="886120" cy="886119"/>
+          </a:xfrm>
+          <a:prstGeom prst="ellipse">
+            <a:avLst/>
+          </a:prstGeom>
+        </p:spPr>
+        <p:style>
+          <a:lnRef idx="1">
+            <a:schemeClr val="accent6"/>
+          </a:lnRef>
+          <a:fillRef idx="2">
+            <a:schemeClr val="accent6"/>
+          </a:fillRef>
+          <a:effectRef idx="1">
+            <a:schemeClr val="accent6"/>
+          </a:effectRef>
+          <a:fontRef idx="minor">
+            <a:schemeClr val="dk1"/>
+          </a:fontRef>
+        </p:style>
+        <p:txBody>
+          <a:bodyPr rtlCol="0" anchor="ctr"/>
+          <a:lstStyle/>
+          <a:p>
+            <a:pPr algn="ctr"/>
+            <a:r>
+              <a:rPr lang="zh-CN" altLang="en-US" dirty="0">
+                <a:latin typeface="微软雅黑" panose="020B0503020204020204" pitchFamily="34" charset="-122"/>
+                <a:ea typeface="微软雅黑" panose="020B0503020204020204" pitchFamily="34" charset="-122"/>
+              </a:rPr>
+              <a:t>商户</a:t>
+            </a:r>
+            <a:endParaRPr lang="en-US" dirty="0">
+              <a:latin typeface="微软雅黑" panose="020B0503020204020204" pitchFamily="34" charset="-122"/>
+              <a:ea typeface="微软雅黑" panose="020B0503020204020204" pitchFamily="34" charset="-122"/>
+            </a:endParaRPr>
+          </a:p>
+        </p:txBody>
+      </p:sp>
+      <p:sp>
+        <p:nvSpPr>
+          <p:cNvPr id="10" name="Oval 9">
+            <a:extLst>
+              <a:ext uri="{FF2B5EF4-FFF2-40B4-BE49-F238E27FC236}">
+                <a16:creationId xmlns:a16="http://schemas.microsoft.com/office/drawing/2014/main" id="{704D84E3-1628-4613-9B75-046BFC84359E}"/>
+              </a:ext>
+            </a:extLst>
+          </p:cNvPr>
+          <p:cNvSpPr/>
+          <p:nvPr/>
+        </p:nvSpPr>
+        <p:spPr>
+          <a:xfrm>
+            <a:off x="9428781" y="2624875"/>
+            <a:ext cx="886120" cy="886119"/>
+          </a:xfrm>
+          <a:prstGeom prst="ellipse">
+            <a:avLst/>
+          </a:prstGeom>
+        </p:spPr>
+        <p:style>
+          <a:lnRef idx="1">
+            <a:schemeClr val="accent2"/>
+          </a:lnRef>
+          <a:fillRef idx="2">
+            <a:schemeClr val="accent2"/>
+          </a:fillRef>
+          <a:effectRef idx="1">
+            <a:schemeClr val="accent2"/>
+          </a:effectRef>
+          <a:fontRef idx="minor">
+            <a:schemeClr val="dk1"/>
+          </a:fontRef>
+        </p:style>
+        <p:txBody>
+          <a:bodyPr rtlCol="0" anchor="ctr"/>
+          <a:lstStyle/>
+          <a:p>
+            <a:pPr algn="ctr"/>
+            <a:r>
+              <a:rPr lang="zh-CN" altLang="en-US" dirty="0">
+                <a:latin typeface="微软雅黑" panose="020B0503020204020204" pitchFamily="34" charset="-122"/>
+                <a:ea typeface="微软雅黑" panose="020B0503020204020204" pitchFamily="34" charset="-122"/>
+              </a:rPr>
+              <a:t>产源</a:t>
+            </a:r>
+            <a:endParaRPr lang="en-US" dirty="0">
+              <a:latin typeface="微软雅黑" panose="020B0503020204020204" pitchFamily="34" charset="-122"/>
+              <a:ea typeface="微软雅黑" panose="020B0503020204020204" pitchFamily="34" charset="-122"/>
+            </a:endParaRPr>
+          </a:p>
+        </p:txBody>
+      </p:sp>
+      <p:sp>
+        <p:nvSpPr>
+          <p:cNvPr id="11" name="Oval 10">
+            <a:extLst>
+              <a:ext uri="{FF2B5EF4-FFF2-40B4-BE49-F238E27FC236}">
+                <a16:creationId xmlns:a16="http://schemas.microsoft.com/office/drawing/2014/main" id="{5C10E27A-0A51-42AD-9C26-50C1E6BA5102}"/>
+              </a:ext>
+            </a:extLst>
+          </p:cNvPr>
+          <p:cNvSpPr/>
+          <p:nvPr/>
+        </p:nvSpPr>
+        <p:spPr>
+          <a:xfrm>
+            <a:off x="9428781" y="3616260"/>
+            <a:ext cx="886120" cy="886119"/>
+          </a:xfrm>
+          <a:prstGeom prst="ellipse">
+            <a:avLst/>
+          </a:prstGeom>
+        </p:spPr>
+        <p:style>
+          <a:lnRef idx="1">
+            <a:schemeClr val="accent2"/>
+          </a:lnRef>
+          <a:fillRef idx="2">
+            <a:schemeClr val="accent2"/>
+          </a:fillRef>
+          <a:effectRef idx="1">
+            <a:schemeClr val="accent2"/>
+          </a:effectRef>
+          <a:fontRef idx="minor">
+            <a:schemeClr val="dk1"/>
+          </a:fontRef>
+        </p:style>
+        <p:txBody>
+          <a:bodyPr rtlCol="0" anchor="ctr"/>
+          <a:lstStyle/>
+          <a:p>
+            <a:pPr algn="ctr"/>
+            <a:r>
+              <a:rPr lang="zh-CN" altLang="en-US" dirty="0">
+                <a:latin typeface="微软雅黑" panose="020B0503020204020204" pitchFamily="34" charset="-122"/>
+                <a:ea typeface="微软雅黑" panose="020B0503020204020204" pitchFamily="34" charset="-122"/>
+              </a:rPr>
+              <a:t>产源</a:t>
+            </a:r>
+            <a:endParaRPr lang="en-US" dirty="0">
+              <a:latin typeface="微软雅黑" panose="020B0503020204020204" pitchFamily="34" charset="-122"/>
+              <a:ea typeface="微软雅黑" panose="020B0503020204020204" pitchFamily="34" charset="-122"/>
+            </a:endParaRPr>
+          </a:p>
+        </p:txBody>
+      </p:sp>
+      <p:sp>
+        <p:nvSpPr>
+          <p:cNvPr id="3" name="Flowchart: Multidocument 2">
+            <a:extLst>
+              <a:ext uri="{FF2B5EF4-FFF2-40B4-BE49-F238E27FC236}">
+                <a16:creationId xmlns:a16="http://schemas.microsoft.com/office/drawing/2014/main" id="{CC6B92EA-04C9-4E39-A0E2-BC29529E6062}"/>
+              </a:ext>
+            </a:extLst>
+          </p:cNvPr>
+          <p:cNvSpPr/>
+          <p:nvPr/>
+        </p:nvSpPr>
+        <p:spPr>
+          <a:xfrm>
+            <a:off x="3059043" y="2863833"/>
+            <a:ext cx="1318378" cy="1628874"/>
+          </a:xfrm>
+          <a:prstGeom prst="flowChartMultidocument">
+            <a:avLst/>
+          </a:prstGeom>
+        </p:spPr>
+        <p:style>
+          <a:lnRef idx="2">
+            <a:schemeClr val="accent1">
+              <a:shade val="50000"/>
+            </a:schemeClr>
+          </a:lnRef>
+          <a:fillRef idx="1">
+            <a:schemeClr val="accent1"/>
+          </a:fillRef>
+          <a:effectRef idx="0">
+            <a:schemeClr val="accent1"/>
+          </a:effectRef>
+          <a:fontRef idx="minor">
+            <a:schemeClr val="lt1"/>
+          </a:fontRef>
+        </p:style>
+        <p:txBody>
+          <a:bodyPr rtlCol="0" anchor="ctr"/>
+          <a:lstStyle/>
+          <a:p>
+            <a:pPr algn="ctr"/>
+            <a:r>
+              <a:rPr lang="zh-CN" altLang="en-US" dirty="0">
+                <a:latin typeface="微软雅黑" panose="020B0503020204020204" pitchFamily="34" charset="-122"/>
+                <a:ea typeface="微软雅黑" panose="020B0503020204020204" pitchFamily="34" charset="-122"/>
+              </a:rPr>
+              <a:t>点货单</a:t>
+            </a:r>
+            <a:endParaRPr lang="en-US" dirty="0">
+              <a:latin typeface="微软雅黑" panose="020B0503020204020204" pitchFamily="34" charset="-122"/>
+              <a:ea typeface="微软雅黑" panose="020B0503020204020204" pitchFamily="34" charset="-122"/>
+            </a:endParaRPr>
+          </a:p>
+        </p:txBody>
+      </p:sp>
+      <p:sp>
+        <p:nvSpPr>
+          <p:cNvPr id="23" name="Flowchart: Multidocument 22">
+            <a:extLst>
+              <a:ext uri="{FF2B5EF4-FFF2-40B4-BE49-F238E27FC236}">
+                <a16:creationId xmlns:a16="http://schemas.microsoft.com/office/drawing/2014/main" id="{B284460E-00EC-4EDF-AB52-648956043423}"/>
+              </a:ext>
+            </a:extLst>
+          </p:cNvPr>
+          <p:cNvSpPr/>
+          <p:nvPr/>
+        </p:nvSpPr>
+        <p:spPr>
+          <a:xfrm>
+            <a:off x="7877454" y="3058409"/>
+            <a:ext cx="1093510" cy="1211933"/>
+          </a:xfrm>
+          <a:prstGeom prst="flowChartMultidocument">
+            <a:avLst/>
+          </a:prstGeom>
+        </p:spPr>
+        <p:style>
+          <a:lnRef idx="2">
+            <a:schemeClr val="accent1">
+              <a:shade val="50000"/>
+            </a:schemeClr>
+          </a:lnRef>
+          <a:fillRef idx="1">
+            <a:schemeClr val="accent1"/>
+          </a:fillRef>
+          <a:effectRef idx="0">
+            <a:schemeClr val="accent1"/>
+          </a:effectRef>
+          <a:fontRef idx="minor">
+            <a:schemeClr val="lt1"/>
+          </a:fontRef>
+        </p:style>
+        <p:txBody>
+          <a:bodyPr rtlCol="0" anchor="ctr"/>
+          <a:lstStyle/>
+          <a:p>
+            <a:pPr algn="ctr"/>
+            <a:r>
+              <a:rPr lang="zh-CN" altLang="en-US" dirty="0">
+                <a:latin typeface="微软雅黑" panose="020B0503020204020204" pitchFamily="34" charset="-122"/>
+                <a:ea typeface="微软雅黑" panose="020B0503020204020204" pitchFamily="34" charset="-122"/>
+              </a:rPr>
+              <a:t>采购单</a:t>
+            </a:r>
+            <a:endParaRPr lang="en-US" dirty="0">
+              <a:latin typeface="微软雅黑" panose="020B0503020204020204" pitchFamily="34" charset="-122"/>
+              <a:ea typeface="微软雅黑" panose="020B0503020204020204" pitchFamily="34" charset="-122"/>
+            </a:endParaRPr>
+          </a:p>
+        </p:txBody>
+      </p:sp>
+      <p:sp>
+        <p:nvSpPr>
+          <p:cNvPr id="28" name="Flowchart: Multidocument 27">
+            <a:extLst>
+              <a:ext uri="{FF2B5EF4-FFF2-40B4-BE49-F238E27FC236}">
+                <a16:creationId xmlns:a16="http://schemas.microsoft.com/office/drawing/2014/main" id="{70FB9279-6924-466C-A404-D4B5B430C3C4}"/>
+              </a:ext>
+            </a:extLst>
+          </p:cNvPr>
+          <p:cNvSpPr/>
+          <p:nvPr/>
+        </p:nvSpPr>
+        <p:spPr>
+          <a:xfrm>
+            <a:off x="5523447" y="3161367"/>
+            <a:ext cx="1318378" cy="991385"/>
+          </a:xfrm>
+          <a:prstGeom prst="flowChartMultidocument">
+            <a:avLst/>
+          </a:prstGeom>
+        </p:spPr>
+        <p:style>
+          <a:lnRef idx="2">
+            <a:schemeClr val="accent1">
+              <a:shade val="50000"/>
+            </a:schemeClr>
+          </a:lnRef>
+          <a:fillRef idx="1">
+            <a:schemeClr val="accent1"/>
+          </a:fillRef>
+          <a:effectRef idx="0">
+            <a:schemeClr val="accent1"/>
+          </a:effectRef>
+          <a:fontRef idx="minor">
+            <a:schemeClr val="lt1"/>
+          </a:fontRef>
+        </p:style>
+        <p:txBody>
+          <a:bodyPr rtlCol="0" anchor="ctr"/>
+          <a:lstStyle/>
+          <a:p>
+            <a:pPr algn="ctr"/>
+            <a:r>
+              <a:rPr lang="zh-CN" altLang="en-US" dirty="0">
+                <a:latin typeface="微软雅黑" panose="020B0503020204020204" pitchFamily="34" charset="-122"/>
+                <a:ea typeface="微软雅黑" panose="020B0503020204020204" pitchFamily="34" charset="-122"/>
+              </a:rPr>
+              <a:t>供应目录</a:t>
+            </a:r>
+            <a:endParaRPr lang="en-US" dirty="0">
+              <a:latin typeface="微软雅黑" panose="020B0503020204020204" pitchFamily="34" charset="-122"/>
+              <a:ea typeface="微软雅黑" panose="020B0503020204020204" pitchFamily="34" charset="-122"/>
+            </a:endParaRPr>
+          </a:p>
+        </p:txBody>
+      </p:sp>
+      <p:sp>
+        <p:nvSpPr>
+          <p:cNvPr id="43" name="Arrow: Left 42">
+            <a:extLst>
+              <a:ext uri="{FF2B5EF4-FFF2-40B4-BE49-F238E27FC236}">
+                <a16:creationId xmlns:a16="http://schemas.microsoft.com/office/drawing/2014/main" id="{BDA3B4AB-C892-4FEA-BC80-833D94336317}"/>
+              </a:ext>
+            </a:extLst>
+          </p:cNvPr>
+          <p:cNvSpPr/>
+          <p:nvPr/>
+        </p:nvSpPr>
+        <p:spPr>
+          <a:xfrm>
+            <a:off x="3824868" y="1809946"/>
+            <a:ext cx="4787396" cy="929572"/>
+          </a:xfrm>
+          <a:prstGeom prst="leftArrow">
+            <a:avLst/>
+          </a:prstGeom>
+        </p:spPr>
+        <p:style>
+          <a:lnRef idx="1">
+            <a:schemeClr val="accent4"/>
+          </a:lnRef>
+          <a:fillRef idx="2">
+            <a:schemeClr val="accent4"/>
+          </a:fillRef>
+          <a:effectRef idx="1">
+            <a:schemeClr val="accent4"/>
+          </a:effectRef>
+          <a:fontRef idx="minor">
+            <a:schemeClr val="dk1"/>
+          </a:fontRef>
+        </p:style>
+        <p:txBody>
+          <a:bodyPr rtlCol="0" anchor="ctr"/>
+          <a:lstStyle/>
+          <a:p>
+            <a:pPr algn="ctr"/>
+            <a:r>
+              <a:rPr lang="zh-CN" altLang="en-US" dirty="0">
+                <a:latin typeface="微软雅黑" panose="020B0503020204020204" pitchFamily="34" charset="-122"/>
+                <a:ea typeface="微软雅黑" panose="020B0503020204020204" pitchFamily="34" charset="-122"/>
+              </a:rPr>
+              <a:t>推向市场（现货）</a:t>
+            </a:r>
+            <a:endParaRPr lang="en-US" dirty="0">
+              <a:latin typeface="微软雅黑" panose="020B0503020204020204" pitchFamily="34" charset="-122"/>
+              <a:ea typeface="微软雅黑" panose="020B0503020204020204" pitchFamily="34" charset="-122"/>
+            </a:endParaRPr>
+          </a:p>
+        </p:txBody>
+      </p:sp>
+      <p:sp>
+        <p:nvSpPr>
+          <p:cNvPr id="44" name="Arrow: Right 43">
+            <a:extLst>
+              <a:ext uri="{FF2B5EF4-FFF2-40B4-BE49-F238E27FC236}">
+                <a16:creationId xmlns:a16="http://schemas.microsoft.com/office/drawing/2014/main" id="{DAD2D8B1-24C6-4126-A330-8F9CDA7B41F5}"/>
+              </a:ext>
+            </a:extLst>
+          </p:cNvPr>
+          <p:cNvSpPr/>
+          <p:nvPr/>
+        </p:nvSpPr>
+        <p:spPr>
+          <a:xfrm>
+            <a:off x="3824868" y="4383710"/>
+            <a:ext cx="4787396" cy="865252"/>
+          </a:xfrm>
+          <a:prstGeom prst="rightArrow">
+            <a:avLst/>
+          </a:prstGeom>
+        </p:spPr>
+        <p:style>
+          <a:lnRef idx="1">
+            <a:schemeClr val="accent4"/>
+          </a:lnRef>
+          <a:fillRef idx="2">
+            <a:schemeClr val="accent4"/>
+          </a:fillRef>
+          <a:effectRef idx="1">
+            <a:schemeClr val="accent4"/>
+          </a:effectRef>
+          <a:fontRef idx="minor">
+            <a:schemeClr val="dk1"/>
+          </a:fontRef>
+        </p:style>
+        <p:txBody>
+          <a:bodyPr rtlCol="0" anchor="ctr"/>
+          <a:lstStyle/>
+          <a:p>
+            <a:pPr algn="ctr"/>
+            <a:r>
+              <a:rPr lang="zh-CN" altLang="en-US" dirty="0">
+                <a:latin typeface="微软雅黑" panose="020B0503020204020204" pitchFamily="34" charset="-122"/>
+                <a:ea typeface="微软雅黑" panose="020B0503020204020204" pitchFamily="34" charset="-122"/>
+              </a:rPr>
+              <a:t>市场拉动（预售）</a:t>
+            </a:r>
+            <a:endParaRPr lang="en-US" dirty="0">
+              <a:latin typeface="微软雅黑" panose="020B0503020204020204" pitchFamily="34" charset="-122"/>
+              <a:ea typeface="微软雅黑" panose="020B0503020204020204" pitchFamily="34" charset="-122"/>
+            </a:endParaRPr>
+          </a:p>
+        </p:txBody>
+      </p:sp>
+      <p:sp>
+        <p:nvSpPr>
+          <p:cNvPr id="45" name="Arrow: Left-Right 44">
+            <a:extLst>
+              <a:ext uri="{FF2B5EF4-FFF2-40B4-BE49-F238E27FC236}">
+                <a16:creationId xmlns:a16="http://schemas.microsoft.com/office/drawing/2014/main" id="{453A677C-0BE4-403E-88C1-BAE8A433F628}"/>
+              </a:ext>
+            </a:extLst>
+          </p:cNvPr>
+          <p:cNvSpPr/>
+          <p:nvPr/>
+        </p:nvSpPr>
+        <p:spPr>
+          <a:xfrm>
+            <a:off x="4550691" y="3429000"/>
+            <a:ext cx="654055" cy="464272"/>
+          </a:xfrm>
+          <a:prstGeom prst="leftRightArrow">
+            <a:avLst/>
+          </a:prstGeom>
+        </p:spPr>
+        <p:style>
+          <a:lnRef idx="2">
+            <a:schemeClr val="accent1">
+              <a:shade val="50000"/>
+            </a:schemeClr>
+          </a:lnRef>
+          <a:fillRef idx="1">
+            <a:schemeClr val="accent1"/>
+          </a:fillRef>
+          <a:effectRef idx="0">
+            <a:schemeClr val="accent1"/>
+          </a:effectRef>
+          <a:fontRef idx="minor">
+            <a:schemeClr val="lt1"/>
+          </a:fontRef>
+        </p:style>
+        <p:txBody>
+          <a:bodyPr rtlCol="0" anchor="ctr"/>
+          <a:lstStyle/>
+          <a:p>
+            <a:pPr algn="ctr"/>
+            <a:endParaRPr lang="en-US"/>
+          </a:p>
+        </p:txBody>
+      </p:sp>
+      <p:sp>
+        <p:nvSpPr>
+          <p:cNvPr id="46" name="Arrow: Left-Right 45">
+            <a:extLst>
+              <a:ext uri="{FF2B5EF4-FFF2-40B4-BE49-F238E27FC236}">
+                <a16:creationId xmlns:a16="http://schemas.microsoft.com/office/drawing/2014/main" id="{F51546B4-D015-43A9-8651-CE05C4ED3F5B}"/>
+              </a:ext>
+            </a:extLst>
+          </p:cNvPr>
+          <p:cNvSpPr/>
+          <p:nvPr/>
+        </p:nvSpPr>
+        <p:spPr>
+          <a:xfrm>
+            <a:off x="7032612" y="3384124"/>
+            <a:ext cx="654055" cy="464272"/>
+          </a:xfrm>
+          <a:prstGeom prst="leftRightArrow">
+            <a:avLst/>
+          </a:prstGeom>
+        </p:spPr>
+        <p:style>
+          <a:lnRef idx="2">
+            <a:schemeClr val="accent1">
+              <a:shade val="50000"/>
+            </a:schemeClr>
+          </a:lnRef>
+          <a:fillRef idx="1">
+            <a:schemeClr val="accent1"/>
+          </a:fillRef>
+          <a:effectRef idx="0">
+            <a:schemeClr val="accent1"/>
+          </a:effectRef>
+          <a:fontRef idx="minor">
+            <a:schemeClr val="lt1"/>
+          </a:fontRef>
+        </p:style>
+        <p:txBody>
+          <a:bodyPr rtlCol="0" anchor="ctr"/>
+          <a:lstStyle/>
+          <a:p>
+            <a:pPr algn="ctr"/>
+            <a:endParaRPr lang="en-US"/>
+          </a:p>
+        </p:txBody>
+      </p:sp>
+    </p:spTree>
+    <p:extLst>
+      <p:ext uri="{BB962C8B-B14F-4D97-AF65-F5344CB8AC3E}">
+        <p14:creationId xmlns:p14="http://schemas.microsoft.com/office/powerpoint/2010/main" val="4276814190"/>
+      </p:ext>
+    </p:extLst>
+  </p:cSld>
+  <p:clrMapOvr>
+    <a:masterClrMapping/>
+  </p:clrMapOvr>
+  <mc:AlternateContent xmlns:mc="http://schemas.openxmlformats.org/markup-compatibility/2006" xmlns:p14="http://schemas.microsoft.com/office/powerpoint/2010/main">
+    <mc:Choice Requires="p14">
+      <p:transition spd="med" p14:dur="700">
+        <p:fade/>
+      </p:transition>
+    </mc:Choice>
+    <mc:Fallback xmlns="">
+      <p:transition spd="med">
+        <p:fade/>
+      </p:transition>
+    </mc:Fallback>
+  </mc:AlternateContent>
+</p:sld>
+</file>
+
+<file path=ppt/slides/slide8.xml><?xml version="1.0" encoding="utf-8"?>
+<p:sld xmlns:a="http://schemas.openxmlformats.org/drawingml/2006/main" xmlns:r="http://schemas.openxmlformats.org/officeDocument/2006/relationships" xmlns:p="http://schemas.openxmlformats.org/presentationml/2006/main">
+  <p:cSld>
+    <p:spTree>
+      <p:nvGrpSpPr>
+        <p:cNvPr id="1" name=""/>
+        <p:cNvGrpSpPr/>
+        <p:nvPr/>
+      </p:nvGrpSpPr>
+      <p:grpSpPr>
+        <a:xfrm>
+          <a:off x="0" y="0"/>
+          <a:ext cx="0" cy="0"/>
+          <a:chOff x="0" y="0"/>
+          <a:chExt cx="0" cy="0"/>
+        </a:xfrm>
+      </p:grpSpPr>
+      <p:sp>
+        <p:nvSpPr>
+          <p:cNvPr id="2" name="Title 1">
+            <a:extLst>
+              <a:ext uri="{FF2B5EF4-FFF2-40B4-BE49-F238E27FC236}">
+                <a16:creationId xmlns:a16="http://schemas.microsoft.com/office/drawing/2014/main" id="{636BE4CC-F272-44D5-A23A-F52F9EA4F6D8}"/>
+              </a:ext>
+            </a:extLst>
+          </p:cNvPr>
+          <p:cNvSpPr>
+            <a:spLocks noGrp="1"/>
+          </p:cNvSpPr>
+          <p:nvPr>
+            <p:ph type="title"/>
+          </p:nvPr>
+        </p:nvSpPr>
+        <p:spPr/>
+        <p:txBody>
+          <a:bodyPr/>
+          <a:lstStyle/>
+          <a:p>
+            <a:r>
+              <a:rPr lang="zh-CN" altLang="en-US" dirty="0">
+                <a:solidFill>
+                  <a:srgbClr val="F49600"/>
+                </a:solidFill>
+                <a:latin typeface="微软雅黑" panose="020B0503020204020204" pitchFamily="34" charset="-122"/>
+                <a:ea typeface="微软雅黑" panose="020B0503020204020204" pitchFamily="34" charset="-122"/>
+              </a:rPr>
+              <a:t>数据结构</a:t>
+            </a:r>
+            <a:endParaRPr lang="en-US" dirty="0">
+              <a:solidFill>
+                <a:srgbClr val="F49600"/>
+              </a:solidFill>
+              <a:latin typeface="微软雅黑" panose="020B0503020204020204" pitchFamily="34" charset="-122"/>
+              <a:ea typeface="微软雅黑" panose="020B0503020204020204" pitchFamily="34" charset="-122"/>
+            </a:endParaRPr>
+          </a:p>
+        </p:txBody>
+      </p:sp>
+      <p:sp>
+        <p:nvSpPr>
+          <p:cNvPr id="4" name="Rectangle 3">
+            <a:extLst>
+              <a:ext uri="{FF2B5EF4-FFF2-40B4-BE49-F238E27FC236}">
+                <a16:creationId xmlns:a16="http://schemas.microsoft.com/office/drawing/2014/main" id="{4D06C556-6E98-447D-8415-C8E61AFEC7FB}"/>
+              </a:ext>
+            </a:extLst>
+          </p:cNvPr>
+          <p:cNvSpPr/>
+          <p:nvPr/>
+        </p:nvSpPr>
+        <p:spPr>
+          <a:xfrm>
+            <a:off x="6856233" y="2873033"/>
+            <a:ext cx="1997727" cy="760297"/>
+          </a:xfrm>
+          <a:prstGeom prst="rect">
+            <a:avLst/>
+          </a:prstGeom>
+        </p:spPr>
+        <p:style>
+          <a:lnRef idx="1">
+            <a:schemeClr val="accent2"/>
+          </a:lnRef>
+          <a:fillRef idx="3">
+            <a:schemeClr val="accent2"/>
+          </a:fillRef>
+          <a:effectRef idx="2">
+            <a:schemeClr val="accent2"/>
+          </a:effectRef>
+          <a:fontRef idx="minor">
+            <a:schemeClr val="lt1"/>
+          </a:fontRef>
+        </p:style>
+        <p:txBody>
+          <a:bodyPr rtlCol="0" anchor="ctr"/>
+          <a:lstStyle/>
+          <a:p>
+            <a:pPr algn="ctr"/>
+            <a:r>
+              <a:rPr lang="en-US" dirty="0">
+                <a:latin typeface="微软雅黑" panose="020B0503020204020204" pitchFamily="34" charset="-122"/>
+                <a:ea typeface="微软雅黑" panose="020B0503020204020204" pitchFamily="34" charset="-122"/>
+              </a:rPr>
+              <a:t>prod</a:t>
+            </a:r>
+          </a:p>
+        </p:txBody>
+      </p:sp>
+      <p:sp>
+        <p:nvSpPr>
+          <p:cNvPr id="16" name="Rectangle 15">
+            <a:extLst>
+              <a:ext uri="{FF2B5EF4-FFF2-40B4-BE49-F238E27FC236}">
+                <a16:creationId xmlns:a16="http://schemas.microsoft.com/office/drawing/2014/main" id="{A6F2CC9E-3160-4311-BC77-3631CB4AAED9}"/>
+              </a:ext>
+            </a:extLst>
+          </p:cNvPr>
+          <p:cNvSpPr/>
+          <p:nvPr/>
+        </p:nvSpPr>
+        <p:spPr>
+          <a:xfrm>
+            <a:off x="4004446" y="1688333"/>
+            <a:ext cx="1997727" cy="760297"/>
+          </a:xfrm>
+          <a:prstGeom prst="rect">
+            <a:avLst/>
+          </a:prstGeom>
+        </p:spPr>
+        <p:style>
+          <a:lnRef idx="1">
+            <a:schemeClr val="accent3"/>
+          </a:lnRef>
+          <a:fillRef idx="3">
+            <a:schemeClr val="accent3"/>
+          </a:fillRef>
+          <a:effectRef idx="2">
+            <a:schemeClr val="accent3"/>
+          </a:effectRef>
+          <a:fontRef idx="minor">
+            <a:schemeClr val="lt1"/>
+          </a:fontRef>
+        </p:style>
+        <p:txBody>
+          <a:bodyPr rtlCol="0" anchor="ctr"/>
+          <a:lstStyle/>
+          <a:p>
+            <a:pPr algn="ctr"/>
+            <a:r>
+              <a:rPr lang="en-US" dirty="0">
+                <a:latin typeface="微软雅黑" panose="020B0503020204020204" pitchFamily="34" charset="-122"/>
+                <a:ea typeface="微软雅黑" panose="020B0503020204020204" pitchFamily="34" charset="-122"/>
+              </a:rPr>
+              <a:t>item</a:t>
+            </a:r>
+          </a:p>
+        </p:txBody>
+      </p:sp>
+      <p:sp>
+        <p:nvSpPr>
+          <p:cNvPr id="17" name="Rectangle 16">
+            <a:extLst>
+              <a:ext uri="{FF2B5EF4-FFF2-40B4-BE49-F238E27FC236}">
+                <a16:creationId xmlns:a16="http://schemas.microsoft.com/office/drawing/2014/main" id="{20830923-56B9-48F2-A200-3C638B288699}"/>
+              </a:ext>
+            </a:extLst>
+          </p:cNvPr>
+          <p:cNvSpPr/>
+          <p:nvPr/>
+        </p:nvSpPr>
+        <p:spPr>
+          <a:xfrm>
+            <a:off x="3998095" y="2873033"/>
+            <a:ext cx="1997727" cy="760297"/>
+          </a:xfrm>
+          <a:prstGeom prst="rect">
+            <a:avLst/>
+          </a:prstGeom>
+        </p:spPr>
+        <p:style>
+          <a:lnRef idx="1">
+            <a:schemeClr val="accent2"/>
+          </a:lnRef>
+          <a:fillRef idx="3">
+            <a:schemeClr val="accent2"/>
+          </a:fillRef>
+          <a:effectRef idx="2">
+            <a:schemeClr val="accent2"/>
+          </a:effectRef>
+          <a:fontRef idx="minor">
+            <a:schemeClr val="lt1"/>
+          </a:fontRef>
+        </p:style>
+        <p:txBody>
+          <a:bodyPr rtlCol="0" anchor="ctr"/>
+          <a:lstStyle/>
+          <a:p>
+            <a:pPr algn="ctr"/>
+            <a:r>
+              <a:rPr lang="en-US" dirty="0">
+                <a:latin typeface="微软雅黑" panose="020B0503020204020204" pitchFamily="34" charset="-122"/>
+                <a:ea typeface="微软雅黑" panose="020B0503020204020204" pitchFamily="34" charset="-122"/>
+              </a:rPr>
+              <a:t>plan</a:t>
+            </a:r>
+          </a:p>
+        </p:txBody>
+      </p:sp>
+      <p:sp>
+        <p:nvSpPr>
+          <p:cNvPr id="18" name="Rectangle 17">
+            <a:extLst>
+              <a:ext uri="{FF2B5EF4-FFF2-40B4-BE49-F238E27FC236}">
+                <a16:creationId xmlns:a16="http://schemas.microsoft.com/office/drawing/2014/main" id="{F41829F3-3A5C-433D-B740-503CEA495A72}"/>
+              </a:ext>
+            </a:extLst>
+          </p:cNvPr>
+          <p:cNvSpPr/>
+          <p:nvPr/>
+        </p:nvSpPr>
+        <p:spPr>
+          <a:xfrm>
+            <a:off x="1302973" y="4444233"/>
+            <a:ext cx="1997727" cy="760297"/>
+          </a:xfrm>
+          <a:prstGeom prst="rect">
+            <a:avLst/>
+          </a:prstGeom>
+        </p:spPr>
+        <p:style>
+          <a:lnRef idx="1">
+            <a:schemeClr val="accent4"/>
+          </a:lnRef>
+          <a:fillRef idx="3">
+            <a:schemeClr val="accent4"/>
+          </a:fillRef>
+          <a:effectRef idx="2">
+            <a:schemeClr val="accent4"/>
+          </a:effectRef>
+          <a:fontRef idx="minor">
+            <a:schemeClr val="lt1"/>
+          </a:fontRef>
+        </p:style>
+        <p:txBody>
+          <a:bodyPr rtlCol="0" anchor="ctr"/>
+          <a:lstStyle/>
+          <a:p>
+            <a:pPr algn="ctr"/>
+            <a:r>
+              <a:rPr lang="en-US" dirty="0">
+                <a:latin typeface="微软雅黑" panose="020B0503020204020204" pitchFamily="34" charset="-122"/>
+                <a:ea typeface="微软雅黑" panose="020B0503020204020204" pitchFamily="34" charset="-122"/>
+              </a:rPr>
+              <a:t>buy</a:t>
+            </a:r>
+          </a:p>
+        </p:txBody>
+      </p:sp>
+      <p:sp>
+        <p:nvSpPr>
+          <p:cNvPr id="19" name="Rectangle 18">
+            <a:extLst>
+              <a:ext uri="{FF2B5EF4-FFF2-40B4-BE49-F238E27FC236}">
+                <a16:creationId xmlns:a16="http://schemas.microsoft.com/office/drawing/2014/main" id="{D1C7743E-D8BB-4BAD-9632-0C7C0B30D206}"/>
+              </a:ext>
+            </a:extLst>
+          </p:cNvPr>
+          <p:cNvSpPr/>
+          <p:nvPr/>
+        </p:nvSpPr>
+        <p:spPr>
+          <a:xfrm>
+            <a:off x="6658270" y="4437882"/>
+            <a:ext cx="1997727" cy="760297"/>
+          </a:xfrm>
+          <a:prstGeom prst="rect">
+            <a:avLst/>
+          </a:prstGeom>
+        </p:spPr>
+        <p:style>
+          <a:lnRef idx="1">
+            <a:schemeClr val="accent4"/>
+          </a:lnRef>
+          <a:fillRef idx="3">
+            <a:schemeClr val="accent4"/>
+          </a:fillRef>
+          <a:effectRef idx="2">
+            <a:schemeClr val="accent4"/>
+          </a:effectRef>
+          <a:fontRef idx="minor">
+            <a:schemeClr val="lt1"/>
+          </a:fontRef>
+        </p:style>
+        <p:txBody>
+          <a:bodyPr rtlCol="0" anchor="ctr"/>
+          <a:lstStyle/>
+          <a:p>
+            <a:pPr algn="ctr"/>
+            <a:r>
+              <a:rPr lang="en-US" dirty="0" err="1">
+                <a:latin typeface="微软雅黑" panose="020B0503020204020204" pitchFamily="34" charset="-122"/>
+                <a:ea typeface="微软雅黑" panose="020B0503020204020204" pitchFamily="34" charset="-122"/>
+              </a:rPr>
+              <a:t>purch</a:t>
+            </a:r>
+            <a:endParaRPr lang="en-US" dirty="0">
+              <a:latin typeface="微软雅黑" panose="020B0503020204020204" pitchFamily="34" charset="-122"/>
+              <a:ea typeface="微软雅黑" panose="020B0503020204020204" pitchFamily="34" charset="-122"/>
+            </a:endParaRPr>
+          </a:p>
+        </p:txBody>
+      </p:sp>
+      <p:sp>
+        <p:nvSpPr>
+          <p:cNvPr id="21" name="Rectangle 20">
+            <a:extLst>
+              <a:ext uri="{FF2B5EF4-FFF2-40B4-BE49-F238E27FC236}">
+                <a16:creationId xmlns:a16="http://schemas.microsoft.com/office/drawing/2014/main" id="{7577C7A8-9D6A-4DCB-A5B2-41C000470B79}"/>
+              </a:ext>
+            </a:extLst>
+          </p:cNvPr>
+          <p:cNvSpPr/>
+          <p:nvPr/>
+        </p:nvSpPr>
+        <p:spPr>
+          <a:xfrm>
+            <a:off x="4262526" y="5482210"/>
+            <a:ext cx="1997727" cy="760297"/>
+          </a:xfrm>
+          <a:prstGeom prst="rect">
+            <a:avLst/>
+          </a:prstGeom>
+        </p:spPr>
+        <p:style>
+          <a:lnRef idx="1">
+            <a:schemeClr val="dk1"/>
+          </a:lnRef>
+          <a:fillRef idx="3">
+            <a:schemeClr val="dk1"/>
+          </a:fillRef>
+          <a:effectRef idx="2">
+            <a:schemeClr val="dk1"/>
+          </a:effectRef>
+          <a:fontRef idx="minor">
+            <a:schemeClr val="lt1"/>
+          </a:fontRef>
+        </p:style>
+        <p:txBody>
+          <a:bodyPr rtlCol="0" anchor="ctr"/>
+          <a:lstStyle/>
+          <a:p>
+            <a:pPr algn="ctr"/>
+            <a:r>
+              <a:rPr lang="en-US" dirty="0">
+                <a:latin typeface="微软雅黑" panose="020B0503020204020204" pitchFamily="34" charset="-122"/>
+                <a:ea typeface="微软雅黑" panose="020B0503020204020204" pitchFamily="34" charset="-122"/>
+              </a:rPr>
+              <a:t>org</a:t>
+            </a:r>
+          </a:p>
+        </p:txBody>
+      </p:sp>
+      <p:cxnSp>
+        <p:nvCxnSpPr>
+          <p:cNvPr id="6" name="Connector: Elbow 5">
+            <a:extLst>
+              <a:ext uri="{FF2B5EF4-FFF2-40B4-BE49-F238E27FC236}">
+                <a16:creationId xmlns:a16="http://schemas.microsoft.com/office/drawing/2014/main" id="{D05D9918-4A9D-401A-B7A2-808A876F4191}"/>
+              </a:ext>
+            </a:extLst>
+          </p:cNvPr>
+          <p:cNvCxnSpPr>
+            <a:cxnSpLocks/>
+            <a:stCxn id="4" idx="0"/>
+            <a:endCxn id="16" idx="3"/>
+          </p:cNvCxnSpPr>
+          <p:nvPr/>
+        </p:nvCxnSpPr>
+        <p:spPr>
+          <a:xfrm rot="16200000" flipV="1">
+            <a:off x="6526360" y="1544296"/>
+            <a:ext cx="804551" cy="1852924"/>
+          </a:xfrm>
+          <a:prstGeom prst="bentConnector2">
+            <a:avLst/>
+          </a:prstGeom>
+          <a:ln>
+            <a:tailEnd type="triangle"/>
+          </a:ln>
+        </p:spPr>
+        <p:style>
+          <a:lnRef idx="1">
+            <a:schemeClr val="accent4"/>
+          </a:lnRef>
+          <a:fillRef idx="3">
+            <a:schemeClr val="accent4"/>
+          </a:fillRef>
+          <a:effectRef idx="2">
+            <a:schemeClr val="accent4"/>
+          </a:effectRef>
+          <a:fontRef idx="minor">
+            <a:schemeClr val="lt1"/>
+          </a:fontRef>
+        </p:style>
+      </p:cxnSp>
+      <p:cxnSp>
+        <p:nvCxnSpPr>
+          <p:cNvPr id="24" name="Connector: Elbow 23">
+            <a:extLst>
+              <a:ext uri="{FF2B5EF4-FFF2-40B4-BE49-F238E27FC236}">
+                <a16:creationId xmlns:a16="http://schemas.microsoft.com/office/drawing/2014/main" id="{E5E270C5-028C-40F9-BA1C-61D39F92777E}"/>
+              </a:ext>
+            </a:extLst>
+          </p:cNvPr>
+          <p:cNvCxnSpPr>
+            <a:cxnSpLocks/>
+            <a:stCxn id="17" idx="0"/>
+            <a:endCxn id="16" idx="2"/>
+          </p:cNvCxnSpPr>
+          <p:nvPr/>
+        </p:nvCxnSpPr>
+        <p:spPr>
+          <a:xfrm rot="5400000" flipH="1" flipV="1">
+            <a:off x="4787933" y="2657657"/>
+            <a:ext cx="424403" cy="6351"/>
+          </a:xfrm>
+          <a:prstGeom prst="bentConnector3">
+            <a:avLst>
+              <a:gd name="adj1" fmla="val 50000"/>
+            </a:avLst>
+          </a:prstGeom>
+          <a:ln>
+            <a:tailEnd type="triangle"/>
+          </a:ln>
+        </p:spPr>
+        <p:style>
+          <a:lnRef idx="1">
+            <a:schemeClr val="accent4"/>
+          </a:lnRef>
+          <a:fillRef idx="3">
+            <a:schemeClr val="accent4"/>
+          </a:fillRef>
+          <a:effectRef idx="2">
+            <a:schemeClr val="accent4"/>
+          </a:effectRef>
+          <a:fontRef idx="minor">
+            <a:schemeClr val="lt1"/>
+          </a:fontRef>
+        </p:style>
+      </p:cxnSp>
+      <p:cxnSp>
+        <p:nvCxnSpPr>
+          <p:cNvPr id="31" name="Connector: Elbow 30">
+            <a:extLst>
+              <a:ext uri="{FF2B5EF4-FFF2-40B4-BE49-F238E27FC236}">
+                <a16:creationId xmlns:a16="http://schemas.microsoft.com/office/drawing/2014/main" id="{D4BDFB7C-3778-4001-B3F6-030415CEC7A0}"/>
+              </a:ext>
+            </a:extLst>
+          </p:cNvPr>
+          <p:cNvCxnSpPr>
+            <a:cxnSpLocks/>
+            <a:stCxn id="4" idx="3"/>
+            <a:endCxn id="21" idx="2"/>
+          </p:cNvCxnSpPr>
+          <p:nvPr/>
+        </p:nvCxnSpPr>
+        <p:spPr>
+          <a:xfrm flipH="1">
+            <a:off x="5261390" y="3253182"/>
+            <a:ext cx="3592570" cy="2989325"/>
+          </a:xfrm>
+          <a:prstGeom prst="bentConnector4">
+            <a:avLst>
+              <a:gd name="adj1" fmla="val -35489"/>
+              <a:gd name="adj2" fmla="val 107647"/>
+            </a:avLst>
+          </a:prstGeom>
+          <a:ln>
+            <a:tailEnd type="triangle"/>
+          </a:ln>
+        </p:spPr>
+        <p:style>
+          <a:lnRef idx="1">
+            <a:schemeClr val="accent4"/>
+          </a:lnRef>
+          <a:fillRef idx="3">
+            <a:schemeClr val="accent4"/>
+          </a:fillRef>
+          <a:effectRef idx="2">
+            <a:schemeClr val="accent4"/>
+          </a:effectRef>
+          <a:fontRef idx="minor">
+            <a:schemeClr val="lt1"/>
+          </a:fontRef>
+        </p:style>
+      </p:cxnSp>
+      <p:cxnSp>
+        <p:nvCxnSpPr>
+          <p:cNvPr id="30" name="Connector: Elbow 29">
+            <a:extLst>
+              <a:ext uri="{FF2B5EF4-FFF2-40B4-BE49-F238E27FC236}">
+                <a16:creationId xmlns:a16="http://schemas.microsoft.com/office/drawing/2014/main" id="{44E2C061-DE68-47C2-9F99-4A74E3E359FF}"/>
+              </a:ext>
+            </a:extLst>
+          </p:cNvPr>
+          <p:cNvCxnSpPr>
+            <a:cxnSpLocks/>
+            <a:stCxn id="18" idx="0"/>
+            <a:endCxn id="16" idx="1"/>
+          </p:cNvCxnSpPr>
+          <p:nvPr/>
+        </p:nvCxnSpPr>
+        <p:spPr>
+          <a:xfrm rot="5400000" flipH="1" flipV="1">
+            <a:off x="1965266" y="2405054"/>
+            <a:ext cx="2375751" cy="1702609"/>
+          </a:xfrm>
+          <a:prstGeom prst="bentConnector2">
+            <a:avLst/>
+          </a:prstGeom>
+          <a:ln>
+            <a:headEnd type="none" w="med" len="med"/>
+            <a:tailEnd type="arrow" w="med" len="med"/>
+          </a:ln>
+        </p:spPr>
+        <p:style>
+          <a:lnRef idx="1">
+            <a:schemeClr val="accent4"/>
+          </a:lnRef>
+          <a:fillRef idx="3">
+            <a:schemeClr val="accent4"/>
+          </a:fillRef>
+          <a:effectRef idx="2">
+            <a:schemeClr val="accent4"/>
+          </a:effectRef>
+          <a:fontRef idx="minor">
+            <a:schemeClr val="lt1"/>
+          </a:fontRef>
+        </p:style>
+      </p:cxnSp>
+      <p:cxnSp>
+        <p:nvCxnSpPr>
+          <p:cNvPr id="37" name="Connector: Elbow 36">
+            <a:extLst>
+              <a:ext uri="{FF2B5EF4-FFF2-40B4-BE49-F238E27FC236}">
+                <a16:creationId xmlns:a16="http://schemas.microsoft.com/office/drawing/2014/main" id="{1E5A5D9B-0625-464C-BA70-CA203D30E5DD}"/>
+              </a:ext>
+            </a:extLst>
+          </p:cNvPr>
+          <p:cNvCxnSpPr>
+            <a:cxnSpLocks/>
+            <a:stCxn id="18" idx="3"/>
+            <a:endCxn id="17" idx="1"/>
+          </p:cNvCxnSpPr>
+          <p:nvPr/>
+        </p:nvCxnSpPr>
+        <p:spPr>
+          <a:xfrm flipV="1">
+            <a:off x="3300700" y="3253182"/>
+            <a:ext cx="697395" cy="1571200"/>
+          </a:xfrm>
+          <a:prstGeom prst="bentConnector3">
+            <a:avLst>
+              <a:gd name="adj1" fmla="val 50000"/>
+            </a:avLst>
+          </a:prstGeom>
+          <a:ln>
+            <a:headEnd type="none" w="med" len="med"/>
+            <a:tailEnd type="arrow" w="med" len="med"/>
+          </a:ln>
+        </p:spPr>
+        <p:style>
+          <a:lnRef idx="1">
+            <a:schemeClr val="accent4"/>
+          </a:lnRef>
+          <a:fillRef idx="3">
+            <a:schemeClr val="accent4"/>
+          </a:fillRef>
+          <a:effectRef idx="2">
+            <a:schemeClr val="accent4"/>
+          </a:effectRef>
+          <a:fontRef idx="minor">
+            <a:schemeClr val="lt1"/>
+          </a:fontRef>
+        </p:style>
+      </p:cxnSp>
+      <p:cxnSp>
+        <p:nvCxnSpPr>
+          <p:cNvPr id="48" name="Connector: Elbow 47">
+            <a:extLst>
+              <a:ext uri="{FF2B5EF4-FFF2-40B4-BE49-F238E27FC236}">
+                <a16:creationId xmlns:a16="http://schemas.microsoft.com/office/drawing/2014/main" id="{C0E0D3EE-E2DD-41F0-B06B-B400E5C23EA1}"/>
+              </a:ext>
+            </a:extLst>
+          </p:cNvPr>
+          <p:cNvCxnSpPr>
+            <a:cxnSpLocks/>
+            <a:stCxn id="19" idx="1"/>
+            <a:endCxn id="17" idx="2"/>
+          </p:cNvCxnSpPr>
+          <p:nvPr/>
+        </p:nvCxnSpPr>
+        <p:spPr>
+          <a:xfrm rot="10800000">
+            <a:off x="4996960" y="3633331"/>
+            <a:ext cx="1661311" cy="1184701"/>
+          </a:xfrm>
+          <a:prstGeom prst="bentConnector2">
+            <a:avLst/>
+          </a:prstGeom>
+          <a:ln>
+            <a:headEnd type="none" w="med" len="med"/>
+            <a:tailEnd type="arrow" w="med" len="med"/>
+          </a:ln>
+        </p:spPr>
+        <p:style>
+          <a:lnRef idx="1">
+            <a:schemeClr val="accent4"/>
+          </a:lnRef>
+          <a:fillRef idx="3">
+            <a:schemeClr val="accent4"/>
+          </a:fillRef>
+          <a:effectRef idx="2">
+            <a:schemeClr val="accent4"/>
+          </a:effectRef>
+          <a:fontRef idx="minor">
+            <a:schemeClr val="lt1"/>
+          </a:fontRef>
+        </p:style>
+      </p:cxnSp>
+      <p:cxnSp>
+        <p:nvCxnSpPr>
+          <p:cNvPr id="60" name="Connector: Elbow 59">
+            <a:extLst>
+              <a:ext uri="{FF2B5EF4-FFF2-40B4-BE49-F238E27FC236}">
+                <a16:creationId xmlns:a16="http://schemas.microsoft.com/office/drawing/2014/main" id="{373256F7-382C-4CB5-AF49-F48F681B0D5E}"/>
+              </a:ext>
+            </a:extLst>
+          </p:cNvPr>
+          <p:cNvCxnSpPr>
+            <a:cxnSpLocks/>
+            <a:stCxn id="19" idx="0"/>
+            <a:endCxn id="4" idx="2"/>
+          </p:cNvCxnSpPr>
+          <p:nvPr/>
+        </p:nvCxnSpPr>
+        <p:spPr>
+          <a:xfrm rot="5400000" flipH="1" flipV="1">
+            <a:off x="7353839" y="3936625"/>
+            <a:ext cx="804552" cy="197963"/>
+          </a:xfrm>
+          <a:prstGeom prst="bentConnector3">
+            <a:avLst>
+              <a:gd name="adj1" fmla="val 50000"/>
+            </a:avLst>
+          </a:prstGeom>
+          <a:ln>
+            <a:headEnd type="none" w="med" len="med"/>
+            <a:tailEnd type="arrow" w="med" len="med"/>
+          </a:ln>
+        </p:spPr>
+        <p:style>
+          <a:lnRef idx="1">
+            <a:schemeClr val="accent4"/>
+          </a:lnRef>
+          <a:fillRef idx="3">
+            <a:schemeClr val="accent4"/>
+          </a:fillRef>
+          <a:effectRef idx="2">
+            <a:schemeClr val="accent4"/>
+          </a:effectRef>
+          <a:fontRef idx="minor">
+            <a:schemeClr val="lt1"/>
+          </a:fontRef>
+        </p:style>
+      </p:cxnSp>
+      <p:sp>
+        <p:nvSpPr>
+          <p:cNvPr id="124" name="TextBox 123">
+            <a:extLst>
+              <a:ext uri="{FF2B5EF4-FFF2-40B4-BE49-F238E27FC236}">
+                <a16:creationId xmlns:a16="http://schemas.microsoft.com/office/drawing/2014/main" id="{7C47D7B5-FA57-4BF0-8314-2D2169F12311}"/>
+              </a:ext>
+            </a:extLst>
+          </p:cNvPr>
+          <p:cNvSpPr txBox="1"/>
+          <p:nvPr/>
+        </p:nvSpPr>
+        <p:spPr>
+          <a:xfrm>
+            <a:off x="3998095" y="1308184"/>
+            <a:ext cx="2262158" cy="369332"/>
+          </a:xfrm>
+          <a:prstGeom prst="rect">
+            <a:avLst/>
+          </a:prstGeom>
+          <a:noFill/>
+        </p:spPr>
+        <p:txBody>
+          <a:bodyPr wrap="none" rtlCol="0">
+            <a:spAutoFit/>
+          </a:bodyPr>
+          <a:lstStyle/>
+          <a:p>
+            <a:r>
+              <a:rPr lang="zh-CN" altLang="en-US" dirty="0"/>
+              <a:t>商品品类，比较固定</a:t>
+            </a:r>
+            <a:endParaRPr lang="en-US" dirty="0"/>
+          </a:p>
+        </p:txBody>
+      </p:sp>
+      <p:sp>
+        <p:nvSpPr>
+          <p:cNvPr id="125" name="TextBox 124">
+            <a:extLst>
+              <a:ext uri="{FF2B5EF4-FFF2-40B4-BE49-F238E27FC236}">
+                <a16:creationId xmlns:a16="http://schemas.microsoft.com/office/drawing/2014/main" id="{29ACC970-42E3-4EB5-8A43-D6905C8AEE7B}"/>
+              </a:ext>
+            </a:extLst>
+          </p:cNvPr>
+          <p:cNvSpPr txBox="1"/>
+          <p:nvPr/>
+        </p:nvSpPr>
+        <p:spPr>
+          <a:xfrm>
+            <a:off x="6721638" y="3614517"/>
+            <a:ext cx="2954655" cy="369332"/>
+          </a:xfrm>
+          <a:prstGeom prst="rect">
+            <a:avLst/>
+          </a:prstGeom>
+          <a:noFill/>
+        </p:spPr>
+        <p:txBody>
+          <a:bodyPr wrap="none" rtlCol="0">
+            <a:spAutoFit/>
+          </a:bodyPr>
+          <a:lstStyle/>
+          <a:p>
+            <a:r>
+              <a:rPr lang="zh-CN" altLang="en-US" dirty="0"/>
+              <a:t>产源供应的产品，区分档次</a:t>
+            </a:r>
+            <a:endParaRPr lang="en-US" dirty="0"/>
+          </a:p>
+        </p:txBody>
+      </p:sp>
+      <p:sp>
+        <p:nvSpPr>
+          <p:cNvPr id="126" name="TextBox 125">
+            <a:extLst>
+              <a:ext uri="{FF2B5EF4-FFF2-40B4-BE49-F238E27FC236}">
+                <a16:creationId xmlns:a16="http://schemas.microsoft.com/office/drawing/2014/main" id="{A57D7ADB-14D1-4E13-9C6D-F603283F7E4F}"/>
+              </a:ext>
+            </a:extLst>
+          </p:cNvPr>
+          <p:cNvSpPr txBox="1"/>
+          <p:nvPr/>
+        </p:nvSpPr>
+        <p:spPr>
+          <a:xfrm>
+            <a:off x="2991331" y="3598004"/>
+            <a:ext cx="3185487" cy="369332"/>
+          </a:xfrm>
+          <a:prstGeom prst="rect">
+            <a:avLst/>
+          </a:prstGeom>
+          <a:noFill/>
+        </p:spPr>
+        <p:txBody>
+          <a:bodyPr wrap="none" rtlCol="0">
+            <a:spAutoFit/>
+          </a:bodyPr>
+          <a:lstStyle/>
+          <a:p>
+            <a:r>
+              <a:rPr lang="zh-CN" altLang="en-US" dirty="0"/>
+              <a:t>产品供应计划，分现货和预售</a:t>
+            </a:r>
+            <a:endParaRPr lang="en-US" dirty="0"/>
+          </a:p>
+        </p:txBody>
+      </p:sp>
+      <p:sp>
+        <p:nvSpPr>
+          <p:cNvPr id="127" name="TextBox 126">
+            <a:extLst>
+              <a:ext uri="{FF2B5EF4-FFF2-40B4-BE49-F238E27FC236}">
+                <a16:creationId xmlns:a16="http://schemas.microsoft.com/office/drawing/2014/main" id="{9317063B-6444-43CB-BF70-97531A8C52EB}"/>
+              </a:ext>
+            </a:extLst>
+          </p:cNvPr>
+          <p:cNvSpPr txBox="1"/>
+          <p:nvPr/>
+        </p:nvSpPr>
+        <p:spPr>
+          <a:xfrm>
+            <a:off x="1169489" y="5198179"/>
+            <a:ext cx="1800493" cy="369332"/>
+          </a:xfrm>
+          <a:prstGeom prst="rect">
+            <a:avLst/>
+          </a:prstGeom>
+          <a:noFill/>
+        </p:spPr>
+        <p:txBody>
+          <a:bodyPr wrap="none" rtlCol="0">
+            <a:spAutoFit/>
+          </a:bodyPr>
+          <a:lstStyle/>
+          <a:p>
+            <a:r>
+              <a:rPr lang="zh-CN" altLang="en-US" dirty="0"/>
+              <a:t>商户点货或预订</a:t>
+            </a:r>
+            <a:endParaRPr lang="en-US" dirty="0"/>
+          </a:p>
+        </p:txBody>
+      </p:sp>
+      <p:sp>
+        <p:nvSpPr>
+          <p:cNvPr id="128" name="TextBox 127">
+            <a:extLst>
+              <a:ext uri="{FF2B5EF4-FFF2-40B4-BE49-F238E27FC236}">
+                <a16:creationId xmlns:a16="http://schemas.microsoft.com/office/drawing/2014/main" id="{AE54261B-7617-443C-BE7F-613A123A84EB}"/>
+              </a:ext>
+            </a:extLst>
+          </p:cNvPr>
+          <p:cNvSpPr txBox="1"/>
+          <p:nvPr/>
+        </p:nvSpPr>
+        <p:spPr>
+          <a:xfrm>
+            <a:off x="6730672" y="5208996"/>
+            <a:ext cx="1800493" cy="369332"/>
+          </a:xfrm>
+          <a:prstGeom prst="rect">
+            <a:avLst/>
+          </a:prstGeom>
+          <a:noFill/>
+        </p:spPr>
+        <p:txBody>
+          <a:bodyPr wrap="none" rtlCol="0">
+            <a:spAutoFit/>
+          </a:bodyPr>
+          <a:lstStyle/>
+          <a:p>
+            <a:r>
+              <a:rPr lang="zh-CN" altLang="en-US" dirty="0"/>
+              <a:t>平台采购或预订</a:t>
+            </a:r>
+            <a:endParaRPr lang="en-US" dirty="0"/>
+          </a:p>
+        </p:txBody>
+      </p:sp>
+      <p:cxnSp>
+        <p:nvCxnSpPr>
+          <p:cNvPr id="140" name="Connector: Elbow 139">
+            <a:extLst>
+              <a:ext uri="{FF2B5EF4-FFF2-40B4-BE49-F238E27FC236}">
+                <a16:creationId xmlns:a16="http://schemas.microsoft.com/office/drawing/2014/main" id="{7897B1F0-E205-4D19-80DA-6C08C63F6BAC}"/>
+              </a:ext>
+            </a:extLst>
+          </p:cNvPr>
+          <p:cNvCxnSpPr>
+            <a:cxnSpLocks/>
+            <a:stCxn id="18" idx="3"/>
+            <a:endCxn id="21" idx="1"/>
+          </p:cNvCxnSpPr>
+          <p:nvPr/>
+        </p:nvCxnSpPr>
+        <p:spPr>
+          <a:xfrm>
+            <a:off x="3300700" y="4824382"/>
+            <a:ext cx="961826" cy="1037977"/>
+          </a:xfrm>
+          <a:prstGeom prst="bentConnector3">
+            <a:avLst>
+              <a:gd name="adj1" fmla="val 50000"/>
+            </a:avLst>
+          </a:prstGeom>
+          <a:ln>
+            <a:tailEnd type="triangle"/>
+          </a:ln>
+        </p:spPr>
+        <p:style>
+          <a:lnRef idx="1">
+            <a:schemeClr val="accent4"/>
+          </a:lnRef>
+          <a:fillRef idx="3">
+            <a:schemeClr val="accent4"/>
+          </a:fillRef>
+          <a:effectRef idx="2">
+            <a:schemeClr val="accent4"/>
+          </a:effectRef>
+          <a:fontRef idx="minor">
+            <a:schemeClr val="lt1"/>
+          </a:fontRef>
+        </p:style>
+      </p:cxnSp>
+      <p:cxnSp>
+        <p:nvCxnSpPr>
+          <p:cNvPr id="143" name="Connector: Elbow 142">
+            <a:extLst>
+              <a:ext uri="{FF2B5EF4-FFF2-40B4-BE49-F238E27FC236}">
+                <a16:creationId xmlns:a16="http://schemas.microsoft.com/office/drawing/2014/main" id="{4AFE39BB-E5C9-4743-84B1-71C3738CD3A1}"/>
+              </a:ext>
+            </a:extLst>
+          </p:cNvPr>
+          <p:cNvCxnSpPr>
+            <a:cxnSpLocks/>
+            <a:stCxn id="19" idx="1"/>
+            <a:endCxn id="21" idx="0"/>
+          </p:cNvCxnSpPr>
+          <p:nvPr/>
+        </p:nvCxnSpPr>
+        <p:spPr>
+          <a:xfrm rot="10800000" flipV="1">
+            <a:off x="5261390" y="4818030"/>
+            <a:ext cx="1396880" cy="664179"/>
+          </a:xfrm>
+          <a:prstGeom prst="bentConnector2">
+            <a:avLst/>
+          </a:prstGeom>
+          <a:ln>
+            <a:tailEnd type="triangle"/>
+          </a:ln>
+        </p:spPr>
+        <p:style>
+          <a:lnRef idx="1">
+            <a:schemeClr val="accent4"/>
+          </a:lnRef>
+          <a:fillRef idx="3">
+            <a:schemeClr val="accent4"/>
+          </a:fillRef>
+          <a:effectRef idx="2">
+            <a:schemeClr val="accent4"/>
+          </a:effectRef>
+          <a:fontRef idx="minor">
+            <a:schemeClr val="lt1"/>
+          </a:fontRef>
+        </p:style>
+      </p:cxnSp>
+    </p:spTree>
+    <p:extLst>
+      <p:ext uri="{BB962C8B-B14F-4D97-AF65-F5344CB8AC3E}">
+        <p14:creationId xmlns:p14="http://schemas.microsoft.com/office/powerpoint/2010/main" val="2463084370"/>
+      </p:ext>
+    </p:extLst>
+  </p:cSld>
+  <p:clrMapOvr>
+    <a:masterClrMapping/>
+  </p:clrMapOvr>
+  <mc:AlternateContent xmlns:mc="http://schemas.openxmlformats.org/markup-compatibility/2006" xmlns:p14="http://schemas.microsoft.com/office/powerpoint/2010/main">
+    <mc:Choice Requires="p14">
+      <p:transition spd="med" p14:dur="700">
+        <p:fade/>
+      </p:transition>
+    </mc:Choice>
+    <mc:Fallback xmlns="">
+      <p:transition spd="med">
+        <p:fade/>
+      </p:transition>
+    </mc:Fallback>
+  </mc:AlternateContent>
+</p:sld>
+</file>
+
+<file path=ppt/slides/slide9.xml><?xml version="1.0" encoding="utf-8"?>
+<p:sld xmlns:a="http://schemas.openxmlformats.org/drawingml/2006/main" xmlns:r="http://schemas.openxmlformats.org/officeDocument/2006/relationships" xmlns:p="http://schemas.openxmlformats.org/presentationml/2006/main">
+  <p:cSld>
+    <p:spTree>
+      <p:nvGrpSpPr>
+        <p:cNvPr id="1" name=""/>
+        <p:cNvGrpSpPr/>
+        <p:nvPr/>
+      </p:nvGrpSpPr>
+      <p:grpSpPr>
+        <a:xfrm>
+          <a:off x="0" y="0"/>
+          <a:ext cx="0" cy="0"/>
+          <a:chOff x="0" y="0"/>
+          <a:chExt cx="0" cy="0"/>
+        </a:xfrm>
+      </p:grpSpPr>
+      <p:sp>
+        <p:nvSpPr>
+          <p:cNvPr id="2" name="Title 1">
+            <a:extLst>
+              <a:ext uri="{FF2B5EF4-FFF2-40B4-BE49-F238E27FC236}">
+                <a16:creationId xmlns:a16="http://schemas.microsoft.com/office/drawing/2014/main" id="{636BE4CC-F272-44D5-A23A-F52F9EA4F6D8}"/>
+              </a:ext>
+            </a:extLst>
+          </p:cNvPr>
+          <p:cNvSpPr>
+            <a:spLocks noGrp="1"/>
+          </p:cNvSpPr>
+          <p:nvPr>
+            <p:ph type="title"/>
+          </p:nvPr>
+        </p:nvSpPr>
+        <p:spPr/>
+        <p:txBody>
+          <a:bodyPr/>
+          <a:lstStyle/>
+          <a:p>
+            <a:r>
+              <a:rPr lang="zh-CN" altLang="en-US" dirty="0">
                 <a:latin typeface="微软雅黑" panose="020B0503020204020204" pitchFamily="34" charset="-122"/>
                 <a:ea typeface="微软雅黑" panose="020B0503020204020204" pitchFamily="34" charset="-122"/>
               </a:rPr>
@@ -14186,6 +15415,33 @@
               <a:latin typeface="微软雅黑" panose="020B0503020204020204" pitchFamily="34" charset="-122"/>
               <a:ea typeface="微软雅黑" panose="020B0503020204020204" pitchFamily="34" charset="-122"/>
             </a:endParaRPr>
+          </a:p>
+        </p:txBody>
+      </p:sp>
+      <p:sp>
+        <p:nvSpPr>
+          <p:cNvPr id="13" name="Content Placeholder 12">
+            <a:extLst>
+              <a:ext uri="{FF2B5EF4-FFF2-40B4-BE49-F238E27FC236}">
+                <a16:creationId xmlns:a16="http://schemas.microsoft.com/office/drawing/2014/main" id="{A427FB50-1FF8-45BF-8E9F-8FD174D6DB18}"/>
+              </a:ext>
+            </a:extLst>
+          </p:cNvPr>
+          <p:cNvSpPr>
+            <a:spLocks noGrp="1"/>
+          </p:cNvSpPr>
+          <p:nvPr>
+            <p:ph sz="half" idx="1"/>
+          </p:nvPr>
+        </p:nvSpPr>
+        <p:spPr/>
+        <p:txBody>
+          <a:bodyPr>
+            <a:normAutofit fontScale="92500"/>
+          </a:bodyPr>
+          <a:lstStyle/>
+          <a:p>
+            <a:endParaRPr lang="en-US"/>
           </a:p>
         </p:txBody>
       </p:sp>
@@ -14208,7 +15464,7 @@
         <p:spPr/>
         <p:txBody>
           <a:bodyPr>
-            <a:normAutofit/>
+            <a:normAutofit fontScale="92500"/>
           </a:bodyPr>
           <a:lstStyle/>
           <a:p>
@@ -14348,61 +15604,6 @@
           </a:p>
         </p:txBody>
       </p:sp>
-      <p:pic>
-        <p:nvPicPr>
-          <p:cNvPr id="12" name="Picture 11">
-            <a:extLst>
-              <a:ext uri="{FF2B5EF4-FFF2-40B4-BE49-F238E27FC236}">
-                <a16:creationId xmlns:a16="http://schemas.microsoft.com/office/drawing/2014/main" id="{1CF46F58-90F8-4301-AFFF-62FA7F4F6488}"/>
-              </a:ext>
-            </a:extLst>
-          </p:cNvPr>
-          <p:cNvPicPr>
-            <a:picLocks noChangeAspect="1"/>
-          </p:cNvPicPr>
-          <p:nvPr/>
-        </p:nvPicPr>
-        <p:blipFill>
-          <a:blip r:embed="rId2"/>
-          <a:stretch>
-            <a:fillRect/>
-          </a:stretch>
-        </p:blipFill>
-        <p:spPr>
-          <a:xfrm>
-            <a:off x="9961381" y="0"/>
-            <a:ext cx="1322502" cy="1322502"/>
-          </a:xfrm>
-          <a:prstGeom prst="rect">
-            <a:avLst/>
-          </a:prstGeom>
-        </p:spPr>
-      </p:pic>
-      <p:sp>
-        <p:nvSpPr>
-          <p:cNvPr id="13" name="Content Placeholder 12">
-            <a:extLst>
-              <a:ext uri="{FF2B5EF4-FFF2-40B4-BE49-F238E27FC236}">
-                <a16:creationId xmlns:a16="http://schemas.microsoft.com/office/drawing/2014/main" id="{A427FB50-1FF8-45BF-8E9F-8FD174D6DB18}"/>
-              </a:ext>
-            </a:extLst>
-          </p:cNvPr>
-          <p:cNvSpPr>
-            <a:spLocks noGrp="1"/>
-          </p:cNvSpPr>
-          <p:nvPr>
-            <p:ph sz="half" idx="1"/>
-          </p:nvPr>
-        </p:nvSpPr>
-        <p:spPr/>
-        <p:txBody>
-          <a:bodyPr/>
-          <a:lstStyle/>
-          <a:p>
-            <a:endParaRPr lang="en-US"/>
-          </a:p>
-        </p:txBody>
-      </p:sp>
     </p:spTree>
     <p:extLst>
       <p:ext uri="{BB962C8B-B14F-4D97-AF65-F5344CB8AC3E}">
@@ -14428,383 +15629,94 @@
 </p:sld>
 </file>
 
-<file path=ppt/slides/slide8.xml><?xml version="1.0" encoding="utf-8"?>
-<p:sld xmlns:a="http://schemas.openxmlformats.org/drawingml/2006/main" xmlns:r="http://schemas.openxmlformats.org/officeDocument/2006/relationships" xmlns:p="http://schemas.openxmlformats.org/presentationml/2006/main">
-  <p:cSld>
-    <p:spTree>
-      <p:nvGrpSpPr>
-        <p:cNvPr id="1" name=""/>
-        <p:cNvGrpSpPr/>
-        <p:nvPr/>
-      </p:nvGrpSpPr>
-      <p:grpSpPr>
-        <a:xfrm>
-          <a:off x="0" y="0"/>
-          <a:ext cx="0" cy="0"/>
-          <a:chOff x="0" y="0"/>
-          <a:chExt cx="0" cy="0"/>
-        </a:xfrm>
-      </p:grpSpPr>
-      <p:sp>
-        <p:nvSpPr>
-          <p:cNvPr id="2" name="Title 1">
-            <a:extLst>
-              <a:ext uri="{FF2B5EF4-FFF2-40B4-BE49-F238E27FC236}">
-                <a16:creationId xmlns:a16="http://schemas.microsoft.com/office/drawing/2014/main" id="{636BE4CC-F272-44D5-A23A-F52F9EA4F6D8}"/>
-              </a:ext>
-            </a:extLst>
-          </p:cNvPr>
-          <p:cNvSpPr>
-            <a:spLocks noGrp="1"/>
-          </p:cNvSpPr>
-          <p:nvPr>
-            <p:ph type="title"/>
-          </p:nvPr>
-        </p:nvSpPr>
-        <p:spPr/>
-        <p:txBody>
-          <a:bodyPr/>
-          <a:lstStyle/>
-          <a:p>
-            <a:r>
-              <a:rPr lang="zh-CN" altLang="en-US" dirty="0">
-                <a:latin typeface="微软雅黑" panose="020B0503020204020204" pitchFamily="34" charset="-122"/>
-                <a:ea typeface="微软雅黑" panose="020B0503020204020204" pitchFamily="34" charset="-122"/>
-              </a:rPr>
-              <a:t>产品溯源</a:t>
-            </a:r>
-            <a:endParaRPr lang="en-US" dirty="0">
-              <a:latin typeface="微软雅黑" panose="020B0503020204020204" pitchFamily="34" charset="-122"/>
-              <a:ea typeface="微软雅黑" panose="020B0503020204020204" pitchFamily="34" charset="-122"/>
-            </a:endParaRPr>
-          </a:p>
-        </p:txBody>
-      </p:sp>
-      <p:sp>
-        <p:nvSpPr>
-          <p:cNvPr id="5" name="Content Placeholder 4">
-            <a:extLst>
-              <a:ext uri="{FF2B5EF4-FFF2-40B4-BE49-F238E27FC236}">
-                <a16:creationId xmlns:a16="http://schemas.microsoft.com/office/drawing/2014/main" id="{05E3C5A5-0E4F-4ADB-B9AA-856B07F8EF35}"/>
-              </a:ext>
-            </a:extLst>
-          </p:cNvPr>
-          <p:cNvSpPr>
-            <a:spLocks noGrp="1"/>
-          </p:cNvSpPr>
-          <p:nvPr>
-            <p:ph sz="half" idx="2"/>
-          </p:nvPr>
-        </p:nvSpPr>
-        <p:spPr/>
-        <p:txBody>
-          <a:bodyPr>
-            <a:normAutofit/>
-          </a:bodyPr>
-          <a:lstStyle/>
-          <a:p>
-            <a:endParaRPr lang="en-US" dirty="0">
-              <a:latin typeface="微软雅黑" panose="020B0503020204020204" pitchFamily="34" charset="-122"/>
-              <a:ea typeface="微软雅黑" panose="020B0503020204020204" pitchFamily="34" charset="-122"/>
-            </a:endParaRPr>
-          </a:p>
-        </p:txBody>
-      </p:sp>
-      <p:sp>
-        <p:nvSpPr>
-          <p:cNvPr id="3" name="Content Placeholder 2">
-            <a:extLst>
-              <a:ext uri="{FF2B5EF4-FFF2-40B4-BE49-F238E27FC236}">
-                <a16:creationId xmlns:a16="http://schemas.microsoft.com/office/drawing/2014/main" id="{73B2469D-334F-4202-A694-86DA87648D01}"/>
-              </a:ext>
-            </a:extLst>
-          </p:cNvPr>
-          <p:cNvSpPr>
-            <a:spLocks noGrp="1"/>
-          </p:cNvSpPr>
-          <p:nvPr>
-            <p:ph sz="half" idx="1"/>
-          </p:nvPr>
-        </p:nvSpPr>
-        <p:spPr/>
-        <p:txBody>
-          <a:bodyPr/>
-          <a:lstStyle/>
-          <a:p>
-            <a:endParaRPr lang="en-US" dirty="0"/>
-          </a:p>
-        </p:txBody>
-      </p:sp>
-      <p:pic>
-        <p:nvPicPr>
-          <p:cNvPr id="6" name="Picture 5">
-            <a:extLst>
-              <a:ext uri="{FF2B5EF4-FFF2-40B4-BE49-F238E27FC236}">
-                <a16:creationId xmlns:a16="http://schemas.microsoft.com/office/drawing/2014/main" id="{36D5C435-5E0D-4760-AF25-CCE3C5A8C2FF}"/>
-              </a:ext>
-            </a:extLst>
-          </p:cNvPr>
-          <p:cNvPicPr>
-            <a:picLocks noChangeAspect="1"/>
-          </p:cNvPicPr>
-          <p:nvPr/>
-        </p:nvPicPr>
-        <p:blipFill>
-          <a:blip r:embed="rId2"/>
-          <a:stretch>
-            <a:fillRect/>
-          </a:stretch>
-        </p:blipFill>
-        <p:spPr>
-          <a:xfrm>
-            <a:off x="9961381" y="0"/>
-            <a:ext cx="1322502" cy="1322502"/>
-          </a:xfrm>
-          <a:prstGeom prst="rect">
-            <a:avLst/>
-          </a:prstGeom>
-        </p:spPr>
-      </p:pic>
-    </p:spTree>
-    <p:extLst>
-      <p:ext uri="{BB962C8B-B14F-4D97-AF65-F5344CB8AC3E}">
-        <p14:creationId xmlns:p14="http://schemas.microsoft.com/office/powerpoint/2010/main" val="2626159630"/>
-      </p:ext>
-    </p:extLst>
-  </p:cSld>
-  <p:clrMapOvr>
-    <a:masterClrMapping/>
-  </p:clrMapOvr>
-  <mc:AlternateContent xmlns:mc="http://schemas.openxmlformats.org/markup-compatibility/2006" xmlns:p14="http://schemas.microsoft.com/office/powerpoint/2010/main">
-    <mc:Choice Requires="p14">
-      <p:transition spd="med" p14:dur="700">
-        <p:fade/>
-      </p:transition>
-    </mc:Choice>
-    <mc:Fallback xmlns="">
-      <p:transition spd="med">
-        <p:fade/>
-      </p:transition>
-    </mc:Fallback>
-  </mc:AlternateContent>
-</p:sld>
-</file>
-
-<file path=ppt/slides/slide9.xml><?xml version="1.0" encoding="utf-8"?>
-<p:sld xmlns:a="http://schemas.openxmlformats.org/drawingml/2006/main" xmlns:r="http://schemas.openxmlformats.org/officeDocument/2006/relationships" xmlns:p="http://schemas.openxmlformats.org/presentationml/2006/main">
-  <p:cSld>
-    <p:spTree>
-      <p:nvGrpSpPr>
-        <p:cNvPr id="1" name=""/>
-        <p:cNvGrpSpPr/>
-        <p:nvPr/>
-      </p:nvGrpSpPr>
-      <p:grpSpPr>
-        <a:xfrm>
-          <a:off x="0" y="0"/>
-          <a:ext cx="0" cy="0"/>
-          <a:chOff x="0" y="0"/>
-          <a:chExt cx="0" cy="0"/>
-        </a:xfrm>
-      </p:grpSpPr>
-      <p:sp>
-        <p:nvSpPr>
-          <p:cNvPr id="2" name="Title 1">
-            <a:extLst>
-              <a:ext uri="{FF2B5EF4-FFF2-40B4-BE49-F238E27FC236}">
-                <a16:creationId xmlns:a16="http://schemas.microsoft.com/office/drawing/2014/main" id="{636BE4CC-F272-44D5-A23A-F52F9EA4F6D8}"/>
-              </a:ext>
-            </a:extLst>
-          </p:cNvPr>
-          <p:cNvSpPr>
-            <a:spLocks noGrp="1"/>
-          </p:cNvSpPr>
-          <p:nvPr>
-            <p:ph type="title"/>
-          </p:nvPr>
-        </p:nvSpPr>
-        <p:spPr/>
-        <p:txBody>
-          <a:bodyPr/>
-          <a:lstStyle/>
-          <a:p>
-            <a:r>
-              <a:rPr lang="zh-CN" altLang="en-US" dirty="0">
-                <a:latin typeface="微软雅黑" panose="020B0503020204020204" pitchFamily="34" charset="-122"/>
-                <a:ea typeface="微软雅黑" panose="020B0503020204020204" pitchFamily="34" charset="-122"/>
-              </a:rPr>
-              <a:t>主体信用积分</a:t>
-            </a:r>
-            <a:endParaRPr lang="en-US" dirty="0">
-              <a:latin typeface="微软雅黑" panose="020B0503020204020204" pitchFamily="34" charset="-122"/>
-              <a:ea typeface="微软雅黑" panose="020B0503020204020204" pitchFamily="34" charset="-122"/>
-            </a:endParaRPr>
-          </a:p>
-        </p:txBody>
-      </p:sp>
-      <p:sp>
-        <p:nvSpPr>
-          <p:cNvPr id="5" name="Content Placeholder 4">
-            <a:extLst>
-              <a:ext uri="{FF2B5EF4-FFF2-40B4-BE49-F238E27FC236}">
-                <a16:creationId xmlns:a16="http://schemas.microsoft.com/office/drawing/2014/main" id="{05E3C5A5-0E4F-4ADB-B9AA-856B07F8EF35}"/>
-              </a:ext>
-            </a:extLst>
-          </p:cNvPr>
-          <p:cNvSpPr>
-            <a:spLocks noGrp="1"/>
-          </p:cNvSpPr>
-          <p:nvPr>
-            <p:ph sz="half" idx="2"/>
-          </p:nvPr>
-        </p:nvSpPr>
-        <p:spPr/>
-        <p:txBody>
-          <a:bodyPr>
-            <a:normAutofit/>
-          </a:bodyPr>
-          <a:lstStyle/>
-          <a:p>
-            <a:endParaRPr lang="en-US" dirty="0">
-              <a:latin typeface="微软雅黑" panose="020B0503020204020204" pitchFamily="34" charset="-122"/>
-              <a:ea typeface="微软雅黑" panose="020B0503020204020204" pitchFamily="34" charset="-122"/>
-            </a:endParaRPr>
-          </a:p>
-        </p:txBody>
-      </p:sp>
-      <p:sp>
-        <p:nvSpPr>
-          <p:cNvPr id="3" name="Content Placeholder 2">
-            <a:extLst>
-              <a:ext uri="{FF2B5EF4-FFF2-40B4-BE49-F238E27FC236}">
-                <a16:creationId xmlns:a16="http://schemas.microsoft.com/office/drawing/2014/main" id="{73B2469D-334F-4202-A694-86DA87648D01}"/>
-              </a:ext>
-            </a:extLst>
-          </p:cNvPr>
-          <p:cNvSpPr>
-            <a:spLocks noGrp="1"/>
-          </p:cNvSpPr>
-          <p:nvPr>
-            <p:ph sz="half" idx="1"/>
-          </p:nvPr>
-        </p:nvSpPr>
-        <p:spPr/>
-        <p:txBody>
-          <a:bodyPr/>
-          <a:lstStyle/>
-          <a:p>
-            <a:endParaRPr lang="en-US"/>
-          </a:p>
-        </p:txBody>
-      </p:sp>
-      <p:pic>
-        <p:nvPicPr>
-          <p:cNvPr id="6" name="Picture 5">
-            <a:extLst>
-              <a:ext uri="{FF2B5EF4-FFF2-40B4-BE49-F238E27FC236}">
-                <a16:creationId xmlns:a16="http://schemas.microsoft.com/office/drawing/2014/main" id="{2164E7A3-26B3-413D-893E-1335D867AEC0}"/>
-              </a:ext>
-            </a:extLst>
-          </p:cNvPr>
-          <p:cNvPicPr>
-            <a:picLocks noChangeAspect="1"/>
-          </p:cNvPicPr>
-          <p:nvPr/>
-        </p:nvPicPr>
-        <p:blipFill>
-          <a:blip r:embed="rId2"/>
-          <a:stretch>
-            <a:fillRect/>
-          </a:stretch>
-        </p:blipFill>
-        <p:spPr>
-          <a:xfrm>
-            <a:off x="9961381" y="0"/>
-            <a:ext cx="1322502" cy="1322502"/>
-          </a:xfrm>
-          <a:prstGeom prst="rect">
-            <a:avLst/>
-          </a:prstGeom>
-        </p:spPr>
-      </p:pic>
-    </p:spTree>
-    <p:extLst>
-      <p:ext uri="{BB962C8B-B14F-4D97-AF65-F5344CB8AC3E}">
-        <p14:creationId xmlns:p14="http://schemas.microsoft.com/office/powerpoint/2010/main" val="1481209123"/>
-      </p:ext>
-    </p:extLst>
-  </p:cSld>
-  <p:clrMapOvr>
-    <a:masterClrMapping/>
-  </p:clrMapOvr>
-  <mc:AlternateContent xmlns:mc="http://schemas.openxmlformats.org/markup-compatibility/2006" xmlns:p14="http://schemas.microsoft.com/office/powerpoint/2010/main">
-    <mc:Choice Requires="p14">
-      <p:transition spd="med" p14:dur="700">
-        <p:fade/>
-      </p:transition>
-    </mc:Choice>
-    <mc:Fallback xmlns="">
-      <p:transition spd="med">
-        <p:fade/>
-      </p:transition>
-    </mc:Fallback>
-  </mc:AlternateContent>
-</p:sld>
-</file>
-
 <file path=ppt/theme/theme1.xml><?xml version="1.0" encoding="utf-8"?>
-<a:theme xmlns:a="http://schemas.openxmlformats.org/drawingml/2006/main" name="View">
+<a:theme xmlns:a="http://schemas.openxmlformats.org/drawingml/2006/main" name="Office Theme">
   <a:themeElements>
-    <a:clrScheme name="View">
+    <a:clrScheme name="Office Theme">
       <a:dk1>
-        <a:srgbClr val="000000"/>
+        <a:sysClr val="windowText" lastClr="000000"/>
       </a:dk1>
       <a:lt1>
-        <a:srgbClr val="FFFFFF"/>
+        <a:sysClr val="window" lastClr="FFFFFF"/>
       </a:lt1>
       <a:dk2>
-        <a:srgbClr val="46464A"/>
+        <a:srgbClr val="44546A"/>
       </a:dk2>
       <a:lt2>
-        <a:srgbClr val="D6D3CC"/>
+        <a:srgbClr val="E7E6E6"/>
       </a:lt2>
       <a:accent1>
-        <a:srgbClr val="6F6F74"/>
+        <a:srgbClr val="1D9A78"/>
       </a:accent1>
       <a:accent2>
-        <a:srgbClr val="92A9B9"/>
+        <a:srgbClr val="8BC145"/>
       </a:accent2>
       <a:accent3>
-        <a:srgbClr val="A7B789"/>
+        <a:srgbClr val="36AFCE"/>
       </a:accent3>
       <a:accent4>
-        <a:srgbClr val="B9A489"/>
+        <a:srgbClr val="1D6FA9"/>
       </a:accent4>
       <a:accent5>
-        <a:srgbClr val="8D6374"/>
+        <a:srgbClr val="B74919"/>
       </a:accent5>
       <a:accent6>
-        <a:srgbClr val="9B7362"/>
+        <a:srgbClr val="F19D19"/>
       </a:accent6>
       <a:hlink>
-        <a:srgbClr val="67AABF"/>
+        <a:srgbClr val="0563C1"/>
       </a:hlink>
       <a:folHlink>
-        <a:srgbClr val="ABAFA5"/>
+        <a:srgbClr val="954F72"/>
       </a:folHlink>
     </a:clrScheme>
-    <a:fontScheme name="View">
+    <a:fontScheme name="Office Theme">
       <a:majorFont>
-        <a:latin typeface="Century Schoolbook" panose="02040604050505020304"/>
+        <a:latin typeface="Calibri Light" panose="020F0302020204030204"/>
         <a:ea typeface=""/>
         <a:cs typeface=""/>
-        <a:font script="Jpan" typeface="ＭＳ ゴシック"/>
+        <a:font script="Jpan" typeface="游ゴシック Light"/>
         <a:font script="Hang" typeface="맑은 고딕"/>
-        <a:font script="Hans" typeface="宋体"/>
+        <a:font script="Hans" typeface="等线 Light"/>
         <a:font script="Hant" typeface="新細明體"/>
-        <a:font script="Arab" typeface="Tahoma"/>
-        <a:font script="Hebr" typeface="Gisha"/>
-        <a:font script="Thai" typeface="DilleniaUPC"/>
+        <a:font script="Arab" typeface="Times New Roman"/>
+        <a:font script="Hebr" typeface="Times New Roman"/>
+        <a:font script="Thai" typeface="Angsana New"/>
+        <a:font script="Ethi" typeface="Nyala"/>
+        <a:font script="Beng" typeface="Vrinda"/>
+        <a:font script="Gujr" typeface="Shruti"/>
+        <a:font script="Khmr" typeface="MoolBoran"/>
+        <a:font script="Knda" typeface="Tunga"/>
+        <a:font script="Guru" typeface="Raavi"/>
+        <a:font script="Cans" typeface="Euphemia"/>
+        <a:font script="Cher" typeface="Plantagenet Cherokee"/>
+        <a:font script="Yiii" typeface="Microsoft Yi Baiti"/>
+        <a:font script="Tibt" typeface="Microsoft Himalaya"/>
+        <a:font script="Thaa" typeface="MV Boli"/>
+        <a:font script="Deva" typeface="Mangal"/>
+        <a:font script="Telu" typeface="Gautami"/>
+        <a:font script="Taml" typeface="Latha"/>
+        <a:font script="Syrc" typeface="Estrangelo Edessa"/>
+        <a:font script="Orya" typeface="Kalinga"/>
+        <a:font script="Mlym" typeface="Kartika"/>
+        <a:font script="Laoo" typeface="DokChampa"/>
+        <a:font script="Sinh" typeface="Iskoola Pota"/>
+        <a:font script="Mong" typeface="Mongolian Baiti"/>
+        <a:font script="Viet" typeface="Times New Roman"/>
+        <a:font script="Uigh" typeface="Microsoft Uighur"/>
+        <a:font script="Geor" typeface="Sylfaen"/>
+      </a:majorFont>
+      <a:minorFont>
+        <a:latin typeface="Calibri" panose="020F0502020204030204"/>
+        <a:ea typeface=""/>
+        <a:cs typeface=""/>
+        <a:font script="Jpan" typeface="游ゴシック"/>
+        <a:font script="Hang" typeface="맑은 고딕"/>
+        <a:font script="Hans" typeface="等线"/>
+        <a:font script="Hant" typeface="新細明體"/>
+        <a:font script="Arab" typeface="Arial"/>
+        <a:font script="Hebr" typeface="Arial"/>
+        <a:font script="Thai" typeface="Cordia New"/>
         <a:font script="Ethi" typeface="Nyala"/>
         <a:font script="Beng" typeface="Vrinda"/>
         <a:font script="Gujr" typeface="Shruti"/>
@@ -14825,86 +15737,90 @@
         <a:font script="Laoo" typeface="DokChampa"/>
         <a:font script="Sinh" typeface="Iskoola Pota"/>
         <a:font script="Mong" typeface="Mongolian Baiti"/>
-        <a:font script="Viet" typeface="Tahoma"/>
-        <a:font script="Uigh" typeface="Microsoft Uighur"/>
-        <a:font script="Geor" typeface="Sylfaen"/>
-      </a:majorFont>
-      <a:minorFont>
-        <a:latin typeface="Century Schoolbook" panose="02040604050505020304"/>
-        <a:ea typeface=""/>
-        <a:cs typeface=""/>
-        <a:font script="Jpan" typeface="ＭＳ ゴシック"/>
-        <a:font script="Hang" typeface="맑은 고딕"/>
-        <a:font script="Hans" typeface="宋体"/>
-        <a:font script="Hant" typeface="新細明體"/>
-        <a:font script="Arab" typeface="Tahoma"/>
-        <a:font script="Hebr" typeface="Gisha"/>
-        <a:font script="Thai" typeface="DilleniaUPC"/>
-        <a:font script="Ethi" typeface="Nyala"/>
-        <a:font script="Beng" typeface="Vrinda"/>
-        <a:font script="Gujr" typeface="Shruti"/>
-        <a:font script="Khmr" typeface="DaunPenh"/>
-        <a:font script="Knda" typeface="Tunga"/>
-        <a:font script="Guru" typeface="Raavi"/>
-        <a:font script="Cans" typeface="Euphemia"/>
-        <a:font script="Cher" typeface="Plantagenet Cherokee"/>
-        <a:font script="Yiii" typeface="Microsoft Yi Baiti"/>
-        <a:font script="Tibt" typeface="Microsoft Himalaya"/>
-        <a:font script="Thaa" typeface="MV Boli"/>
-        <a:font script="Deva" typeface="Mangal"/>
-        <a:font script="Telu" typeface="Gautami"/>
-        <a:font script="Taml" typeface="Latha"/>
-        <a:font script="Syrc" typeface="Estrangelo Edessa"/>
-        <a:font script="Orya" typeface="Kalinga"/>
-        <a:font script="Mlym" typeface="Kartika"/>
-        <a:font script="Laoo" typeface="DokChampa"/>
-        <a:font script="Sinh" typeface="Iskoola Pota"/>
-        <a:font script="Mong" typeface="Mongolian Baiti"/>
-        <a:font script="Viet" typeface="Verdana"/>
+        <a:font script="Viet" typeface="Arial"/>
         <a:font script="Uigh" typeface="Microsoft Uighur"/>
         <a:font script="Geor" typeface="Sylfaen"/>
       </a:minorFont>
     </a:fontScheme>
-    <a:fmtScheme name="View">
+    <a:fmtScheme name="Office Theme">
       <a:fillStyleLst>
         <a:solidFill>
           <a:schemeClr val="phClr"/>
         </a:solidFill>
-        <a:solidFill>
-          <a:schemeClr val="phClr">
-            <a:tint val="60000"/>
-            <a:satMod val="120000"/>
-          </a:schemeClr>
-        </a:solidFill>
-        <a:solidFill>
-          <a:schemeClr val="phClr">
-            <a:shade val="75000"/>
-            <a:satMod val="160000"/>
-          </a:schemeClr>
-        </a:solidFill>
+        <a:gradFill rotWithShape="1">
+          <a:gsLst>
+            <a:gs pos="0">
+              <a:schemeClr val="phClr">
+                <a:lumMod val="110000"/>
+                <a:satMod val="105000"/>
+                <a:tint val="67000"/>
+              </a:schemeClr>
+            </a:gs>
+            <a:gs pos="50000">
+              <a:schemeClr val="phClr">
+                <a:lumMod val="105000"/>
+                <a:satMod val="103000"/>
+                <a:tint val="73000"/>
+              </a:schemeClr>
+            </a:gs>
+            <a:gs pos="100000">
+              <a:schemeClr val="phClr">
+                <a:lumMod val="105000"/>
+                <a:satMod val="109000"/>
+                <a:tint val="81000"/>
+              </a:schemeClr>
+            </a:gs>
+          </a:gsLst>
+          <a:lin ang="5400000" scaled="0"/>
+        </a:gradFill>
+        <a:gradFill rotWithShape="1">
+          <a:gsLst>
+            <a:gs pos="0">
+              <a:schemeClr val="phClr">
+                <a:satMod val="103000"/>
+                <a:lumMod val="102000"/>
+                <a:tint val="94000"/>
+              </a:schemeClr>
+            </a:gs>
+            <a:gs pos="50000">
+              <a:schemeClr val="phClr">
+                <a:satMod val="110000"/>
+                <a:lumMod val="100000"/>
+                <a:shade val="100000"/>
+              </a:schemeClr>
+            </a:gs>
+            <a:gs pos="100000">
+              <a:schemeClr val="phClr">
+                <a:lumMod val="99000"/>
+                <a:satMod val="120000"/>
+                <a:shade val="78000"/>
+              </a:schemeClr>
+            </a:gs>
+          </a:gsLst>
+          <a:lin ang="5400000" scaled="0"/>
+        </a:gradFill>
       </a:fillStyleLst>
       <a:lnStyleLst>
-        <a:ln w="9525" cap="flat" cmpd="sng" algn="ctr">
+        <a:ln w="6350" cap="flat" cmpd="sng" algn="ctr">
           <a:solidFill>
             <a:schemeClr val="phClr"/>
           </a:solidFill>
           <a:prstDash val="solid"/>
+          <a:miter lim="800000"/>
         </a:ln>
-        <a:ln w="13970" cap="flat" cmpd="sng" algn="ctr">
+        <a:ln w="12700" cap="flat" cmpd="sng" algn="ctr">
           <a:solidFill>
             <a:schemeClr val="phClr"/>
           </a:solidFill>
           <a:prstDash val="solid"/>
+          <a:miter lim="800000"/>
         </a:ln>
-        <a:ln w="17145" cap="flat" cmpd="sng" algn="ctr">
+        <a:ln w="19050" cap="flat" cmpd="sng" algn="ctr">
           <a:solidFill>
-            <a:schemeClr val="phClr">
-              <a:shade val="95000"/>
-              <a:alpha val="95000"/>
-              <a:satMod val="150000"/>
-            </a:schemeClr>
+            <a:schemeClr val="phClr"/>
           </a:solidFill>
           <a:prstDash val="solid"/>
+          <a:miter lim="800000"/>
         </a:ln>
       </a:lnStyleLst>
       <a:effectStyleLst>
@@ -14912,52 +15828,16 @@
           <a:effectLst/>
         </a:effectStyle>
         <a:effectStyle>
+          <a:effectLst/>
+        </a:effectStyle>
+        <a:effectStyle>
           <a:effectLst>
-            <a:outerShdw blurRad="50800" dist="15240" dir="5400000" algn="tl" rotWithShape="0">
+            <a:outerShdw blurRad="57150" dist="19050" dir="5400000" algn="ctr" rotWithShape="0">
               <a:srgbClr val="000000">
-                <a:alpha val="75000"/>
+                <a:alpha val="63000"/>
               </a:srgbClr>
             </a:outerShdw>
           </a:effectLst>
-          <a:scene3d>
-            <a:camera prst="orthographicFront">
-              <a:rot lat="0" lon="0" rev="0"/>
-            </a:camera>
-            <a:lightRig rig="brightRoom" dir="tl"/>
-          </a:scene3d>
-          <a:sp3d contourW="9525" prstMaterial="flat">
-            <a:bevelT w="0" h="0" prst="coolSlant"/>
-            <a:contourClr>
-              <a:schemeClr val="phClr">
-                <a:shade val="35000"/>
-                <a:satMod val="130000"/>
-              </a:schemeClr>
-            </a:contourClr>
-          </a:sp3d>
-        </a:effectStyle>
-        <a:effectStyle>
-          <a:effectLst>
-            <a:outerShdw blurRad="76200" dist="25400" dir="5400000" algn="tl" rotWithShape="0">
-              <a:srgbClr val="000000">
-                <a:alpha val="55000"/>
-              </a:srgbClr>
-            </a:outerShdw>
-          </a:effectLst>
-          <a:scene3d>
-            <a:camera prst="orthographicFront">
-              <a:rot lat="0" lon="0" rev="0"/>
-            </a:camera>
-            <a:lightRig rig="brightRoom" dir="tl"/>
-          </a:scene3d>
-          <a:sp3d contourW="19050" prstMaterial="flat">
-            <a:bevelT w="0" h="0" prst="coolSlant"/>
-            <a:contourClr>
-              <a:schemeClr val="phClr">
-                <a:shade val="25000"/>
-                <a:satMod val="140000"/>
-              </a:schemeClr>
-            </a:contourClr>
-          </a:sp3d>
         </a:effectStyle>
       </a:effectStyleLst>
       <a:bgFillStyleLst>
@@ -14974,23 +15854,28 @@
           <a:gsLst>
             <a:gs pos="0">
               <a:schemeClr val="phClr">
-                <a:tint val="94000"/>
+                <a:tint val="93000"/>
+                <a:satMod val="150000"/>
                 <a:shade val="98000"/>
+                <a:lumMod val="102000"/>
+              </a:schemeClr>
+            </a:gs>
+            <a:gs pos="50000">
+              <a:schemeClr val="phClr">
+                <a:tint val="98000"/>
                 <a:satMod val="130000"/>
-                <a:lumMod val="102000"/>
+                <a:shade val="90000"/>
+                <a:lumMod val="103000"/>
               </a:schemeClr>
             </a:gs>
             <a:gs pos="100000">
               <a:schemeClr val="phClr">
-                <a:tint val="98000"/>
-                <a:shade val="78000"/>
-                <a:satMod val="140000"/>
+                <a:shade val="63000"/>
+                <a:satMod val="120000"/>
               </a:schemeClr>
             </a:gs>
           </a:gsLst>
-          <a:path path="circle">
-            <a:fillToRect l="100000" t="100000" r="100000" b="100000"/>
-          </a:path>
+          <a:lin ang="5400000" scaled="0"/>
         </a:gradFill>
       </a:bgFillStyleLst>
     </a:fmtScheme>
@@ -14999,7 +15884,7 @@
   <a:extraClrSchemeLst/>
   <a:extLst>
     <a:ext uri="{05A4C25C-085E-4340-85A3-A5531E510DB2}">
-      <thm15:themeFamily xmlns:thm15="http://schemas.microsoft.com/office/thememl/2012/main" name="View" id="{BA0EB5A6-F2D4-4F82-977B-64ADEE4A2A69}" vid="{3969A8A2-35DB-4E3B-8885-16FD20568674}"/>
+      <thm15:themeFamily xmlns:thm15="http://schemas.microsoft.com/office/thememl/2012/main" name="Office Theme" id="{62F939B6-93AF-4DB8-9C6B-D6C7DFDC589F}" vid="{AE6F2518-B084-4896-AF52-66CC2144AA26}"/>
     </a:ext>
   </a:extLst>
 </a:theme>
@@ -15504,6 +16389,132 @@
 </file>
 
 <file path=customXml/item1.xml><?xml version="1.0" encoding="utf-8"?>
+<p:properties xmlns:p="http://schemas.microsoft.com/office/2006/metadata/properties" xmlns:xsi="http://www.w3.org/2001/XMLSchema-instance" xmlns:pc="http://schemas.microsoft.com/office/infopath/2007/PartnerControls">
+  <documentManagement>
+    <APDescription xmlns="4873beb7-5857-4685-be1f-d57550cc96cc" xsi:nil="true"/>
+    <AssetExpire xmlns="4873beb7-5857-4685-be1f-d57550cc96cc">2029-01-01T08:00:00+00:00</AssetExpire>
+    <CampaignTagsTaxHTField0 xmlns="4873beb7-5857-4685-be1f-d57550cc96cc">
+      <Terms xmlns="http://schemas.microsoft.com/office/infopath/2007/PartnerControls"/>
+    </CampaignTagsTaxHTField0>
+    <IntlLangReviewDate xmlns="4873beb7-5857-4685-be1f-d57550cc96cc" xsi:nil="true"/>
+    <TPFriendlyName xmlns="4873beb7-5857-4685-be1f-d57550cc96cc" xsi:nil="true"/>
+    <IntlLangReview xmlns="4873beb7-5857-4685-be1f-d57550cc96cc">false</IntlLangReview>
+    <LocLastLocAttemptVersionLookup xmlns="4873beb7-5857-4685-be1f-d57550cc96cc">855024</LocLastLocAttemptVersionLookup>
+    <PolicheckWords xmlns="4873beb7-5857-4685-be1f-d57550cc96cc" xsi:nil="true"/>
+    <SubmitterId xmlns="4873beb7-5857-4685-be1f-d57550cc96cc" xsi:nil="true"/>
+    <AcquiredFrom xmlns="4873beb7-5857-4685-be1f-d57550cc96cc">Internal MS</AcquiredFrom>
+    <EditorialStatus xmlns="4873beb7-5857-4685-be1f-d57550cc96cc">Complete</EditorialStatus>
+    <Markets xmlns="4873beb7-5857-4685-be1f-d57550cc96cc"/>
+    <OriginAsset xmlns="4873beb7-5857-4685-be1f-d57550cc96cc" xsi:nil="true"/>
+    <AssetStart xmlns="4873beb7-5857-4685-be1f-d57550cc96cc">2012-08-31T08:50:00+00:00</AssetStart>
+    <FriendlyTitle xmlns="4873beb7-5857-4685-be1f-d57550cc96cc" xsi:nil="true"/>
+    <MarketSpecific xmlns="4873beb7-5857-4685-be1f-d57550cc96cc">false</MarketSpecific>
+    <TPNamespace xmlns="4873beb7-5857-4685-be1f-d57550cc96cc" xsi:nil="true"/>
+    <PublishStatusLookup xmlns="4873beb7-5857-4685-be1f-d57550cc96cc">
+      <Value>1616423</Value>
+    </PublishStatusLookup>
+    <APAuthor xmlns="4873beb7-5857-4685-be1f-d57550cc96cc">
+      <UserInfo>
+        <DisplayName>REDMOND\kristaa</DisplayName>
+        <AccountId>136</AccountId>
+        <AccountType/>
+      </UserInfo>
+    </APAuthor>
+    <TPCommandLine xmlns="4873beb7-5857-4685-be1f-d57550cc96cc" xsi:nil="true"/>
+    <IntlLangReviewer xmlns="4873beb7-5857-4685-be1f-d57550cc96cc" xsi:nil="true"/>
+    <OpenTemplate xmlns="4873beb7-5857-4685-be1f-d57550cc96cc">true</OpenTemplate>
+    <CSXSubmissionDate xmlns="4873beb7-5857-4685-be1f-d57550cc96cc" xsi:nil="true"/>
+    <TaxCatchAll xmlns="4873beb7-5857-4685-be1f-d57550cc96cc"/>
+    <Manager xmlns="4873beb7-5857-4685-be1f-d57550cc96cc" xsi:nil="true"/>
+    <NumericId xmlns="4873beb7-5857-4685-be1f-d57550cc96cc" xsi:nil="true"/>
+    <ParentAssetId xmlns="4873beb7-5857-4685-be1f-d57550cc96cc" xsi:nil="true"/>
+    <OriginalSourceMarket xmlns="4873beb7-5857-4685-be1f-d57550cc96cc" xsi:nil="true"/>
+    <ApprovalStatus xmlns="4873beb7-5857-4685-be1f-d57550cc96cc">InProgress</ApprovalStatus>
+    <TPComponent xmlns="4873beb7-5857-4685-be1f-d57550cc96cc" xsi:nil="true"/>
+    <EditorialTags xmlns="4873beb7-5857-4685-be1f-d57550cc96cc" xsi:nil="true"/>
+    <TPExecutable xmlns="4873beb7-5857-4685-be1f-d57550cc96cc" xsi:nil="true"/>
+    <TPLaunchHelpLink xmlns="4873beb7-5857-4685-be1f-d57550cc96cc" xsi:nil="true"/>
+    <LocComments xmlns="4873beb7-5857-4685-be1f-d57550cc96cc" xsi:nil="true"/>
+    <LocRecommendedHandoff xmlns="4873beb7-5857-4685-be1f-d57550cc96cc" xsi:nil="true"/>
+    <SourceTitle xmlns="4873beb7-5857-4685-be1f-d57550cc96cc" xsi:nil="true"/>
+    <CSXUpdate xmlns="4873beb7-5857-4685-be1f-d57550cc96cc">false</CSXUpdate>
+    <IntlLocPriority xmlns="4873beb7-5857-4685-be1f-d57550cc96cc" xsi:nil="true"/>
+    <UAProjectedTotalWords xmlns="4873beb7-5857-4685-be1f-d57550cc96cc" xsi:nil="true"/>
+    <AssetType xmlns="4873beb7-5857-4685-be1f-d57550cc96cc">TP</AssetType>
+    <MachineTranslated xmlns="4873beb7-5857-4685-be1f-d57550cc96cc">false</MachineTranslated>
+    <OutputCachingOn xmlns="4873beb7-5857-4685-be1f-d57550cc96cc">false</OutputCachingOn>
+    <TemplateStatus xmlns="4873beb7-5857-4685-be1f-d57550cc96cc">Complete</TemplateStatus>
+    <IsSearchable xmlns="4873beb7-5857-4685-be1f-d57550cc96cc">true</IsSearchable>
+    <ContentItem xmlns="4873beb7-5857-4685-be1f-d57550cc96cc" xsi:nil="true"/>
+    <HandoffToMSDN xmlns="4873beb7-5857-4685-be1f-d57550cc96cc" xsi:nil="true"/>
+    <ShowIn xmlns="4873beb7-5857-4685-be1f-d57550cc96cc">Show everywhere</ShowIn>
+    <ThumbnailAssetId xmlns="4873beb7-5857-4685-be1f-d57550cc96cc" xsi:nil="true"/>
+    <UALocComments xmlns="4873beb7-5857-4685-be1f-d57550cc96cc" xsi:nil="true"/>
+    <UALocRecommendation xmlns="4873beb7-5857-4685-be1f-d57550cc96cc">Localize</UALocRecommendation>
+    <LastModifiedDateTime xmlns="4873beb7-5857-4685-be1f-d57550cc96cc" xsi:nil="true"/>
+    <LegacyData xmlns="4873beb7-5857-4685-be1f-d57550cc96cc" xsi:nil="true"/>
+    <LocManualTestRequired xmlns="4873beb7-5857-4685-be1f-d57550cc96cc">false</LocManualTestRequired>
+    <LocMarketGroupTiers2 xmlns="4873beb7-5857-4685-be1f-d57550cc96cc" xsi:nil="true"/>
+    <ClipArtFilename xmlns="4873beb7-5857-4685-be1f-d57550cc96cc" xsi:nil="true"/>
+    <TPApplication xmlns="4873beb7-5857-4685-be1f-d57550cc96cc" xsi:nil="true"/>
+    <CSXHash xmlns="4873beb7-5857-4685-be1f-d57550cc96cc" xsi:nil="true"/>
+    <DirectSourceMarket xmlns="4873beb7-5857-4685-be1f-d57550cc96cc" xsi:nil="true"/>
+    <PrimaryImageGen xmlns="4873beb7-5857-4685-be1f-d57550cc96cc">true</PrimaryImageGen>
+    <PlannedPubDate xmlns="4873beb7-5857-4685-be1f-d57550cc96cc" xsi:nil="true"/>
+    <CSXSubmissionMarket xmlns="4873beb7-5857-4685-be1f-d57550cc96cc" xsi:nil="true"/>
+    <Downloads xmlns="4873beb7-5857-4685-be1f-d57550cc96cc">0</Downloads>
+    <ArtSampleDocs xmlns="4873beb7-5857-4685-be1f-d57550cc96cc" xsi:nil="true"/>
+    <TrustLevel xmlns="4873beb7-5857-4685-be1f-d57550cc96cc">1 Microsoft Managed Content</TrustLevel>
+    <BlockPublish xmlns="4873beb7-5857-4685-be1f-d57550cc96cc">false</BlockPublish>
+    <TPLaunchHelpLinkType xmlns="4873beb7-5857-4685-be1f-d57550cc96cc">Template</TPLaunchHelpLinkType>
+    <LocalizationTagsTaxHTField0 xmlns="4873beb7-5857-4685-be1f-d57550cc96cc">
+      <Terms xmlns="http://schemas.microsoft.com/office/infopath/2007/PartnerControls"/>
+    </LocalizationTagsTaxHTField0>
+    <BusinessGroup xmlns="4873beb7-5857-4685-be1f-d57550cc96cc" xsi:nil="true"/>
+    <Providers xmlns="4873beb7-5857-4685-be1f-d57550cc96cc" xsi:nil="true"/>
+    <TemplateTemplateType xmlns="4873beb7-5857-4685-be1f-d57550cc96cc">PowerPoint Presentation Template</TemplateTemplateType>
+    <TimesCloned xmlns="4873beb7-5857-4685-be1f-d57550cc96cc" xsi:nil="true"/>
+    <TPAppVersion xmlns="4873beb7-5857-4685-be1f-d57550cc96cc" xsi:nil="true"/>
+    <VoteCount xmlns="4873beb7-5857-4685-be1f-d57550cc96cc" xsi:nil="true"/>
+    <AverageRating xmlns="4873beb7-5857-4685-be1f-d57550cc96cc" xsi:nil="true"/>
+    <FeatureTagsTaxHTField0 xmlns="4873beb7-5857-4685-be1f-d57550cc96cc">
+      <Terms xmlns="http://schemas.microsoft.com/office/infopath/2007/PartnerControls"/>
+    </FeatureTagsTaxHTField0>
+    <Provider xmlns="4873beb7-5857-4685-be1f-d57550cc96cc" xsi:nil="true"/>
+    <UACurrentWords xmlns="4873beb7-5857-4685-be1f-d57550cc96cc" xsi:nil="true"/>
+    <AssetId xmlns="4873beb7-5857-4685-be1f-d57550cc96cc">TP103431361</AssetId>
+    <TPClientViewer xmlns="4873beb7-5857-4685-be1f-d57550cc96cc" xsi:nil="true"/>
+    <DSATActionTaken xmlns="4873beb7-5857-4685-be1f-d57550cc96cc" xsi:nil="true"/>
+    <APEditor xmlns="4873beb7-5857-4685-be1f-d57550cc96cc">
+      <UserInfo>
+        <DisplayName/>
+        <AccountId xsi:nil="true"/>
+        <AccountType/>
+      </UserInfo>
+    </APEditor>
+    <TPInstallLocation xmlns="4873beb7-5857-4685-be1f-d57550cc96cc" xsi:nil="true"/>
+    <OOCacheId xmlns="4873beb7-5857-4685-be1f-d57550cc96cc" xsi:nil="true"/>
+    <IsDeleted xmlns="4873beb7-5857-4685-be1f-d57550cc96cc">false</IsDeleted>
+    <PublishTargets xmlns="4873beb7-5857-4685-be1f-d57550cc96cc">OfficeOnlineVNext</PublishTargets>
+    <ApprovalLog xmlns="4873beb7-5857-4685-be1f-d57550cc96cc" xsi:nil="true"/>
+    <BugNumber xmlns="4873beb7-5857-4685-be1f-d57550cc96cc" xsi:nil="true"/>
+    <CrawlForDependencies xmlns="4873beb7-5857-4685-be1f-d57550cc96cc">false</CrawlForDependencies>
+    <InternalTagsTaxHTField0 xmlns="4873beb7-5857-4685-be1f-d57550cc96cc">
+      <Terms xmlns="http://schemas.microsoft.com/office/infopath/2007/PartnerControls"/>
+    </InternalTagsTaxHTField0>
+    <LastHandOff xmlns="4873beb7-5857-4685-be1f-d57550cc96cc" xsi:nil="true"/>
+    <Milestone xmlns="4873beb7-5857-4685-be1f-d57550cc96cc" xsi:nil="true"/>
+    <OriginalRelease xmlns="4873beb7-5857-4685-be1f-d57550cc96cc">15</OriginalRelease>
+    <RecommendationsModifier xmlns="4873beb7-5857-4685-be1f-d57550cc96cc" xsi:nil="true"/>
+    <ScenarioTagsTaxHTField0 xmlns="4873beb7-5857-4685-be1f-d57550cc96cc">
+      <Terms xmlns="http://schemas.microsoft.com/office/infopath/2007/PartnerControls"/>
+    </ScenarioTagsTaxHTField0>
+    <UANotes xmlns="4873beb7-5857-4685-be1f-d57550cc96cc" xsi:nil="true"/>
+  </documentManagement>
+</p:properties>
+</file>
+
+<file path=customXml/item2.xml><?xml version="1.0" encoding="utf-8"?>
 <ct:contentTypeSchema xmlns:ct="http://schemas.microsoft.com/office/2006/metadata/contentType" xmlns:ma="http://schemas.microsoft.com/office/2006/metadata/properties/metaAttributes" ct:_="" ma:_="" ma:contentTypeName="TemplateFile" ma:contentTypeID="0x0101006EDDDB5EE6D98C44930B742096920B300400F5B6D36B3EF94B4E9A635CDF2A18F5B8" ma:contentTypeVersion="72" ma:contentTypeDescription="Create a new document." ma:contentTypeScope="" ma:versionID="a23e56308344d904b51738559c3d67c9">
   <xsd:schema xmlns:xsd="http://www.w3.org/2001/XMLSchema" xmlns:xs="http://www.w3.org/2001/XMLSchema" xmlns:p="http://schemas.microsoft.com/office/2006/metadata/properties" xmlns:ns2="4873beb7-5857-4685-be1f-d57550cc96cc" targetNamespace="http://schemas.microsoft.com/office/2006/metadata/properties" ma:root="true" ma:fieldsID="cd0908cc4600e77bf5da051303e00c8d" ns2:_="">
     <xsd:import namespace="4873beb7-5857-4685-be1f-d57550cc96cc"/>
@@ -16543,7 +17554,7 @@
 </ct:contentTypeSchema>
 </file>
 
-<file path=customXml/item2.xml><?xml version="1.0" encoding="utf-8"?>
+<file path=customXml/item3.xml><?xml version="1.0" encoding="utf-8"?>
 <?mso-contentType ?>
 <FormTemplates xmlns="http://schemas.microsoft.com/sharepoint/v3/contenttype/forms">
   <Display>DocumentLibraryForm</Display>
@@ -16552,133 +17563,23 @@
 </FormTemplates>
 </file>
 
-<file path=customXml/item3.xml><?xml version="1.0" encoding="utf-8"?>
-<p:properties xmlns:p="http://schemas.microsoft.com/office/2006/metadata/properties" xmlns:xsi="http://www.w3.org/2001/XMLSchema-instance" xmlns:pc="http://schemas.microsoft.com/office/infopath/2007/PartnerControls">
-  <documentManagement>
-    <APDescription xmlns="4873beb7-5857-4685-be1f-d57550cc96cc" xsi:nil="true"/>
-    <AssetExpire xmlns="4873beb7-5857-4685-be1f-d57550cc96cc">2029-01-01T08:00:00+00:00</AssetExpire>
-    <CampaignTagsTaxHTField0 xmlns="4873beb7-5857-4685-be1f-d57550cc96cc">
-      <Terms xmlns="http://schemas.microsoft.com/office/infopath/2007/PartnerControls"/>
-    </CampaignTagsTaxHTField0>
-    <IntlLangReviewDate xmlns="4873beb7-5857-4685-be1f-d57550cc96cc" xsi:nil="true"/>
-    <TPFriendlyName xmlns="4873beb7-5857-4685-be1f-d57550cc96cc" xsi:nil="true"/>
-    <IntlLangReview xmlns="4873beb7-5857-4685-be1f-d57550cc96cc">false</IntlLangReview>
-    <LocLastLocAttemptVersionLookup xmlns="4873beb7-5857-4685-be1f-d57550cc96cc">855024</LocLastLocAttemptVersionLookup>
-    <PolicheckWords xmlns="4873beb7-5857-4685-be1f-d57550cc96cc" xsi:nil="true"/>
-    <SubmitterId xmlns="4873beb7-5857-4685-be1f-d57550cc96cc" xsi:nil="true"/>
-    <AcquiredFrom xmlns="4873beb7-5857-4685-be1f-d57550cc96cc">Internal MS</AcquiredFrom>
-    <EditorialStatus xmlns="4873beb7-5857-4685-be1f-d57550cc96cc">Complete</EditorialStatus>
-    <Markets xmlns="4873beb7-5857-4685-be1f-d57550cc96cc"/>
-    <OriginAsset xmlns="4873beb7-5857-4685-be1f-d57550cc96cc" xsi:nil="true"/>
-    <AssetStart xmlns="4873beb7-5857-4685-be1f-d57550cc96cc">2012-08-31T08:50:00+00:00</AssetStart>
-    <FriendlyTitle xmlns="4873beb7-5857-4685-be1f-d57550cc96cc" xsi:nil="true"/>
-    <MarketSpecific xmlns="4873beb7-5857-4685-be1f-d57550cc96cc">false</MarketSpecific>
-    <TPNamespace xmlns="4873beb7-5857-4685-be1f-d57550cc96cc" xsi:nil="true"/>
-    <PublishStatusLookup xmlns="4873beb7-5857-4685-be1f-d57550cc96cc">
-      <Value>1616423</Value>
-    </PublishStatusLookup>
-    <APAuthor xmlns="4873beb7-5857-4685-be1f-d57550cc96cc">
-      <UserInfo>
-        <DisplayName>REDMOND\kristaa</DisplayName>
-        <AccountId>136</AccountId>
-        <AccountType/>
-      </UserInfo>
-    </APAuthor>
-    <TPCommandLine xmlns="4873beb7-5857-4685-be1f-d57550cc96cc" xsi:nil="true"/>
-    <IntlLangReviewer xmlns="4873beb7-5857-4685-be1f-d57550cc96cc" xsi:nil="true"/>
-    <OpenTemplate xmlns="4873beb7-5857-4685-be1f-d57550cc96cc">true</OpenTemplate>
-    <CSXSubmissionDate xmlns="4873beb7-5857-4685-be1f-d57550cc96cc" xsi:nil="true"/>
-    <TaxCatchAll xmlns="4873beb7-5857-4685-be1f-d57550cc96cc"/>
-    <Manager xmlns="4873beb7-5857-4685-be1f-d57550cc96cc" xsi:nil="true"/>
-    <NumericId xmlns="4873beb7-5857-4685-be1f-d57550cc96cc" xsi:nil="true"/>
-    <ParentAssetId xmlns="4873beb7-5857-4685-be1f-d57550cc96cc" xsi:nil="true"/>
-    <OriginalSourceMarket xmlns="4873beb7-5857-4685-be1f-d57550cc96cc" xsi:nil="true"/>
-    <ApprovalStatus xmlns="4873beb7-5857-4685-be1f-d57550cc96cc">InProgress</ApprovalStatus>
-    <TPComponent xmlns="4873beb7-5857-4685-be1f-d57550cc96cc" xsi:nil="true"/>
-    <EditorialTags xmlns="4873beb7-5857-4685-be1f-d57550cc96cc" xsi:nil="true"/>
-    <TPExecutable xmlns="4873beb7-5857-4685-be1f-d57550cc96cc" xsi:nil="true"/>
-    <TPLaunchHelpLink xmlns="4873beb7-5857-4685-be1f-d57550cc96cc" xsi:nil="true"/>
-    <LocComments xmlns="4873beb7-5857-4685-be1f-d57550cc96cc" xsi:nil="true"/>
-    <LocRecommendedHandoff xmlns="4873beb7-5857-4685-be1f-d57550cc96cc" xsi:nil="true"/>
-    <SourceTitle xmlns="4873beb7-5857-4685-be1f-d57550cc96cc" xsi:nil="true"/>
-    <CSXUpdate xmlns="4873beb7-5857-4685-be1f-d57550cc96cc">false</CSXUpdate>
-    <IntlLocPriority xmlns="4873beb7-5857-4685-be1f-d57550cc96cc" xsi:nil="true"/>
-    <UAProjectedTotalWords xmlns="4873beb7-5857-4685-be1f-d57550cc96cc" xsi:nil="true"/>
-    <AssetType xmlns="4873beb7-5857-4685-be1f-d57550cc96cc">TP</AssetType>
-    <MachineTranslated xmlns="4873beb7-5857-4685-be1f-d57550cc96cc">false</MachineTranslated>
-    <OutputCachingOn xmlns="4873beb7-5857-4685-be1f-d57550cc96cc">false</OutputCachingOn>
-    <TemplateStatus xmlns="4873beb7-5857-4685-be1f-d57550cc96cc">Complete</TemplateStatus>
-    <IsSearchable xmlns="4873beb7-5857-4685-be1f-d57550cc96cc">true</IsSearchable>
-    <ContentItem xmlns="4873beb7-5857-4685-be1f-d57550cc96cc" xsi:nil="true"/>
-    <HandoffToMSDN xmlns="4873beb7-5857-4685-be1f-d57550cc96cc" xsi:nil="true"/>
-    <ShowIn xmlns="4873beb7-5857-4685-be1f-d57550cc96cc">Show everywhere</ShowIn>
-    <ThumbnailAssetId xmlns="4873beb7-5857-4685-be1f-d57550cc96cc" xsi:nil="true"/>
-    <UALocComments xmlns="4873beb7-5857-4685-be1f-d57550cc96cc" xsi:nil="true"/>
-    <UALocRecommendation xmlns="4873beb7-5857-4685-be1f-d57550cc96cc">Localize</UALocRecommendation>
-    <LastModifiedDateTime xmlns="4873beb7-5857-4685-be1f-d57550cc96cc" xsi:nil="true"/>
-    <LegacyData xmlns="4873beb7-5857-4685-be1f-d57550cc96cc" xsi:nil="true"/>
-    <LocManualTestRequired xmlns="4873beb7-5857-4685-be1f-d57550cc96cc">false</LocManualTestRequired>
-    <LocMarketGroupTiers2 xmlns="4873beb7-5857-4685-be1f-d57550cc96cc" xsi:nil="true"/>
-    <ClipArtFilename xmlns="4873beb7-5857-4685-be1f-d57550cc96cc" xsi:nil="true"/>
-    <TPApplication xmlns="4873beb7-5857-4685-be1f-d57550cc96cc" xsi:nil="true"/>
-    <CSXHash xmlns="4873beb7-5857-4685-be1f-d57550cc96cc" xsi:nil="true"/>
-    <DirectSourceMarket xmlns="4873beb7-5857-4685-be1f-d57550cc96cc" xsi:nil="true"/>
-    <PrimaryImageGen xmlns="4873beb7-5857-4685-be1f-d57550cc96cc">true</PrimaryImageGen>
-    <PlannedPubDate xmlns="4873beb7-5857-4685-be1f-d57550cc96cc" xsi:nil="true"/>
-    <CSXSubmissionMarket xmlns="4873beb7-5857-4685-be1f-d57550cc96cc" xsi:nil="true"/>
-    <Downloads xmlns="4873beb7-5857-4685-be1f-d57550cc96cc">0</Downloads>
-    <ArtSampleDocs xmlns="4873beb7-5857-4685-be1f-d57550cc96cc" xsi:nil="true"/>
-    <TrustLevel xmlns="4873beb7-5857-4685-be1f-d57550cc96cc">1 Microsoft Managed Content</TrustLevel>
-    <BlockPublish xmlns="4873beb7-5857-4685-be1f-d57550cc96cc">false</BlockPublish>
-    <TPLaunchHelpLinkType xmlns="4873beb7-5857-4685-be1f-d57550cc96cc">Template</TPLaunchHelpLinkType>
-    <LocalizationTagsTaxHTField0 xmlns="4873beb7-5857-4685-be1f-d57550cc96cc">
-      <Terms xmlns="http://schemas.microsoft.com/office/infopath/2007/PartnerControls"/>
-    </LocalizationTagsTaxHTField0>
-    <BusinessGroup xmlns="4873beb7-5857-4685-be1f-d57550cc96cc" xsi:nil="true"/>
-    <Providers xmlns="4873beb7-5857-4685-be1f-d57550cc96cc" xsi:nil="true"/>
-    <TemplateTemplateType xmlns="4873beb7-5857-4685-be1f-d57550cc96cc">PowerPoint Presentation Template</TemplateTemplateType>
-    <TimesCloned xmlns="4873beb7-5857-4685-be1f-d57550cc96cc" xsi:nil="true"/>
-    <TPAppVersion xmlns="4873beb7-5857-4685-be1f-d57550cc96cc" xsi:nil="true"/>
-    <VoteCount xmlns="4873beb7-5857-4685-be1f-d57550cc96cc" xsi:nil="true"/>
-    <AverageRating xmlns="4873beb7-5857-4685-be1f-d57550cc96cc" xsi:nil="true"/>
-    <FeatureTagsTaxHTField0 xmlns="4873beb7-5857-4685-be1f-d57550cc96cc">
-      <Terms xmlns="http://schemas.microsoft.com/office/infopath/2007/PartnerControls"/>
-    </FeatureTagsTaxHTField0>
-    <Provider xmlns="4873beb7-5857-4685-be1f-d57550cc96cc" xsi:nil="true"/>
-    <UACurrentWords xmlns="4873beb7-5857-4685-be1f-d57550cc96cc" xsi:nil="true"/>
-    <AssetId xmlns="4873beb7-5857-4685-be1f-d57550cc96cc">TP103431361</AssetId>
-    <TPClientViewer xmlns="4873beb7-5857-4685-be1f-d57550cc96cc" xsi:nil="true"/>
-    <DSATActionTaken xmlns="4873beb7-5857-4685-be1f-d57550cc96cc" xsi:nil="true"/>
-    <APEditor xmlns="4873beb7-5857-4685-be1f-d57550cc96cc">
-      <UserInfo>
-        <DisplayName/>
-        <AccountId xsi:nil="true"/>
-        <AccountType/>
-      </UserInfo>
-    </APEditor>
-    <TPInstallLocation xmlns="4873beb7-5857-4685-be1f-d57550cc96cc" xsi:nil="true"/>
-    <OOCacheId xmlns="4873beb7-5857-4685-be1f-d57550cc96cc" xsi:nil="true"/>
-    <IsDeleted xmlns="4873beb7-5857-4685-be1f-d57550cc96cc">false</IsDeleted>
-    <PublishTargets xmlns="4873beb7-5857-4685-be1f-d57550cc96cc">OfficeOnlineVNext</PublishTargets>
-    <ApprovalLog xmlns="4873beb7-5857-4685-be1f-d57550cc96cc" xsi:nil="true"/>
-    <BugNumber xmlns="4873beb7-5857-4685-be1f-d57550cc96cc" xsi:nil="true"/>
-    <CrawlForDependencies xmlns="4873beb7-5857-4685-be1f-d57550cc96cc">false</CrawlForDependencies>
-    <InternalTagsTaxHTField0 xmlns="4873beb7-5857-4685-be1f-d57550cc96cc">
-      <Terms xmlns="http://schemas.microsoft.com/office/infopath/2007/PartnerControls"/>
-    </InternalTagsTaxHTField0>
-    <LastHandOff xmlns="4873beb7-5857-4685-be1f-d57550cc96cc" xsi:nil="true"/>
-    <Milestone xmlns="4873beb7-5857-4685-be1f-d57550cc96cc" xsi:nil="true"/>
-    <OriginalRelease xmlns="4873beb7-5857-4685-be1f-d57550cc96cc">15</OriginalRelease>
-    <RecommendationsModifier xmlns="4873beb7-5857-4685-be1f-d57550cc96cc" xsi:nil="true"/>
-    <ScenarioTagsTaxHTField0 xmlns="4873beb7-5857-4685-be1f-d57550cc96cc">
-      <Terms xmlns="http://schemas.microsoft.com/office/infopath/2007/PartnerControls"/>
-    </ScenarioTagsTaxHTField0>
-    <UANotes xmlns="4873beb7-5857-4685-be1f-d57550cc96cc" xsi:nil="true"/>
-  </documentManagement>
-</p:properties>
+<file path=customXml/itemProps1.xml><?xml version="1.0" encoding="utf-8"?>
+<ds:datastoreItem xmlns:ds="http://schemas.openxmlformats.org/officeDocument/2006/customXml" ds:itemID="{8CDDBB83-77C1-4099-A0AA-289882E745E2}">
+  <ds:schemaRefs>
+    <ds:schemaRef ds:uri="4873beb7-5857-4685-be1f-d57550cc96cc"/>
+    <ds:schemaRef ds:uri="http://schemas.microsoft.com/office/2006/documentManagement/types"/>
+    <ds:schemaRef ds:uri="http://schemas.microsoft.com/office/2006/metadata/properties"/>
+    <ds:schemaRef ds:uri="http://schemas.microsoft.com/office/infopath/2007/PartnerControls"/>
+    <ds:schemaRef ds:uri="http://purl.org/dc/elements/1.1/"/>
+    <ds:schemaRef ds:uri="http://purl.org/dc/terms/"/>
+    <ds:schemaRef ds:uri="http://purl.org/dc/dcmitype/"/>
+    <ds:schemaRef ds:uri="http://schemas.openxmlformats.org/package/2006/metadata/core-properties"/>
+    <ds:schemaRef ds:uri="http://www.w3.org/XML/1998/namespace"/>
+  </ds:schemaRefs>
+</ds:datastoreItem>
 </file>
 
-<file path=customXml/itemProps1.xml><?xml version="1.0" encoding="utf-8"?>
+<file path=customXml/itemProps2.xml><?xml version="1.0" encoding="utf-8"?>
 <ds:datastoreItem xmlns:ds="http://schemas.openxmlformats.org/officeDocument/2006/customXml" ds:itemID="{28C8B9CA-0273-4370-889A-FC05DA5C2FA5}">
   <ds:schemaRefs>
     <ds:schemaRef ds:uri="http://schemas.microsoft.com/office/2006/metadata/contentType"/>
@@ -16696,26 +17597,10 @@
 </ds:datastoreItem>
 </file>
 
-<file path=customXml/itemProps2.xml><?xml version="1.0" encoding="utf-8"?>
+<file path=customXml/itemProps3.xml><?xml version="1.0" encoding="utf-8"?>
 <ds:datastoreItem xmlns:ds="http://schemas.openxmlformats.org/officeDocument/2006/customXml" ds:itemID="{561E720F-F05D-4536-9C34-0CFCED65D3B7}">
   <ds:schemaRefs>
     <ds:schemaRef ds:uri="http://schemas.microsoft.com/sharepoint/v3/contenttype/forms"/>
   </ds:schemaRefs>
 </ds:datastoreItem>
-</file>
-
-<file path=customXml/itemProps3.xml><?xml version="1.0" encoding="utf-8"?>
-<ds:datastoreItem xmlns:ds="http://schemas.openxmlformats.org/officeDocument/2006/customXml" ds:itemID="{8CDDBB83-77C1-4099-A0AA-289882E745E2}">
-  <ds:schemaRefs>
-    <ds:schemaRef ds:uri="http://purl.org/dc/elements/1.1/"/>
-    <ds:schemaRef ds:uri="http://purl.org/dc/terms/"/>
-    <ds:schemaRef ds:uri="http://schemas.microsoft.com/office/2006/metadata/properties"/>
-    <ds:schemaRef ds:uri="http://schemas.microsoft.com/office/2006/documentManagement/types"/>
-    <ds:schemaRef ds:uri="http://schemas.microsoft.com/office/infopath/2007/PartnerControls"/>
-    <ds:schemaRef ds:uri="4873beb7-5857-4685-be1f-d57550cc96cc"/>
-    <ds:schemaRef ds:uri="http://schemas.openxmlformats.org/package/2006/metadata/core-properties"/>
-    <ds:schemaRef ds:uri="http://www.w3.org/XML/1998/namespace"/>
-    <ds:schemaRef ds:uri="http://purl.org/dc/dcmitype/"/>
-  </ds:schemaRefs>
-</ds:datastoreItem>
 </file>